--- a/固定资产管理系统-17.pptx
+++ b/固定资产管理系统-17.pptx
@@ -5,40 +5,41 @@
     <p:sldMasterId id="2147483648" r:id="rId1"/>
   </p:sldMasterIdLst>
   <p:notesMasterIdLst>
-    <p:notesMasterId r:id="rId4"/>
+    <p:notesMasterId r:id="rId29"/>
   </p:notesMasterIdLst>
   <p:sldIdLst>
-    <p:sldId id="287" r:id="rId3"/>
-    <p:sldId id="258" r:id="rId5"/>
-    <p:sldId id="259" r:id="rId6"/>
-    <p:sldId id="260" r:id="rId7"/>
-    <p:sldId id="261" r:id="rId8"/>
-    <p:sldId id="266" r:id="rId9"/>
-    <p:sldId id="264" r:id="rId10"/>
-    <p:sldId id="274" r:id="rId11"/>
-    <p:sldId id="267" r:id="rId12"/>
-    <p:sldId id="265" r:id="rId13"/>
-    <p:sldId id="268" r:id="rId14"/>
-    <p:sldId id="318" r:id="rId15"/>
-    <p:sldId id="270" r:id="rId16"/>
-    <p:sldId id="269" r:id="rId17"/>
-    <p:sldId id="278" r:id="rId18"/>
-    <p:sldId id="271" r:id="rId19"/>
-    <p:sldId id="282" r:id="rId20"/>
-    <p:sldId id="284" r:id="rId21"/>
-    <p:sldId id="319" r:id="rId22"/>
-    <p:sldId id="326" r:id="rId23"/>
-    <p:sldId id="327" r:id="rId24"/>
-    <p:sldId id="328" r:id="rId25"/>
-    <p:sldId id="320" r:id="rId26"/>
-    <p:sldId id="321" r:id="rId27"/>
-    <p:sldId id="322" r:id="rId28"/>
-    <p:sldId id="286" r:id="rId29"/>
+    <p:sldId id="287" r:id="rId2"/>
+    <p:sldId id="258" r:id="rId3"/>
+    <p:sldId id="259" r:id="rId4"/>
+    <p:sldId id="260" r:id="rId5"/>
+    <p:sldId id="261" r:id="rId6"/>
+    <p:sldId id="266" r:id="rId7"/>
+    <p:sldId id="264" r:id="rId8"/>
+    <p:sldId id="274" r:id="rId9"/>
+    <p:sldId id="267" r:id="rId10"/>
+    <p:sldId id="265" r:id="rId11"/>
+    <p:sldId id="268" r:id="rId12"/>
+    <p:sldId id="318" r:id="rId13"/>
+    <p:sldId id="329" r:id="rId14"/>
+    <p:sldId id="270" r:id="rId15"/>
+    <p:sldId id="269" r:id="rId16"/>
+    <p:sldId id="278" r:id="rId17"/>
+    <p:sldId id="271" r:id="rId18"/>
+    <p:sldId id="282" r:id="rId19"/>
+    <p:sldId id="284" r:id="rId20"/>
+    <p:sldId id="319" r:id="rId21"/>
+    <p:sldId id="326" r:id="rId22"/>
+    <p:sldId id="327" r:id="rId23"/>
+    <p:sldId id="328" r:id="rId24"/>
+    <p:sldId id="320" r:id="rId25"/>
+    <p:sldId id="321" r:id="rId26"/>
+    <p:sldId id="322" r:id="rId27"/>
+    <p:sldId id="286" r:id="rId28"/>
   </p:sldIdLst>
   <p:sldSz cx="12192000" cy="6858000"/>
   <p:notesSz cx="6858000" cy="9144000"/>
   <p:custDataLst>
-    <p:tags r:id="rId33"/>
+    <p:tags r:id="rId30"/>
   </p:custDataLst>
   <p:defaultTextStyle>
     <a:defPPr>
@@ -135,11 +136,35 @@
       </a:defRPr>
     </a:lvl9pPr>
   </p:defaultTextStyle>
+  <p:extLst>
+    <p:ext uri="{EFAFB233-063F-42B5-8137-9DF3F51BA10A}">
+      <p15:sldGuideLst xmlns:p15="http://schemas.microsoft.com/office/powerpoint/2012/main">
+        <p15:guide id="1" orient="horz" pos="1048">
+          <p15:clr>
+            <a:srgbClr val="A4A3A4"/>
+          </p15:clr>
+        </p15:guide>
+        <p15:guide id="2" pos="574">
+          <p15:clr>
+            <a:srgbClr val="A4A3A4"/>
+          </p15:clr>
+        </p15:guide>
+        <p15:guide id="3" pos="3986">
+          <p15:clr>
+            <a:srgbClr val="A4A3A4"/>
+          </p15:clr>
+        </p15:guide>
+      </p15:sldGuideLst>
+    </p:ext>
+    <p:ext uri="{2D200454-40CA-4A62-9FC3-DE9A4176ACB9}">
+      <p15:notesGuideLst xmlns:p15="http://schemas.microsoft.com/office/powerpoint/2012/main"/>
+    </p:ext>
+  </p:extLst>
 </p:presentation>
 </file>
 
 <file path=ppt/diagrams/colors1.xml><?xml version="1.0" encoding="utf-8"?>
-<dgm:colorsDef xmlns:dgm="http://schemas.openxmlformats.org/drawingml/2006/diagram" xmlns:a="http://schemas.openxmlformats.org/drawingml/2006/main" uniqueId="urn:microsoft.com/office/officeart/2005/8/colors/accent1_2">
+<dgm:colorsDef xmlns:dgm="http://schemas.openxmlformats.org/drawingml/2006/diagram" xmlns:a="http://schemas.openxmlformats.org/drawingml/2006/main" uniqueId="urn:microsoft.com/office/officeart/2005/8/colors/accent1_2#1">
   <dgm:title val=""/>
   <dgm:desc val=""/>
   <dgm:catLst>
@@ -886,7 +911,7 @@
 </file>
 
 <file path=ppt/diagrams/colors2.xml><?xml version="1.0" encoding="utf-8"?>
-<dgm:colorsDef xmlns:dgm="http://schemas.openxmlformats.org/drawingml/2006/diagram" xmlns:a="http://schemas.openxmlformats.org/drawingml/2006/main" uniqueId="urn:microsoft.com/office/officeart/2005/8/colors/accent1_2">
+<dgm:colorsDef xmlns:dgm="http://schemas.openxmlformats.org/drawingml/2006/diagram" xmlns:a="http://schemas.openxmlformats.org/drawingml/2006/main" uniqueId="urn:microsoft.com/office/officeart/2005/8/colors/accent1_2#2">
   <dgm:title val=""/>
   <dgm:desc val=""/>
   <dgm:catLst>
@@ -1636,10 +1661,11 @@
 <dgm:dataModel xmlns:dgm="http://schemas.openxmlformats.org/drawingml/2006/diagram" xmlns:a="http://schemas.openxmlformats.org/drawingml/2006/main">
   <dgm:ptLst>
     <dgm:pt modelId="{37D76233-2C52-45E9-94E8-FBDCAFC81AF1}" type="doc">
-      <dgm:prSet loTypeId="cycle" loCatId="cycle" qsTypeId="urn:microsoft.com/office/officeart/2005/8/quickstyle/simple1" qsCatId="simple" csTypeId="urn:microsoft.com/office/officeart/2005/8/colors/accent1_2" csCatId="accent1" phldr="0"/>
+      <dgm:prSet loTypeId="urn:microsoft.com/office/officeart/2005/8/layout/radial6#1" loCatId="cycle" qsTypeId="urn:microsoft.com/office/officeart/2005/8/quickstyle/simple1#1" qsCatId="simple" csTypeId="urn:microsoft.com/office/officeart/2005/8/colors/accent1_2#1" csCatId="accent1" phldr="0"/>
       <dgm:spPr/>
       <dgm:t>
         <a:bodyPr/>
+        <a:lstStyle/>
         <a:p>
           <a:endParaRPr lang="zh-CN" altLang="en-US"/>
         </a:p>
@@ -1650,6 +1676,7 @@
       <dgm:spPr/>
       <dgm:t>
         <a:bodyPr vert="horz" wrap="square"/>
+        <a:lstStyle/>
         <a:p>
           <a:pPr>
             <a:lnSpc>
@@ -1666,29 +1693,26 @@
             <a:rPr lang="zh-CN" altLang="en-US" sz="3200"/>
             <a:t>功能模块</a:t>
           </a:r>
-          <a:r>
-            <a:rPr lang="zh-CN" altLang="en-US" sz="3200"/>
-            <a:t/>
-          </a:r>
-          <a:endParaRPr lang="zh-CN" altLang="en-US" sz="3200"/>
         </a:p>
       </dgm:t>
     </dgm:pt>
-    <dgm:pt modelId="{40722E6B-70D7-49DD-BCDB-C5F5A53BB946}" cxnId="{12D872B8-E308-49B6-A7FE-DFFB5FB7FC14}" type="parTrans">
+    <dgm:pt modelId="{40722E6B-70D7-49DD-BCDB-C5F5A53BB946}" type="parTrans" cxnId="{12D872B8-E308-49B6-A7FE-DFFB5FB7FC14}">
       <dgm:prSet/>
       <dgm:spPr/>
       <dgm:t>
         <a:bodyPr/>
+        <a:lstStyle/>
         <a:p>
           <a:endParaRPr lang="zh-CN" altLang="en-US"/>
         </a:p>
       </dgm:t>
     </dgm:pt>
-    <dgm:pt modelId="{AC66A5CC-387D-4D7B-8E90-1B8214C2F261}" cxnId="{12D872B8-E308-49B6-A7FE-DFFB5FB7FC14}" type="sibTrans">
+    <dgm:pt modelId="{AC66A5CC-387D-4D7B-8E90-1B8214C2F261}" type="sibTrans" cxnId="{12D872B8-E308-49B6-A7FE-DFFB5FB7FC14}">
       <dgm:prSet/>
       <dgm:spPr/>
       <dgm:t>
         <a:bodyPr/>
+        <a:lstStyle/>
         <a:p>
           <a:endParaRPr lang="zh-CN" altLang="en-US"/>
         </a:p>
@@ -1699,6 +1723,7 @@
       <dgm:spPr/>
       <dgm:t>
         <a:bodyPr vert="horz" wrap="square"/>
+        <a:lstStyle/>
         <a:p>
           <a:pPr>
             <a:lnSpc>
@@ -1715,25 +1740,26 @@
             <a:rPr lang="zh-CN" altLang="en-US"/>
             <a:t>登录功能</a:t>
           </a:r>
-          <a:endParaRPr lang="zh-CN" altLang="en-US"/>
         </a:p>
       </dgm:t>
     </dgm:pt>
-    <dgm:pt modelId="{055F34F9-26B5-46B6-B947-B5718EF53A09}" cxnId="{8B9328F7-1C7B-425C-B638-1B5189F45B85}" type="parTrans">
+    <dgm:pt modelId="{055F34F9-26B5-46B6-B947-B5718EF53A09}" type="parTrans" cxnId="{8B9328F7-1C7B-425C-B638-1B5189F45B85}">
       <dgm:prSet/>
       <dgm:spPr/>
       <dgm:t>
         <a:bodyPr/>
+        <a:lstStyle/>
         <a:p>
           <a:endParaRPr lang="zh-CN" altLang="en-US"/>
         </a:p>
       </dgm:t>
     </dgm:pt>
-    <dgm:pt modelId="{4116C939-0673-4613-8FA7-CB6FE7258301}" cxnId="{8B9328F7-1C7B-425C-B638-1B5189F45B85}" type="sibTrans">
+    <dgm:pt modelId="{4116C939-0673-4613-8FA7-CB6FE7258301}" type="sibTrans" cxnId="{8B9328F7-1C7B-425C-B638-1B5189F45B85}">
       <dgm:prSet/>
       <dgm:spPr/>
       <dgm:t>
         <a:bodyPr/>
+        <a:lstStyle/>
         <a:p>
           <a:endParaRPr lang="zh-CN" altLang="en-US"/>
         </a:p>
@@ -1744,6 +1770,7 @@
       <dgm:spPr/>
       <dgm:t>
         <a:bodyPr vert="horz" wrap="square"/>
+        <a:lstStyle/>
         <a:p>
           <a:pPr>
             <a:lnSpc>
@@ -1760,29 +1787,26 @@
             <a:rPr lang="zh-CN" altLang="en-US"/>
             <a:t>资产信息管理功能</a:t>
           </a:r>
-          <a:r>
-            <a:rPr lang="zh-CN" altLang="en-US"/>
-            <a:t/>
-          </a:r>
-          <a:endParaRPr lang="zh-CN" altLang="en-US"/>
         </a:p>
       </dgm:t>
     </dgm:pt>
-    <dgm:pt modelId="{A96BE2DD-535A-47FD-A010-195BD3C076B9}" cxnId="{ED869DAE-0335-470F-AE5C-565E4267C191}" type="parTrans">
+    <dgm:pt modelId="{A96BE2DD-535A-47FD-A010-195BD3C076B9}" type="parTrans" cxnId="{ED869DAE-0335-470F-AE5C-565E4267C191}">
       <dgm:prSet/>
       <dgm:spPr/>
       <dgm:t>
         <a:bodyPr/>
+        <a:lstStyle/>
         <a:p>
           <a:endParaRPr lang="zh-CN" altLang="en-US"/>
         </a:p>
       </dgm:t>
     </dgm:pt>
-    <dgm:pt modelId="{75EA9321-EAFA-4AF6-8313-8107E8EB3526}" cxnId="{ED869DAE-0335-470F-AE5C-565E4267C191}" type="sibTrans">
+    <dgm:pt modelId="{75EA9321-EAFA-4AF6-8313-8107E8EB3526}" type="sibTrans" cxnId="{ED869DAE-0335-470F-AE5C-565E4267C191}">
       <dgm:prSet/>
       <dgm:spPr/>
       <dgm:t>
         <a:bodyPr/>
+        <a:lstStyle/>
         <a:p>
           <a:endParaRPr lang="zh-CN" altLang="en-US"/>
         </a:p>
@@ -1793,6 +1817,7 @@
       <dgm:spPr/>
       <dgm:t>
         <a:bodyPr vert="horz" wrap="square"/>
+        <a:lstStyle/>
         <a:p>
           <a:pPr>
             <a:lnSpc>
@@ -1809,29 +1834,26 @@
             <a:rPr lang="zh-CN" altLang="en-US"/>
             <a:t>资产报废管理功能</a:t>
           </a:r>
-          <a:r>
-            <a:rPr lang="zh-CN" altLang="en-US"/>
-            <a:t/>
-          </a:r>
-          <a:endParaRPr lang="zh-CN" altLang="en-US"/>
         </a:p>
       </dgm:t>
     </dgm:pt>
-    <dgm:pt modelId="{6BAC1755-6217-4715-99C2-D1422148265D}" cxnId="{7C789FA6-C0C7-44D1-B523-F3E7A298B7AA}" type="parTrans">
+    <dgm:pt modelId="{6BAC1755-6217-4715-99C2-D1422148265D}" type="parTrans" cxnId="{7C789FA6-C0C7-44D1-B523-F3E7A298B7AA}">
       <dgm:prSet/>
       <dgm:spPr/>
       <dgm:t>
         <a:bodyPr/>
+        <a:lstStyle/>
         <a:p>
           <a:endParaRPr lang="zh-CN" altLang="en-US"/>
         </a:p>
       </dgm:t>
     </dgm:pt>
-    <dgm:pt modelId="{925984A4-8E6F-4D28-B868-DBAB08F4BD28}" cxnId="{7C789FA6-C0C7-44D1-B523-F3E7A298B7AA}" type="sibTrans">
+    <dgm:pt modelId="{925984A4-8E6F-4D28-B868-DBAB08F4BD28}" type="sibTrans" cxnId="{7C789FA6-C0C7-44D1-B523-F3E7A298B7AA}">
       <dgm:prSet/>
       <dgm:spPr/>
       <dgm:t>
         <a:bodyPr/>
+        <a:lstStyle/>
         <a:p>
           <a:endParaRPr lang="zh-CN" altLang="en-US"/>
         </a:p>
@@ -1842,6 +1864,7 @@
       <dgm:spPr/>
       <dgm:t>
         <a:bodyPr vert="horz" wrap="square"/>
+        <a:lstStyle/>
         <a:p>
           <a:pPr>
             <a:lnSpc>
@@ -1858,29 +1881,26 @@
             <a:rPr lang="zh-CN" altLang="en-US"/>
             <a:t>资产维修管理功能</a:t>
           </a:r>
-          <a:r>
-            <a:rPr lang="zh-CN" altLang="en-US"/>
-            <a:t/>
-          </a:r>
-          <a:endParaRPr lang="zh-CN" altLang="en-US"/>
         </a:p>
       </dgm:t>
     </dgm:pt>
-    <dgm:pt modelId="{F205FF88-2C9B-4658-BCAA-BEA6EB7393B2}" cxnId="{449BF1EE-291A-455B-91C1-A2F0F633A927}" type="parTrans">
+    <dgm:pt modelId="{F205FF88-2C9B-4658-BCAA-BEA6EB7393B2}" type="parTrans" cxnId="{449BF1EE-291A-455B-91C1-A2F0F633A927}">
       <dgm:prSet/>
       <dgm:spPr/>
       <dgm:t>
         <a:bodyPr/>
+        <a:lstStyle/>
         <a:p>
           <a:endParaRPr lang="zh-CN" altLang="en-US"/>
         </a:p>
       </dgm:t>
     </dgm:pt>
-    <dgm:pt modelId="{B5C730DE-1181-420B-A78D-195E914DCCF5}" cxnId="{449BF1EE-291A-455B-91C1-A2F0F633A927}" type="sibTrans">
+    <dgm:pt modelId="{B5C730DE-1181-420B-A78D-195E914DCCF5}" type="sibTrans" cxnId="{449BF1EE-291A-455B-91C1-A2F0F633A927}">
       <dgm:prSet/>
       <dgm:spPr/>
       <dgm:t>
         <a:bodyPr/>
+        <a:lstStyle/>
         <a:p>
           <a:endParaRPr lang="zh-CN" altLang="en-US"/>
         </a:p>
@@ -1896,10 +1916,24 @@
         </dgm:presLayoutVars>
       </dgm:prSet>
       <dgm:spPr/>
+      <dgm:t>
+        <a:bodyPr/>
+        <a:lstStyle/>
+        <a:p>
+          <a:endParaRPr lang="zh-CN" altLang="en-US"/>
+        </a:p>
+      </dgm:t>
     </dgm:pt>
     <dgm:pt modelId="{BADECBB5-37EA-4668-8A2F-BD2C2902F22A}" type="pres">
       <dgm:prSet presAssocID="{8E2A460B-45D3-4E20-A31D-4AFE676F0DDA}" presName="centerShape" presStyleLbl="node0" presStyleIdx="0" presStyleCnt="1"/>
       <dgm:spPr/>
+      <dgm:t>
+        <a:bodyPr/>
+        <a:lstStyle/>
+        <a:p>
+          <a:endParaRPr lang="zh-CN" altLang="en-US"/>
+        </a:p>
+      </dgm:t>
     </dgm:pt>
     <dgm:pt modelId="{C2E7DEFD-0505-42BF-AE13-B6483BF86572}" type="pres">
       <dgm:prSet presAssocID="{ECE2948F-862B-4CC3-B6BC-3E6415C7F5DD}" presName="node" presStyleLbl="node1" presStyleIdx="0" presStyleCnt="4">
@@ -1908,6 +1942,13 @@
         </dgm:presLayoutVars>
       </dgm:prSet>
       <dgm:spPr/>
+      <dgm:t>
+        <a:bodyPr/>
+        <a:lstStyle/>
+        <a:p>
+          <a:endParaRPr lang="zh-CN" altLang="en-US"/>
+        </a:p>
+      </dgm:t>
     </dgm:pt>
     <dgm:pt modelId="{45046E67-FA41-4C32-9E33-BDDDFBBF1D6A}" type="pres">
       <dgm:prSet presAssocID="{ECE2948F-862B-4CC3-B6BC-3E6415C7F5DD}" presName="dummy" presStyleCnt="0"/>
@@ -1916,6 +1957,13 @@
     <dgm:pt modelId="{F3596884-C09F-4C70-900E-D61864BED5F1}" type="pres">
       <dgm:prSet presAssocID="{4116C939-0673-4613-8FA7-CB6FE7258301}" presName="sibTrans" presStyleLbl="sibTrans2D1" presStyleIdx="0" presStyleCnt="4"/>
       <dgm:spPr/>
+      <dgm:t>
+        <a:bodyPr/>
+        <a:lstStyle/>
+        <a:p>
+          <a:endParaRPr lang="zh-CN" altLang="en-US"/>
+        </a:p>
+      </dgm:t>
     </dgm:pt>
     <dgm:pt modelId="{44F31994-0027-4DC3-B39E-FEE01FB1A852}" type="pres">
       <dgm:prSet presAssocID="{D34FE5D7-7525-4D59-ABC9-3998105E634C}" presName="node" presStyleLbl="node1" presStyleIdx="1" presStyleCnt="4">
@@ -1924,6 +1972,13 @@
         </dgm:presLayoutVars>
       </dgm:prSet>
       <dgm:spPr/>
+      <dgm:t>
+        <a:bodyPr/>
+        <a:lstStyle/>
+        <a:p>
+          <a:endParaRPr lang="zh-CN" altLang="en-US"/>
+        </a:p>
+      </dgm:t>
     </dgm:pt>
     <dgm:pt modelId="{C6A1073C-AEB6-41D2-8257-B02F52AE6460}" type="pres">
       <dgm:prSet presAssocID="{D34FE5D7-7525-4D59-ABC9-3998105E634C}" presName="dummy" presStyleCnt="0"/>
@@ -1932,6 +1987,13 @@
     <dgm:pt modelId="{15715456-3418-4DF0-AF3A-DA59307B110D}" type="pres">
       <dgm:prSet presAssocID="{75EA9321-EAFA-4AF6-8313-8107E8EB3526}" presName="sibTrans" presStyleLbl="sibTrans2D1" presStyleIdx="1" presStyleCnt="4"/>
       <dgm:spPr/>
+      <dgm:t>
+        <a:bodyPr/>
+        <a:lstStyle/>
+        <a:p>
+          <a:endParaRPr lang="zh-CN" altLang="en-US"/>
+        </a:p>
+      </dgm:t>
     </dgm:pt>
     <dgm:pt modelId="{0DA4B7DF-BD6B-46E8-940A-69050C019BB3}" type="pres">
       <dgm:prSet presAssocID="{E17F1310-B4AD-4B57-8D9B-BF776721EA77}" presName="node" presStyleLbl="node1" presStyleIdx="2" presStyleCnt="4">
@@ -1940,6 +2002,13 @@
         </dgm:presLayoutVars>
       </dgm:prSet>
       <dgm:spPr/>
+      <dgm:t>
+        <a:bodyPr/>
+        <a:lstStyle/>
+        <a:p>
+          <a:endParaRPr lang="zh-CN" altLang="en-US"/>
+        </a:p>
+      </dgm:t>
     </dgm:pt>
     <dgm:pt modelId="{9268D1C0-A139-4893-A300-CF509D15352B}" type="pres">
       <dgm:prSet presAssocID="{E17F1310-B4AD-4B57-8D9B-BF776721EA77}" presName="dummy" presStyleCnt="0"/>
@@ -1948,6 +2017,13 @@
     <dgm:pt modelId="{EBDCA107-8C73-4044-AC95-50DA28B759A8}" type="pres">
       <dgm:prSet presAssocID="{925984A4-8E6F-4D28-B868-DBAB08F4BD28}" presName="sibTrans" presStyleLbl="sibTrans2D1" presStyleIdx="2" presStyleCnt="4"/>
       <dgm:spPr/>
+      <dgm:t>
+        <a:bodyPr/>
+        <a:lstStyle/>
+        <a:p>
+          <a:endParaRPr lang="zh-CN" altLang="en-US"/>
+        </a:p>
+      </dgm:t>
     </dgm:pt>
     <dgm:pt modelId="{F539A410-44AA-4A02-9F1B-997DD2B71E87}" type="pres">
       <dgm:prSet presAssocID="{468FA009-1E87-4539-85FA-5C28B78DD6E9}" presName="node" presStyleLbl="node1" presStyleIdx="3" presStyleCnt="4">
@@ -1956,6 +2032,13 @@
         </dgm:presLayoutVars>
       </dgm:prSet>
       <dgm:spPr/>
+      <dgm:t>
+        <a:bodyPr/>
+        <a:lstStyle/>
+        <a:p>
+          <a:endParaRPr lang="zh-CN" altLang="en-US"/>
+        </a:p>
+      </dgm:t>
     </dgm:pt>
     <dgm:pt modelId="{2B016566-AAE3-46FD-A114-7C13E71734EF}" type="pres">
       <dgm:prSet presAssocID="{468FA009-1E87-4539-85FA-5C28B78DD6E9}" presName="dummy" presStyleCnt="0"/>
@@ -1964,43 +2047,50 @@
     <dgm:pt modelId="{B5FF6E04-452A-4146-97F4-3BC94EB5BB87}" type="pres">
       <dgm:prSet presAssocID="{B5C730DE-1181-420B-A78D-195E914DCCF5}" presName="sibTrans" presStyleLbl="sibTrans2D1" presStyleIdx="3" presStyleCnt="4"/>
       <dgm:spPr/>
+      <dgm:t>
+        <a:bodyPr/>
+        <a:lstStyle/>
+        <a:p>
+          <a:endParaRPr lang="zh-CN" altLang="en-US"/>
+        </a:p>
+      </dgm:t>
     </dgm:pt>
   </dgm:ptLst>
   <dgm:cxnLst>
+    <dgm:cxn modelId="{D46FAA2C-F861-4A21-8E5D-3D9BF865DAB0}" type="presOf" srcId="{37D76233-2C52-45E9-94E8-FBDCAFC81AF1}" destId="{D5B7622F-17AC-467C-B10C-28C38C38C350}" srcOrd="0" destOrd="0" presId="urn:microsoft.com/office/officeart/2005/8/layout/radial6#1"/>
+    <dgm:cxn modelId="{DD974917-4E19-4543-A49E-16164063F4B3}" type="presOf" srcId="{ECE2948F-862B-4CC3-B6BC-3E6415C7F5DD}" destId="{C2E7DEFD-0505-42BF-AE13-B6483BF86572}" srcOrd="0" destOrd="0" presId="urn:microsoft.com/office/officeart/2005/8/layout/radial6#1"/>
+    <dgm:cxn modelId="{449BF1EE-291A-455B-91C1-A2F0F633A927}" srcId="{8E2A460B-45D3-4E20-A31D-4AFE676F0DDA}" destId="{468FA009-1E87-4539-85FA-5C28B78DD6E9}" srcOrd="3" destOrd="0" parTransId="{F205FF88-2C9B-4658-BCAA-BEA6EB7393B2}" sibTransId="{B5C730DE-1181-420B-A78D-195E914DCCF5}"/>
+    <dgm:cxn modelId="{ED869DAE-0335-470F-AE5C-565E4267C191}" srcId="{8E2A460B-45D3-4E20-A31D-4AFE676F0DDA}" destId="{D34FE5D7-7525-4D59-ABC9-3998105E634C}" srcOrd="1" destOrd="0" parTransId="{A96BE2DD-535A-47FD-A010-195BD3C076B9}" sibTransId="{75EA9321-EAFA-4AF6-8313-8107E8EB3526}"/>
+    <dgm:cxn modelId="{0471A385-0EF8-4996-A941-D5F3BC418262}" type="presOf" srcId="{4116C939-0673-4613-8FA7-CB6FE7258301}" destId="{F3596884-C09F-4C70-900E-D61864BED5F1}" srcOrd="0" destOrd="0" presId="urn:microsoft.com/office/officeart/2005/8/layout/radial6#1"/>
+    <dgm:cxn modelId="{D0EA81BA-114B-4A4A-B373-73A846C2E71B}" type="presOf" srcId="{468FA009-1E87-4539-85FA-5C28B78DD6E9}" destId="{F539A410-44AA-4A02-9F1B-997DD2B71E87}" srcOrd="0" destOrd="0" presId="urn:microsoft.com/office/officeart/2005/8/layout/radial6#1"/>
+    <dgm:cxn modelId="{813ED879-051E-4356-BFAB-289F016CD5CF}" type="presOf" srcId="{75EA9321-EAFA-4AF6-8313-8107E8EB3526}" destId="{15715456-3418-4DF0-AF3A-DA59307B110D}" srcOrd="0" destOrd="0" presId="urn:microsoft.com/office/officeart/2005/8/layout/radial6#1"/>
+    <dgm:cxn modelId="{7C789FA6-C0C7-44D1-B523-F3E7A298B7AA}" srcId="{8E2A460B-45D3-4E20-A31D-4AFE676F0DDA}" destId="{E17F1310-B4AD-4B57-8D9B-BF776721EA77}" srcOrd="2" destOrd="0" parTransId="{6BAC1755-6217-4715-99C2-D1422148265D}" sibTransId="{925984A4-8E6F-4D28-B868-DBAB08F4BD28}"/>
+    <dgm:cxn modelId="{A236FDBF-1D02-456D-A0FB-6D8F2A3F7110}" type="presOf" srcId="{925984A4-8E6F-4D28-B868-DBAB08F4BD28}" destId="{EBDCA107-8C73-4044-AC95-50DA28B759A8}" srcOrd="0" destOrd="0" presId="urn:microsoft.com/office/officeart/2005/8/layout/radial6#1"/>
+    <dgm:cxn modelId="{645D658E-9A29-4C90-8814-666328A957B9}" type="presOf" srcId="{E17F1310-B4AD-4B57-8D9B-BF776721EA77}" destId="{0DA4B7DF-BD6B-46E8-940A-69050C019BB3}" srcOrd="0" destOrd="0" presId="urn:microsoft.com/office/officeart/2005/8/layout/radial6#1"/>
+    <dgm:cxn modelId="{E67FCB85-DEB7-47E7-85B3-C9C900525D98}" type="presOf" srcId="{8E2A460B-45D3-4E20-A31D-4AFE676F0DDA}" destId="{BADECBB5-37EA-4668-8A2F-BD2C2902F22A}" srcOrd="0" destOrd="0" presId="urn:microsoft.com/office/officeart/2005/8/layout/radial6#1"/>
+    <dgm:cxn modelId="{8B9328F7-1C7B-425C-B638-1B5189F45B85}" srcId="{8E2A460B-45D3-4E20-A31D-4AFE676F0DDA}" destId="{ECE2948F-862B-4CC3-B6BC-3E6415C7F5DD}" srcOrd="0" destOrd="0" parTransId="{055F34F9-26B5-46B6-B947-B5718EF53A09}" sibTransId="{4116C939-0673-4613-8FA7-CB6FE7258301}"/>
     <dgm:cxn modelId="{12D872B8-E308-49B6-A7FE-DFFB5FB7FC14}" srcId="{37D76233-2C52-45E9-94E8-FBDCAFC81AF1}" destId="{8E2A460B-45D3-4E20-A31D-4AFE676F0DDA}" srcOrd="0" destOrd="0" parTransId="{40722E6B-70D7-49DD-BCDB-C5F5A53BB946}" sibTransId="{AC66A5CC-387D-4D7B-8E90-1B8214C2F261}"/>
-    <dgm:cxn modelId="{8B9328F7-1C7B-425C-B638-1B5189F45B85}" srcId="{8E2A460B-45D3-4E20-A31D-4AFE676F0DDA}" destId="{ECE2948F-862B-4CC3-B6BC-3E6415C7F5DD}" srcOrd="0" destOrd="0" parTransId="{055F34F9-26B5-46B6-B947-B5718EF53A09}" sibTransId="{4116C939-0673-4613-8FA7-CB6FE7258301}"/>
-    <dgm:cxn modelId="{ED869DAE-0335-470F-AE5C-565E4267C191}" srcId="{8E2A460B-45D3-4E20-A31D-4AFE676F0DDA}" destId="{D34FE5D7-7525-4D59-ABC9-3998105E634C}" srcOrd="1" destOrd="0" parTransId="{A96BE2DD-535A-47FD-A010-195BD3C076B9}" sibTransId="{75EA9321-EAFA-4AF6-8313-8107E8EB3526}"/>
-    <dgm:cxn modelId="{7C789FA6-C0C7-44D1-B523-F3E7A298B7AA}" srcId="{8E2A460B-45D3-4E20-A31D-4AFE676F0DDA}" destId="{E17F1310-B4AD-4B57-8D9B-BF776721EA77}" srcOrd="2" destOrd="0" parTransId="{6BAC1755-6217-4715-99C2-D1422148265D}" sibTransId="{925984A4-8E6F-4D28-B868-DBAB08F4BD28}"/>
-    <dgm:cxn modelId="{449BF1EE-291A-455B-91C1-A2F0F633A927}" srcId="{8E2A460B-45D3-4E20-A31D-4AFE676F0DDA}" destId="{468FA009-1E87-4539-85FA-5C28B78DD6E9}" srcOrd="3" destOrd="0" parTransId="{F205FF88-2C9B-4658-BCAA-BEA6EB7393B2}" sibTransId="{B5C730DE-1181-420B-A78D-195E914DCCF5}"/>
-    <dgm:cxn modelId="{D46FAA2C-F861-4A21-8E5D-3D9BF865DAB0}" type="presOf" srcId="{37D76233-2C52-45E9-94E8-FBDCAFC81AF1}" destId="{D5B7622F-17AC-467C-B10C-28C38C38C350}" srcOrd="0" destOrd="0" presId="urn:microsoft.com/office/officeart/2005/8/layout/radial6"/>
-    <dgm:cxn modelId="{F1B0E0C8-1C9A-42C5-B308-DEF4B3355C0A}" type="presParOf" srcId="{D5B7622F-17AC-467C-B10C-28C38C38C350}" destId="{BADECBB5-37EA-4668-8A2F-BD2C2902F22A}" srcOrd="0" destOrd="0" presId="urn:microsoft.com/office/officeart/2005/8/layout/radial6"/>
-    <dgm:cxn modelId="{E67FCB85-DEB7-47E7-85B3-C9C900525D98}" type="presOf" srcId="{8E2A460B-45D3-4E20-A31D-4AFE676F0DDA}" destId="{BADECBB5-37EA-4668-8A2F-BD2C2902F22A}" srcOrd="0" destOrd="0" presId="urn:microsoft.com/office/officeart/2005/8/layout/radial6"/>
-    <dgm:cxn modelId="{69F3C4D6-29A0-48C8-A5EE-BAF4BD49B8C3}" type="presParOf" srcId="{D5B7622F-17AC-467C-B10C-28C38C38C350}" destId="{C2E7DEFD-0505-42BF-AE13-B6483BF86572}" srcOrd="1" destOrd="0" presId="urn:microsoft.com/office/officeart/2005/8/layout/radial6"/>
-    <dgm:cxn modelId="{DD974917-4E19-4543-A49E-16164063F4B3}" type="presOf" srcId="{ECE2948F-862B-4CC3-B6BC-3E6415C7F5DD}" destId="{C2E7DEFD-0505-42BF-AE13-B6483BF86572}" srcOrd="0" destOrd="0" presId="urn:microsoft.com/office/officeart/2005/8/layout/radial6"/>
-    <dgm:cxn modelId="{4233C604-E731-4481-AAFF-653C9CCBD8ED}" type="presParOf" srcId="{D5B7622F-17AC-467C-B10C-28C38C38C350}" destId="{45046E67-FA41-4C32-9E33-BDDDFBBF1D6A}" srcOrd="2" destOrd="0" presId="urn:microsoft.com/office/officeart/2005/8/layout/radial6"/>
-    <dgm:cxn modelId="{D1FF8745-FA6E-4806-99D6-1059E2F91B3F}" type="presParOf" srcId="{D5B7622F-17AC-467C-B10C-28C38C38C350}" destId="{F3596884-C09F-4C70-900E-D61864BED5F1}" srcOrd="3" destOrd="0" presId="urn:microsoft.com/office/officeart/2005/8/layout/radial6"/>
-    <dgm:cxn modelId="{0471A385-0EF8-4996-A941-D5F3BC418262}" type="presOf" srcId="{4116C939-0673-4613-8FA7-CB6FE7258301}" destId="{F3596884-C09F-4C70-900E-D61864BED5F1}" srcOrd="0" destOrd="0" presId="urn:microsoft.com/office/officeart/2005/8/layout/radial6"/>
-    <dgm:cxn modelId="{3EBE1D23-B8CE-424E-8ED8-66EB07C603AA}" type="presParOf" srcId="{D5B7622F-17AC-467C-B10C-28C38C38C350}" destId="{44F31994-0027-4DC3-B39E-FEE01FB1A852}" srcOrd="4" destOrd="0" presId="urn:microsoft.com/office/officeart/2005/8/layout/radial6"/>
-    <dgm:cxn modelId="{FC5CC7C1-9B38-4C27-8CE5-DE7DE7271EB6}" type="presOf" srcId="{D34FE5D7-7525-4D59-ABC9-3998105E634C}" destId="{44F31994-0027-4DC3-B39E-FEE01FB1A852}" srcOrd="0" destOrd="0" presId="urn:microsoft.com/office/officeart/2005/8/layout/radial6"/>
-    <dgm:cxn modelId="{2E5034A5-D0F1-4FCE-8BED-C1C2D8F8731E}" type="presParOf" srcId="{D5B7622F-17AC-467C-B10C-28C38C38C350}" destId="{C6A1073C-AEB6-41D2-8257-B02F52AE6460}" srcOrd="5" destOrd="0" presId="urn:microsoft.com/office/officeart/2005/8/layout/radial6"/>
-    <dgm:cxn modelId="{70DA03E9-BF44-4125-B5A4-EF9F4CC70F40}" type="presParOf" srcId="{D5B7622F-17AC-467C-B10C-28C38C38C350}" destId="{15715456-3418-4DF0-AF3A-DA59307B110D}" srcOrd="6" destOrd="0" presId="urn:microsoft.com/office/officeart/2005/8/layout/radial6"/>
-    <dgm:cxn modelId="{813ED879-051E-4356-BFAB-289F016CD5CF}" type="presOf" srcId="{75EA9321-EAFA-4AF6-8313-8107E8EB3526}" destId="{15715456-3418-4DF0-AF3A-DA59307B110D}" srcOrd="0" destOrd="0" presId="urn:microsoft.com/office/officeart/2005/8/layout/radial6"/>
-    <dgm:cxn modelId="{637CE026-1A9C-4408-AF1D-6E7799EBDBBF}" type="presParOf" srcId="{D5B7622F-17AC-467C-B10C-28C38C38C350}" destId="{0DA4B7DF-BD6B-46E8-940A-69050C019BB3}" srcOrd="7" destOrd="0" presId="urn:microsoft.com/office/officeart/2005/8/layout/radial6"/>
-    <dgm:cxn modelId="{645D658E-9A29-4C90-8814-666328A957B9}" type="presOf" srcId="{E17F1310-B4AD-4B57-8D9B-BF776721EA77}" destId="{0DA4B7DF-BD6B-46E8-940A-69050C019BB3}" srcOrd="0" destOrd="0" presId="urn:microsoft.com/office/officeart/2005/8/layout/radial6"/>
-    <dgm:cxn modelId="{A633A8F1-1ABD-4B54-A1B7-397C92092C1C}" type="presParOf" srcId="{D5B7622F-17AC-467C-B10C-28C38C38C350}" destId="{9268D1C0-A139-4893-A300-CF509D15352B}" srcOrd="8" destOrd="0" presId="urn:microsoft.com/office/officeart/2005/8/layout/radial6"/>
-    <dgm:cxn modelId="{673769F6-10CB-49CA-802A-A975341580CA}" type="presParOf" srcId="{D5B7622F-17AC-467C-B10C-28C38C38C350}" destId="{EBDCA107-8C73-4044-AC95-50DA28B759A8}" srcOrd="9" destOrd="0" presId="urn:microsoft.com/office/officeart/2005/8/layout/radial6"/>
-    <dgm:cxn modelId="{A236FDBF-1D02-456D-A0FB-6D8F2A3F7110}" type="presOf" srcId="{925984A4-8E6F-4D28-B868-DBAB08F4BD28}" destId="{EBDCA107-8C73-4044-AC95-50DA28B759A8}" srcOrd="0" destOrd="0" presId="urn:microsoft.com/office/officeart/2005/8/layout/radial6"/>
-    <dgm:cxn modelId="{F0823D48-AD36-417D-9E90-FED0B2DE4241}" type="presParOf" srcId="{D5B7622F-17AC-467C-B10C-28C38C38C350}" destId="{F539A410-44AA-4A02-9F1B-997DD2B71E87}" srcOrd="10" destOrd="0" presId="urn:microsoft.com/office/officeart/2005/8/layout/radial6"/>
-    <dgm:cxn modelId="{D0EA81BA-114B-4A4A-B373-73A846C2E71B}" type="presOf" srcId="{468FA009-1E87-4539-85FA-5C28B78DD6E9}" destId="{F539A410-44AA-4A02-9F1B-997DD2B71E87}" srcOrd="0" destOrd="0" presId="urn:microsoft.com/office/officeart/2005/8/layout/radial6"/>
-    <dgm:cxn modelId="{ACBBDB93-C603-4AE5-93FC-255BBDD608C5}" type="presParOf" srcId="{D5B7622F-17AC-467C-B10C-28C38C38C350}" destId="{2B016566-AAE3-46FD-A114-7C13E71734EF}" srcOrd="11" destOrd="0" presId="urn:microsoft.com/office/officeart/2005/8/layout/radial6"/>
-    <dgm:cxn modelId="{ED3E6873-763D-4070-9002-7D21674E7909}" type="presParOf" srcId="{D5B7622F-17AC-467C-B10C-28C38C38C350}" destId="{B5FF6E04-452A-4146-97F4-3BC94EB5BB87}" srcOrd="12" destOrd="0" presId="urn:microsoft.com/office/officeart/2005/8/layout/radial6"/>
-    <dgm:cxn modelId="{16A88342-D63B-4077-B8F9-8F4FB3C1B91E}" type="presOf" srcId="{B5C730DE-1181-420B-A78D-195E914DCCF5}" destId="{B5FF6E04-452A-4146-97F4-3BC94EB5BB87}" srcOrd="0" destOrd="0" presId="urn:microsoft.com/office/officeart/2005/8/layout/radial6"/>
+    <dgm:cxn modelId="{FC5CC7C1-9B38-4C27-8CE5-DE7DE7271EB6}" type="presOf" srcId="{D34FE5D7-7525-4D59-ABC9-3998105E634C}" destId="{44F31994-0027-4DC3-B39E-FEE01FB1A852}" srcOrd="0" destOrd="0" presId="urn:microsoft.com/office/officeart/2005/8/layout/radial6#1"/>
+    <dgm:cxn modelId="{16A88342-D63B-4077-B8F9-8F4FB3C1B91E}" type="presOf" srcId="{B5C730DE-1181-420B-A78D-195E914DCCF5}" destId="{B5FF6E04-452A-4146-97F4-3BC94EB5BB87}" srcOrd="0" destOrd="0" presId="urn:microsoft.com/office/officeart/2005/8/layout/radial6#1"/>
+    <dgm:cxn modelId="{F1B0E0C8-1C9A-42C5-B308-DEF4B3355C0A}" type="presParOf" srcId="{D5B7622F-17AC-467C-B10C-28C38C38C350}" destId="{BADECBB5-37EA-4668-8A2F-BD2C2902F22A}" srcOrd="0" destOrd="0" presId="urn:microsoft.com/office/officeart/2005/8/layout/radial6#1"/>
+    <dgm:cxn modelId="{69F3C4D6-29A0-48C8-A5EE-BAF4BD49B8C3}" type="presParOf" srcId="{D5B7622F-17AC-467C-B10C-28C38C38C350}" destId="{C2E7DEFD-0505-42BF-AE13-B6483BF86572}" srcOrd="1" destOrd="0" presId="urn:microsoft.com/office/officeart/2005/8/layout/radial6#1"/>
+    <dgm:cxn modelId="{4233C604-E731-4481-AAFF-653C9CCBD8ED}" type="presParOf" srcId="{D5B7622F-17AC-467C-B10C-28C38C38C350}" destId="{45046E67-FA41-4C32-9E33-BDDDFBBF1D6A}" srcOrd="2" destOrd="0" presId="urn:microsoft.com/office/officeart/2005/8/layout/radial6#1"/>
+    <dgm:cxn modelId="{D1FF8745-FA6E-4806-99D6-1059E2F91B3F}" type="presParOf" srcId="{D5B7622F-17AC-467C-B10C-28C38C38C350}" destId="{F3596884-C09F-4C70-900E-D61864BED5F1}" srcOrd="3" destOrd="0" presId="urn:microsoft.com/office/officeart/2005/8/layout/radial6#1"/>
+    <dgm:cxn modelId="{3EBE1D23-B8CE-424E-8ED8-66EB07C603AA}" type="presParOf" srcId="{D5B7622F-17AC-467C-B10C-28C38C38C350}" destId="{44F31994-0027-4DC3-B39E-FEE01FB1A852}" srcOrd="4" destOrd="0" presId="urn:microsoft.com/office/officeart/2005/8/layout/radial6#1"/>
+    <dgm:cxn modelId="{2E5034A5-D0F1-4FCE-8BED-C1C2D8F8731E}" type="presParOf" srcId="{D5B7622F-17AC-467C-B10C-28C38C38C350}" destId="{C6A1073C-AEB6-41D2-8257-B02F52AE6460}" srcOrd="5" destOrd="0" presId="urn:microsoft.com/office/officeart/2005/8/layout/radial6#1"/>
+    <dgm:cxn modelId="{70DA03E9-BF44-4125-B5A4-EF9F4CC70F40}" type="presParOf" srcId="{D5B7622F-17AC-467C-B10C-28C38C38C350}" destId="{15715456-3418-4DF0-AF3A-DA59307B110D}" srcOrd="6" destOrd="0" presId="urn:microsoft.com/office/officeart/2005/8/layout/radial6#1"/>
+    <dgm:cxn modelId="{637CE026-1A9C-4408-AF1D-6E7799EBDBBF}" type="presParOf" srcId="{D5B7622F-17AC-467C-B10C-28C38C38C350}" destId="{0DA4B7DF-BD6B-46E8-940A-69050C019BB3}" srcOrd="7" destOrd="0" presId="urn:microsoft.com/office/officeart/2005/8/layout/radial6#1"/>
+    <dgm:cxn modelId="{A633A8F1-1ABD-4B54-A1B7-397C92092C1C}" type="presParOf" srcId="{D5B7622F-17AC-467C-B10C-28C38C38C350}" destId="{9268D1C0-A139-4893-A300-CF509D15352B}" srcOrd="8" destOrd="0" presId="urn:microsoft.com/office/officeart/2005/8/layout/radial6#1"/>
+    <dgm:cxn modelId="{673769F6-10CB-49CA-802A-A975341580CA}" type="presParOf" srcId="{D5B7622F-17AC-467C-B10C-28C38C38C350}" destId="{EBDCA107-8C73-4044-AC95-50DA28B759A8}" srcOrd="9" destOrd="0" presId="urn:microsoft.com/office/officeart/2005/8/layout/radial6#1"/>
+    <dgm:cxn modelId="{F0823D48-AD36-417D-9E90-FED0B2DE4241}" type="presParOf" srcId="{D5B7622F-17AC-467C-B10C-28C38C38C350}" destId="{F539A410-44AA-4A02-9F1B-997DD2B71E87}" srcOrd="10" destOrd="0" presId="urn:microsoft.com/office/officeart/2005/8/layout/radial6#1"/>
+    <dgm:cxn modelId="{ACBBDB93-C603-4AE5-93FC-255BBDD608C5}" type="presParOf" srcId="{D5B7622F-17AC-467C-B10C-28C38C38C350}" destId="{2B016566-AAE3-46FD-A114-7C13E71734EF}" srcOrd="11" destOrd="0" presId="urn:microsoft.com/office/officeart/2005/8/layout/radial6#1"/>
+    <dgm:cxn modelId="{ED3E6873-763D-4070-9002-7D21674E7909}" type="presParOf" srcId="{D5B7622F-17AC-467C-B10C-28C38C38C350}" destId="{B5FF6E04-452A-4146-97F4-3BC94EB5BB87}" srcOrd="12" destOrd="0" presId="urn:microsoft.com/office/officeart/2005/8/layout/radial6#1"/>
   </dgm:cxnLst>
   <dgm:bg/>
   <dgm:whole/>
   <dgm:extLst>
     <a:ext uri="http://schemas.microsoft.com/office/drawing/2008/diagram">
-      <dsp:dataModelExt xmlns:dsp="http://schemas.microsoft.com/office/drawing/2008/diagram" relId="rId5" minVer="http://schemas.openxmlformats.org/drawingml/2006/diagram"/>
+      <dsp:dataModelExt xmlns:dsp="http://schemas.microsoft.com/office/drawing/2008/diagram" relId="rId7" minVer="http://schemas.openxmlformats.org/drawingml/2006/diagram"/>
     </a:ext>
   </dgm:extLst>
 </dgm:dataModel>
@@ -2010,7 +2100,7 @@
 <dgm:dataModel xmlns:dgm="http://schemas.openxmlformats.org/drawingml/2006/diagram" xmlns:a="http://schemas.openxmlformats.org/drawingml/2006/main">
   <dgm:ptLst>
     <dgm:pt modelId="{F3AA1B95-8096-483E-937F-B7117F22143A}" type="doc">
-      <dgm:prSet loTypeId="process" loCatId="process" qsTypeId="urn:microsoft.com/office/officeart/2005/8/quickstyle/simple1" qsCatId="simple" csTypeId="urn:microsoft.com/office/officeart/2005/8/colors/accent1_2" csCatId="accent1" phldr="0"/>
+      <dgm:prSet loTypeId="urn:microsoft.com/office/officeart/2005/8/layout/process1" loCatId="process" qsTypeId="urn:microsoft.com/office/officeart/2005/8/quickstyle/simple1#2" qsCatId="simple" csTypeId="urn:microsoft.com/office/officeart/2005/8/colors/accent1_2#2" csCatId="accent1" phldr="0"/>
       <dgm:spPr/>
     </dgm:pt>
     <dgm:pt modelId="{B9356EF3-F2BD-44EF-8989-A8C6F68A9C26}">
@@ -2018,6 +2108,7 @@
       <dgm:spPr/>
       <dgm:t>
         <a:bodyPr vert="horz" wrap="square"/>
+        <a:lstStyle/>
         <a:p>
           <a:pPr>
             <a:lnSpc>
@@ -2031,26 +2122,22 @@
             </a:spcAft>
           </a:pPr>
           <a:r>
-            <a:rPr lang="zh-CN" altLang="en-US"/>
+            <a:rPr lang="zh-CN" altLang="en-US" dirty="0"/>
             <a:t>登陆功能</a:t>
           </a:r>
-          <a:r>
-            <a:rPr lang="zh-CN" altLang="en-US"/>
-            <a:t/>
-          </a:r>
-          <a:endParaRPr lang="zh-CN" altLang="en-US"/>
         </a:p>
       </dgm:t>
     </dgm:pt>
-    <dgm:pt modelId="{42B40A37-3B74-4139-88E7-27DB8ADAFB3B}" cxnId="{2ECBAE10-AFC9-4238-861F-0696F3060770}" type="parTrans">
+    <dgm:pt modelId="{42B40A37-3B74-4139-88E7-27DB8ADAFB3B}" type="parTrans" cxnId="{2ECBAE10-AFC9-4238-861F-0696F3060770}">
       <dgm:prSet/>
       <dgm:spPr/>
     </dgm:pt>
-    <dgm:pt modelId="{E862CC6F-EE5F-4708-AD0C-4AFC083AC1E9}" cxnId="{2ECBAE10-AFC9-4238-861F-0696F3060770}" type="sibTrans">
+    <dgm:pt modelId="{E862CC6F-EE5F-4708-AD0C-4AFC083AC1E9}" type="sibTrans" cxnId="{2ECBAE10-AFC9-4238-861F-0696F3060770}">
       <dgm:prSet/>
       <dgm:spPr/>
       <dgm:t>
         <a:bodyPr/>
+        <a:lstStyle/>
         <a:p>
           <a:endParaRPr lang="zh-CN" altLang="en-US"/>
         </a:p>
@@ -2061,6 +2148,7 @@
       <dgm:spPr/>
       <dgm:t>
         <a:bodyPr vert="horz" wrap="square"/>
+        <a:lstStyle/>
         <a:p>
           <a:pPr>
             <a:lnSpc>
@@ -2077,23 +2165,20 @@
             <a:rPr lang="zh-CN" altLang="en-US"/>
             <a:t>资产管理</a:t>
           </a:r>
-          <a:r>
-            <a:rPr lang="en-US" altLang="zh-CN"/>
-            <a:t/>
-          </a:r>
           <a:endParaRPr lang="en-US" altLang="zh-CN"/>
         </a:p>
       </dgm:t>
     </dgm:pt>
-    <dgm:pt modelId="{22507475-337D-4D08-A27D-19453A1EC4B8}" cxnId="{7935DB67-FBEF-4E0A-BA97-5AF6AA965540}" type="parTrans">
+    <dgm:pt modelId="{22507475-337D-4D08-A27D-19453A1EC4B8}" type="parTrans" cxnId="{7935DB67-FBEF-4E0A-BA97-5AF6AA965540}">
       <dgm:prSet/>
       <dgm:spPr/>
     </dgm:pt>
-    <dgm:pt modelId="{3E1956DE-23F8-4761-8F76-7ABD5A8AE770}" cxnId="{7935DB67-FBEF-4E0A-BA97-5AF6AA965540}" type="sibTrans">
+    <dgm:pt modelId="{3E1956DE-23F8-4761-8F76-7ABD5A8AE770}" type="sibTrans" cxnId="{7935DB67-FBEF-4E0A-BA97-5AF6AA965540}">
       <dgm:prSet/>
       <dgm:spPr/>
       <dgm:t>
         <a:bodyPr/>
+        <a:lstStyle/>
         <a:p>
           <a:endParaRPr lang="zh-CN" altLang="en-US"/>
         </a:p>
@@ -2104,6 +2189,7 @@
       <dgm:spPr/>
       <dgm:t>
         <a:bodyPr vert="horz" wrap="square"/>
+        <a:lstStyle/>
         <a:p>
           <a:pPr>
             <a:lnSpc>
@@ -2120,27 +2206,30 @@
             <a:rPr lang="zh-CN" altLang="en-US"/>
             <a:t>资产查询</a:t>
           </a:r>
-          <a:r>
-            <a:rPr lang="zh-CN" altLang="en-US"/>
-            <a:t/>
-          </a:r>
+        </a:p>
+      </dgm:t>
+    </dgm:pt>
+    <dgm:pt modelId="{B2C4969C-7F63-4CB2-9C9A-A6F67CF17685}" type="parTrans" cxnId="{8ECB57DA-C0C3-4EC1-9A17-640CA09DD8FD}">
+      <dgm:prSet/>
+      <dgm:spPr/>
+    </dgm:pt>
+    <dgm:pt modelId="{D9B5BE56-AD46-4CF8-8D6E-63CE26896AAC}" type="sibTrans" cxnId="{8ECB57DA-C0C3-4EC1-9A17-640CA09DD8FD}">
+      <dgm:prSet/>
+      <dgm:spPr/>
+      <dgm:t>
+        <a:bodyPr/>
+        <a:lstStyle/>
+        <a:p>
           <a:endParaRPr lang="zh-CN" altLang="en-US"/>
         </a:p>
       </dgm:t>
-    </dgm:pt>
-    <dgm:pt modelId="{B2C4969C-7F63-4CB2-9C9A-A6F67CF17685}" cxnId="{8ECB57DA-C0C3-4EC1-9A17-640CA09DD8FD}" type="parTrans">
-      <dgm:prSet/>
-      <dgm:spPr/>
-    </dgm:pt>
-    <dgm:pt modelId="{D9B5BE56-AD46-4CF8-8D6E-63CE26896AAC}" cxnId="{8ECB57DA-C0C3-4EC1-9A17-640CA09DD8FD}" type="sibTrans">
-      <dgm:prSet/>
-      <dgm:spPr/>
     </dgm:pt>
     <dgm:pt modelId="{0B9BB09B-3BCF-4BCC-97D5-ED83B7D6DEE3}">
       <dgm:prSet phldr="0" custT="0"/>
       <dgm:spPr/>
       <dgm:t>
         <a:bodyPr vert="horz" wrap="square"/>
+        <a:lstStyle/>
         <a:p>
           <a:pPr>
             <a:lnSpc>
@@ -2157,19 +2246,14 @@
             <a:rPr lang="zh-CN"/>
             <a:t>用户信息管理</a:t>
           </a:r>
-          <a:r>
-            <a:rPr lang="zh-CN"/>
-            <a:t/>
-          </a:r>
-          <a:endParaRPr lang="zh-CN"/>
         </a:p>
       </dgm:t>
     </dgm:pt>
-    <dgm:pt modelId="{2FECD98F-D2D6-42E8-8F28-173AAD4C4E16}" cxnId="{3A41724F-94DA-449E-A248-62579B2EB5BB}" type="parTrans">
+    <dgm:pt modelId="{2FECD98F-D2D6-42E8-8F28-173AAD4C4E16}" type="parTrans" cxnId="{3A41724F-94DA-449E-A248-62579B2EB5BB}">
       <dgm:prSet/>
       <dgm:spPr/>
     </dgm:pt>
-    <dgm:pt modelId="{E8C23347-9FF8-43CE-BEA6-3FD7F81B91AB}" cxnId="{3A41724F-94DA-449E-A248-62579B2EB5BB}" type="sibTrans">
+    <dgm:pt modelId="{E8C23347-9FF8-43CE-BEA6-3FD7F81B91AB}" type="sibTrans" cxnId="{3A41724F-94DA-449E-A248-62579B2EB5BB}">
       <dgm:prSet/>
       <dgm:spPr/>
     </dgm:pt>
@@ -2189,14 +2273,35 @@
         </dgm:presLayoutVars>
       </dgm:prSet>
       <dgm:spPr/>
+      <dgm:t>
+        <a:bodyPr/>
+        <a:lstStyle/>
+        <a:p>
+          <a:endParaRPr lang="zh-CN" altLang="en-US"/>
+        </a:p>
+      </dgm:t>
     </dgm:pt>
     <dgm:pt modelId="{56077158-A490-49C0-92A3-E1F3F4A134D1}" type="pres">
       <dgm:prSet presAssocID="{E862CC6F-EE5F-4708-AD0C-4AFC083AC1E9}" presName="sibTrans" presStyleLbl="sibTrans2D1" presStyleIdx="0" presStyleCnt="3"/>
       <dgm:spPr/>
+      <dgm:t>
+        <a:bodyPr/>
+        <a:lstStyle/>
+        <a:p>
+          <a:endParaRPr lang="zh-CN" altLang="en-US"/>
+        </a:p>
+      </dgm:t>
     </dgm:pt>
     <dgm:pt modelId="{866543E3-7169-4994-AA48-DBEAD952B2D7}" type="pres">
-      <dgm:prSet presAssocID="{E862CC6F-EE5F-4708-AD0C-4AFC083AC1E9}" presName="connectorText" presStyleCnt="0"/>
+      <dgm:prSet presAssocID="{E862CC6F-EE5F-4708-AD0C-4AFC083AC1E9}" presName="connectorText" presStyleLbl="sibTrans2D1" presStyleIdx="0" presStyleCnt="3"/>
       <dgm:spPr/>
+      <dgm:t>
+        <a:bodyPr/>
+        <a:lstStyle/>
+        <a:p>
+          <a:endParaRPr lang="zh-CN" altLang="en-US"/>
+        </a:p>
+      </dgm:t>
     </dgm:pt>
     <dgm:pt modelId="{0C6A0E2D-4913-46C1-A93F-3832E34B4A9D}" type="pres">
       <dgm:prSet presAssocID="{EDABB1AF-A433-4877-8BF8-9FA85F924A2C}" presName="node" presStyleLbl="node1" presStyleIdx="1" presStyleCnt="4">
@@ -2205,14 +2310,35 @@
         </dgm:presLayoutVars>
       </dgm:prSet>
       <dgm:spPr/>
+      <dgm:t>
+        <a:bodyPr/>
+        <a:lstStyle/>
+        <a:p>
+          <a:endParaRPr lang="zh-CN" altLang="en-US"/>
+        </a:p>
+      </dgm:t>
     </dgm:pt>
     <dgm:pt modelId="{18462591-2085-43A2-8617-BA9721C35F9F}" type="pres">
       <dgm:prSet presAssocID="{3E1956DE-23F8-4761-8F76-7ABD5A8AE770}" presName="sibTrans" presStyleLbl="sibTrans2D1" presStyleIdx="1" presStyleCnt="3"/>
       <dgm:spPr/>
+      <dgm:t>
+        <a:bodyPr/>
+        <a:lstStyle/>
+        <a:p>
+          <a:endParaRPr lang="zh-CN" altLang="en-US"/>
+        </a:p>
+      </dgm:t>
     </dgm:pt>
     <dgm:pt modelId="{F0328CDC-AC5A-41D2-969E-7D80009105F2}" type="pres">
-      <dgm:prSet presAssocID="{3E1956DE-23F8-4761-8F76-7ABD5A8AE770}" presName="connectorText" presStyleCnt="0"/>
+      <dgm:prSet presAssocID="{3E1956DE-23F8-4761-8F76-7ABD5A8AE770}" presName="connectorText" presStyleLbl="sibTrans2D1" presStyleIdx="1" presStyleCnt="3"/>
       <dgm:spPr/>
+      <dgm:t>
+        <a:bodyPr/>
+        <a:lstStyle/>
+        <a:p>
+          <a:endParaRPr lang="zh-CN" altLang="en-US"/>
+        </a:p>
+      </dgm:t>
     </dgm:pt>
     <dgm:pt modelId="{507274D1-9FFA-4CA1-8C30-ADC25E352D22}" type="pres">
       <dgm:prSet presAssocID="{16C98B6D-CC9A-459C-A148-3249240D3586}" presName="node" presStyleLbl="node1" presStyleIdx="2" presStyleCnt="4">
@@ -2221,13 +2347,20 @@
         </dgm:presLayoutVars>
       </dgm:prSet>
       <dgm:spPr/>
+      <dgm:t>
+        <a:bodyPr/>
+        <a:lstStyle/>
+        <a:p>
+          <a:endParaRPr lang="zh-CN" altLang="en-US"/>
+        </a:p>
+      </dgm:t>
     </dgm:pt>
     <dgm:pt modelId="{DAF3E0E3-FEA9-467D-929E-79D893617052}" type="pres">
       <dgm:prSet presAssocID="{D9B5BE56-AD46-4CF8-8D6E-63CE26896AAC}" presName="sibTrans" presStyleLbl="sibTrans2D1" presStyleIdx="2" presStyleCnt="3"/>
       <dgm:spPr/>
     </dgm:pt>
     <dgm:pt modelId="{B6C458F6-68C4-48E7-BDAC-DB2B1A9D3DA3}" type="pres">
-      <dgm:prSet presAssocID="{D9B5BE56-AD46-4CF8-8D6E-63CE26896AAC}" presName="connectorText" presStyleCnt="0"/>
+      <dgm:prSet presAssocID="{D9B5BE56-AD46-4CF8-8D6E-63CE26896AAC}" presName="connectorText" presStyleLbl="sibTrans2D1" presStyleIdx="2" presStyleCnt="3"/>
       <dgm:spPr/>
     </dgm:pt>
     <dgm:pt modelId="{F9BB2716-146A-402B-8885-C780E1C30A32}" type="pres">
@@ -2237,88 +2370,97 @@
         </dgm:presLayoutVars>
       </dgm:prSet>
       <dgm:spPr/>
+      <dgm:t>
+        <a:bodyPr/>
+        <a:lstStyle/>
+        <a:p>
+          <a:endParaRPr lang="zh-CN" altLang="en-US"/>
+        </a:p>
+      </dgm:t>
     </dgm:pt>
   </dgm:ptLst>
   <dgm:cxnLst>
+    <dgm:cxn modelId="{72FC587F-5871-49DA-B956-0D73FC9B108C}" type="presOf" srcId="{F3AA1B95-8096-483E-937F-B7117F22143A}" destId="{23E08954-DEFC-4A8C-B951-725E72315086}" srcOrd="0" destOrd="0" presId="urn:microsoft.com/office/officeart/2005/8/layout/process1"/>
+    <dgm:cxn modelId="{1CCB1772-185F-468B-9F9C-F5BCBC6BD82B}" type="presOf" srcId="{16C98B6D-CC9A-459C-A148-3249240D3586}" destId="{507274D1-9FFA-4CA1-8C30-ADC25E352D22}" srcOrd="0" destOrd="0" presId="urn:microsoft.com/office/officeart/2005/8/layout/process1"/>
+    <dgm:cxn modelId="{E8E8DC06-9AC3-414E-8BC9-4205504E4C64}" type="presOf" srcId="{EDABB1AF-A433-4877-8BF8-9FA85F924A2C}" destId="{0C6A0E2D-4913-46C1-A93F-3832E34B4A9D}" srcOrd="0" destOrd="0" presId="urn:microsoft.com/office/officeart/2005/8/layout/process1"/>
+    <dgm:cxn modelId="{436540E7-8499-4901-8DF0-01E1932014D2}" type="presOf" srcId="{D9B5BE56-AD46-4CF8-8D6E-63CE26896AAC}" destId="{B6C458F6-68C4-48E7-BDAC-DB2B1A9D3DA3}" srcOrd="1" destOrd="0" presId="urn:microsoft.com/office/officeart/2005/8/layout/process1"/>
+    <dgm:cxn modelId="{5B97A92E-1976-4C61-A773-BDC97B4E4E31}" type="presOf" srcId="{3E1956DE-23F8-4761-8F76-7ABD5A8AE770}" destId="{18462591-2085-43A2-8617-BA9721C35F9F}" srcOrd="0" destOrd="0" presId="urn:microsoft.com/office/officeart/2005/8/layout/process1"/>
+    <dgm:cxn modelId="{8ECB57DA-C0C3-4EC1-9A17-640CA09DD8FD}" srcId="{F3AA1B95-8096-483E-937F-B7117F22143A}" destId="{16C98B6D-CC9A-459C-A148-3249240D3586}" srcOrd="2" destOrd="0" parTransId="{B2C4969C-7F63-4CB2-9C9A-A6F67CF17685}" sibTransId="{D9B5BE56-AD46-4CF8-8D6E-63CE26896AAC}"/>
+    <dgm:cxn modelId="{D4C81004-1D5A-45FB-8416-514263743570}" type="presOf" srcId="{D9B5BE56-AD46-4CF8-8D6E-63CE26896AAC}" destId="{DAF3E0E3-FEA9-467D-929E-79D893617052}" srcOrd="0" destOrd="0" presId="urn:microsoft.com/office/officeart/2005/8/layout/process1"/>
     <dgm:cxn modelId="{2ECBAE10-AFC9-4238-861F-0696F3060770}" srcId="{F3AA1B95-8096-483E-937F-B7117F22143A}" destId="{B9356EF3-F2BD-44EF-8989-A8C6F68A9C26}" srcOrd="0" destOrd="0" parTransId="{42B40A37-3B74-4139-88E7-27DB8ADAFB3B}" sibTransId="{E862CC6F-EE5F-4708-AD0C-4AFC083AC1E9}"/>
     <dgm:cxn modelId="{7935DB67-FBEF-4E0A-BA97-5AF6AA965540}" srcId="{F3AA1B95-8096-483E-937F-B7117F22143A}" destId="{EDABB1AF-A433-4877-8BF8-9FA85F924A2C}" srcOrd="1" destOrd="0" parTransId="{22507475-337D-4D08-A27D-19453A1EC4B8}" sibTransId="{3E1956DE-23F8-4761-8F76-7ABD5A8AE770}"/>
-    <dgm:cxn modelId="{8ECB57DA-C0C3-4EC1-9A17-640CA09DD8FD}" srcId="{F3AA1B95-8096-483E-937F-B7117F22143A}" destId="{16C98B6D-CC9A-459C-A148-3249240D3586}" srcOrd="2" destOrd="0" parTransId="{B2C4969C-7F63-4CB2-9C9A-A6F67CF17685}" sibTransId="{D9B5BE56-AD46-4CF8-8D6E-63CE26896AAC}"/>
+    <dgm:cxn modelId="{B7AD4C5C-4464-49E6-9B1A-7AAE83474AC4}" type="presOf" srcId="{B9356EF3-F2BD-44EF-8989-A8C6F68A9C26}" destId="{A9558FAE-AE26-43A7-A5EC-E1594E2B2F93}" srcOrd="0" destOrd="0" presId="urn:microsoft.com/office/officeart/2005/8/layout/process1"/>
+    <dgm:cxn modelId="{2DE1CAC3-73FE-43C6-A66E-2B9B112EBB7C}" type="presOf" srcId="{E862CC6F-EE5F-4708-AD0C-4AFC083AC1E9}" destId="{56077158-A490-49C0-92A3-E1F3F4A134D1}" srcOrd="0" destOrd="0" presId="urn:microsoft.com/office/officeart/2005/8/layout/process1"/>
+    <dgm:cxn modelId="{B96359B0-3A6D-4F7A-AC23-776B9C0EDCB0}" type="presOf" srcId="{3E1956DE-23F8-4761-8F76-7ABD5A8AE770}" destId="{F0328CDC-AC5A-41D2-969E-7D80009105F2}" srcOrd="1" destOrd="0" presId="urn:microsoft.com/office/officeart/2005/8/layout/process1"/>
     <dgm:cxn modelId="{3A41724F-94DA-449E-A248-62579B2EB5BB}" srcId="{F3AA1B95-8096-483E-937F-B7117F22143A}" destId="{0B9BB09B-3BCF-4BCC-97D5-ED83B7D6DEE3}" srcOrd="3" destOrd="0" parTransId="{2FECD98F-D2D6-42E8-8F28-173AAD4C4E16}" sibTransId="{E8C23347-9FF8-43CE-BEA6-3FD7F81B91AB}"/>
-    <dgm:cxn modelId="{72FC587F-5871-49DA-B956-0D73FC9B108C}" type="presOf" srcId="{F3AA1B95-8096-483E-937F-B7117F22143A}" destId="{23E08954-DEFC-4A8C-B951-725E72315086}" srcOrd="0" destOrd="0" presId="urn:microsoft.com/office/officeart/2005/8/layout/process1"/>
+    <dgm:cxn modelId="{F479A3ED-7556-4E7F-B0DD-3560ECC04F09}" type="presOf" srcId="{E862CC6F-EE5F-4708-AD0C-4AFC083AC1E9}" destId="{866543E3-7169-4994-AA48-DBEAD952B2D7}" srcOrd="1" destOrd="0" presId="urn:microsoft.com/office/officeart/2005/8/layout/process1"/>
+    <dgm:cxn modelId="{057A55ED-EDF5-4030-BC69-4F56D2655CA2}" type="presOf" srcId="{0B9BB09B-3BCF-4BCC-97D5-ED83B7D6DEE3}" destId="{F9BB2716-146A-402B-8885-C780E1C30A32}" srcOrd="0" destOrd="0" presId="urn:microsoft.com/office/officeart/2005/8/layout/process1"/>
     <dgm:cxn modelId="{28F44F08-951A-4132-BD00-66EC8094E4D4}" type="presParOf" srcId="{23E08954-DEFC-4A8C-B951-725E72315086}" destId="{A9558FAE-AE26-43A7-A5EC-E1594E2B2F93}" srcOrd="0" destOrd="0" presId="urn:microsoft.com/office/officeart/2005/8/layout/process1"/>
-    <dgm:cxn modelId="{B7AD4C5C-4464-49E6-9B1A-7AAE83474AC4}" type="presOf" srcId="{B9356EF3-F2BD-44EF-8989-A8C6F68A9C26}" destId="{A9558FAE-AE26-43A7-A5EC-E1594E2B2F93}" srcOrd="0" destOrd="0" presId="urn:microsoft.com/office/officeart/2005/8/layout/process1"/>
     <dgm:cxn modelId="{149BF286-B837-4F54-8601-907E0BB91086}" type="presParOf" srcId="{23E08954-DEFC-4A8C-B951-725E72315086}" destId="{56077158-A490-49C0-92A3-E1F3F4A134D1}" srcOrd="1" destOrd="0" presId="urn:microsoft.com/office/officeart/2005/8/layout/process1"/>
-    <dgm:cxn modelId="{2DE1CAC3-73FE-43C6-A66E-2B9B112EBB7C}" type="presOf" srcId="{E862CC6F-EE5F-4708-AD0C-4AFC083AC1E9}" destId="{56077158-A490-49C0-92A3-E1F3F4A134D1}" srcOrd="0" destOrd="0" presId="urn:microsoft.com/office/officeart/2005/8/layout/process1"/>
-    <dgm:cxn modelId="{887691CB-EB56-4F9F-AAC0-B3FF78BD55EA}" type="presParOf" srcId="{56077158-A490-49C0-92A3-E1F3F4A134D1}" destId="{866543E3-7169-4994-AA48-DBEAD952B2D7}" srcOrd="0" destOrd="1" presId="urn:microsoft.com/office/officeart/2005/8/layout/process1"/>
-    <dgm:cxn modelId="{F479A3ED-7556-4E7F-B0DD-3560ECC04F09}" type="presOf" srcId="{E862CC6F-EE5F-4708-AD0C-4AFC083AC1E9}" destId="{866543E3-7169-4994-AA48-DBEAD952B2D7}" srcOrd="1" destOrd="0" presId="urn:microsoft.com/office/officeart/2005/8/layout/process1"/>
+    <dgm:cxn modelId="{887691CB-EB56-4F9F-AAC0-B3FF78BD55EA}" type="presParOf" srcId="{56077158-A490-49C0-92A3-E1F3F4A134D1}" destId="{866543E3-7169-4994-AA48-DBEAD952B2D7}" srcOrd="0" destOrd="0" presId="urn:microsoft.com/office/officeart/2005/8/layout/process1"/>
     <dgm:cxn modelId="{77AE9D43-18A6-45F7-847B-972D1DEF5D4F}" type="presParOf" srcId="{23E08954-DEFC-4A8C-B951-725E72315086}" destId="{0C6A0E2D-4913-46C1-A93F-3832E34B4A9D}" srcOrd="2" destOrd="0" presId="urn:microsoft.com/office/officeart/2005/8/layout/process1"/>
-    <dgm:cxn modelId="{E8E8DC06-9AC3-414E-8BC9-4205504E4C64}" type="presOf" srcId="{EDABB1AF-A433-4877-8BF8-9FA85F924A2C}" destId="{0C6A0E2D-4913-46C1-A93F-3832E34B4A9D}" srcOrd="0" destOrd="0" presId="urn:microsoft.com/office/officeart/2005/8/layout/process1"/>
     <dgm:cxn modelId="{D4DB76CA-FCA1-44AA-B1A3-DB8286A3832E}" type="presParOf" srcId="{23E08954-DEFC-4A8C-B951-725E72315086}" destId="{18462591-2085-43A2-8617-BA9721C35F9F}" srcOrd="3" destOrd="0" presId="urn:microsoft.com/office/officeart/2005/8/layout/process1"/>
-    <dgm:cxn modelId="{5B97A92E-1976-4C61-A773-BDC97B4E4E31}" type="presOf" srcId="{3E1956DE-23F8-4761-8F76-7ABD5A8AE770}" destId="{18462591-2085-43A2-8617-BA9721C35F9F}" srcOrd="0" destOrd="0" presId="urn:microsoft.com/office/officeart/2005/8/layout/process1"/>
-    <dgm:cxn modelId="{93D4F565-50D9-4136-94E6-B66867CB9462}" type="presParOf" srcId="{18462591-2085-43A2-8617-BA9721C35F9F}" destId="{F0328CDC-AC5A-41D2-969E-7D80009105F2}" srcOrd="0" destOrd="3" presId="urn:microsoft.com/office/officeart/2005/8/layout/process1"/>
-    <dgm:cxn modelId="{B96359B0-3A6D-4F7A-AC23-776B9C0EDCB0}" type="presOf" srcId="{3E1956DE-23F8-4761-8F76-7ABD5A8AE770}" destId="{F0328CDC-AC5A-41D2-969E-7D80009105F2}" srcOrd="1" destOrd="0" presId="urn:microsoft.com/office/officeart/2005/8/layout/process1"/>
+    <dgm:cxn modelId="{93D4F565-50D9-4136-94E6-B66867CB9462}" type="presParOf" srcId="{18462591-2085-43A2-8617-BA9721C35F9F}" destId="{F0328CDC-AC5A-41D2-969E-7D80009105F2}" srcOrd="0" destOrd="0" presId="urn:microsoft.com/office/officeart/2005/8/layout/process1"/>
     <dgm:cxn modelId="{477BF40B-17E1-41CB-863E-26F9893EC4FE}" type="presParOf" srcId="{23E08954-DEFC-4A8C-B951-725E72315086}" destId="{507274D1-9FFA-4CA1-8C30-ADC25E352D22}" srcOrd="4" destOrd="0" presId="urn:microsoft.com/office/officeart/2005/8/layout/process1"/>
-    <dgm:cxn modelId="{1CCB1772-185F-468B-9F9C-F5BCBC6BD82B}" type="presOf" srcId="{16C98B6D-CC9A-459C-A148-3249240D3586}" destId="{507274D1-9FFA-4CA1-8C30-ADC25E352D22}" srcOrd="0" destOrd="0" presId="urn:microsoft.com/office/officeart/2005/8/layout/process1"/>
     <dgm:cxn modelId="{AA9F2E25-190F-48F2-A4BE-8B34E1B73E5D}" type="presParOf" srcId="{23E08954-DEFC-4A8C-B951-725E72315086}" destId="{DAF3E0E3-FEA9-467D-929E-79D893617052}" srcOrd="5" destOrd="0" presId="urn:microsoft.com/office/officeart/2005/8/layout/process1"/>
-    <dgm:cxn modelId="{D4C81004-1D5A-45FB-8416-514263743570}" type="presOf" srcId="{D9B5BE56-AD46-4CF8-8D6E-63CE26896AAC}" destId="{DAF3E0E3-FEA9-467D-929E-79D893617052}" srcOrd="0" destOrd="0" presId="urn:microsoft.com/office/officeart/2005/8/layout/process1"/>
-    <dgm:cxn modelId="{9D1CC74D-C499-49CE-B738-A7F191AE3EB3}" type="presParOf" srcId="{DAF3E0E3-FEA9-467D-929E-79D893617052}" destId="{B6C458F6-68C4-48E7-BDAC-DB2B1A9D3DA3}" srcOrd="0" destOrd="5" presId="urn:microsoft.com/office/officeart/2005/8/layout/process1"/>
-    <dgm:cxn modelId="{436540E7-8499-4901-8DF0-01E1932014D2}" type="presOf" srcId="{D9B5BE56-AD46-4CF8-8D6E-63CE26896AAC}" destId="{B6C458F6-68C4-48E7-BDAC-DB2B1A9D3DA3}" srcOrd="1" destOrd="0" presId="urn:microsoft.com/office/officeart/2005/8/layout/process1"/>
+    <dgm:cxn modelId="{9D1CC74D-C499-49CE-B738-A7F191AE3EB3}" type="presParOf" srcId="{DAF3E0E3-FEA9-467D-929E-79D893617052}" destId="{B6C458F6-68C4-48E7-BDAC-DB2B1A9D3DA3}" srcOrd="0" destOrd="0" presId="urn:microsoft.com/office/officeart/2005/8/layout/process1"/>
     <dgm:cxn modelId="{0163C890-DF3A-43B7-9309-9CE5746D0052}" type="presParOf" srcId="{23E08954-DEFC-4A8C-B951-725E72315086}" destId="{F9BB2716-146A-402B-8885-C780E1C30A32}" srcOrd="6" destOrd="0" presId="urn:microsoft.com/office/officeart/2005/8/layout/process1"/>
-    <dgm:cxn modelId="{057A55ED-EDF5-4030-BC69-4F56D2655CA2}" type="presOf" srcId="{0B9BB09B-3BCF-4BCC-97D5-ED83B7D6DEE3}" destId="{F9BB2716-146A-402B-8885-C780E1C30A32}" srcOrd="0" destOrd="0" presId="urn:microsoft.com/office/officeart/2005/8/layout/process1"/>
   </dgm:cxnLst>
   <dgm:bg/>
   <dgm:whole/>
   <dgm:extLst>
     <a:ext uri="http://schemas.microsoft.com/office/drawing/2008/diagram">
-      <dsp:dataModelExt xmlns:dsp="http://schemas.microsoft.com/office/drawing/2008/diagram" relId="rId5" minVer="http://schemas.openxmlformats.org/drawingml/2006/diagram"/>
+      <dsp:dataModelExt xmlns:dsp="http://schemas.microsoft.com/office/drawing/2008/diagram" relId="rId7" minVer="http://schemas.openxmlformats.org/drawingml/2006/diagram"/>
     </a:ext>
   </dgm:extLst>
 </dgm:dataModel>
 </file>
 
 <file path=ppt/diagrams/drawing1.xml><?xml version="1.0" encoding="utf-8"?>
-<dsp:drawing xmlns:dgm="http://schemas.openxmlformats.org/drawingml/2006/diagram" xmlns:dsp="http://schemas.microsoft.com/office/drawing/2008/diagram" xmlns:a="http://schemas.openxmlformats.org/drawingml/2006/main" xmlns:r="http://schemas.openxmlformats.org/officeDocument/2006/relationships">
+<dsp:drawing xmlns:dgm="http://schemas.openxmlformats.org/drawingml/2006/diagram" xmlns:dsp="http://schemas.microsoft.com/office/drawing/2008/diagram" xmlns:a="http://schemas.openxmlformats.org/drawingml/2006/main">
   <dsp:spTree>
     <dsp:nvGrpSpPr>
-      <dsp:cNvPr id="2" name="组合 1"/>
+      <dsp:cNvPr id="0" name=""/>
       <dsp:cNvGrpSpPr/>
     </dsp:nvGrpSpPr>
-    <dsp:grpSpPr>
-      <a:xfrm>
-        <a:off x="0" y="0"/>
-        <a:ext cx="8128000" cy="5418455"/>
-        <a:chOff x="0" y="0"/>
-        <a:chExt cx="8128000" cy="5418455"/>
-      </a:xfrm>
-    </dsp:grpSpPr>
-    <dsp:sp modelId="{F3596884-C09F-4C70-900E-D61864BED5F1}">
+    <dsp:grpSpPr/>
+    <dsp:sp modelId="{B5FF6E04-452A-4146-97F4-3BC94EB5BB87}">
       <dsp:nvSpPr>
-        <dsp:cNvPr id="5" name="空心弧 4"/>
+        <dsp:cNvPr id="0" name=""/>
         <dsp:cNvSpPr/>
       </dsp:nvSpPr>
-      <dsp:spPr bwMode="white">
+      <dsp:spPr>
         <a:xfrm>
-          <a:off x="1865875" y="511102"/>
-          <a:ext cx="4396250" cy="4396250"/>
+          <a:off x="1980460" y="625687"/>
+          <a:ext cx="4167079" cy="4167079"/>
         </a:xfrm>
         <a:prstGeom prst="blockArc">
           <a:avLst>
-            <a:gd name="adj1" fmla="val 16199999"/>
-            <a:gd name="adj2" fmla="val 0"/>
-            <a:gd name="adj3" fmla="val 3962"/>
+            <a:gd name="adj1" fmla="val 10800000"/>
+            <a:gd name="adj2" fmla="val 16200000"/>
+            <a:gd name="adj3" fmla="val 4642"/>
           </a:avLst>
         </a:prstGeom>
+        <a:solidFill>
+          <a:schemeClr val="accent1">
+            <a:tint val="60000"/>
+            <a:hueOff val="0"/>
+            <a:satOff val="0"/>
+            <a:lumOff val="0"/>
+            <a:alphaOff val="0"/>
+          </a:schemeClr>
+        </a:solidFill>
+        <a:ln>
+          <a:noFill/>
+        </a:ln>
+        <a:effectLst/>
       </dsp:spPr>
       <dsp:style>
         <a:lnRef idx="0">
-          <a:schemeClr val="accent1">
-            <a:tint val="60000"/>
-          </a:schemeClr>
+          <a:scrgbClr r="0" g="0" b="0"/>
         </a:lnRef>
         <a:fillRef idx="1">
-          <a:schemeClr val="accent1">
-            <a:tint val="60000"/>
-          </a:schemeClr>
+          <a:scrgbClr r="0" g="0" b="0"/>
         </a:fillRef>
         <a:effectRef idx="0">
           <a:scrgbClr r="0" g="0" b="0"/>
@@ -2327,39 +2469,44 @@
           <a:schemeClr val="lt1"/>
         </a:fontRef>
       </dsp:style>
-      <dsp:txXfrm>
-        <a:off x="1865875" y="511102"/>
-        <a:ext cx="4396250" cy="4396250"/>
-      </dsp:txXfrm>
     </dsp:sp>
-    <dsp:sp modelId="{15715456-3418-4DF0-AF3A-DA59307B110D}">
+    <dsp:sp modelId="{EBDCA107-8C73-4044-AC95-50DA28B759A8}">
       <dsp:nvSpPr>
-        <dsp:cNvPr id="7" name="空心弧 6"/>
+        <dsp:cNvPr id="0" name=""/>
         <dsp:cNvSpPr/>
       </dsp:nvSpPr>
-      <dsp:spPr bwMode="white">
+      <dsp:spPr>
         <a:xfrm>
-          <a:off x="1865875" y="511102"/>
-          <a:ext cx="4396250" cy="4396250"/>
+          <a:off x="1980460" y="625687"/>
+          <a:ext cx="4167079" cy="4167079"/>
         </a:xfrm>
         <a:prstGeom prst="blockArc">
           <a:avLst>
-            <a:gd name="adj1" fmla="val 0"/>
-            <a:gd name="adj2" fmla="val 5400000"/>
-            <a:gd name="adj3" fmla="val 3962"/>
+            <a:gd name="adj1" fmla="val 5400000"/>
+            <a:gd name="adj2" fmla="val 10800000"/>
+            <a:gd name="adj3" fmla="val 4642"/>
           </a:avLst>
         </a:prstGeom>
+        <a:solidFill>
+          <a:schemeClr val="accent1">
+            <a:tint val="60000"/>
+            <a:hueOff val="0"/>
+            <a:satOff val="0"/>
+            <a:lumOff val="0"/>
+            <a:alphaOff val="0"/>
+          </a:schemeClr>
+        </a:solidFill>
+        <a:ln>
+          <a:noFill/>
+        </a:ln>
+        <a:effectLst/>
       </dsp:spPr>
       <dsp:style>
         <a:lnRef idx="0">
-          <a:schemeClr val="accent1">
-            <a:tint val="60000"/>
-          </a:schemeClr>
+          <a:scrgbClr r="0" g="0" b="0"/>
         </a:lnRef>
         <a:fillRef idx="1">
-          <a:schemeClr val="accent1">
-            <a:tint val="60000"/>
-          </a:schemeClr>
+          <a:scrgbClr r="0" g="0" b="0"/>
         </a:fillRef>
         <a:effectRef idx="0">
           <a:scrgbClr r="0" g="0" b="0"/>
@@ -2368,39 +2515,44 @@
           <a:schemeClr val="lt1"/>
         </a:fontRef>
       </dsp:style>
-      <dsp:txXfrm>
-        <a:off x="1865875" y="511102"/>
-        <a:ext cx="4396250" cy="4396250"/>
-      </dsp:txXfrm>
     </dsp:sp>
-    <dsp:sp modelId="{EBDCA107-8C73-4044-AC95-50DA28B759A8}">
+    <dsp:sp modelId="{15715456-3418-4DF0-AF3A-DA59307B110D}">
       <dsp:nvSpPr>
-        <dsp:cNvPr id="9" name="空心弧 8"/>
+        <dsp:cNvPr id="0" name=""/>
         <dsp:cNvSpPr/>
       </dsp:nvSpPr>
-      <dsp:spPr bwMode="white">
+      <dsp:spPr>
         <a:xfrm>
-          <a:off x="1865875" y="511102"/>
-          <a:ext cx="4396250" cy="4396250"/>
+          <a:off x="1980460" y="625687"/>
+          <a:ext cx="4167079" cy="4167079"/>
         </a:xfrm>
         <a:prstGeom prst="blockArc">
           <a:avLst>
-            <a:gd name="adj1" fmla="val 5400000"/>
-            <a:gd name="adj2" fmla="val 10800000"/>
-            <a:gd name="adj3" fmla="val 3962"/>
+            <a:gd name="adj1" fmla="val 0"/>
+            <a:gd name="adj2" fmla="val 5400000"/>
+            <a:gd name="adj3" fmla="val 4642"/>
           </a:avLst>
         </a:prstGeom>
+        <a:solidFill>
+          <a:schemeClr val="accent1">
+            <a:tint val="60000"/>
+            <a:hueOff val="0"/>
+            <a:satOff val="0"/>
+            <a:lumOff val="0"/>
+            <a:alphaOff val="0"/>
+          </a:schemeClr>
+        </a:solidFill>
+        <a:ln>
+          <a:noFill/>
+        </a:ln>
+        <a:effectLst/>
       </dsp:spPr>
       <dsp:style>
         <a:lnRef idx="0">
-          <a:schemeClr val="accent1">
-            <a:tint val="60000"/>
-          </a:schemeClr>
+          <a:scrgbClr r="0" g="0" b="0"/>
         </a:lnRef>
         <a:fillRef idx="1">
-          <a:schemeClr val="accent1">
-            <a:tint val="60000"/>
-          </a:schemeClr>
+          <a:scrgbClr r="0" g="0" b="0"/>
         </a:fillRef>
         <a:effectRef idx="0">
           <a:scrgbClr r="0" g="0" b="0"/>
@@ -2409,39 +2561,44 @@
           <a:schemeClr val="lt1"/>
         </a:fontRef>
       </dsp:style>
-      <dsp:txXfrm>
-        <a:off x="1865875" y="511102"/>
-        <a:ext cx="4396250" cy="4396250"/>
-      </dsp:txXfrm>
     </dsp:sp>
-    <dsp:sp modelId="{B5FF6E04-452A-4146-97F4-3BC94EB5BB87}">
+    <dsp:sp modelId="{F3596884-C09F-4C70-900E-D61864BED5F1}">
       <dsp:nvSpPr>
-        <dsp:cNvPr id="11" name="空心弧 10"/>
+        <dsp:cNvPr id="0" name=""/>
         <dsp:cNvSpPr/>
       </dsp:nvSpPr>
-      <dsp:spPr bwMode="white">
+      <dsp:spPr>
         <a:xfrm>
-          <a:off x="1865875" y="511102"/>
-          <a:ext cx="4396250" cy="4396250"/>
+          <a:off x="1980460" y="625687"/>
+          <a:ext cx="4167079" cy="4167079"/>
         </a:xfrm>
         <a:prstGeom prst="blockArc">
           <a:avLst>
-            <a:gd name="adj1" fmla="val 10800000"/>
-            <a:gd name="adj2" fmla="val 16199999"/>
-            <a:gd name="adj3" fmla="val 3962"/>
+            <a:gd name="adj1" fmla="val 16200000"/>
+            <a:gd name="adj2" fmla="val 0"/>
+            <a:gd name="adj3" fmla="val 4642"/>
           </a:avLst>
         </a:prstGeom>
+        <a:solidFill>
+          <a:schemeClr val="accent1">
+            <a:tint val="60000"/>
+            <a:hueOff val="0"/>
+            <a:satOff val="0"/>
+            <a:lumOff val="0"/>
+            <a:alphaOff val="0"/>
+          </a:schemeClr>
+        </a:solidFill>
+        <a:ln>
+          <a:noFill/>
+        </a:ln>
+        <a:effectLst/>
       </dsp:spPr>
       <dsp:style>
         <a:lnRef idx="0">
-          <a:schemeClr val="accent1">
-            <a:tint val="60000"/>
-          </a:schemeClr>
+          <a:scrgbClr r="0" g="0" b="0"/>
         </a:lnRef>
         <a:fillRef idx="1">
-          <a:schemeClr val="accent1">
-            <a:tint val="60000"/>
-          </a:schemeClr>
+          <a:scrgbClr r="0" g="0" b="0"/>
         </a:fillRef>
         <a:effectRef idx="0">
           <a:scrgbClr r="0" g="0" b="0"/>
@@ -2450,31 +2607,48 @@
           <a:schemeClr val="lt1"/>
         </a:fontRef>
       </dsp:style>
-      <dsp:txXfrm>
-        <a:off x="1865875" y="511102"/>
-        <a:ext cx="4396250" cy="4396250"/>
-      </dsp:txXfrm>
     </dsp:sp>
     <dsp:sp modelId="{BADECBB5-37EA-4668-8A2F-BD2C2902F22A}">
       <dsp:nvSpPr>
-        <dsp:cNvPr id="3" name="椭圆 2"/>
+        <dsp:cNvPr id="0" name=""/>
         <dsp:cNvSpPr/>
       </dsp:nvSpPr>
       <dsp:spPr bwMode="white">
         <a:xfrm>
-          <a:off x="3103281" y="1748509"/>
-          <a:ext cx="1921438" cy="1921438"/>
+          <a:off x="3104554" y="1749782"/>
+          <a:ext cx="1918890" cy="1918890"/>
         </a:xfrm>
         <a:prstGeom prst="ellipse">
           <a:avLst/>
         </a:prstGeom>
+        <a:solidFill>
+          <a:schemeClr val="accent1">
+            <a:hueOff val="0"/>
+            <a:satOff val="0"/>
+            <a:lumOff val="0"/>
+            <a:alphaOff val="0"/>
+          </a:schemeClr>
+        </a:solidFill>
+        <a:ln w="12700" cap="flat" cmpd="sng" algn="ctr">
+          <a:solidFill>
+            <a:schemeClr val="lt1">
+              <a:hueOff val="0"/>
+              <a:satOff val="0"/>
+              <a:lumOff val="0"/>
+              <a:alphaOff val="0"/>
+            </a:schemeClr>
+          </a:solidFill>
+          <a:prstDash val="solid"/>
+          <a:miter lim="800000"/>
+        </a:ln>
+        <a:effectLst/>
       </dsp:spPr>
       <dsp:style>
         <a:lnRef idx="2">
-          <a:schemeClr val="lt1"/>
+          <a:scrgbClr r="0" g="0" b="0"/>
         </a:lnRef>
         <a:fillRef idx="1">
-          <a:schemeClr val="accent1"/>
+          <a:scrgbClr r="0" g="0" b="0"/>
         </a:fillRef>
         <a:effectRef idx="0">
           <a:scrgbClr r="0" g="0" b="0"/>
@@ -2484,38 +2658,12 @@
         </a:fontRef>
       </dsp:style>
       <dsp:txBody>
-        <a:bodyPr vert="horz" wrap="square" lIns="40640" tIns="40640" rIns="40640" bIns="40640" anchor="ctr"/>
-        <a:lstStyle>
-          <a:lvl1pPr algn="ctr">
-            <a:defRPr sz="6500"/>
-          </a:lvl1pPr>
-          <a:lvl2pPr marL="285750" indent="-285750" algn="ctr">
-            <a:defRPr sz="5000"/>
-          </a:lvl2pPr>
-          <a:lvl3pPr marL="571500" indent="-285750" algn="ctr">
-            <a:defRPr sz="5000"/>
-          </a:lvl3pPr>
-          <a:lvl4pPr marL="857250" indent="-285750" algn="ctr">
-            <a:defRPr sz="5000"/>
-          </a:lvl4pPr>
-          <a:lvl5pPr marL="1143000" indent="-285750" algn="ctr">
-            <a:defRPr sz="5000"/>
-          </a:lvl5pPr>
-          <a:lvl6pPr marL="1428750" indent="-285750" algn="ctr">
-            <a:defRPr sz="5000"/>
-          </a:lvl6pPr>
-          <a:lvl7pPr marL="1714500" indent="-285750" algn="ctr">
-            <a:defRPr sz="5000"/>
-          </a:lvl7pPr>
-          <a:lvl8pPr marL="2000250" indent="-285750" algn="ctr">
-            <a:defRPr sz="5000"/>
-          </a:lvl8pPr>
-          <a:lvl9pPr marL="2286000" indent="-285750" algn="ctr">
-            <a:defRPr sz="5000"/>
-          </a:lvl9pPr>
-        </a:lstStyle>
+        <a:bodyPr spcFirstLastPara="0" vert="horz" wrap="square" lIns="40640" tIns="40640" rIns="40640" bIns="40640" numCol="1" spcCol="1270" anchor="ctr" anchorCtr="0">
+          <a:noAutofit/>
+        </a:bodyPr>
+        <a:lstStyle/>
         <a:p>
-          <a:pPr lvl="0">
+          <a:pPr lvl="0" algn="ctr" defTabSz="1422400">
             <a:lnSpc>
               <a:spcPct val="100000"/>
             </a:lnSpc>
@@ -2527,37 +2675,57 @@
             </a:spcAft>
           </a:pPr>
           <a:r>
-            <a:rPr lang="zh-CN" altLang="en-US" sz="3200"/>
+            <a:rPr lang="zh-CN" altLang="en-US" sz="3200" kern="1200"/>
             <a:t>功能模块</a:t>
           </a:r>
-          <a:endParaRPr lang="zh-CN" altLang="en-US" sz="3200"/>
         </a:p>
       </dsp:txBody>
       <dsp:txXfrm>
-        <a:off x="3103281" y="1748509"/>
-        <a:ext cx="1921438" cy="1921438"/>
+        <a:off x="3385569" y="2030797"/>
+        <a:ext cx="1356860" cy="1356860"/>
       </dsp:txXfrm>
     </dsp:sp>
     <dsp:sp modelId="{C2E7DEFD-0505-42BF-AE13-B6483BF86572}">
       <dsp:nvSpPr>
-        <dsp:cNvPr id="4" name="椭圆 3"/>
+        <dsp:cNvPr id="0" name=""/>
         <dsp:cNvSpPr/>
       </dsp:nvSpPr>
       <dsp:spPr bwMode="white">
         <a:xfrm>
-          <a:off x="3391497" y="0"/>
-          <a:ext cx="1345007" cy="1345007"/>
+          <a:off x="3392388" y="2432"/>
+          <a:ext cx="1343223" cy="1343223"/>
         </a:xfrm>
         <a:prstGeom prst="ellipse">
           <a:avLst/>
         </a:prstGeom>
+        <a:solidFill>
+          <a:schemeClr val="accent1">
+            <a:hueOff val="0"/>
+            <a:satOff val="0"/>
+            <a:lumOff val="0"/>
+            <a:alphaOff val="0"/>
+          </a:schemeClr>
+        </a:solidFill>
+        <a:ln w="12700" cap="flat" cmpd="sng" algn="ctr">
+          <a:solidFill>
+            <a:schemeClr val="lt1">
+              <a:hueOff val="0"/>
+              <a:satOff val="0"/>
+              <a:lumOff val="0"/>
+              <a:alphaOff val="0"/>
+            </a:schemeClr>
+          </a:solidFill>
+          <a:prstDash val="solid"/>
+          <a:miter lim="800000"/>
+        </a:ln>
+        <a:effectLst/>
       </dsp:spPr>
       <dsp:style>
         <a:lnRef idx="2">
-          <a:schemeClr val="lt1"/>
+          <a:scrgbClr r="0" g="0" b="0"/>
         </a:lnRef>
         <a:fillRef idx="1">
-          <a:schemeClr val="accent1"/>
+          <a:scrgbClr r="0" g="0" b="0"/>
         </a:fillRef>
         <a:effectRef idx="0">
           <a:scrgbClr r="0" g="0" b="0"/>
@@ -2567,38 +2735,12 @@
         </a:fontRef>
       </dsp:style>
       <dsp:txBody>
-        <a:bodyPr vert="horz" wrap="square" lIns="24130" tIns="24130" rIns="24130" bIns="24130" anchor="ctr"/>
-        <a:lstStyle>
-          <a:lvl1pPr algn="ctr">
-            <a:defRPr sz="1900"/>
-          </a:lvl1pPr>
-          <a:lvl2pPr marL="114300" indent="-114300" algn="ctr">
-            <a:defRPr sz="1400"/>
-          </a:lvl2pPr>
-          <a:lvl3pPr marL="228600" indent="-114300" algn="ctr">
-            <a:defRPr sz="1400"/>
-          </a:lvl3pPr>
-          <a:lvl4pPr marL="342900" indent="-114300" algn="ctr">
-            <a:defRPr sz="1400"/>
-          </a:lvl4pPr>
-          <a:lvl5pPr marL="457200" indent="-114300" algn="ctr">
-            <a:defRPr sz="1400"/>
-          </a:lvl5pPr>
-          <a:lvl6pPr marL="571500" indent="-114300" algn="ctr">
-            <a:defRPr sz="1400"/>
-          </a:lvl6pPr>
-          <a:lvl7pPr marL="685800" indent="-114300" algn="ctr">
-            <a:defRPr sz="1400"/>
-          </a:lvl7pPr>
-          <a:lvl8pPr marL="800100" indent="-114300" algn="ctr">
-            <a:defRPr sz="1400"/>
-          </a:lvl8pPr>
-          <a:lvl9pPr marL="914400" indent="-114300" algn="ctr">
-            <a:defRPr sz="1400"/>
-          </a:lvl9pPr>
-        </a:lstStyle>
+        <a:bodyPr spcFirstLastPara="0" vert="horz" wrap="square" lIns="21590" tIns="21590" rIns="21590" bIns="21590" numCol="1" spcCol="1270" anchor="ctr" anchorCtr="0">
+          <a:noAutofit/>
+        </a:bodyPr>
+        <a:lstStyle/>
         <a:p>
-          <a:pPr lvl="0">
+          <a:pPr lvl="0" algn="ctr" defTabSz="755650">
             <a:lnSpc>
               <a:spcPct val="100000"/>
             </a:lnSpc>
@@ -2610,37 +2752,57 @@
             </a:spcAft>
           </a:pPr>
           <a:r>
-            <a:rPr lang="zh-CN" altLang="en-US"/>
+            <a:rPr lang="zh-CN" altLang="en-US" sz="1700" kern="1200"/>
             <a:t>登录功能</a:t>
           </a:r>
-          <a:endParaRPr lang="zh-CN" altLang="en-US"/>
         </a:p>
       </dsp:txBody>
       <dsp:txXfrm>
-        <a:off x="3391497" y="0"/>
-        <a:ext cx="1345007" cy="1345007"/>
+        <a:off x="3589098" y="199142"/>
+        <a:ext cx="949803" cy="949803"/>
       </dsp:txXfrm>
     </dsp:sp>
     <dsp:sp modelId="{44F31994-0027-4DC3-B39E-FEE01FB1A852}">
       <dsp:nvSpPr>
-        <dsp:cNvPr id="6" name="椭圆 5"/>
+        <dsp:cNvPr id="0" name=""/>
         <dsp:cNvSpPr/>
       </dsp:nvSpPr>
       <dsp:spPr bwMode="white">
         <a:xfrm>
-          <a:off x="5428221" y="2036724"/>
-          <a:ext cx="1345007" cy="1345007"/>
+          <a:off x="5427572" y="2037615"/>
+          <a:ext cx="1343223" cy="1343223"/>
         </a:xfrm>
         <a:prstGeom prst="ellipse">
           <a:avLst/>
         </a:prstGeom>
+        <a:solidFill>
+          <a:schemeClr val="accent1">
+            <a:hueOff val="0"/>
+            <a:satOff val="0"/>
+            <a:lumOff val="0"/>
+            <a:alphaOff val="0"/>
+          </a:schemeClr>
+        </a:solidFill>
+        <a:ln w="12700" cap="flat" cmpd="sng" algn="ctr">
+          <a:solidFill>
+            <a:schemeClr val="lt1">
+              <a:hueOff val="0"/>
+              <a:satOff val="0"/>
+              <a:lumOff val="0"/>
+              <a:alphaOff val="0"/>
+            </a:schemeClr>
+          </a:solidFill>
+          <a:prstDash val="solid"/>
+          <a:miter lim="800000"/>
+        </a:ln>
+        <a:effectLst/>
       </dsp:spPr>
       <dsp:style>
         <a:lnRef idx="2">
-          <a:schemeClr val="lt1"/>
+          <a:scrgbClr r="0" g="0" b="0"/>
         </a:lnRef>
         <a:fillRef idx="1">
-          <a:schemeClr val="accent1"/>
+          <a:scrgbClr r="0" g="0" b="0"/>
         </a:fillRef>
         <a:effectRef idx="0">
           <a:scrgbClr r="0" g="0" b="0"/>
@@ -2650,38 +2812,12 @@
         </a:fontRef>
       </dsp:style>
       <dsp:txBody>
-        <a:bodyPr vert="horz" wrap="square" lIns="24130" tIns="24130" rIns="24130" bIns="24130" anchor="ctr"/>
-        <a:lstStyle>
-          <a:lvl1pPr algn="ctr">
-            <a:defRPr sz="1900"/>
-          </a:lvl1pPr>
-          <a:lvl2pPr marL="114300" indent="-114300" algn="ctr">
-            <a:defRPr sz="1400"/>
-          </a:lvl2pPr>
-          <a:lvl3pPr marL="228600" indent="-114300" algn="ctr">
-            <a:defRPr sz="1400"/>
-          </a:lvl3pPr>
-          <a:lvl4pPr marL="342900" indent="-114300" algn="ctr">
-            <a:defRPr sz="1400"/>
-          </a:lvl4pPr>
-          <a:lvl5pPr marL="457200" indent="-114300" algn="ctr">
-            <a:defRPr sz="1400"/>
-          </a:lvl5pPr>
-          <a:lvl6pPr marL="571500" indent="-114300" algn="ctr">
-            <a:defRPr sz="1400"/>
-          </a:lvl6pPr>
-          <a:lvl7pPr marL="685800" indent="-114300" algn="ctr">
-            <a:defRPr sz="1400"/>
-          </a:lvl7pPr>
-          <a:lvl8pPr marL="800100" indent="-114300" algn="ctr">
-            <a:defRPr sz="1400"/>
-          </a:lvl8pPr>
-          <a:lvl9pPr marL="914400" indent="-114300" algn="ctr">
-            <a:defRPr sz="1400"/>
-          </a:lvl9pPr>
-        </a:lstStyle>
+        <a:bodyPr spcFirstLastPara="0" vert="horz" wrap="square" lIns="21590" tIns="21590" rIns="21590" bIns="21590" numCol="1" spcCol="1270" anchor="ctr" anchorCtr="0">
+          <a:noAutofit/>
+        </a:bodyPr>
+        <a:lstStyle/>
         <a:p>
-          <a:pPr lvl="0">
+          <a:pPr lvl="0" algn="ctr" defTabSz="755650">
             <a:lnSpc>
               <a:spcPct val="100000"/>
             </a:lnSpc>
@@ -2693,37 +2829,57 @@
             </a:spcAft>
           </a:pPr>
           <a:r>
-            <a:rPr lang="zh-CN" altLang="en-US"/>
+            <a:rPr lang="zh-CN" altLang="en-US" sz="1700" kern="1200"/>
             <a:t>资产信息管理功能</a:t>
           </a:r>
-          <a:endParaRPr lang="zh-CN" altLang="en-US"/>
         </a:p>
       </dsp:txBody>
       <dsp:txXfrm>
-        <a:off x="5428221" y="2036724"/>
-        <a:ext cx="1345007" cy="1345007"/>
+        <a:off x="5624282" y="2234325"/>
+        <a:ext cx="949803" cy="949803"/>
       </dsp:txXfrm>
     </dsp:sp>
     <dsp:sp modelId="{0DA4B7DF-BD6B-46E8-940A-69050C019BB3}">
       <dsp:nvSpPr>
-        <dsp:cNvPr id="8" name="椭圆 7"/>
+        <dsp:cNvPr id="0" name=""/>
         <dsp:cNvSpPr/>
       </dsp:nvSpPr>
       <dsp:spPr bwMode="white">
         <a:xfrm>
-          <a:off x="3391497" y="4073448"/>
-          <a:ext cx="1345007" cy="1345007"/>
+          <a:off x="3392388" y="4072799"/>
+          <a:ext cx="1343223" cy="1343223"/>
         </a:xfrm>
         <a:prstGeom prst="ellipse">
           <a:avLst/>
         </a:prstGeom>
+        <a:solidFill>
+          <a:schemeClr val="accent1">
+            <a:hueOff val="0"/>
+            <a:satOff val="0"/>
+            <a:lumOff val="0"/>
+            <a:alphaOff val="0"/>
+          </a:schemeClr>
+        </a:solidFill>
+        <a:ln w="12700" cap="flat" cmpd="sng" algn="ctr">
+          <a:solidFill>
+            <a:schemeClr val="lt1">
+              <a:hueOff val="0"/>
+              <a:satOff val="0"/>
+              <a:lumOff val="0"/>
+              <a:alphaOff val="0"/>
+            </a:schemeClr>
+          </a:solidFill>
+          <a:prstDash val="solid"/>
+          <a:miter lim="800000"/>
+        </a:ln>
+        <a:effectLst/>
       </dsp:spPr>
       <dsp:style>
         <a:lnRef idx="2">
-          <a:schemeClr val="lt1"/>
+          <a:scrgbClr r="0" g="0" b="0"/>
         </a:lnRef>
         <a:fillRef idx="1">
-          <a:schemeClr val="accent1"/>
+          <a:scrgbClr r="0" g="0" b="0"/>
         </a:fillRef>
         <a:effectRef idx="0">
           <a:scrgbClr r="0" g="0" b="0"/>
@@ -2733,38 +2889,12 @@
         </a:fontRef>
       </dsp:style>
       <dsp:txBody>
-        <a:bodyPr vert="horz" wrap="square" lIns="24130" tIns="24130" rIns="24130" bIns="24130" anchor="ctr"/>
-        <a:lstStyle>
-          <a:lvl1pPr algn="ctr">
-            <a:defRPr sz="1900"/>
-          </a:lvl1pPr>
-          <a:lvl2pPr marL="114300" indent="-114300" algn="ctr">
-            <a:defRPr sz="1400"/>
-          </a:lvl2pPr>
-          <a:lvl3pPr marL="228600" indent="-114300" algn="ctr">
-            <a:defRPr sz="1400"/>
-          </a:lvl3pPr>
-          <a:lvl4pPr marL="342900" indent="-114300" algn="ctr">
-            <a:defRPr sz="1400"/>
-          </a:lvl4pPr>
-          <a:lvl5pPr marL="457200" indent="-114300" algn="ctr">
-            <a:defRPr sz="1400"/>
-          </a:lvl5pPr>
-          <a:lvl6pPr marL="571500" indent="-114300" algn="ctr">
-            <a:defRPr sz="1400"/>
-          </a:lvl6pPr>
-          <a:lvl7pPr marL="685800" indent="-114300" algn="ctr">
-            <a:defRPr sz="1400"/>
-          </a:lvl7pPr>
-          <a:lvl8pPr marL="800100" indent="-114300" algn="ctr">
-            <a:defRPr sz="1400"/>
-          </a:lvl8pPr>
-          <a:lvl9pPr marL="914400" indent="-114300" algn="ctr">
-            <a:defRPr sz="1400"/>
-          </a:lvl9pPr>
-        </a:lstStyle>
+        <a:bodyPr spcFirstLastPara="0" vert="horz" wrap="square" lIns="21590" tIns="21590" rIns="21590" bIns="21590" numCol="1" spcCol="1270" anchor="ctr" anchorCtr="0">
+          <a:noAutofit/>
+        </a:bodyPr>
+        <a:lstStyle/>
         <a:p>
-          <a:pPr lvl="0">
+          <a:pPr lvl="0" algn="ctr" defTabSz="755650">
             <a:lnSpc>
               <a:spcPct val="100000"/>
             </a:lnSpc>
@@ -2776,37 +2906,57 @@
             </a:spcAft>
           </a:pPr>
           <a:r>
-            <a:rPr lang="zh-CN" altLang="en-US"/>
+            <a:rPr lang="zh-CN" altLang="en-US" sz="1700" kern="1200"/>
             <a:t>资产报废管理功能</a:t>
           </a:r>
-          <a:endParaRPr lang="zh-CN" altLang="en-US"/>
         </a:p>
       </dsp:txBody>
       <dsp:txXfrm>
-        <a:off x="3391497" y="4073448"/>
-        <a:ext cx="1345007" cy="1345007"/>
+        <a:off x="3589098" y="4269509"/>
+        <a:ext cx="949803" cy="949803"/>
       </dsp:txXfrm>
     </dsp:sp>
     <dsp:sp modelId="{F539A410-44AA-4A02-9F1B-997DD2B71E87}">
       <dsp:nvSpPr>
-        <dsp:cNvPr id="10" name="椭圆 9"/>
+        <dsp:cNvPr id="0" name=""/>
         <dsp:cNvSpPr/>
       </dsp:nvSpPr>
       <dsp:spPr bwMode="white">
         <a:xfrm>
-          <a:off x="1354773" y="2036724"/>
-          <a:ext cx="1345007" cy="1345007"/>
+          <a:off x="1357204" y="2037615"/>
+          <a:ext cx="1343223" cy="1343223"/>
         </a:xfrm>
         <a:prstGeom prst="ellipse">
           <a:avLst/>
         </a:prstGeom>
+        <a:solidFill>
+          <a:schemeClr val="accent1">
+            <a:hueOff val="0"/>
+            <a:satOff val="0"/>
+            <a:lumOff val="0"/>
+            <a:alphaOff val="0"/>
+          </a:schemeClr>
+        </a:solidFill>
+        <a:ln w="12700" cap="flat" cmpd="sng" algn="ctr">
+          <a:solidFill>
+            <a:schemeClr val="lt1">
+              <a:hueOff val="0"/>
+              <a:satOff val="0"/>
+              <a:lumOff val="0"/>
+              <a:alphaOff val="0"/>
+            </a:schemeClr>
+          </a:solidFill>
+          <a:prstDash val="solid"/>
+          <a:miter lim="800000"/>
+        </a:ln>
+        <a:effectLst/>
       </dsp:spPr>
       <dsp:style>
         <a:lnRef idx="2">
-          <a:schemeClr val="lt1"/>
+          <a:scrgbClr r="0" g="0" b="0"/>
         </a:lnRef>
         <a:fillRef idx="1">
-          <a:schemeClr val="accent1"/>
+          <a:scrgbClr r="0" g="0" b="0"/>
         </a:fillRef>
         <a:effectRef idx="0">
           <a:scrgbClr r="0" g="0" b="0"/>
@@ -2816,38 +2966,12 @@
         </a:fontRef>
       </dsp:style>
       <dsp:txBody>
-        <a:bodyPr vert="horz" wrap="square" lIns="24130" tIns="24130" rIns="24130" bIns="24130" anchor="ctr"/>
-        <a:lstStyle>
-          <a:lvl1pPr algn="ctr">
-            <a:defRPr sz="1900"/>
-          </a:lvl1pPr>
-          <a:lvl2pPr marL="114300" indent="-114300" algn="ctr">
-            <a:defRPr sz="1400"/>
-          </a:lvl2pPr>
-          <a:lvl3pPr marL="228600" indent="-114300" algn="ctr">
-            <a:defRPr sz="1400"/>
-          </a:lvl3pPr>
-          <a:lvl4pPr marL="342900" indent="-114300" algn="ctr">
-            <a:defRPr sz="1400"/>
-          </a:lvl4pPr>
-          <a:lvl5pPr marL="457200" indent="-114300" algn="ctr">
-            <a:defRPr sz="1400"/>
-          </a:lvl5pPr>
-          <a:lvl6pPr marL="571500" indent="-114300" algn="ctr">
-            <a:defRPr sz="1400"/>
-          </a:lvl6pPr>
-          <a:lvl7pPr marL="685800" indent="-114300" algn="ctr">
-            <a:defRPr sz="1400"/>
-          </a:lvl7pPr>
-          <a:lvl8pPr marL="800100" indent="-114300" algn="ctr">
-            <a:defRPr sz="1400"/>
-          </a:lvl8pPr>
-          <a:lvl9pPr marL="914400" indent="-114300" algn="ctr">
-            <a:defRPr sz="1400"/>
-          </a:lvl9pPr>
-        </a:lstStyle>
+        <a:bodyPr spcFirstLastPara="0" vert="horz" wrap="square" lIns="21590" tIns="21590" rIns="21590" bIns="21590" numCol="1" spcCol="1270" anchor="ctr" anchorCtr="0">
+          <a:noAutofit/>
+        </a:bodyPr>
+        <a:lstStyle/>
         <a:p>
-          <a:pPr lvl="0">
+          <a:pPr lvl="0" algn="ctr" defTabSz="755650">
             <a:lnSpc>
               <a:spcPct val="100000"/>
             </a:lnSpc>
@@ -2859,15 +2983,14 @@
             </a:spcAft>
           </a:pPr>
           <a:r>
-            <a:rPr lang="zh-CN" altLang="en-US"/>
+            <a:rPr lang="zh-CN" altLang="en-US" sz="1700" kern="1200"/>
             <a:t>资产维修管理功能</a:t>
           </a:r>
-          <a:endParaRPr lang="zh-CN" altLang="en-US"/>
         </a:p>
       </dsp:txBody>
       <dsp:txXfrm>
-        <a:off x="1354773" y="2036724"/>
-        <a:ext cx="1345007" cy="1345007"/>
+        <a:off x="1553914" y="2234325"/>
+        <a:ext cx="949803" cy="949803"/>
       </dsp:txXfrm>
     </dsp:sp>
   </dsp:spTree>
@@ -2875,42 +2998,56 @@
 </file>
 
 <file path=ppt/diagrams/drawing2.xml><?xml version="1.0" encoding="utf-8"?>
-<dsp:drawing xmlns:dgm="http://schemas.openxmlformats.org/drawingml/2006/diagram" xmlns:dsp="http://schemas.microsoft.com/office/drawing/2008/diagram" xmlns:a="http://schemas.openxmlformats.org/drawingml/2006/main" xmlns:r="http://schemas.openxmlformats.org/officeDocument/2006/relationships">
+<dsp:drawing xmlns:dgm="http://schemas.openxmlformats.org/drawingml/2006/diagram" xmlns:dsp="http://schemas.microsoft.com/office/drawing/2008/diagram" xmlns:a="http://schemas.openxmlformats.org/drawingml/2006/main">
   <dsp:spTree>
     <dsp:nvGrpSpPr>
-      <dsp:cNvPr id="2" name="组合 1"/>
+      <dsp:cNvPr id="0" name=""/>
       <dsp:cNvGrpSpPr/>
     </dsp:nvGrpSpPr>
-    <dsp:grpSpPr>
-      <a:xfrm>
-        <a:off x="0" y="0"/>
-        <a:ext cx="8128000" cy="3482975"/>
-        <a:chOff x="0" y="0"/>
-        <a:chExt cx="8128000" cy="3482975"/>
-      </a:xfrm>
-    </dsp:grpSpPr>
+    <dsp:grpSpPr/>
     <dsp:sp modelId="{A9558FAE-AE26-43A7-A5EC-E1594E2B2F93}">
       <dsp:nvSpPr>
-        <dsp:cNvPr id="3" name="圆角矩形 2"/>
+        <dsp:cNvPr id="0" name=""/>
         <dsp:cNvSpPr/>
       </dsp:nvSpPr>
       <dsp:spPr bwMode="white">
         <a:xfrm>
-          <a:off x="0" y="1272564"/>
-          <a:ext cx="1563077" cy="937846"/>
+          <a:off x="3571" y="1251015"/>
+          <a:ext cx="1561703" cy="980944"/>
         </a:xfrm>
         <a:prstGeom prst="roundRect">
           <a:avLst>
             <a:gd name="adj" fmla="val 10000"/>
           </a:avLst>
         </a:prstGeom>
+        <a:solidFill>
+          <a:schemeClr val="accent1">
+            <a:hueOff val="0"/>
+            <a:satOff val="0"/>
+            <a:lumOff val="0"/>
+            <a:alphaOff val="0"/>
+          </a:schemeClr>
+        </a:solidFill>
+        <a:ln w="12700" cap="flat" cmpd="sng" algn="ctr">
+          <a:solidFill>
+            <a:schemeClr val="lt1">
+              <a:hueOff val="0"/>
+              <a:satOff val="0"/>
+              <a:lumOff val="0"/>
+              <a:alphaOff val="0"/>
+            </a:schemeClr>
+          </a:solidFill>
+          <a:prstDash val="solid"/>
+          <a:miter lim="800000"/>
+        </a:ln>
+        <a:effectLst/>
       </dsp:spPr>
       <dsp:style>
         <a:lnRef idx="2">
-          <a:schemeClr val="lt1"/>
+          <a:scrgbClr r="0" g="0" b="0"/>
         </a:lnRef>
         <a:fillRef idx="1">
-          <a:schemeClr val="accent1"/>
+          <a:scrgbClr r="0" g="0" b="0"/>
         </a:fillRef>
         <a:effectRef idx="0">
           <a:scrgbClr r="0" g="0" b="0"/>
@@ -2920,38 +3057,12 @@
         </a:fontRef>
       </dsp:style>
       <dsp:txBody>
-        <a:bodyPr vert="horz" wrap="square" lIns="83820" tIns="83820" rIns="83820" bIns="83820" anchor="ctr"/>
-        <a:lstStyle>
-          <a:lvl1pPr algn="ctr">
-            <a:defRPr sz="2200"/>
-          </a:lvl1pPr>
-          <a:lvl2pPr marL="171450" indent="-171450" algn="ctr">
-            <a:defRPr sz="1700"/>
-          </a:lvl2pPr>
-          <a:lvl3pPr marL="342900" indent="-171450" algn="ctr">
-            <a:defRPr sz="1700"/>
-          </a:lvl3pPr>
-          <a:lvl4pPr marL="514350" indent="-171450" algn="ctr">
-            <a:defRPr sz="1700"/>
-          </a:lvl4pPr>
-          <a:lvl5pPr marL="685800" indent="-171450" algn="ctr">
-            <a:defRPr sz="1700"/>
-          </a:lvl5pPr>
-          <a:lvl6pPr marL="857250" indent="-171450" algn="ctr">
-            <a:defRPr sz="1700"/>
-          </a:lvl6pPr>
-          <a:lvl7pPr marL="1028700" indent="-171450" algn="ctr">
-            <a:defRPr sz="1700"/>
-          </a:lvl7pPr>
-          <a:lvl8pPr marL="1200150" indent="-171450" algn="ctr">
-            <a:defRPr sz="1700"/>
-          </a:lvl8pPr>
-          <a:lvl9pPr marL="1371600" indent="-171450" algn="ctr">
-            <a:defRPr sz="1700"/>
-          </a:lvl9pPr>
-        </a:lstStyle>
+        <a:bodyPr spcFirstLastPara="0" vert="horz" wrap="square" lIns="68580" tIns="68580" rIns="68580" bIns="68580" numCol="1" spcCol="1270" anchor="ctr" anchorCtr="0">
+          <a:noAutofit/>
+        </a:bodyPr>
+        <a:lstStyle/>
         <a:p>
-          <a:pPr lvl="0">
+          <a:pPr lvl="0" algn="ctr" defTabSz="800100">
             <a:lnSpc>
               <a:spcPct val="100000"/>
             </a:lnSpc>
@@ -2963,26 +3074,25 @@
             </a:spcAft>
           </a:pPr>
           <a:r>
-            <a:rPr lang="zh-CN" altLang="en-US"/>
+            <a:rPr lang="zh-CN" altLang="en-US" sz="1800" kern="1200" dirty="0"/>
             <a:t>登陆功能</a:t>
           </a:r>
-          <a:endParaRPr lang="zh-CN" altLang="en-US"/>
         </a:p>
       </dsp:txBody>
       <dsp:txXfrm>
-        <a:off x="0" y="1272564"/>
-        <a:ext cx="1563077" cy="937846"/>
+        <a:off x="32302" y="1279746"/>
+        <a:ext cx="1504241" cy="923482"/>
       </dsp:txXfrm>
     </dsp:sp>
     <dsp:sp modelId="{56077158-A490-49C0-92A3-E1F3F4A134D1}">
       <dsp:nvSpPr>
-        <dsp:cNvPr id="4" name="右箭头 3"/>
+        <dsp:cNvPr id="0" name=""/>
         <dsp:cNvSpPr/>
       </dsp:nvSpPr>
       <dsp:spPr bwMode="white">
         <a:xfrm>
-          <a:off x="1710006" y="1547666"/>
-          <a:ext cx="331372" cy="387643"/>
+          <a:off x="1721445" y="1547836"/>
+          <a:ext cx="331081" cy="387302"/>
         </a:xfrm>
         <a:prstGeom prst="rightArrow">
           <a:avLst>
@@ -2990,17 +3100,26 @@
             <a:gd name="adj2" fmla="val 50000"/>
           </a:avLst>
         </a:prstGeom>
+        <a:solidFill>
+          <a:schemeClr val="accent1">
+            <a:tint val="60000"/>
+            <a:hueOff val="0"/>
+            <a:satOff val="0"/>
+            <a:lumOff val="0"/>
+            <a:alphaOff val="0"/>
+          </a:schemeClr>
+        </a:solidFill>
+        <a:ln>
+          <a:noFill/>
+        </a:ln>
+        <a:effectLst/>
       </dsp:spPr>
       <dsp:style>
         <a:lnRef idx="0">
-          <a:schemeClr val="accent1">
-            <a:tint val="60000"/>
-          </a:schemeClr>
+          <a:scrgbClr r="0" g="0" b="0"/>
         </a:lnRef>
         <a:fillRef idx="1">
-          <a:schemeClr val="accent1">
-            <a:tint val="60000"/>
-          </a:schemeClr>
+          <a:scrgbClr r="0" g="0" b="0"/>
         </a:fillRef>
         <a:effectRef idx="0">
           <a:scrgbClr r="0" g="0" b="0"/>
@@ -3010,40 +3129,14 @@
         </a:fontRef>
       </dsp:style>
       <dsp:txBody>
-        <a:bodyPr lIns="0" tIns="0" rIns="0" bIns="0" anchor="ctr"/>
-        <a:lstStyle>
-          <a:lvl1pPr algn="ctr">
-            <a:defRPr sz="5500"/>
-          </a:lvl1pPr>
-          <a:lvl2pPr marL="285750" indent="-285750" algn="ctr">
-            <a:defRPr sz="4200"/>
-          </a:lvl2pPr>
-          <a:lvl3pPr marL="571500" indent="-285750" algn="ctr">
-            <a:defRPr sz="4200"/>
-          </a:lvl3pPr>
-          <a:lvl4pPr marL="857250" indent="-285750" algn="ctr">
-            <a:defRPr sz="4200"/>
-          </a:lvl4pPr>
-          <a:lvl5pPr marL="1143000" indent="-285750" algn="ctr">
-            <a:defRPr sz="4200"/>
-          </a:lvl5pPr>
-          <a:lvl6pPr marL="1428750" indent="-285750" algn="ctr">
-            <a:defRPr sz="4200"/>
-          </a:lvl6pPr>
-          <a:lvl7pPr marL="1714500" indent="-285750" algn="ctr">
-            <a:defRPr sz="4200"/>
-          </a:lvl7pPr>
-          <a:lvl8pPr marL="2000250" indent="-285750" algn="ctr">
-            <a:defRPr sz="4200"/>
-          </a:lvl8pPr>
-          <a:lvl9pPr marL="2286000" indent="-285750" algn="ctr">
-            <a:defRPr sz="4200"/>
-          </a:lvl9pPr>
-        </a:lstStyle>
+        <a:bodyPr spcFirstLastPara="0" vert="horz" wrap="square" lIns="0" tIns="0" rIns="0" bIns="0" numCol="1" spcCol="1270" anchor="ctr" anchorCtr="0">
+          <a:noAutofit/>
+        </a:bodyPr>
+        <a:lstStyle/>
         <a:p>
-          <a:pPr lvl="0">
+          <a:pPr lvl="0" algn="ctr" defTabSz="622300">
             <a:lnSpc>
-              <a:spcPct val="100000"/>
+              <a:spcPct val="90000"/>
             </a:lnSpc>
             <a:spcBef>
               <a:spcPct val="0"/>
@@ -3052,36 +3145,57 @@
               <a:spcPct val="35000"/>
             </a:spcAft>
           </a:pPr>
-          <a:endParaRPr lang="zh-CN" altLang="en-US"/>
+          <a:endParaRPr lang="zh-CN" altLang="en-US" sz="1400" kern="1200"/>
         </a:p>
       </dsp:txBody>
       <dsp:txXfrm>
-        <a:off x="1710006" y="1547666"/>
-        <a:ext cx="331372" cy="387643"/>
+        <a:off x="1721445" y="1625296"/>
+        <a:ext cx="231757" cy="232382"/>
       </dsp:txXfrm>
     </dsp:sp>
     <dsp:sp modelId="{0C6A0E2D-4913-46C1-A93F-3832E34B4A9D}">
       <dsp:nvSpPr>
-        <dsp:cNvPr id="5" name="圆角矩形 4"/>
+        <dsp:cNvPr id="0" name=""/>
         <dsp:cNvSpPr/>
       </dsp:nvSpPr>
       <dsp:spPr bwMode="white">
         <a:xfrm>
-          <a:off x="2188308" y="1272564"/>
-          <a:ext cx="1563077" cy="937846"/>
+          <a:off x="2189956" y="1251015"/>
+          <a:ext cx="1561703" cy="980944"/>
         </a:xfrm>
         <a:prstGeom prst="roundRect">
           <a:avLst>
             <a:gd name="adj" fmla="val 10000"/>
           </a:avLst>
         </a:prstGeom>
+        <a:solidFill>
+          <a:schemeClr val="accent1">
+            <a:hueOff val="0"/>
+            <a:satOff val="0"/>
+            <a:lumOff val="0"/>
+            <a:alphaOff val="0"/>
+          </a:schemeClr>
+        </a:solidFill>
+        <a:ln w="12700" cap="flat" cmpd="sng" algn="ctr">
+          <a:solidFill>
+            <a:schemeClr val="lt1">
+              <a:hueOff val="0"/>
+              <a:satOff val="0"/>
+              <a:lumOff val="0"/>
+              <a:alphaOff val="0"/>
+            </a:schemeClr>
+          </a:solidFill>
+          <a:prstDash val="solid"/>
+          <a:miter lim="800000"/>
+        </a:ln>
+        <a:effectLst/>
       </dsp:spPr>
       <dsp:style>
         <a:lnRef idx="2">
-          <a:schemeClr val="lt1"/>
+          <a:scrgbClr r="0" g="0" b="0"/>
         </a:lnRef>
         <a:fillRef idx="1">
-          <a:schemeClr val="accent1"/>
+          <a:scrgbClr r="0" g="0" b="0"/>
         </a:fillRef>
         <a:effectRef idx="0">
           <a:scrgbClr r="0" g="0" b="0"/>
@@ -3091,38 +3205,12 @@
         </a:fontRef>
       </dsp:style>
       <dsp:txBody>
-        <a:bodyPr vert="horz" wrap="square" lIns="83820" tIns="83820" rIns="83820" bIns="83820" anchor="ctr"/>
-        <a:lstStyle>
-          <a:lvl1pPr algn="ctr">
-            <a:defRPr sz="2200"/>
-          </a:lvl1pPr>
-          <a:lvl2pPr marL="171450" indent="-171450" algn="ctr">
-            <a:defRPr sz="1700"/>
-          </a:lvl2pPr>
-          <a:lvl3pPr marL="342900" indent="-171450" algn="ctr">
-            <a:defRPr sz="1700"/>
-          </a:lvl3pPr>
-          <a:lvl4pPr marL="514350" indent="-171450" algn="ctr">
-            <a:defRPr sz="1700"/>
-          </a:lvl4pPr>
-          <a:lvl5pPr marL="685800" indent="-171450" algn="ctr">
-            <a:defRPr sz="1700"/>
-          </a:lvl5pPr>
-          <a:lvl6pPr marL="857250" indent="-171450" algn="ctr">
-            <a:defRPr sz="1700"/>
-          </a:lvl6pPr>
-          <a:lvl7pPr marL="1028700" indent="-171450" algn="ctr">
-            <a:defRPr sz="1700"/>
-          </a:lvl7pPr>
-          <a:lvl8pPr marL="1200150" indent="-171450" algn="ctr">
-            <a:defRPr sz="1700"/>
-          </a:lvl8pPr>
-          <a:lvl9pPr marL="1371600" indent="-171450" algn="ctr">
-            <a:defRPr sz="1700"/>
-          </a:lvl9pPr>
-        </a:lstStyle>
+        <a:bodyPr spcFirstLastPara="0" vert="horz" wrap="square" lIns="68580" tIns="68580" rIns="68580" bIns="68580" numCol="1" spcCol="1270" anchor="ctr" anchorCtr="0">
+          <a:noAutofit/>
+        </a:bodyPr>
+        <a:lstStyle/>
         <a:p>
-          <a:pPr lvl="0">
+          <a:pPr lvl="0" algn="ctr" defTabSz="800100">
             <a:lnSpc>
               <a:spcPct val="100000"/>
             </a:lnSpc>
@@ -3134,26 +3222,26 @@
             </a:spcAft>
           </a:pPr>
           <a:r>
-            <a:rPr lang="zh-CN" altLang="en-US"/>
+            <a:rPr lang="zh-CN" altLang="en-US" sz="1800" kern="1200"/>
             <a:t>资产管理</a:t>
           </a:r>
-          <a:endParaRPr lang="en-US" altLang="zh-CN"/>
+          <a:endParaRPr lang="en-US" altLang="zh-CN" sz="1800" kern="1200"/>
         </a:p>
       </dsp:txBody>
       <dsp:txXfrm>
-        <a:off x="2188308" y="1272564"/>
-        <a:ext cx="1563077" cy="937846"/>
+        <a:off x="2218687" y="1279746"/>
+        <a:ext cx="1504241" cy="923482"/>
       </dsp:txXfrm>
     </dsp:sp>
     <dsp:sp modelId="{18462591-2085-43A2-8617-BA9721C35F9F}">
       <dsp:nvSpPr>
-        <dsp:cNvPr id="6" name="右箭头 5"/>
+        <dsp:cNvPr id="0" name=""/>
         <dsp:cNvSpPr/>
       </dsp:nvSpPr>
       <dsp:spPr bwMode="white">
         <a:xfrm>
-          <a:off x="3898314" y="1547666"/>
-          <a:ext cx="331372" cy="387643"/>
+          <a:off x="3907829" y="1547836"/>
+          <a:ext cx="331081" cy="387302"/>
         </a:xfrm>
         <a:prstGeom prst="rightArrow">
           <a:avLst>
@@ -3161,17 +3249,26 @@
             <a:gd name="adj2" fmla="val 50000"/>
           </a:avLst>
         </a:prstGeom>
+        <a:solidFill>
+          <a:schemeClr val="accent1">
+            <a:tint val="60000"/>
+            <a:hueOff val="0"/>
+            <a:satOff val="0"/>
+            <a:lumOff val="0"/>
+            <a:alphaOff val="0"/>
+          </a:schemeClr>
+        </a:solidFill>
+        <a:ln>
+          <a:noFill/>
+        </a:ln>
+        <a:effectLst/>
       </dsp:spPr>
       <dsp:style>
         <a:lnRef idx="0">
-          <a:schemeClr val="accent1">
-            <a:tint val="60000"/>
-          </a:schemeClr>
+          <a:scrgbClr r="0" g="0" b="0"/>
         </a:lnRef>
         <a:fillRef idx="1">
-          <a:schemeClr val="accent1">
-            <a:tint val="60000"/>
-          </a:schemeClr>
+          <a:scrgbClr r="0" g="0" b="0"/>
         </a:fillRef>
         <a:effectRef idx="0">
           <a:scrgbClr r="0" g="0" b="0"/>
@@ -3181,40 +3278,14 @@
         </a:fontRef>
       </dsp:style>
       <dsp:txBody>
-        <a:bodyPr lIns="0" tIns="0" rIns="0" bIns="0" anchor="ctr"/>
-        <a:lstStyle>
-          <a:lvl1pPr algn="ctr">
-            <a:defRPr sz="5500"/>
-          </a:lvl1pPr>
-          <a:lvl2pPr marL="285750" indent="-285750" algn="ctr">
-            <a:defRPr sz="4200"/>
-          </a:lvl2pPr>
-          <a:lvl3pPr marL="571500" indent="-285750" algn="ctr">
-            <a:defRPr sz="4200"/>
-          </a:lvl3pPr>
-          <a:lvl4pPr marL="857250" indent="-285750" algn="ctr">
-            <a:defRPr sz="4200"/>
-          </a:lvl4pPr>
-          <a:lvl5pPr marL="1143000" indent="-285750" algn="ctr">
-            <a:defRPr sz="4200"/>
-          </a:lvl5pPr>
-          <a:lvl6pPr marL="1428750" indent="-285750" algn="ctr">
-            <a:defRPr sz="4200"/>
-          </a:lvl6pPr>
-          <a:lvl7pPr marL="1714500" indent="-285750" algn="ctr">
-            <a:defRPr sz="4200"/>
-          </a:lvl7pPr>
-          <a:lvl8pPr marL="2000250" indent="-285750" algn="ctr">
-            <a:defRPr sz="4200"/>
-          </a:lvl8pPr>
-          <a:lvl9pPr marL="2286000" indent="-285750" algn="ctr">
-            <a:defRPr sz="4200"/>
-          </a:lvl9pPr>
-        </a:lstStyle>
+        <a:bodyPr spcFirstLastPara="0" vert="horz" wrap="square" lIns="0" tIns="0" rIns="0" bIns="0" numCol="1" spcCol="1270" anchor="ctr" anchorCtr="0">
+          <a:noAutofit/>
+        </a:bodyPr>
+        <a:lstStyle/>
         <a:p>
-          <a:pPr lvl="0">
+          <a:pPr lvl="0" algn="ctr" defTabSz="622300">
             <a:lnSpc>
-              <a:spcPct val="100000"/>
+              <a:spcPct val="90000"/>
             </a:lnSpc>
             <a:spcBef>
               <a:spcPct val="0"/>
@@ -3223,36 +3294,57 @@
               <a:spcPct val="35000"/>
             </a:spcAft>
           </a:pPr>
-          <a:endParaRPr lang="zh-CN" altLang="en-US"/>
+          <a:endParaRPr lang="zh-CN" altLang="en-US" sz="1400" kern="1200"/>
         </a:p>
       </dsp:txBody>
       <dsp:txXfrm>
-        <a:off x="3898314" y="1547666"/>
-        <a:ext cx="331372" cy="387643"/>
+        <a:off x="3907829" y="1625296"/>
+        <a:ext cx="231757" cy="232382"/>
       </dsp:txXfrm>
     </dsp:sp>
     <dsp:sp modelId="{507274D1-9FFA-4CA1-8C30-ADC25E352D22}">
       <dsp:nvSpPr>
-        <dsp:cNvPr id="7" name="圆角矩形 6"/>
+        <dsp:cNvPr id="0" name=""/>
         <dsp:cNvSpPr/>
       </dsp:nvSpPr>
       <dsp:spPr bwMode="white">
         <a:xfrm>
-          <a:off x="4376615" y="1272564"/>
-          <a:ext cx="1563077" cy="937846"/>
+          <a:off x="4376340" y="1251015"/>
+          <a:ext cx="1561703" cy="980944"/>
         </a:xfrm>
         <a:prstGeom prst="roundRect">
           <a:avLst>
             <a:gd name="adj" fmla="val 10000"/>
           </a:avLst>
         </a:prstGeom>
+        <a:solidFill>
+          <a:schemeClr val="accent1">
+            <a:hueOff val="0"/>
+            <a:satOff val="0"/>
+            <a:lumOff val="0"/>
+            <a:alphaOff val="0"/>
+          </a:schemeClr>
+        </a:solidFill>
+        <a:ln w="12700" cap="flat" cmpd="sng" algn="ctr">
+          <a:solidFill>
+            <a:schemeClr val="lt1">
+              <a:hueOff val="0"/>
+              <a:satOff val="0"/>
+              <a:lumOff val="0"/>
+              <a:alphaOff val="0"/>
+            </a:schemeClr>
+          </a:solidFill>
+          <a:prstDash val="solid"/>
+          <a:miter lim="800000"/>
+        </a:ln>
+        <a:effectLst/>
       </dsp:spPr>
       <dsp:style>
         <a:lnRef idx="2">
-          <a:schemeClr val="lt1"/>
+          <a:scrgbClr r="0" g="0" b="0"/>
         </a:lnRef>
         <a:fillRef idx="1">
-          <a:schemeClr val="accent1"/>
+          <a:scrgbClr r="0" g="0" b="0"/>
         </a:fillRef>
         <a:effectRef idx="0">
           <a:scrgbClr r="0" g="0" b="0"/>
@@ -3262,38 +3354,12 @@
         </a:fontRef>
       </dsp:style>
       <dsp:txBody>
-        <a:bodyPr vert="horz" wrap="square" lIns="83820" tIns="83820" rIns="83820" bIns="83820" anchor="ctr"/>
-        <a:lstStyle>
-          <a:lvl1pPr algn="ctr">
-            <a:defRPr sz="2200"/>
-          </a:lvl1pPr>
-          <a:lvl2pPr marL="171450" indent="-171450" algn="ctr">
-            <a:defRPr sz="1700"/>
-          </a:lvl2pPr>
-          <a:lvl3pPr marL="342900" indent="-171450" algn="ctr">
-            <a:defRPr sz="1700"/>
-          </a:lvl3pPr>
-          <a:lvl4pPr marL="514350" indent="-171450" algn="ctr">
-            <a:defRPr sz="1700"/>
-          </a:lvl4pPr>
-          <a:lvl5pPr marL="685800" indent="-171450" algn="ctr">
-            <a:defRPr sz="1700"/>
-          </a:lvl5pPr>
-          <a:lvl6pPr marL="857250" indent="-171450" algn="ctr">
-            <a:defRPr sz="1700"/>
-          </a:lvl6pPr>
-          <a:lvl7pPr marL="1028700" indent="-171450" algn="ctr">
-            <a:defRPr sz="1700"/>
-          </a:lvl7pPr>
-          <a:lvl8pPr marL="1200150" indent="-171450" algn="ctr">
-            <a:defRPr sz="1700"/>
-          </a:lvl8pPr>
-          <a:lvl9pPr marL="1371600" indent="-171450" algn="ctr">
-            <a:defRPr sz="1700"/>
-          </a:lvl9pPr>
-        </a:lstStyle>
+        <a:bodyPr spcFirstLastPara="0" vert="horz" wrap="square" lIns="68580" tIns="68580" rIns="68580" bIns="68580" numCol="1" spcCol="1270" anchor="ctr" anchorCtr="0">
+          <a:noAutofit/>
+        </a:bodyPr>
+        <a:lstStyle/>
         <a:p>
-          <a:pPr lvl="0">
+          <a:pPr lvl="0" algn="ctr" defTabSz="800100">
             <a:lnSpc>
               <a:spcPct val="100000"/>
             </a:lnSpc>
@@ -3305,26 +3371,25 @@
             </a:spcAft>
           </a:pPr>
           <a:r>
-            <a:rPr lang="zh-CN" altLang="en-US"/>
+            <a:rPr lang="zh-CN" altLang="en-US" sz="1800" kern="1200"/>
             <a:t>资产查询</a:t>
           </a:r>
-          <a:endParaRPr lang="zh-CN" altLang="en-US"/>
         </a:p>
       </dsp:txBody>
       <dsp:txXfrm>
-        <a:off x="4376615" y="1272564"/>
-        <a:ext cx="1563077" cy="937846"/>
+        <a:off x="4405071" y="1279746"/>
+        <a:ext cx="1504241" cy="923482"/>
       </dsp:txXfrm>
     </dsp:sp>
     <dsp:sp modelId="{DAF3E0E3-FEA9-467D-929E-79D893617052}">
       <dsp:nvSpPr>
-        <dsp:cNvPr id="8" name="右箭头 7"/>
+        <dsp:cNvPr id="0" name=""/>
         <dsp:cNvSpPr/>
       </dsp:nvSpPr>
       <dsp:spPr bwMode="white">
         <a:xfrm>
-          <a:off x="6086622" y="1547666"/>
-          <a:ext cx="331372" cy="387643"/>
+          <a:off x="6094214" y="1547836"/>
+          <a:ext cx="331081" cy="387302"/>
         </a:xfrm>
         <a:prstGeom prst="rightArrow">
           <a:avLst>
@@ -3332,17 +3397,26 @@
             <a:gd name="adj2" fmla="val 50000"/>
           </a:avLst>
         </a:prstGeom>
+        <a:solidFill>
+          <a:schemeClr val="accent1">
+            <a:tint val="60000"/>
+            <a:hueOff val="0"/>
+            <a:satOff val="0"/>
+            <a:lumOff val="0"/>
+            <a:alphaOff val="0"/>
+          </a:schemeClr>
+        </a:solidFill>
+        <a:ln>
+          <a:noFill/>
+        </a:ln>
+        <a:effectLst/>
       </dsp:spPr>
       <dsp:style>
         <a:lnRef idx="0">
-          <a:schemeClr val="accent1">
-            <a:tint val="60000"/>
-          </a:schemeClr>
+          <a:scrgbClr r="0" g="0" b="0"/>
         </a:lnRef>
         <a:fillRef idx="1">
-          <a:schemeClr val="accent1">
-            <a:tint val="60000"/>
-          </a:schemeClr>
+          <a:scrgbClr r="0" g="0" b="0"/>
         </a:fillRef>
         <a:effectRef idx="0">
           <a:scrgbClr r="0" g="0" b="0"/>
@@ -3352,40 +3426,14 @@
         </a:fontRef>
       </dsp:style>
       <dsp:txBody>
-        <a:bodyPr lIns="0" tIns="0" rIns="0" bIns="0" anchor="ctr"/>
-        <a:lstStyle>
-          <a:lvl1pPr algn="ctr">
-            <a:defRPr sz="5500"/>
-          </a:lvl1pPr>
-          <a:lvl2pPr marL="285750" indent="-285750" algn="ctr">
-            <a:defRPr sz="4200"/>
-          </a:lvl2pPr>
-          <a:lvl3pPr marL="571500" indent="-285750" algn="ctr">
-            <a:defRPr sz="4200"/>
-          </a:lvl3pPr>
-          <a:lvl4pPr marL="857250" indent="-285750" algn="ctr">
-            <a:defRPr sz="4200"/>
-          </a:lvl4pPr>
-          <a:lvl5pPr marL="1143000" indent="-285750" algn="ctr">
-            <a:defRPr sz="4200"/>
-          </a:lvl5pPr>
-          <a:lvl6pPr marL="1428750" indent="-285750" algn="ctr">
-            <a:defRPr sz="4200"/>
-          </a:lvl6pPr>
-          <a:lvl7pPr marL="1714500" indent="-285750" algn="ctr">
-            <a:defRPr sz="4200"/>
-          </a:lvl7pPr>
-          <a:lvl8pPr marL="2000250" indent="-285750" algn="ctr">
-            <a:defRPr sz="4200"/>
-          </a:lvl8pPr>
-          <a:lvl9pPr marL="2286000" indent="-285750" algn="ctr">
-            <a:defRPr sz="4200"/>
-          </a:lvl9pPr>
-        </a:lstStyle>
+        <a:bodyPr spcFirstLastPara="0" vert="horz" wrap="square" lIns="0" tIns="0" rIns="0" bIns="0" numCol="1" spcCol="1270" anchor="ctr" anchorCtr="0">
+          <a:noAutofit/>
+        </a:bodyPr>
+        <a:lstStyle/>
         <a:p>
-          <a:pPr lvl="0">
+          <a:pPr lvl="0" algn="ctr" defTabSz="622300">
             <a:lnSpc>
-              <a:spcPct val="100000"/>
+              <a:spcPct val="90000"/>
             </a:lnSpc>
             <a:spcBef>
               <a:spcPct val="0"/>
@@ -3394,35 +3442,57 @@
               <a:spcPct val="35000"/>
             </a:spcAft>
           </a:pPr>
+          <a:endParaRPr lang="zh-CN" altLang="en-US" sz="1400" kern="1200"/>
         </a:p>
       </dsp:txBody>
       <dsp:txXfrm>
-        <a:off x="6086622" y="1547666"/>
-        <a:ext cx="331372" cy="387643"/>
+        <a:off x="6094214" y="1625296"/>
+        <a:ext cx="231757" cy="232382"/>
       </dsp:txXfrm>
     </dsp:sp>
     <dsp:sp modelId="{F9BB2716-146A-402B-8885-C780E1C30A32}">
       <dsp:nvSpPr>
-        <dsp:cNvPr id="9" name="圆角矩形 8"/>
+        <dsp:cNvPr id="0" name=""/>
         <dsp:cNvSpPr/>
       </dsp:nvSpPr>
       <dsp:spPr bwMode="white">
         <a:xfrm>
-          <a:off x="6564923" y="1272564"/>
-          <a:ext cx="1563077" cy="937846"/>
+          <a:off x="6562724" y="1251015"/>
+          <a:ext cx="1561703" cy="980944"/>
         </a:xfrm>
         <a:prstGeom prst="roundRect">
           <a:avLst>
             <a:gd name="adj" fmla="val 10000"/>
           </a:avLst>
         </a:prstGeom>
+        <a:solidFill>
+          <a:schemeClr val="accent1">
+            <a:hueOff val="0"/>
+            <a:satOff val="0"/>
+            <a:lumOff val="0"/>
+            <a:alphaOff val="0"/>
+          </a:schemeClr>
+        </a:solidFill>
+        <a:ln w="12700" cap="flat" cmpd="sng" algn="ctr">
+          <a:solidFill>
+            <a:schemeClr val="lt1">
+              <a:hueOff val="0"/>
+              <a:satOff val="0"/>
+              <a:lumOff val="0"/>
+              <a:alphaOff val="0"/>
+            </a:schemeClr>
+          </a:solidFill>
+          <a:prstDash val="solid"/>
+          <a:miter lim="800000"/>
+        </a:ln>
+        <a:effectLst/>
       </dsp:spPr>
       <dsp:style>
         <a:lnRef idx="2">
-          <a:schemeClr val="lt1"/>
+          <a:scrgbClr r="0" g="0" b="0"/>
         </a:lnRef>
         <a:fillRef idx="1">
-          <a:schemeClr val="accent1"/>
+          <a:scrgbClr r="0" g="0" b="0"/>
         </a:fillRef>
         <a:effectRef idx="0">
           <a:scrgbClr r="0" g="0" b="0"/>
@@ -3432,38 +3502,12 @@
         </a:fontRef>
       </dsp:style>
       <dsp:txBody>
-        <a:bodyPr vert="horz" wrap="square" lIns="83820" tIns="83820" rIns="83820" bIns="83820" anchor="ctr"/>
-        <a:lstStyle>
-          <a:lvl1pPr algn="ctr">
-            <a:defRPr sz="2200"/>
-          </a:lvl1pPr>
-          <a:lvl2pPr marL="171450" indent="-171450" algn="ctr">
-            <a:defRPr sz="1700"/>
-          </a:lvl2pPr>
-          <a:lvl3pPr marL="342900" indent="-171450" algn="ctr">
-            <a:defRPr sz="1700"/>
-          </a:lvl3pPr>
-          <a:lvl4pPr marL="514350" indent="-171450" algn="ctr">
-            <a:defRPr sz="1700"/>
-          </a:lvl4pPr>
-          <a:lvl5pPr marL="685800" indent="-171450" algn="ctr">
-            <a:defRPr sz="1700"/>
-          </a:lvl5pPr>
-          <a:lvl6pPr marL="857250" indent="-171450" algn="ctr">
-            <a:defRPr sz="1700"/>
-          </a:lvl6pPr>
-          <a:lvl7pPr marL="1028700" indent="-171450" algn="ctr">
-            <a:defRPr sz="1700"/>
-          </a:lvl7pPr>
-          <a:lvl8pPr marL="1200150" indent="-171450" algn="ctr">
-            <a:defRPr sz="1700"/>
-          </a:lvl8pPr>
-          <a:lvl9pPr marL="1371600" indent="-171450" algn="ctr">
-            <a:defRPr sz="1700"/>
-          </a:lvl9pPr>
-        </a:lstStyle>
+        <a:bodyPr spcFirstLastPara="0" vert="horz" wrap="square" lIns="68580" tIns="68580" rIns="68580" bIns="68580" numCol="1" spcCol="1270" anchor="ctr" anchorCtr="0">
+          <a:noAutofit/>
+        </a:bodyPr>
+        <a:lstStyle/>
         <a:p>
-          <a:pPr lvl="0">
+          <a:pPr lvl="0" algn="ctr" defTabSz="800100">
             <a:lnSpc>
               <a:spcPct val="100000"/>
             </a:lnSpc>
@@ -3475,15 +3519,14 @@
             </a:spcAft>
           </a:pPr>
           <a:r>
-            <a:rPr lang="zh-CN"/>
+            <a:rPr lang="zh-CN" sz="1800" kern="1200"/>
             <a:t>用户信息管理</a:t>
           </a:r>
-          <a:endParaRPr lang="zh-CN"/>
         </a:p>
       </dsp:txBody>
       <dsp:txXfrm>
-        <a:off x="6564923" y="1272564"/>
-        <a:ext cx="1563077" cy="937846"/>
+        <a:off x="6591455" y="1279746"/>
+        <a:ext cx="1504241" cy="923482"/>
       </dsp:txXfrm>
     </dsp:sp>
   </dsp:spTree>
@@ -3491,7 +3534,7 @@
 </file>
 
 <file path=ppt/diagrams/layout1.xml><?xml version="1.0" encoding="utf-8"?>
-<dgm:layoutDef xmlns:dgm="http://schemas.openxmlformats.org/drawingml/2006/diagram" xmlns:a="http://schemas.openxmlformats.org/drawingml/2006/main" uniqueId="urn:microsoft.com/office/officeart/2005/8/layout/radial6">
+<dgm:layoutDef xmlns:dgm="http://schemas.openxmlformats.org/drawingml/2006/diagram" xmlns:a="http://schemas.openxmlformats.org/drawingml/2006/main" uniqueId="urn:microsoft.com/office/officeart/2005/8/layout/radial6#1">
   <dgm:title val=""/>
   <dgm:desc val=""/>
   <dgm:catLst>
@@ -3917,9 +3960,7 @@
   <dgm:styleData>
     <dgm:dataModel>
       <dgm:ptLst>
-        <dgm:pt modelId="0" type="doc">
-          <dgm:prSet qsTypeId="urn:microsoft.com/office/officeart/2005/8/quickstyle/simple5"/>
-        </dgm:pt>
+        <dgm:pt modelId="0" type="doc"/>
         <dgm:pt modelId="1"/>
         <dgm:pt modelId="2"/>
       </dgm:ptLst>
@@ -4048,7 +4089,7 @@
 </file>
 
 <file path=ppt/diagrams/quickStyle1.xml><?xml version="1.0" encoding="utf-8"?>
-<dgm:styleDef xmlns:dgm="http://schemas.openxmlformats.org/drawingml/2006/diagram" xmlns:a="http://schemas.openxmlformats.org/drawingml/2006/main" uniqueId="urn:microsoft.com/office/officeart/2005/8/quickstyle/simple1">
+<dgm:styleDef xmlns:dgm="http://schemas.openxmlformats.org/drawingml/2006/diagram" xmlns:a="http://schemas.openxmlformats.org/drawingml/2006/main" uniqueId="urn:microsoft.com/office/officeart/2005/8/quickstyle/simple1#1">
   <dgm:title val=""/>
   <dgm:desc val=""/>
   <dgm:catLst>
@@ -4063,6 +4104,7 @@
       <a:camera prst="orthographicFront"/>
       <a:lightRig rig="threePt" dir="t"/>
     </dgm:scene3d>
+    <dgm:sp3d/>
     <dgm:txPr/>
     <dgm:style>
       <a:lnRef idx="2">
@@ -4082,6 +4124,7 @@
       <a:camera prst="orthographicFront"/>
       <a:lightRig rig="threePt" dir="t"/>
     </dgm:scene3d>
+    <dgm:sp3d/>
     <dgm:txPr/>
     <dgm:style>
       <a:lnRef idx="2">
@@ -4101,6 +4144,7 @@
       <a:camera prst="orthographicFront"/>
       <a:lightRig rig="threePt" dir="t"/>
     </dgm:scene3d>
+    <dgm:sp3d/>
     <dgm:txPr/>
     <dgm:style>
       <a:lnRef idx="2">
@@ -4120,6 +4164,7 @@
       <a:camera prst="orthographicFront"/>
       <a:lightRig rig="threePt" dir="t"/>
     </dgm:scene3d>
+    <dgm:sp3d/>
     <dgm:txPr/>
     <dgm:style>
       <a:lnRef idx="2">
@@ -4141,6 +4186,7 @@
       <a:camera prst="orthographicFront"/>
       <a:lightRig rig="threePt" dir="t"/>
     </dgm:scene3d>
+    <dgm:sp3d/>
     <dgm:txPr/>
     <dgm:style>
       <a:lnRef idx="2">
@@ -4162,6 +4208,7 @@
       <a:camera prst="orthographicFront"/>
       <a:lightRig rig="threePt" dir="t"/>
     </dgm:scene3d>
+    <dgm:sp3d/>
     <dgm:txPr/>
     <dgm:style>
       <a:lnRef idx="2">
@@ -4183,6 +4230,7 @@
       <a:camera prst="orthographicFront"/>
       <a:lightRig rig="threePt" dir="t"/>
     </dgm:scene3d>
+    <dgm:sp3d/>
     <dgm:txPr/>
     <dgm:style>
       <a:lnRef idx="2">
@@ -4204,6 +4252,7 @@
       <a:camera prst="orthographicFront"/>
       <a:lightRig rig="threePt" dir="t"/>
     </dgm:scene3d>
+    <dgm:sp3d/>
     <dgm:txPr/>
     <dgm:style>
       <a:lnRef idx="2">
@@ -4225,6 +4274,7 @@
       <a:camera prst="orthographicFront"/>
       <a:lightRig rig="threePt" dir="t"/>
     </dgm:scene3d>
+    <dgm:sp3d/>
     <dgm:txPr/>
     <dgm:style>
       <a:lnRef idx="2">
@@ -4246,6 +4296,7 @@
       <a:camera prst="orthographicFront"/>
       <a:lightRig rig="threePt" dir="t"/>
     </dgm:scene3d>
+    <dgm:sp3d/>
     <dgm:txPr/>
     <dgm:style>
       <a:lnRef idx="2">
@@ -4265,6 +4316,7 @@
       <a:camera prst="orthographicFront"/>
       <a:lightRig rig="threePt" dir="t"/>
     </dgm:scene3d>
+    <dgm:sp3d/>
     <dgm:txPr/>
     <dgm:style>
       <a:lnRef idx="2">
@@ -4284,6 +4336,7 @@
       <a:camera prst="orthographicFront"/>
       <a:lightRig rig="threePt" dir="t"/>
     </dgm:scene3d>
+    <dgm:sp3d/>
     <dgm:txPr/>
     <dgm:style>
       <a:lnRef idx="2">
@@ -4303,6 +4356,7 @@
       <a:camera prst="orthographicFront"/>
       <a:lightRig rig="threePt" dir="t"/>
     </dgm:scene3d>
+    <dgm:sp3d/>
     <dgm:txPr/>
     <dgm:style>
       <a:lnRef idx="0">
@@ -4322,6 +4376,7 @@
       <a:camera prst="orthographicFront"/>
       <a:lightRig rig="threePt" dir="t"/>
     </dgm:scene3d>
+    <dgm:sp3d/>
     <dgm:txPr/>
     <dgm:style>
       <a:lnRef idx="0">
@@ -4343,6 +4398,7 @@
       <a:camera prst="orthographicFront"/>
       <a:lightRig rig="threePt" dir="t"/>
     </dgm:scene3d>
+    <dgm:sp3d/>
     <dgm:txPr/>
     <dgm:style>
       <a:lnRef idx="2">
@@ -4362,6 +4418,7 @@
       <a:camera prst="orthographicFront"/>
       <a:lightRig rig="threePt" dir="t"/>
     </dgm:scene3d>
+    <dgm:sp3d/>
     <dgm:txPr/>
     <dgm:style>
       <a:lnRef idx="2">
@@ -4381,6 +4438,7 @@
       <a:camera prst="orthographicFront"/>
       <a:lightRig rig="threePt" dir="t"/>
     </dgm:scene3d>
+    <dgm:sp3d/>
     <dgm:txPr/>
     <dgm:style>
       <a:lnRef idx="0">
@@ -4400,6 +4458,7 @@
       <a:camera prst="orthographicFront"/>
       <a:lightRig rig="threePt" dir="t"/>
     </dgm:scene3d>
+    <dgm:sp3d/>
     <dgm:txPr/>
     <dgm:style>
       <a:lnRef idx="2">
@@ -4419,6 +4478,7 @@
       <a:camera prst="orthographicFront"/>
       <a:lightRig rig="threePt" dir="t"/>
     </dgm:scene3d>
+    <dgm:sp3d/>
     <dgm:txPr/>
     <dgm:style>
       <a:lnRef idx="2">
@@ -4438,6 +4498,7 @@
       <a:camera prst="orthographicFront"/>
       <a:lightRig rig="threePt" dir="t"/>
     </dgm:scene3d>
+    <dgm:sp3d/>
     <dgm:txPr/>
     <dgm:style>
       <a:lnRef idx="2">
@@ -4457,6 +4518,7 @@
       <a:camera prst="orthographicFront"/>
       <a:lightRig rig="threePt" dir="t"/>
     </dgm:scene3d>
+    <dgm:sp3d/>
     <dgm:txPr/>
     <dgm:style>
       <a:lnRef idx="2">
@@ -4476,6 +4538,7 @@
       <a:camera prst="orthographicFront"/>
       <a:lightRig rig="threePt" dir="t"/>
     </dgm:scene3d>
+    <dgm:sp3d/>
     <dgm:txPr/>
     <dgm:style>
       <a:lnRef idx="2">
@@ -4495,6 +4558,7 @@
       <a:camera prst="orthographicFront"/>
       <a:lightRig rig="threePt" dir="t"/>
     </dgm:scene3d>
+    <dgm:sp3d/>
     <dgm:txPr/>
     <dgm:style>
       <a:lnRef idx="2">
@@ -4514,6 +4578,7 @@
       <a:camera prst="orthographicFront"/>
       <a:lightRig rig="threePt" dir="t"/>
     </dgm:scene3d>
+    <dgm:sp3d/>
     <dgm:txPr/>
     <dgm:style>
       <a:lnRef idx="2">
@@ -4533,6 +4598,7 @@
       <a:camera prst="orthographicFront"/>
       <a:lightRig rig="threePt" dir="t"/>
     </dgm:scene3d>
+    <dgm:sp3d/>
     <dgm:txPr/>
     <dgm:style>
       <a:lnRef idx="2">
@@ -4552,6 +4618,7 @@
       <a:camera prst="orthographicFront"/>
       <a:lightRig rig="threePt" dir="t"/>
     </dgm:scene3d>
+    <dgm:sp3d/>
     <dgm:txPr/>
     <dgm:style>
       <a:lnRef idx="0">
@@ -4573,6 +4640,7 @@
       <a:camera prst="orthographicFront"/>
       <a:lightRig rig="threePt" dir="t"/>
     </dgm:scene3d>
+    <dgm:sp3d/>
     <dgm:txPr/>
     <dgm:style>
       <a:lnRef idx="2">
@@ -4594,6 +4662,7 @@
       <a:camera prst="orthographicFront"/>
       <a:lightRig rig="threePt" dir="t"/>
     </dgm:scene3d>
+    <dgm:sp3d/>
     <dgm:txPr/>
     <dgm:style>
       <a:lnRef idx="2">
@@ -4615,6 +4684,7 @@
       <a:camera prst="orthographicFront"/>
       <a:lightRig rig="threePt" dir="t"/>
     </dgm:scene3d>
+    <dgm:sp3d/>
     <dgm:txPr/>
     <dgm:style>
       <a:lnRef idx="2">
@@ -4636,6 +4706,7 @@
       <a:camera prst="orthographicFront"/>
       <a:lightRig rig="threePt" dir="t"/>
     </dgm:scene3d>
+    <dgm:sp3d/>
     <dgm:txPr/>
     <dgm:style>
       <a:lnRef idx="2">
@@ -4657,6 +4728,7 @@
       <a:camera prst="orthographicFront"/>
       <a:lightRig rig="threePt" dir="t"/>
     </dgm:scene3d>
+    <dgm:sp3d/>
     <dgm:txPr/>
     <dgm:style>
       <a:lnRef idx="2">
@@ -4678,6 +4750,7 @@
       <a:camera prst="orthographicFront"/>
       <a:lightRig rig="threePt" dir="t"/>
     </dgm:scene3d>
+    <dgm:sp3d/>
     <dgm:txPr/>
     <dgm:style>
       <a:lnRef idx="2">
@@ -4699,6 +4772,7 @@
       <a:camera prst="orthographicFront"/>
       <a:lightRig rig="threePt" dir="t"/>
     </dgm:scene3d>
+    <dgm:sp3d/>
     <dgm:txPr/>
     <dgm:style>
       <a:lnRef idx="2">
@@ -4718,6 +4792,7 @@
       <a:camera prst="orthographicFront"/>
       <a:lightRig rig="threePt" dir="t"/>
     </dgm:scene3d>
+    <dgm:sp3d/>
     <dgm:txPr/>
     <dgm:style>
       <a:lnRef idx="2">
@@ -4737,6 +4812,7 @@
       <a:camera prst="orthographicFront"/>
       <a:lightRig rig="threePt" dir="t"/>
     </dgm:scene3d>
+    <dgm:sp3d/>
     <dgm:txPr/>
     <dgm:style>
       <a:lnRef idx="2">
@@ -4756,6 +4832,7 @@
       <a:camera prst="orthographicFront"/>
       <a:lightRig rig="threePt" dir="t"/>
     </dgm:scene3d>
+    <dgm:sp3d/>
     <dgm:txPr/>
     <dgm:style>
       <a:lnRef idx="2">
@@ -4775,6 +4852,7 @@
       <a:camera prst="orthographicFront"/>
       <a:lightRig rig="threePt" dir="t"/>
     </dgm:scene3d>
+    <dgm:sp3d/>
     <dgm:txPr/>
     <dgm:style>
       <a:lnRef idx="2">
@@ -4796,6 +4874,7 @@
       <a:camera prst="orthographicFront"/>
       <a:lightRig rig="threePt" dir="t"/>
     </dgm:scene3d>
+    <dgm:sp3d/>
     <dgm:txPr/>
     <dgm:style>
       <a:lnRef idx="2">
@@ -4817,6 +4896,7 @@
       <a:camera prst="orthographicFront"/>
       <a:lightRig rig="threePt" dir="t"/>
     </dgm:scene3d>
+    <dgm:sp3d/>
     <dgm:txPr/>
     <dgm:style>
       <a:lnRef idx="2">
@@ -4838,6 +4918,7 @@
       <a:camera prst="orthographicFront"/>
       <a:lightRig rig="threePt" dir="t"/>
     </dgm:scene3d>
+    <dgm:sp3d/>
     <dgm:txPr/>
     <dgm:style>
       <a:lnRef idx="2">
@@ -4859,6 +4940,7 @@
       <a:camera prst="orthographicFront"/>
       <a:lightRig rig="threePt" dir="t"/>
     </dgm:scene3d>
+    <dgm:sp3d/>
     <dgm:txPr/>
     <dgm:style>
       <a:lnRef idx="0">
@@ -4878,6 +4960,7 @@
       <a:camera prst="orthographicFront"/>
       <a:lightRig rig="threePt" dir="t"/>
     </dgm:scene3d>
+    <dgm:sp3d/>
     <dgm:txPr/>
     <dgm:style>
       <a:lnRef idx="1">
@@ -4897,6 +4980,7 @@
       <a:camera prst="orthographicFront"/>
       <a:lightRig rig="threePt" dir="t"/>
     </dgm:scene3d>
+    <dgm:sp3d/>
     <dgm:txPr/>
     <dgm:style>
       <a:lnRef idx="0">
@@ -4918,6 +5002,7 @@
       <a:camera prst="orthographicFront"/>
       <a:lightRig rig="threePt" dir="t"/>
     </dgm:scene3d>
+    <dgm:sp3d/>
     <dgm:txPr/>
     <dgm:style>
       <a:lnRef idx="2">
@@ -4937,6 +5022,7 @@
       <a:camera prst="orthographicFront"/>
       <a:lightRig rig="threePt" dir="t"/>
     </dgm:scene3d>
+    <dgm:sp3d/>
     <dgm:txPr/>
     <dgm:style>
       <a:lnRef idx="2">
@@ -4956,6 +5042,7 @@
       <a:camera prst="orthographicFront"/>
       <a:lightRig rig="threePt" dir="t"/>
     </dgm:scene3d>
+    <dgm:sp3d/>
     <dgm:txPr/>
     <dgm:style>
       <a:lnRef idx="2">
@@ -4975,6 +5062,7 @@
       <a:camera prst="orthographicFront"/>
       <a:lightRig rig="threePt" dir="t"/>
     </dgm:scene3d>
+    <dgm:sp3d/>
     <dgm:txPr/>
     <dgm:style>
       <a:lnRef idx="1">
@@ -4994,6 +5082,7 @@
       <a:camera prst="orthographicFront"/>
       <a:lightRig rig="threePt" dir="t"/>
     </dgm:scene3d>
+    <dgm:sp3d/>
     <dgm:txPr/>
     <dgm:style>
       <a:lnRef idx="0">
@@ -5013,6 +5102,7 @@
       <a:camera prst="orthographicFront"/>
       <a:lightRig rig="threePt" dir="t"/>
     </dgm:scene3d>
+    <dgm:sp3d/>
     <dgm:txPr/>
     <dgm:style>
       <a:lnRef idx="2">
@@ -5033,7 +5123,7 @@
 </file>
 
 <file path=ppt/diagrams/quickStyle2.xml><?xml version="1.0" encoding="utf-8"?>
-<dgm:styleDef xmlns:dgm="http://schemas.openxmlformats.org/drawingml/2006/diagram" xmlns:a="http://schemas.openxmlformats.org/drawingml/2006/main" uniqueId="urn:microsoft.com/office/officeart/2005/8/quickstyle/simple1">
+<dgm:styleDef xmlns:dgm="http://schemas.openxmlformats.org/drawingml/2006/diagram" xmlns:a="http://schemas.openxmlformats.org/drawingml/2006/main" uniqueId="urn:microsoft.com/office/officeart/2005/8/quickstyle/simple1#2">
   <dgm:title val=""/>
   <dgm:desc val=""/>
   <dgm:catLst>
@@ -5048,6 +5138,7 @@
       <a:camera prst="orthographicFront"/>
       <a:lightRig rig="threePt" dir="t"/>
     </dgm:scene3d>
+    <dgm:sp3d/>
     <dgm:txPr/>
     <dgm:style>
       <a:lnRef idx="2">
@@ -5067,6 +5158,7 @@
       <a:camera prst="orthographicFront"/>
       <a:lightRig rig="threePt" dir="t"/>
     </dgm:scene3d>
+    <dgm:sp3d/>
     <dgm:txPr/>
     <dgm:style>
       <a:lnRef idx="2">
@@ -5086,6 +5178,7 @@
       <a:camera prst="orthographicFront"/>
       <a:lightRig rig="threePt" dir="t"/>
     </dgm:scene3d>
+    <dgm:sp3d/>
     <dgm:txPr/>
     <dgm:style>
       <a:lnRef idx="2">
@@ -5105,6 +5198,7 @@
       <a:camera prst="orthographicFront"/>
       <a:lightRig rig="threePt" dir="t"/>
     </dgm:scene3d>
+    <dgm:sp3d/>
     <dgm:txPr/>
     <dgm:style>
       <a:lnRef idx="2">
@@ -5126,6 +5220,7 @@
       <a:camera prst="orthographicFront"/>
       <a:lightRig rig="threePt" dir="t"/>
     </dgm:scene3d>
+    <dgm:sp3d/>
     <dgm:txPr/>
     <dgm:style>
       <a:lnRef idx="2">
@@ -5147,6 +5242,7 @@
       <a:camera prst="orthographicFront"/>
       <a:lightRig rig="threePt" dir="t"/>
     </dgm:scene3d>
+    <dgm:sp3d/>
     <dgm:txPr/>
     <dgm:style>
       <a:lnRef idx="2">
@@ -5168,6 +5264,7 @@
       <a:camera prst="orthographicFront"/>
       <a:lightRig rig="threePt" dir="t"/>
     </dgm:scene3d>
+    <dgm:sp3d/>
     <dgm:txPr/>
     <dgm:style>
       <a:lnRef idx="2">
@@ -5189,6 +5286,7 @@
       <a:camera prst="orthographicFront"/>
       <a:lightRig rig="threePt" dir="t"/>
     </dgm:scene3d>
+    <dgm:sp3d/>
     <dgm:txPr/>
     <dgm:style>
       <a:lnRef idx="2">
@@ -5210,6 +5308,7 @@
       <a:camera prst="orthographicFront"/>
       <a:lightRig rig="threePt" dir="t"/>
     </dgm:scene3d>
+    <dgm:sp3d/>
     <dgm:txPr/>
     <dgm:style>
       <a:lnRef idx="2">
@@ -5231,6 +5330,7 @@
       <a:camera prst="orthographicFront"/>
       <a:lightRig rig="threePt" dir="t"/>
     </dgm:scene3d>
+    <dgm:sp3d/>
     <dgm:txPr/>
     <dgm:style>
       <a:lnRef idx="2">
@@ -5250,6 +5350,7 @@
       <a:camera prst="orthographicFront"/>
       <a:lightRig rig="threePt" dir="t"/>
     </dgm:scene3d>
+    <dgm:sp3d/>
     <dgm:txPr/>
     <dgm:style>
       <a:lnRef idx="2">
@@ -5269,6 +5370,7 @@
       <a:camera prst="orthographicFront"/>
       <a:lightRig rig="threePt" dir="t"/>
     </dgm:scene3d>
+    <dgm:sp3d/>
     <dgm:txPr/>
     <dgm:style>
       <a:lnRef idx="2">
@@ -5288,6 +5390,7 @@
       <a:camera prst="orthographicFront"/>
       <a:lightRig rig="threePt" dir="t"/>
     </dgm:scene3d>
+    <dgm:sp3d/>
     <dgm:txPr/>
     <dgm:style>
       <a:lnRef idx="0">
@@ -5307,6 +5410,7 @@
       <a:camera prst="orthographicFront"/>
       <a:lightRig rig="threePt" dir="t"/>
     </dgm:scene3d>
+    <dgm:sp3d/>
     <dgm:txPr/>
     <dgm:style>
       <a:lnRef idx="0">
@@ -5328,6 +5432,7 @@
       <a:camera prst="orthographicFront"/>
       <a:lightRig rig="threePt" dir="t"/>
     </dgm:scene3d>
+    <dgm:sp3d/>
     <dgm:txPr/>
     <dgm:style>
       <a:lnRef idx="2">
@@ -5347,6 +5452,7 @@
       <a:camera prst="orthographicFront"/>
       <a:lightRig rig="threePt" dir="t"/>
     </dgm:scene3d>
+    <dgm:sp3d/>
     <dgm:txPr/>
     <dgm:style>
       <a:lnRef idx="2">
@@ -5366,6 +5472,7 @@
       <a:camera prst="orthographicFront"/>
       <a:lightRig rig="threePt" dir="t"/>
     </dgm:scene3d>
+    <dgm:sp3d/>
     <dgm:txPr/>
     <dgm:style>
       <a:lnRef idx="0">
@@ -5385,6 +5492,7 @@
       <a:camera prst="orthographicFront"/>
       <a:lightRig rig="threePt" dir="t"/>
     </dgm:scene3d>
+    <dgm:sp3d/>
     <dgm:txPr/>
     <dgm:style>
       <a:lnRef idx="2">
@@ -5404,6 +5512,7 @@
       <a:camera prst="orthographicFront"/>
       <a:lightRig rig="threePt" dir="t"/>
     </dgm:scene3d>
+    <dgm:sp3d/>
     <dgm:txPr/>
     <dgm:style>
       <a:lnRef idx="2">
@@ -5423,6 +5532,7 @@
       <a:camera prst="orthographicFront"/>
       <a:lightRig rig="threePt" dir="t"/>
     </dgm:scene3d>
+    <dgm:sp3d/>
     <dgm:txPr/>
     <dgm:style>
       <a:lnRef idx="2">
@@ -5442,6 +5552,7 @@
       <a:camera prst="orthographicFront"/>
       <a:lightRig rig="threePt" dir="t"/>
     </dgm:scene3d>
+    <dgm:sp3d/>
     <dgm:txPr/>
     <dgm:style>
       <a:lnRef idx="2">
@@ -5461,6 +5572,7 @@
       <a:camera prst="orthographicFront"/>
       <a:lightRig rig="threePt" dir="t"/>
     </dgm:scene3d>
+    <dgm:sp3d/>
     <dgm:txPr/>
     <dgm:style>
       <a:lnRef idx="2">
@@ -5480,6 +5592,7 @@
       <a:camera prst="orthographicFront"/>
       <a:lightRig rig="threePt" dir="t"/>
     </dgm:scene3d>
+    <dgm:sp3d/>
     <dgm:txPr/>
     <dgm:style>
       <a:lnRef idx="2">
@@ -5499,6 +5612,7 @@
       <a:camera prst="orthographicFront"/>
       <a:lightRig rig="threePt" dir="t"/>
     </dgm:scene3d>
+    <dgm:sp3d/>
     <dgm:txPr/>
     <dgm:style>
       <a:lnRef idx="2">
@@ -5518,6 +5632,7 @@
       <a:camera prst="orthographicFront"/>
       <a:lightRig rig="threePt" dir="t"/>
     </dgm:scene3d>
+    <dgm:sp3d/>
     <dgm:txPr/>
     <dgm:style>
       <a:lnRef idx="2">
@@ -5537,6 +5652,7 @@
       <a:camera prst="orthographicFront"/>
       <a:lightRig rig="threePt" dir="t"/>
     </dgm:scene3d>
+    <dgm:sp3d/>
     <dgm:txPr/>
     <dgm:style>
       <a:lnRef idx="0">
@@ -5558,6 +5674,7 @@
       <a:camera prst="orthographicFront"/>
       <a:lightRig rig="threePt" dir="t"/>
     </dgm:scene3d>
+    <dgm:sp3d/>
     <dgm:txPr/>
     <dgm:style>
       <a:lnRef idx="2">
@@ -5579,6 +5696,7 @@
       <a:camera prst="orthographicFront"/>
       <a:lightRig rig="threePt" dir="t"/>
     </dgm:scene3d>
+    <dgm:sp3d/>
     <dgm:txPr/>
     <dgm:style>
       <a:lnRef idx="2">
@@ -5600,6 +5718,7 @@
       <a:camera prst="orthographicFront"/>
       <a:lightRig rig="threePt" dir="t"/>
     </dgm:scene3d>
+    <dgm:sp3d/>
     <dgm:txPr/>
     <dgm:style>
       <a:lnRef idx="2">
@@ -5621,6 +5740,7 @@
       <a:camera prst="orthographicFront"/>
       <a:lightRig rig="threePt" dir="t"/>
     </dgm:scene3d>
+    <dgm:sp3d/>
     <dgm:txPr/>
     <dgm:style>
       <a:lnRef idx="2">
@@ -5642,6 +5762,7 @@
       <a:camera prst="orthographicFront"/>
       <a:lightRig rig="threePt" dir="t"/>
     </dgm:scene3d>
+    <dgm:sp3d/>
     <dgm:txPr/>
     <dgm:style>
       <a:lnRef idx="2">
@@ -5663,6 +5784,7 @@
       <a:camera prst="orthographicFront"/>
       <a:lightRig rig="threePt" dir="t"/>
     </dgm:scene3d>
+    <dgm:sp3d/>
     <dgm:txPr/>
     <dgm:style>
       <a:lnRef idx="2">
@@ -5684,6 +5806,7 @@
       <a:camera prst="orthographicFront"/>
       <a:lightRig rig="threePt" dir="t"/>
     </dgm:scene3d>
+    <dgm:sp3d/>
     <dgm:txPr/>
     <dgm:style>
       <a:lnRef idx="2">
@@ -5703,6 +5826,7 @@
       <a:camera prst="orthographicFront"/>
       <a:lightRig rig="threePt" dir="t"/>
     </dgm:scene3d>
+    <dgm:sp3d/>
     <dgm:txPr/>
     <dgm:style>
       <a:lnRef idx="2">
@@ -5722,6 +5846,7 @@
       <a:camera prst="orthographicFront"/>
       <a:lightRig rig="threePt" dir="t"/>
     </dgm:scene3d>
+    <dgm:sp3d/>
     <dgm:txPr/>
     <dgm:style>
       <a:lnRef idx="2">
@@ -5741,6 +5866,7 @@
       <a:camera prst="orthographicFront"/>
       <a:lightRig rig="threePt" dir="t"/>
     </dgm:scene3d>
+    <dgm:sp3d/>
     <dgm:txPr/>
     <dgm:style>
       <a:lnRef idx="2">
@@ -5760,6 +5886,7 @@
       <a:camera prst="orthographicFront"/>
       <a:lightRig rig="threePt" dir="t"/>
     </dgm:scene3d>
+    <dgm:sp3d/>
     <dgm:txPr/>
     <dgm:style>
       <a:lnRef idx="2">
@@ -5781,6 +5908,7 @@
       <a:camera prst="orthographicFront"/>
       <a:lightRig rig="threePt" dir="t"/>
     </dgm:scene3d>
+    <dgm:sp3d/>
     <dgm:txPr/>
     <dgm:style>
       <a:lnRef idx="2">
@@ -5802,6 +5930,7 @@
       <a:camera prst="orthographicFront"/>
       <a:lightRig rig="threePt" dir="t"/>
     </dgm:scene3d>
+    <dgm:sp3d/>
     <dgm:txPr/>
     <dgm:style>
       <a:lnRef idx="2">
@@ -5823,6 +5952,7 @@
       <a:camera prst="orthographicFront"/>
       <a:lightRig rig="threePt" dir="t"/>
     </dgm:scene3d>
+    <dgm:sp3d/>
     <dgm:txPr/>
     <dgm:style>
       <a:lnRef idx="2">
@@ -5844,6 +5974,7 @@
       <a:camera prst="orthographicFront"/>
       <a:lightRig rig="threePt" dir="t"/>
     </dgm:scene3d>
+    <dgm:sp3d/>
     <dgm:txPr/>
     <dgm:style>
       <a:lnRef idx="0">
@@ -5863,6 +5994,7 @@
       <a:camera prst="orthographicFront"/>
       <a:lightRig rig="threePt" dir="t"/>
     </dgm:scene3d>
+    <dgm:sp3d/>
     <dgm:txPr/>
     <dgm:style>
       <a:lnRef idx="1">
@@ -5882,6 +6014,7 @@
       <a:camera prst="orthographicFront"/>
       <a:lightRig rig="threePt" dir="t"/>
     </dgm:scene3d>
+    <dgm:sp3d/>
     <dgm:txPr/>
     <dgm:style>
       <a:lnRef idx="0">
@@ -5903,6 +6036,7 @@
       <a:camera prst="orthographicFront"/>
       <a:lightRig rig="threePt" dir="t"/>
     </dgm:scene3d>
+    <dgm:sp3d/>
     <dgm:txPr/>
     <dgm:style>
       <a:lnRef idx="2">
@@ -5922,6 +6056,7 @@
       <a:camera prst="orthographicFront"/>
       <a:lightRig rig="threePt" dir="t"/>
     </dgm:scene3d>
+    <dgm:sp3d/>
     <dgm:txPr/>
     <dgm:style>
       <a:lnRef idx="2">
@@ -5941,6 +6076,7 @@
       <a:camera prst="orthographicFront"/>
       <a:lightRig rig="threePt" dir="t"/>
     </dgm:scene3d>
+    <dgm:sp3d/>
     <dgm:txPr/>
     <dgm:style>
       <a:lnRef idx="2">
@@ -5960,6 +6096,7 @@
       <a:camera prst="orthographicFront"/>
       <a:lightRig rig="threePt" dir="t"/>
     </dgm:scene3d>
+    <dgm:sp3d/>
     <dgm:txPr/>
     <dgm:style>
       <a:lnRef idx="1">
@@ -5979,6 +6116,7 @@
       <a:camera prst="orthographicFront"/>
       <a:lightRig rig="threePt" dir="t"/>
     </dgm:scene3d>
+    <dgm:sp3d/>
     <dgm:txPr/>
     <dgm:style>
       <a:lnRef idx="0">
@@ -5998,6 +6136,7 @@
       <a:camera prst="orthographicFront"/>
       <a:lightRig rig="threePt" dir="t"/>
     </dgm:scene3d>
+    <dgm:sp3d/>
     <dgm:txPr/>
     <dgm:style>
       <a:lnRef idx="2">
@@ -6099,6 +6238,7 @@
           <a:p>
             <a:fld id="{A2A11350-C3F2-4BB5-8E97-9182F4C29DBF}" type="datetimeFigureOut">
               <a:rPr lang="zh-CN" altLang="en-US" smtClean="0"/>
+              <a:t>2019/7/15</a:t>
             </a:fld>
             <a:endParaRPr lang="zh-CN" altLang="en-US"/>
           </a:p>
@@ -6158,7 +6298,6 @@
               <a:rPr lang="zh-CN" altLang="en-US"/>
               <a:t>单击此处编辑母版文本样式</a:t>
             </a:r>
-            <a:endParaRPr lang="zh-CN" altLang="en-US"/>
           </a:p>
           <a:p>
             <a:pPr lvl="1"/>
@@ -6166,7 +6305,6 @@
               <a:rPr lang="zh-CN" altLang="en-US"/>
               <a:t>第二级</a:t>
             </a:r>
-            <a:endParaRPr lang="zh-CN" altLang="en-US"/>
           </a:p>
           <a:p>
             <a:pPr lvl="2"/>
@@ -6174,7 +6312,6 @@
               <a:rPr lang="zh-CN" altLang="en-US"/>
               <a:t>第三级</a:t>
             </a:r>
-            <a:endParaRPr lang="zh-CN" altLang="en-US"/>
           </a:p>
           <a:p>
             <a:pPr lvl="3"/>
@@ -6182,7 +6319,6 @@
               <a:rPr lang="zh-CN" altLang="en-US"/>
               <a:t>第四级</a:t>
             </a:r>
-            <a:endParaRPr lang="zh-CN" altLang="en-US"/>
           </a:p>
           <a:p>
             <a:pPr lvl="4"/>
@@ -6190,7 +6326,6 @@
               <a:rPr lang="zh-CN" altLang="en-US"/>
               <a:t>第五级</a:t>
             </a:r>
-            <a:endParaRPr lang="zh-CN" altLang="en-US"/>
           </a:p>
         </p:txBody>
       </p:sp>
@@ -6254,6 +6389,7 @@
           <a:p>
             <a:fld id="{675F4609-0EC7-4777-A9C8-354605860672}" type="slidenum">
               <a:rPr lang="zh-CN" altLang="en-US" smtClean="0"/>
+              <a:t>‹#›</a:t>
             </a:fld>
             <a:endParaRPr lang="zh-CN" altLang="en-US"/>
           </a:p>
@@ -6422,6 +6558,7 @@
           <a:p>
             <a:fld id="{675F4609-0EC7-4777-A9C8-354605860672}" type="slidenum">
               <a:rPr lang="zh-CN" altLang="en-US" smtClean="0"/>
+              <a:t>1</a:t>
             </a:fld>
             <a:endParaRPr lang="zh-CN" altLang="en-US"/>
           </a:p>
@@ -6500,6 +6637,7 @@
           <a:p>
             <a:fld id="{94DAF4D2-3731-4C35-AB49-5D7F97B51AE8}" type="slidenum">
               <a:rPr lang="zh-CN" altLang="en-US" smtClean="0"/>
+              <a:t>10</a:t>
             </a:fld>
             <a:endParaRPr lang="zh-CN" altLang="en-US"/>
           </a:p>
@@ -6578,6 +6716,7 @@
           <a:p>
             <a:fld id="{94DAF4D2-3731-4C35-AB49-5D7F97B51AE8}" type="slidenum">
               <a:rPr lang="zh-CN" altLang="en-US" smtClean="0"/>
+              <a:t>11</a:t>
             </a:fld>
             <a:endParaRPr lang="zh-CN" altLang="en-US"/>
           </a:p>
@@ -6656,6 +6795,7 @@
           <a:p>
             <a:fld id="{94DAF4D2-3731-4C35-AB49-5D7F97B51AE8}" type="slidenum">
               <a:rPr lang="zh-CN" altLang="en-US" smtClean="0"/>
+              <a:t>12</a:t>
             </a:fld>
             <a:endParaRPr lang="zh-CN" altLang="en-US"/>
           </a:p>
@@ -6734,12 +6874,18 @@
           <a:p>
             <a:fld id="{94DAF4D2-3731-4C35-AB49-5D7F97B51AE8}" type="slidenum">
               <a:rPr lang="zh-CN" altLang="en-US" smtClean="0"/>
+              <a:t>13</a:t>
             </a:fld>
             <a:endParaRPr lang="zh-CN" altLang="en-US"/>
           </a:p>
         </p:txBody>
       </p:sp>
     </p:spTree>
+    <p:extLst>
+      <p:ext uri="{BB962C8B-B14F-4D97-AF65-F5344CB8AC3E}">
+        <p14:creationId xmlns:p14="http://schemas.microsoft.com/office/powerpoint/2010/main" val="1707016574"/>
+      </p:ext>
+    </p:extLst>
   </p:cSld>
   <p:clrMapOvr>
     <a:masterClrMapping/>
@@ -6812,6 +6958,7 @@
           <a:p>
             <a:fld id="{94DAF4D2-3731-4C35-AB49-5D7F97B51AE8}" type="slidenum">
               <a:rPr lang="zh-CN" altLang="en-US" smtClean="0"/>
+              <a:t>14</a:t>
             </a:fld>
             <a:endParaRPr lang="zh-CN" altLang="en-US"/>
           </a:p>
@@ -6890,6 +7037,7 @@
           <a:p>
             <a:fld id="{94DAF4D2-3731-4C35-AB49-5D7F97B51AE8}" type="slidenum">
               <a:rPr lang="zh-CN" altLang="en-US" smtClean="0"/>
+              <a:t>15</a:t>
             </a:fld>
             <a:endParaRPr lang="zh-CN" altLang="en-US"/>
           </a:p>
@@ -6968,6 +7116,7 @@
           <a:p>
             <a:fld id="{94DAF4D2-3731-4C35-AB49-5D7F97B51AE8}" type="slidenum">
               <a:rPr lang="zh-CN" altLang="en-US" smtClean="0"/>
+              <a:t>16</a:t>
             </a:fld>
             <a:endParaRPr lang="zh-CN" altLang="en-US"/>
           </a:p>
@@ -7046,6 +7195,7 @@
           <a:p>
             <a:fld id="{94DAF4D2-3731-4C35-AB49-5D7F97B51AE8}" type="slidenum">
               <a:rPr lang="zh-CN" altLang="en-US" smtClean="0"/>
+              <a:t>17</a:t>
             </a:fld>
             <a:endParaRPr lang="zh-CN" altLang="en-US"/>
           </a:p>
@@ -7124,6 +7274,7 @@
           <a:p>
             <a:fld id="{94DAF4D2-3731-4C35-AB49-5D7F97B51AE8}" type="slidenum">
               <a:rPr lang="zh-CN" altLang="en-US" smtClean="0"/>
+              <a:t>18</a:t>
             </a:fld>
             <a:endParaRPr lang="zh-CN" altLang="en-US"/>
           </a:p>
@@ -7202,6 +7353,7 @@
           <a:p>
             <a:fld id="{94DAF4D2-3731-4C35-AB49-5D7F97B51AE8}" type="slidenum">
               <a:rPr lang="zh-CN" altLang="en-US" smtClean="0"/>
+              <a:t>19</a:t>
             </a:fld>
             <a:endParaRPr lang="zh-CN" altLang="en-US"/>
           </a:p>
@@ -7280,6 +7432,7 @@
           <a:p>
             <a:fld id="{1F71A2B7-6B5B-41F5-A25B-140CB3F25C1E}" type="slidenum">
               <a:rPr lang="zh-CN" altLang="en-US" smtClean="0"/>
+              <a:t>2</a:t>
             </a:fld>
             <a:endParaRPr lang="zh-CN" altLang="en-US"/>
           </a:p>
@@ -7358,6 +7511,7 @@
           <a:p>
             <a:fld id="{94DAF4D2-3731-4C35-AB49-5D7F97B51AE8}" type="slidenum">
               <a:rPr lang="zh-CN" altLang="en-US" smtClean="0"/>
+              <a:t>20</a:t>
             </a:fld>
             <a:endParaRPr lang="zh-CN" altLang="en-US"/>
           </a:p>
@@ -7436,6 +7590,7 @@
           <a:p>
             <a:fld id="{94DAF4D2-3731-4C35-AB49-5D7F97B51AE8}" type="slidenum">
               <a:rPr lang="zh-CN" altLang="en-US" smtClean="0"/>
+              <a:t>21</a:t>
             </a:fld>
             <a:endParaRPr lang="zh-CN" altLang="en-US"/>
           </a:p>
@@ -7514,6 +7669,7 @@
           <a:p>
             <a:fld id="{94DAF4D2-3731-4C35-AB49-5D7F97B51AE8}" type="slidenum">
               <a:rPr lang="zh-CN" altLang="en-US" smtClean="0"/>
+              <a:t>22</a:t>
             </a:fld>
             <a:endParaRPr lang="zh-CN" altLang="en-US"/>
           </a:p>
@@ -7592,6 +7748,7 @@
           <a:p>
             <a:fld id="{94DAF4D2-3731-4C35-AB49-5D7F97B51AE8}" type="slidenum">
               <a:rPr lang="zh-CN" altLang="en-US" smtClean="0"/>
+              <a:t>23</a:t>
             </a:fld>
             <a:endParaRPr lang="zh-CN" altLang="en-US"/>
           </a:p>
@@ -7670,6 +7827,7 @@
           <a:p>
             <a:fld id="{94DAF4D2-3731-4C35-AB49-5D7F97B51AE8}" type="slidenum">
               <a:rPr lang="zh-CN" altLang="en-US" smtClean="0"/>
+              <a:t>24</a:t>
             </a:fld>
             <a:endParaRPr lang="zh-CN" altLang="en-US"/>
           </a:p>
@@ -7748,6 +7906,7 @@
           <a:p>
             <a:fld id="{94DAF4D2-3731-4C35-AB49-5D7F97B51AE8}" type="slidenum">
               <a:rPr lang="zh-CN" altLang="en-US" smtClean="0"/>
+              <a:t>25</a:t>
             </a:fld>
             <a:endParaRPr lang="zh-CN" altLang="en-US"/>
           </a:p>
@@ -7824,8 +7983,88 @@
           <a:bodyPr/>
           <a:lstStyle/>
           <a:p>
+            <a:fld id="{94DAF4D2-3731-4C35-AB49-5D7F97B51AE8}" type="slidenum">
+              <a:rPr lang="zh-CN" altLang="en-US" smtClean="0"/>
+              <a:t>26</a:t>
+            </a:fld>
+            <a:endParaRPr lang="zh-CN" altLang="en-US"/>
+          </a:p>
+        </p:txBody>
+      </p:sp>
+    </p:spTree>
+  </p:cSld>
+  <p:clrMapOvr>
+    <a:masterClrMapping/>
+  </p:clrMapOvr>
+</p:notes>
+</file>
+
+<file path=ppt/notesSlides/notesSlide27.xml><?xml version="1.0" encoding="utf-8"?>
+<p:notes xmlns:a="http://schemas.openxmlformats.org/drawingml/2006/main" xmlns:r="http://schemas.openxmlformats.org/officeDocument/2006/relationships" xmlns:p="http://schemas.openxmlformats.org/presentationml/2006/main">
+  <p:cSld>
+    <p:spTree>
+      <p:nvGrpSpPr>
+        <p:cNvPr id="1" name=""/>
+        <p:cNvGrpSpPr/>
+        <p:nvPr/>
+      </p:nvGrpSpPr>
+      <p:grpSpPr>
+        <a:xfrm>
+          <a:off x="0" y="0"/>
+          <a:ext cx="0" cy="0"/>
+          <a:chOff x="0" y="0"/>
+          <a:chExt cx="0" cy="0"/>
+        </a:xfrm>
+      </p:grpSpPr>
+      <p:sp>
+        <p:nvSpPr>
+          <p:cNvPr id="2" name="幻灯片图像占位符 1"/>
+          <p:cNvSpPr>
+            <a:spLocks noGrp="1" noRot="1" noChangeAspect="1"/>
+          </p:cNvSpPr>
+          <p:nvPr>
+            <p:ph type="sldImg"/>
+          </p:nvPr>
+        </p:nvSpPr>
+        <p:spPr/>
+      </p:sp>
+      <p:sp>
+        <p:nvSpPr>
+          <p:cNvPr id="3" name="备注占位符 2"/>
+          <p:cNvSpPr>
+            <a:spLocks noGrp="1"/>
+          </p:cNvSpPr>
+          <p:nvPr>
+            <p:ph type="body" idx="1"/>
+          </p:nvPr>
+        </p:nvSpPr>
+        <p:spPr/>
+        <p:txBody>
+          <a:bodyPr/>
+          <a:lstStyle/>
+          <a:p>
+            <a:endParaRPr lang="zh-CN" altLang="en-US"/>
+          </a:p>
+        </p:txBody>
+      </p:sp>
+      <p:sp>
+        <p:nvSpPr>
+          <p:cNvPr id="4" name="灯片编号占位符 3"/>
+          <p:cNvSpPr>
+            <a:spLocks noGrp="1"/>
+          </p:cNvSpPr>
+          <p:nvPr>
+            <p:ph type="sldNum" sz="quarter" idx="10"/>
+          </p:nvPr>
+        </p:nvSpPr>
+        <p:spPr/>
+        <p:txBody>
+          <a:bodyPr/>
+          <a:lstStyle/>
+          <a:p>
             <a:fld id="{62D865C4-FDC5-4F3E-9881-D0F59562197A}" type="slidenum">
               <a:rPr lang="zh-CN" altLang="en-US" smtClean="0"/>
+              <a:t>27</a:t>
             </a:fld>
             <a:endParaRPr lang="zh-CN" altLang="en-US"/>
           </a:p>
@@ -7904,6 +8143,7 @@
           <a:p>
             <a:fld id="{1F71A2B7-6B5B-41F5-A25B-140CB3F25C1E}" type="slidenum">
               <a:rPr lang="zh-CN" altLang="en-US" smtClean="0"/>
+              <a:t>3</a:t>
             </a:fld>
             <a:endParaRPr lang="zh-CN" altLang="en-US"/>
           </a:p>
@@ -7982,6 +8222,7 @@
           <a:p>
             <a:fld id="{1F71A2B7-6B5B-41F5-A25B-140CB3F25C1E}" type="slidenum">
               <a:rPr lang="zh-CN" altLang="en-US" smtClean="0"/>
+              <a:t>4</a:t>
             </a:fld>
             <a:endParaRPr lang="zh-CN" altLang="en-US"/>
           </a:p>
@@ -8060,6 +8301,7 @@
           <a:p>
             <a:fld id="{94DAF4D2-3731-4C35-AB49-5D7F97B51AE8}" type="slidenum">
               <a:rPr lang="zh-CN" altLang="en-US" smtClean="0"/>
+              <a:t>5</a:t>
             </a:fld>
             <a:endParaRPr lang="zh-CN" altLang="en-US"/>
           </a:p>
@@ -8138,6 +8380,7 @@
           <a:p>
             <a:fld id="{94DAF4D2-3731-4C35-AB49-5D7F97B51AE8}" type="slidenum">
               <a:rPr lang="zh-CN" altLang="en-US" smtClean="0"/>
+              <a:t>6</a:t>
             </a:fld>
             <a:endParaRPr lang="zh-CN" altLang="en-US"/>
           </a:p>
@@ -8216,6 +8459,7 @@
           <a:p>
             <a:fld id="{94DAF4D2-3731-4C35-AB49-5D7F97B51AE8}" type="slidenum">
               <a:rPr lang="zh-CN" altLang="en-US" smtClean="0"/>
+              <a:t>7</a:t>
             </a:fld>
             <a:endParaRPr lang="zh-CN" altLang="en-US"/>
           </a:p>
@@ -8294,6 +8538,7 @@
           <a:p>
             <a:fld id="{94DAF4D2-3731-4C35-AB49-5D7F97B51AE8}" type="slidenum">
               <a:rPr lang="zh-CN" altLang="en-US" smtClean="0"/>
+              <a:t>8</a:t>
             </a:fld>
             <a:endParaRPr lang="zh-CN" altLang="en-US"/>
           </a:p>
@@ -8372,6 +8617,7 @@
           <a:p>
             <a:fld id="{94DAF4D2-3731-4C35-AB49-5D7F97B51AE8}" type="slidenum">
               <a:rPr lang="zh-CN" altLang="en-US" smtClean="0"/>
+              <a:t>9</a:t>
             </a:fld>
             <a:endParaRPr lang="zh-CN" altLang="en-US"/>
           </a:p>
@@ -8430,7 +8676,6 @@
               <a:rPr lang="zh-CN" altLang="en-US"/>
               <a:t>单击此处编辑母版标题样式</a:t>
             </a:r>
-            <a:endParaRPr lang="zh-CN" altLang="en-US"/>
           </a:p>
         </p:txBody>
       </p:sp>
@@ -8495,7 +8740,6 @@
               <a:rPr lang="zh-CN" altLang="en-US"/>
               <a:t>单击此处编辑母版副标题样式</a:t>
             </a:r>
-            <a:endParaRPr lang="zh-CN" altLang="en-US"/>
           </a:p>
         </p:txBody>
       </p:sp>
@@ -8516,6 +8760,7 @@
           <a:p>
             <a:fld id="{48E64B19-C1D6-4B49-9454-3445B1BD655D}" type="datetimeFigureOut">
               <a:rPr lang="zh-CN" altLang="en-US" smtClean="0"/>
+              <a:t>2019/7/15</a:t>
             </a:fld>
             <a:endParaRPr lang="zh-CN" altLang="en-US"/>
           </a:p>
@@ -8557,6 +8802,7 @@
           <a:p>
             <a:fld id="{C8F48BEF-76E9-4077-8B72-29EB02E3EAFE}" type="slidenum">
               <a:rPr lang="zh-CN" altLang="en-US" smtClean="0"/>
+              <a:t>‹#›</a:t>
             </a:fld>
             <a:endParaRPr lang="zh-CN" altLang="en-US"/>
           </a:p>
@@ -8607,7 +8853,6 @@
               <a:rPr lang="zh-CN" altLang="en-US"/>
               <a:t>单击此处编辑母版标题样式</a:t>
             </a:r>
-            <a:endParaRPr lang="zh-CN" altLang="en-US"/>
           </a:p>
         </p:txBody>
       </p:sp>
@@ -8631,7 +8876,6 @@
               <a:rPr lang="zh-CN" altLang="en-US"/>
               <a:t>单击此处编辑母版文本样式</a:t>
             </a:r>
-            <a:endParaRPr lang="zh-CN" altLang="en-US"/>
           </a:p>
           <a:p>
             <a:pPr lvl="1"/>
@@ -8639,7 +8883,6 @@
               <a:rPr lang="zh-CN" altLang="en-US"/>
               <a:t>第二级</a:t>
             </a:r>
-            <a:endParaRPr lang="zh-CN" altLang="en-US"/>
           </a:p>
           <a:p>
             <a:pPr lvl="2"/>
@@ -8647,7 +8890,6 @@
               <a:rPr lang="zh-CN" altLang="en-US"/>
               <a:t>第三级</a:t>
             </a:r>
-            <a:endParaRPr lang="zh-CN" altLang="en-US"/>
           </a:p>
           <a:p>
             <a:pPr lvl="3"/>
@@ -8655,7 +8897,6 @@
               <a:rPr lang="zh-CN" altLang="en-US"/>
               <a:t>第四级</a:t>
             </a:r>
-            <a:endParaRPr lang="zh-CN" altLang="en-US"/>
           </a:p>
           <a:p>
             <a:pPr lvl="4"/>
@@ -8663,7 +8904,6 @@
               <a:rPr lang="zh-CN" altLang="en-US"/>
               <a:t>第五级</a:t>
             </a:r>
-            <a:endParaRPr lang="zh-CN" altLang="en-US"/>
           </a:p>
         </p:txBody>
       </p:sp>
@@ -8684,6 +8924,7 @@
           <a:p>
             <a:fld id="{48E64B19-C1D6-4B49-9454-3445B1BD655D}" type="datetimeFigureOut">
               <a:rPr lang="zh-CN" altLang="en-US" smtClean="0"/>
+              <a:t>2019/7/15</a:t>
             </a:fld>
             <a:endParaRPr lang="zh-CN" altLang="en-US"/>
           </a:p>
@@ -8725,6 +8966,7 @@
           <a:p>
             <a:fld id="{C8F48BEF-76E9-4077-8B72-29EB02E3EAFE}" type="slidenum">
               <a:rPr lang="zh-CN" altLang="en-US" smtClean="0"/>
+              <a:t>‹#›</a:t>
             </a:fld>
             <a:endParaRPr lang="zh-CN" altLang="en-US"/>
           </a:p>
@@ -8780,7 +9022,6 @@
               <a:rPr lang="zh-CN" altLang="en-US"/>
               <a:t>单击此处编辑母版标题样式</a:t>
             </a:r>
-            <a:endParaRPr lang="zh-CN" altLang="en-US"/>
           </a:p>
         </p:txBody>
       </p:sp>
@@ -8809,7 +9050,6 @@
               <a:rPr lang="zh-CN" altLang="en-US"/>
               <a:t>单击此处编辑母版文本样式</a:t>
             </a:r>
-            <a:endParaRPr lang="zh-CN" altLang="en-US"/>
           </a:p>
           <a:p>
             <a:pPr lvl="1"/>
@@ -8817,7 +9057,6 @@
               <a:rPr lang="zh-CN" altLang="en-US"/>
               <a:t>第二级</a:t>
             </a:r>
-            <a:endParaRPr lang="zh-CN" altLang="en-US"/>
           </a:p>
           <a:p>
             <a:pPr lvl="2"/>
@@ -8825,7 +9064,6 @@
               <a:rPr lang="zh-CN" altLang="en-US"/>
               <a:t>第三级</a:t>
             </a:r>
-            <a:endParaRPr lang="zh-CN" altLang="en-US"/>
           </a:p>
           <a:p>
             <a:pPr lvl="3"/>
@@ -8833,7 +9071,6 @@
               <a:rPr lang="zh-CN" altLang="en-US"/>
               <a:t>第四级</a:t>
             </a:r>
-            <a:endParaRPr lang="zh-CN" altLang="en-US"/>
           </a:p>
           <a:p>
             <a:pPr lvl="4"/>
@@ -8841,7 +9078,6 @@
               <a:rPr lang="zh-CN" altLang="en-US"/>
               <a:t>第五级</a:t>
             </a:r>
-            <a:endParaRPr lang="zh-CN" altLang="en-US"/>
           </a:p>
         </p:txBody>
       </p:sp>
@@ -8862,6 +9098,7 @@
           <a:p>
             <a:fld id="{48E64B19-C1D6-4B49-9454-3445B1BD655D}" type="datetimeFigureOut">
               <a:rPr lang="zh-CN" altLang="en-US" smtClean="0"/>
+              <a:t>2019/7/15</a:t>
             </a:fld>
             <a:endParaRPr lang="zh-CN" altLang="en-US"/>
           </a:p>
@@ -8903,6 +9140,7 @@
           <a:p>
             <a:fld id="{C8F48BEF-76E9-4077-8B72-29EB02E3EAFE}" type="slidenum">
               <a:rPr lang="zh-CN" altLang="en-US" smtClean="0"/>
+              <a:t>‹#›</a:t>
             </a:fld>
             <a:endParaRPr lang="zh-CN" altLang="en-US"/>
           </a:p>
@@ -9130,7 +9368,6 @@
               <a:rPr lang="zh-CN" altLang="en-US"/>
               <a:t>单击此处编辑母版标题样式</a:t>
             </a:r>
-            <a:endParaRPr lang="zh-CN" altLang="en-US"/>
           </a:p>
         </p:txBody>
       </p:sp>
@@ -9154,7 +9391,6 @@
               <a:rPr lang="zh-CN" altLang="en-US"/>
               <a:t>单击此处编辑母版文本样式</a:t>
             </a:r>
-            <a:endParaRPr lang="zh-CN" altLang="en-US"/>
           </a:p>
           <a:p>
             <a:pPr lvl="1"/>
@@ -9162,7 +9398,6 @@
               <a:rPr lang="zh-CN" altLang="en-US"/>
               <a:t>第二级</a:t>
             </a:r>
-            <a:endParaRPr lang="zh-CN" altLang="en-US"/>
           </a:p>
           <a:p>
             <a:pPr lvl="2"/>
@@ -9170,7 +9405,6 @@
               <a:rPr lang="zh-CN" altLang="en-US"/>
               <a:t>第三级</a:t>
             </a:r>
-            <a:endParaRPr lang="zh-CN" altLang="en-US"/>
           </a:p>
           <a:p>
             <a:pPr lvl="3"/>
@@ -9178,7 +9412,6 @@
               <a:rPr lang="zh-CN" altLang="en-US"/>
               <a:t>第四级</a:t>
             </a:r>
-            <a:endParaRPr lang="zh-CN" altLang="en-US"/>
           </a:p>
           <a:p>
             <a:pPr lvl="4"/>
@@ -9186,7 +9419,6 @@
               <a:rPr lang="zh-CN" altLang="en-US"/>
               <a:t>第五级</a:t>
             </a:r>
-            <a:endParaRPr lang="zh-CN" altLang="en-US"/>
           </a:p>
         </p:txBody>
       </p:sp>
@@ -9207,6 +9439,7 @@
           <a:p>
             <a:fld id="{48E64B19-C1D6-4B49-9454-3445B1BD655D}" type="datetimeFigureOut">
               <a:rPr lang="zh-CN" altLang="en-US" smtClean="0"/>
+              <a:t>2019/7/15</a:t>
             </a:fld>
             <a:endParaRPr lang="zh-CN" altLang="en-US"/>
           </a:p>
@@ -9248,6 +9481,7 @@
           <a:p>
             <a:fld id="{C8F48BEF-76E9-4077-8B72-29EB02E3EAFE}" type="slidenum">
               <a:rPr lang="zh-CN" altLang="en-US" smtClean="0"/>
+              <a:t>‹#›</a:t>
             </a:fld>
             <a:endParaRPr lang="zh-CN" altLang="en-US"/>
           </a:p>
@@ -9307,7 +9541,6 @@
               <a:rPr lang="zh-CN" altLang="en-US"/>
               <a:t>单击此处编辑母版标题样式</a:t>
             </a:r>
-            <a:endParaRPr lang="zh-CN" altLang="en-US"/>
           </a:p>
         </p:txBody>
       </p:sp>
@@ -9427,7 +9660,6 @@
               <a:rPr lang="zh-CN" altLang="en-US"/>
               <a:t>单击此处编辑母版文本样式</a:t>
             </a:r>
-            <a:endParaRPr lang="zh-CN" altLang="en-US"/>
           </a:p>
         </p:txBody>
       </p:sp>
@@ -9448,6 +9680,7 @@
           <a:p>
             <a:fld id="{48E64B19-C1D6-4B49-9454-3445B1BD655D}" type="datetimeFigureOut">
               <a:rPr lang="zh-CN" altLang="en-US" smtClean="0"/>
+              <a:t>2019/7/15</a:t>
             </a:fld>
             <a:endParaRPr lang="zh-CN" altLang="en-US"/>
           </a:p>
@@ -9489,6 +9722,7 @@
           <a:p>
             <a:fld id="{C8F48BEF-76E9-4077-8B72-29EB02E3EAFE}" type="slidenum">
               <a:rPr lang="zh-CN" altLang="en-US" smtClean="0"/>
+              <a:t>‹#›</a:t>
             </a:fld>
             <a:endParaRPr lang="zh-CN" altLang="en-US"/>
           </a:p>
@@ -9539,7 +9773,6 @@
               <a:rPr lang="zh-CN" altLang="en-US"/>
               <a:t>单击此处编辑母版标题样式</a:t>
             </a:r>
-            <a:endParaRPr lang="zh-CN" altLang="en-US"/>
           </a:p>
         </p:txBody>
       </p:sp>
@@ -9568,7 +9801,6 @@
               <a:rPr lang="zh-CN" altLang="en-US"/>
               <a:t>单击此处编辑母版文本样式</a:t>
             </a:r>
-            <a:endParaRPr lang="zh-CN" altLang="en-US"/>
           </a:p>
           <a:p>
             <a:pPr lvl="1"/>
@@ -9576,7 +9808,6 @@
               <a:rPr lang="zh-CN" altLang="en-US"/>
               <a:t>第二级</a:t>
             </a:r>
-            <a:endParaRPr lang="zh-CN" altLang="en-US"/>
           </a:p>
           <a:p>
             <a:pPr lvl="2"/>
@@ -9584,7 +9815,6 @@
               <a:rPr lang="zh-CN" altLang="en-US"/>
               <a:t>第三级</a:t>
             </a:r>
-            <a:endParaRPr lang="zh-CN" altLang="en-US"/>
           </a:p>
           <a:p>
             <a:pPr lvl="3"/>
@@ -9592,7 +9822,6 @@
               <a:rPr lang="zh-CN" altLang="en-US"/>
               <a:t>第四级</a:t>
             </a:r>
-            <a:endParaRPr lang="zh-CN" altLang="en-US"/>
           </a:p>
           <a:p>
             <a:pPr lvl="4"/>
@@ -9600,7 +9829,6 @@
               <a:rPr lang="zh-CN" altLang="en-US"/>
               <a:t>第五级</a:t>
             </a:r>
-            <a:endParaRPr lang="zh-CN" altLang="en-US"/>
           </a:p>
         </p:txBody>
       </p:sp>
@@ -9629,7 +9857,6 @@
               <a:rPr lang="zh-CN" altLang="en-US"/>
               <a:t>单击此处编辑母版文本样式</a:t>
             </a:r>
-            <a:endParaRPr lang="zh-CN" altLang="en-US"/>
           </a:p>
           <a:p>
             <a:pPr lvl="1"/>
@@ -9637,7 +9864,6 @@
               <a:rPr lang="zh-CN" altLang="en-US"/>
               <a:t>第二级</a:t>
             </a:r>
-            <a:endParaRPr lang="zh-CN" altLang="en-US"/>
           </a:p>
           <a:p>
             <a:pPr lvl="2"/>
@@ -9645,7 +9871,6 @@
               <a:rPr lang="zh-CN" altLang="en-US"/>
               <a:t>第三级</a:t>
             </a:r>
-            <a:endParaRPr lang="zh-CN" altLang="en-US"/>
           </a:p>
           <a:p>
             <a:pPr lvl="3"/>
@@ -9653,7 +9878,6 @@
               <a:rPr lang="zh-CN" altLang="en-US"/>
               <a:t>第四级</a:t>
             </a:r>
-            <a:endParaRPr lang="zh-CN" altLang="en-US"/>
           </a:p>
           <a:p>
             <a:pPr lvl="4"/>
@@ -9661,7 +9885,6 @@
               <a:rPr lang="zh-CN" altLang="en-US"/>
               <a:t>第五级</a:t>
             </a:r>
-            <a:endParaRPr lang="zh-CN" altLang="en-US"/>
           </a:p>
         </p:txBody>
       </p:sp>
@@ -9682,6 +9905,7 @@
           <a:p>
             <a:fld id="{48E64B19-C1D6-4B49-9454-3445B1BD655D}" type="datetimeFigureOut">
               <a:rPr lang="zh-CN" altLang="en-US" smtClean="0"/>
+              <a:t>2019/7/15</a:t>
             </a:fld>
             <a:endParaRPr lang="zh-CN" altLang="en-US"/>
           </a:p>
@@ -9723,6 +9947,7 @@
           <a:p>
             <a:fld id="{C8F48BEF-76E9-4077-8B72-29EB02E3EAFE}" type="slidenum">
               <a:rPr lang="zh-CN" altLang="en-US" smtClean="0"/>
+              <a:t>‹#›</a:t>
             </a:fld>
             <a:endParaRPr lang="zh-CN" altLang="en-US"/>
           </a:p>
@@ -9778,7 +10003,6 @@
               <a:rPr lang="zh-CN" altLang="en-US"/>
               <a:t>单击此处编辑母版标题样式</a:t>
             </a:r>
-            <a:endParaRPr lang="zh-CN" altLang="en-US"/>
           </a:p>
         </p:txBody>
       </p:sp>
@@ -9844,7 +10068,6 @@
               <a:rPr lang="zh-CN" altLang="en-US"/>
               <a:t>单击此处编辑母版文本样式</a:t>
             </a:r>
-            <a:endParaRPr lang="zh-CN" altLang="en-US"/>
           </a:p>
         </p:txBody>
       </p:sp>
@@ -9873,7 +10096,6 @@
               <a:rPr lang="zh-CN" altLang="en-US"/>
               <a:t>单击此处编辑母版文本样式</a:t>
             </a:r>
-            <a:endParaRPr lang="zh-CN" altLang="en-US"/>
           </a:p>
           <a:p>
             <a:pPr lvl="1"/>
@@ -9881,7 +10103,6 @@
               <a:rPr lang="zh-CN" altLang="en-US"/>
               <a:t>第二级</a:t>
             </a:r>
-            <a:endParaRPr lang="zh-CN" altLang="en-US"/>
           </a:p>
           <a:p>
             <a:pPr lvl="2"/>
@@ -9889,7 +10110,6 @@
               <a:rPr lang="zh-CN" altLang="en-US"/>
               <a:t>第三级</a:t>
             </a:r>
-            <a:endParaRPr lang="zh-CN" altLang="en-US"/>
           </a:p>
           <a:p>
             <a:pPr lvl="3"/>
@@ -9897,7 +10117,6 @@
               <a:rPr lang="zh-CN" altLang="en-US"/>
               <a:t>第四级</a:t>
             </a:r>
-            <a:endParaRPr lang="zh-CN" altLang="en-US"/>
           </a:p>
           <a:p>
             <a:pPr lvl="4"/>
@@ -9905,7 +10124,6 @@
               <a:rPr lang="zh-CN" altLang="en-US"/>
               <a:t>第五级</a:t>
             </a:r>
-            <a:endParaRPr lang="zh-CN" altLang="en-US"/>
           </a:p>
         </p:txBody>
       </p:sp>
@@ -9971,7 +10189,6 @@
               <a:rPr lang="zh-CN" altLang="en-US"/>
               <a:t>单击此处编辑母版文本样式</a:t>
             </a:r>
-            <a:endParaRPr lang="zh-CN" altLang="en-US"/>
           </a:p>
         </p:txBody>
       </p:sp>
@@ -10000,7 +10217,6 @@
               <a:rPr lang="zh-CN" altLang="en-US"/>
               <a:t>单击此处编辑母版文本样式</a:t>
             </a:r>
-            <a:endParaRPr lang="zh-CN" altLang="en-US"/>
           </a:p>
           <a:p>
             <a:pPr lvl="1"/>
@@ -10008,7 +10224,6 @@
               <a:rPr lang="zh-CN" altLang="en-US"/>
               <a:t>第二级</a:t>
             </a:r>
-            <a:endParaRPr lang="zh-CN" altLang="en-US"/>
           </a:p>
           <a:p>
             <a:pPr lvl="2"/>
@@ -10016,7 +10231,6 @@
               <a:rPr lang="zh-CN" altLang="en-US"/>
               <a:t>第三级</a:t>
             </a:r>
-            <a:endParaRPr lang="zh-CN" altLang="en-US"/>
           </a:p>
           <a:p>
             <a:pPr lvl="3"/>
@@ -10024,7 +10238,6 @@
               <a:rPr lang="zh-CN" altLang="en-US"/>
               <a:t>第四级</a:t>
             </a:r>
-            <a:endParaRPr lang="zh-CN" altLang="en-US"/>
           </a:p>
           <a:p>
             <a:pPr lvl="4"/>
@@ -10032,7 +10245,6 @@
               <a:rPr lang="zh-CN" altLang="en-US"/>
               <a:t>第五级</a:t>
             </a:r>
-            <a:endParaRPr lang="zh-CN" altLang="en-US"/>
           </a:p>
         </p:txBody>
       </p:sp>
@@ -10053,6 +10265,7 @@
           <a:p>
             <a:fld id="{48E64B19-C1D6-4B49-9454-3445B1BD655D}" type="datetimeFigureOut">
               <a:rPr lang="zh-CN" altLang="en-US" smtClean="0"/>
+              <a:t>2019/7/15</a:t>
             </a:fld>
             <a:endParaRPr lang="zh-CN" altLang="en-US"/>
           </a:p>
@@ -10094,6 +10307,7 @@
           <a:p>
             <a:fld id="{C8F48BEF-76E9-4077-8B72-29EB02E3EAFE}" type="slidenum">
               <a:rPr lang="zh-CN" altLang="en-US" smtClean="0"/>
+              <a:t>‹#›</a:t>
             </a:fld>
             <a:endParaRPr lang="zh-CN" altLang="en-US"/>
           </a:p>
@@ -10144,7 +10358,6 @@
               <a:rPr lang="zh-CN" altLang="en-US"/>
               <a:t>单击此处编辑母版标题样式</a:t>
             </a:r>
-            <a:endParaRPr lang="zh-CN" altLang="en-US"/>
           </a:p>
         </p:txBody>
       </p:sp>
@@ -10165,6 +10378,7 @@
           <a:p>
             <a:fld id="{48E64B19-C1D6-4B49-9454-3445B1BD655D}" type="datetimeFigureOut">
               <a:rPr lang="zh-CN" altLang="en-US" smtClean="0"/>
+              <a:t>2019/7/15</a:t>
             </a:fld>
             <a:endParaRPr lang="zh-CN" altLang="en-US"/>
           </a:p>
@@ -10206,6 +10420,7 @@
           <a:p>
             <a:fld id="{C8F48BEF-76E9-4077-8B72-29EB02E3EAFE}" type="slidenum">
               <a:rPr lang="zh-CN" altLang="en-US" smtClean="0"/>
+              <a:t>‹#›</a:t>
             </a:fld>
             <a:endParaRPr lang="zh-CN" altLang="en-US"/>
           </a:p>
@@ -10254,6 +10469,7 @@
           <a:p>
             <a:fld id="{48E64B19-C1D6-4B49-9454-3445B1BD655D}" type="datetimeFigureOut">
               <a:rPr lang="zh-CN" altLang="en-US" smtClean="0"/>
+              <a:t>2019/7/15</a:t>
             </a:fld>
             <a:endParaRPr lang="zh-CN" altLang="en-US"/>
           </a:p>
@@ -10295,6 +10511,7 @@
           <a:p>
             <a:fld id="{C8F48BEF-76E9-4077-8B72-29EB02E3EAFE}" type="slidenum">
               <a:rPr lang="zh-CN" altLang="en-US" smtClean="0"/>
+              <a:t>‹#›</a:t>
             </a:fld>
             <a:endParaRPr lang="zh-CN" altLang="en-US"/>
           </a:p>
@@ -10354,7 +10571,6 @@
               <a:rPr lang="zh-CN" altLang="en-US"/>
               <a:t>单击此处编辑母版标题样式</a:t>
             </a:r>
-            <a:endParaRPr lang="zh-CN" altLang="en-US"/>
           </a:p>
         </p:txBody>
       </p:sp>
@@ -10411,7 +10627,6 @@
               <a:rPr lang="zh-CN" altLang="en-US"/>
               <a:t>单击此处编辑母版文本样式</a:t>
             </a:r>
-            <a:endParaRPr lang="zh-CN" altLang="en-US"/>
           </a:p>
           <a:p>
             <a:pPr lvl="1"/>
@@ -10419,7 +10634,6 @@
               <a:rPr lang="zh-CN" altLang="en-US"/>
               <a:t>第二级</a:t>
             </a:r>
-            <a:endParaRPr lang="zh-CN" altLang="en-US"/>
           </a:p>
           <a:p>
             <a:pPr lvl="2"/>
@@ -10427,7 +10641,6 @@
               <a:rPr lang="zh-CN" altLang="en-US"/>
               <a:t>第三级</a:t>
             </a:r>
-            <a:endParaRPr lang="zh-CN" altLang="en-US"/>
           </a:p>
           <a:p>
             <a:pPr lvl="3"/>
@@ -10435,7 +10648,6 @@
               <a:rPr lang="zh-CN" altLang="en-US"/>
               <a:t>第四级</a:t>
             </a:r>
-            <a:endParaRPr lang="zh-CN" altLang="en-US"/>
           </a:p>
           <a:p>
             <a:pPr lvl="4"/>
@@ -10443,7 +10655,6 @@
               <a:rPr lang="zh-CN" altLang="en-US"/>
               <a:t>第五级</a:t>
             </a:r>
-            <a:endParaRPr lang="zh-CN" altLang="en-US"/>
           </a:p>
         </p:txBody>
       </p:sp>
@@ -10509,7 +10720,6 @@
               <a:rPr lang="zh-CN" altLang="en-US"/>
               <a:t>单击此处编辑母版文本样式</a:t>
             </a:r>
-            <a:endParaRPr lang="zh-CN" altLang="en-US"/>
           </a:p>
         </p:txBody>
       </p:sp>
@@ -10530,6 +10740,7 @@
           <a:p>
             <a:fld id="{48E64B19-C1D6-4B49-9454-3445B1BD655D}" type="datetimeFigureOut">
               <a:rPr lang="zh-CN" altLang="en-US" smtClean="0"/>
+              <a:t>2019/7/15</a:t>
             </a:fld>
             <a:endParaRPr lang="zh-CN" altLang="en-US"/>
           </a:p>
@@ -10571,6 +10782,7 @@
           <a:p>
             <a:fld id="{C8F48BEF-76E9-4077-8B72-29EB02E3EAFE}" type="slidenum">
               <a:rPr lang="zh-CN" altLang="en-US" smtClean="0"/>
+              <a:t>‹#›</a:t>
             </a:fld>
             <a:endParaRPr lang="zh-CN" altLang="en-US"/>
           </a:p>
@@ -10630,7 +10842,6 @@
               <a:rPr lang="zh-CN" altLang="en-US"/>
               <a:t>单击此处编辑母版标题样式</a:t>
             </a:r>
-            <a:endParaRPr lang="zh-CN" altLang="en-US"/>
           </a:p>
         </p:txBody>
       </p:sp>
@@ -10757,7 +10968,6 @@
               <a:rPr lang="zh-CN" altLang="en-US"/>
               <a:t>单击此处编辑母版文本样式</a:t>
             </a:r>
-            <a:endParaRPr lang="zh-CN" altLang="en-US"/>
           </a:p>
         </p:txBody>
       </p:sp>
@@ -10778,6 +10988,7 @@
           <a:p>
             <a:fld id="{48E64B19-C1D6-4B49-9454-3445B1BD655D}" type="datetimeFigureOut">
               <a:rPr lang="zh-CN" altLang="en-US" smtClean="0"/>
+              <a:t>2019/7/15</a:t>
             </a:fld>
             <a:endParaRPr lang="zh-CN" altLang="en-US"/>
           </a:p>
@@ -10819,6 +11030,7 @@
           <a:p>
             <a:fld id="{C8F48BEF-76E9-4077-8B72-29EB02E3EAFE}" type="slidenum">
               <a:rPr lang="zh-CN" altLang="en-US" smtClean="0"/>
+              <a:t>‹#›</a:t>
             </a:fld>
             <a:endParaRPr lang="zh-CN" altLang="en-US"/>
           </a:p>
@@ -10884,7 +11096,6 @@
               <a:rPr lang="zh-CN" altLang="en-US"/>
               <a:t>单击此处编辑母版标题样式</a:t>
             </a:r>
-            <a:endParaRPr lang="zh-CN" altLang="en-US"/>
           </a:p>
         </p:txBody>
       </p:sp>
@@ -10918,7 +11129,6 @@
               <a:rPr lang="zh-CN" altLang="en-US"/>
               <a:t>单击此处编辑母版文本样式</a:t>
             </a:r>
-            <a:endParaRPr lang="zh-CN" altLang="en-US"/>
           </a:p>
           <a:p>
             <a:pPr lvl="1"/>
@@ -10926,7 +11136,6 @@
               <a:rPr lang="zh-CN" altLang="en-US"/>
               <a:t>第二级</a:t>
             </a:r>
-            <a:endParaRPr lang="zh-CN" altLang="en-US"/>
           </a:p>
           <a:p>
             <a:pPr lvl="2"/>
@@ -10934,7 +11143,6 @@
               <a:rPr lang="zh-CN" altLang="en-US"/>
               <a:t>第三级</a:t>
             </a:r>
-            <a:endParaRPr lang="zh-CN" altLang="en-US"/>
           </a:p>
           <a:p>
             <a:pPr lvl="3"/>
@@ -10942,7 +11150,6 @@
               <a:rPr lang="zh-CN" altLang="en-US"/>
               <a:t>第四级</a:t>
             </a:r>
-            <a:endParaRPr lang="zh-CN" altLang="en-US"/>
           </a:p>
           <a:p>
             <a:pPr lvl="4"/>
@@ -10950,7 +11157,6 @@
               <a:rPr lang="zh-CN" altLang="en-US"/>
               <a:t>第五级</a:t>
             </a:r>
-            <a:endParaRPr lang="zh-CN" altLang="en-US"/>
           </a:p>
         </p:txBody>
       </p:sp>
@@ -10989,6 +11195,7 @@
           <a:p>
             <a:fld id="{48E64B19-C1D6-4B49-9454-3445B1BD655D}" type="datetimeFigureOut">
               <a:rPr lang="zh-CN" altLang="en-US" smtClean="0"/>
+              <a:t>2019/7/15</a:t>
             </a:fld>
             <a:endParaRPr lang="zh-CN" altLang="en-US"/>
           </a:p>
@@ -11066,6 +11273,7 @@
           <a:p>
             <a:fld id="{C8F48BEF-76E9-4077-8B72-29EB02E3EAFE}" type="slidenum">
               <a:rPr lang="zh-CN" altLang="en-US" smtClean="0"/>
+              <a:t>‹#›</a:t>
             </a:fld>
             <a:endParaRPr lang="zh-CN" altLang="en-US"/>
           </a:p>
@@ -11080,7 +11288,7 @@
           <p:nvPr userDrawn="1"/>
         </p:nvPicPr>
         <p:blipFill>
-          <a:blip r:embed="rId15" cstate="print">
+          <a:blip r:embed="rId16" cstate="print">
             <a:extLst>
               <a:ext uri="{28A0092B-C50C-407E-A947-70E740481C1C}">
                 <a14:useLocalDpi xmlns:a14="http://schemas.microsoft.com/office/drawing/2010/main" val="0"/>
@@ -11516,7 +11724,7 @@
           <p:nvPr/>
         </p:nvPicPr>
         <p:blipFill>
-          <a:blip r:embed="rId1">
+          <a:blip r:embed="rId3">
             <a:extLst>
               <a:ext uri="{28A0092B-C50C-407E-A947-70E740481C1C}">
                 <a14:useLocalDpi xmlns:a14="http://schemas.microsoft.com/office/drawing/2010/main" val="0"/>
@@ -11684,10 +11892,6 @@
                 </a:rPr>
                 <a:t>读书好，多读书，读好书</a:t>
               </a:r>
-              <a:endParaRPr lang="zh-CN" altLang="en-US" sz="3800">
-                <a:latin typeface="陈继世-硬笔行书" panose="02010609030101010101" pitchFamily="49" charset="-122"/>
-                <a:ea typeface="陈继世-硬笔行书" panose="02010609030101010101" pitchFamily="49" charset="-122"/>
-              </a:endParaRPr>
             </a:p>
           </p:txBody>
         </p:sp>
@@ -11719,10 +11923,6 @@
                 </a:rPr>
                 <a:t>Good reading, read more books, read good books</a:t>
               </a:r>
-              <a:endParaRPr lang="zh-CN" altLang="en-US" sz="1600">
-                <a:latin typeface="陈继世-硬笔行书" panose="02010609030101010101" pitchFamily="49" charset="-122"/>
-                <a:ea typeface="陈继世-硬笔行书" panose="02010609030101010101" pitchFamily="49" charset="-122"/>
-              </a:endParaRPr>
             </a:p>
           </p:txBody>
         </p:sp>
@@ -11736,7 +11936,7 @@
           <p:nvPr/>
         </p:nvPicPr>
         <p:blipFill>
-          <a:blip r:embed="rId2">
+          <a:blip r:embed="rId4">
             <a:extLst>
               <a:ext uri="{28A0092B-C50C-407E-A947-70E740481C1C}">
                 <a14:useLocalDpi xmlns:a14="http://schemas.microsoft.com/office/drawing/2010/main" val="0"/>
@@ -12015,13 +12215,6 @@
               </a:rPr>
               <a:t>PPT</a:t>
             </a:r>
-            <a:endParaRPr lang="en-US" altLang="zh-CN" sz="5400" b="1" spc="600">
-              <a:solidFill>
-                <a:schemeClr val="bg1"/>
-              </a:solidFill>
-              <a:latin typeface="微软雅黑" panose="020B0503020204020204" pitchFamily="34" charset="-122"/>
-              <a:ea typeface="微软雅黑" panose="020B0503020204020204" pitchFamily="34" charset="-122"/>
-            </a:endParaRPr>
           </a:p>
         </p:txBody>
       </p:sp>
@@ -12152,7 +12345,7 @@
           <p:nvPr/>
         </p:nvPicPr>
         <p:blipFill>
-          <a:blip r:embed="rId3"/>
+          <a:blip r:embed="rId5"/>
           <a:stretch>
             <a:fillRect/>
           </a:stretch>
@@ -12172,13 +12365,13 @@
   <p:clrMapOvr>
     <a:masterClrMapping/>
   </p:clrMapOvr>
-  <mc:AlternateContent xmlns:mc="http://schemas.openxmlformats.org/markup-compatibility/2006">
-    <mc:Choice xmlns:p14="http://schemas.microsoft.com/office/powerpoint/2010/main" Requires="p14">
+  <mc:AlternateContent xmlns:mc="http://schemas.openxmlformats.org/markup-compatibility/2006" xmlns:p14="http://schemas.microsoft.com/office/powerpoint/2010/main">
+    <mc:Choice Requires="p14">
       <p:transition spd="slow" p14:dur="1600" advClick="0" advTm="0">
         <p:blinds dir="vert"/>
       </p:transition>
     </mc:Choice>
-    <mc:Fallback>
+    <mc:Fallback xmlns="">
       <p:transition spd="slow" advClick="0" advTm="0">
         <p:blinds dir="vert"/>
       </p:transition>
@@ -12905,7 +13098,7 @@
         </p:xfrm>
         <a:graphic>
           <a:graphicData uri="http://schemas.openxmlformats.org/drawingml/2006/diagram">
-            <dgm:relIds xmlns:dgm="http://schemas.openxmlformats.org/drawingml/2006/diagram" xmlns:r="http://schemas.openxmlformats.org/officeDocument/2006/relationships" r:dm="rId1" r:lo="rId2" r:qs="rId3" r:cs="rId4"/>
+            <dgm:relIds xmlns:dgm="http://schemas.openxmlformats.org/drawingml/2006/diagram" xmlns:r="http://schemas.openxmlformats.org/officeDocument/2006/relationships" r:dm="rId3" r:lo="rId4" r:qs="rId5" r:cs="rId6"/>
           </a:graphicData>
         </a:graphic>
       </p:graphicFrame>
@@ -12948,6 +13141,7 @@
         </p:style>
         <p:txBody>
           <a:bodyPr rtlCol="0" anchor="ctr"/>
+          <a:lstStyle/>
           <a:p>
             <a:pPr algn="ctr"/>
             <a:r>
@@ -12958,11 +13152,6 @@
               </a:rPr>
               <a:t>提供用户登录</a:t>
             </a:r>
-            <a:endParaRPr lang="zh-CN" altLang="en-US">
-              <a:solidFill>
-                <a:schemeClr val="tx1"/>
-              </a:solidFill>
-            </a:endParaRPr>
           </a:p>
         </p:txBody>
       </p:sp>
@@ -13005,6 +13194,7 @@
         </p:style>
         <p:txBody>
           <a:bodyPr rtlCol="0" anchor="ctr"/>
+          <a:lstStyle/>
           <a:p>
             <a:pPr algn="ctr"/>
             <a:r>
@@ -13015,11 +13205,6 @@
               </a:rPr>
               <a:t>资产信息的入库（添加）、删除、修改（报废、维修等）</a:t>
             </a:r>
-            <a:endParaRPr lang="zh-CN" altLang="en-US">
-              <a:solidFill>
-                <a:schemeClr val="tx1"/>
-              </a:solidFill>
-            </a:endParaRPr>
           </a:p>
         </p:txBody>
       </p:sp>
@@ -13062,6 +13247,7 @@
         </p:style>
         <p:txBody>
           <a:bodyPr rtlCol="0" anchor="ctr"/>
+          <a:lstStyle/>
           <a:p>
             <a:pPr algn="ctr"/>
             <a:r>
@@ -13072,11 +13258,6 @@
               </a:rPr>
               <a:t>对管理员和用户信息的添加和修改</a:t>
             </a:r>
-            <a:endParaRPr lang="zh-CN" altLang="en-US">
-              <a:solidFill>
-                <a:schemeClr val="tx1"/>
-              </a:solidFill>
-            </a:endParaRPr>
           </a:p>
         </p:txBody>
       </p:sp>
@@ -13119,6 +13300,7 @@
         </p:style>
         <p:txBody>
           <a:bodyPr rtlCol="0" anchor="ctr"/>
+          <a:lstStyle/>
           <a:p>
             <a:pPr algn="ctr"/>
             <a:r>
@@ -13129,11 +13311,6 @@
               </a:rPr>
               <a:t>提供输入关键字查询资产信息功能</a:t>
             </a:r>
-            <a:endParaRPr lang="zh-CN" altLang="en-US">
-              <a:solidFill>
-                <a:schemeClr val="tx1"/>
-              </a:solidFill>
-            </a:endParaRPr>
           </a:p>
         </p:txBody>
       </p:sp>
@@ -14327,12 +14504,12 @@
           <a:bodyPr wrap="square" rtlCol="0">
             <a:spAutoFit/>
           </a:bodyPr>
+          <a:lstStyle/>
           <a:p>
             <a:r>
               <a:rPr lang="zh-CN" altLang="en-US" sz="2800"/>
               <a:t>确定系统范围领域</a:t>
             </a:r>
-            <a:endParaRPr lang="zh-CN" altLang="en-US" sz="2800"/>
           </a:p>
         </p:txBody>
       </p:sp>
@@ -14356,6 +14533,7 @@
           <a:bodyPr wrap="square" rtlCol="0">
             <a:spAutoFit/>
           </a:bodyPr>
+          <a:lstStyle/>
           <a:p>
             <a:pPr fontAlgn="auto">
               <a:lnSpc>
@@ -14370,7 +14548,6 @@
               <a:rPr lang="zh-CN" altLang="en-US" sz="2000"/>
               <a:t>本系统专供资产管理及提供相关服务使用，超出资产管理相关功能的本系统无法提供。目前只供管理员与用户使用。</a:t>
             </a:r>
-            <a:endParaRPr lang="zh-CN" altLang="en-US" sz="2000"/>
           </a:p>
         </p:txBody>
       </p:sp>
@@ -14394,12 +14571,12 @@
           <a:bodyPr wrap="square" rtlCol="0">
             <a:spAutoFit/>
           </a:bodyPr>
+          <a:lstStyle/>
           <a:p>
             <a:r>
-              <a:rPr lang="zh-CN" altLang="en-US" sz="2800"/>
+              <a:rPr lang="zh-CN" altLang="en-US" sz="2800" dirty="0"/>
               <a:t>定义角色</a:t>
             </a:r>
-            <a:endParaRPr lang="zh-CN" altLang="en-US" sz="2800"/>
           </a:p>
         </p:txBody>
       </p:sp>
@@ -15005,22 +15182,28 @@
       </p:sp>
       <p:pic>
         <p:nvPicPr>
-          <p:cNvPr id="8" name="图片 7"/>
+          <p:cNvPr id="2" name="图片 1"/>
           <p:cNvPicPr>
             <a:picLocks noChangeAspect="1"/>
           </p:cNvPicPr>
           <p:nvPr/>
         </p:nvPicPr>
         <p:blipFill>
-          <a:blip r:embed="rId1"/>
+          <a:blip r:embed="rId3">
+            <a:extLst>
+              <a:ext uri="{28A0092B-C50C-407E-A947-70E740481C1C}">
+                <a14:useLocalDpi xmlns:a14="http://schemas.microsoft.com/office/drawing/2010/main" val="0"/>
+              </a:ext>
+            </a:extLst>
+          </a:blip>
           <a:stretch>
             <a:fillRect/>
           </a:stretch>
         </p:blipFill>
         <p:spPr>
           <a:xfrm>
-            <a:off x="736600" y="1307465"/>
-            <a:ext cx="10692765" cy="4507230"/>
+            <a:off x="901888" y="1267097"/>
+            <a:ext cx="10593426" cy="4624251"/>
           </a:xfrm>
           <a:prstGeom prst="rect">
             <a:avLst/>
@@ -15144,6 +15327,169 @@
           <a:chExt cx="0" cy="0"/>
         </a:xfrm>
       </p:grpSpPr>
+      <p:sp>
+        <p:nvSpPr>
+          <p:cNvPr id="3" name="TextBox 59"/>
+          <p:cNvSpPr txBox="1">
+            <a:spLocks noChangeArrowheads="1"/>
+          </p:cNvSpPr>
+          <p:nvPr/>
+        </p:nvSpPr>
+        <p:spPr bwMode="auto">
+          <a:xfrm flipH="1">
+            <a:off x="1343480" y="443575"/>
+            <a:ext cx="5700227" cy="645160"/>
+          </a:xfrm>
+          <a:prstGeom prst="rect">
+            <a:avLst/>
+          </a:prstGeom>
+          <a:noFill/>
+          <a:ln>
+            <a:noFill/>
+          </a:ln>
+        </p:spPr>
+        <p:txBody>
+          <a:bodyPr wrap="square">
+            <a:spAutoFit/>
+          </a:bodyPr>
+          <a:lstStyle>
+            <a:lvl1pPr eaLnBrk="0" hangingPunct="0">
+              <a:defRPr>
+                <a:solidFill>
+                  <a:schemeClr val="tx1"/>
+                </a:solidFill>
+                <a:latin typeface="Arial" panose="020B0604020202020204"/>
+                <a:ea typeface="宋体" panose="02010600030101010101" pitchFamily="2" charset="-122"/>
+              </a:defRPr>
+            </a:lvl1pPr>
+            <a:lvl2pPr marL="742950" indent="-285750" eaLnBrk="0" hangingPunct="0">
+              <a:defRPr>
+                <a:solidFill>
+                  <a:schemeClr val="tx1"/>
+                </a:solidFill>
+                <a:latin typeface="Arial" panose="020B0604020202020204"/>
+                <a:ea typeface="宋体" panose="02010600030101010101" pitchFamily="2" charset="-122"/>
+              </a:defRPr>
+            </a:lvl2pPr>
+            <a:lvl3pPr marL="1143000" indent="-228600" eaLnBrk="0" hangingPunct="0">
+              <a:defRPr>
+                <a:solidFill>
+                  <a:schemeClr val="tx1"/>
+                </a:solidFill>
+                <a:latin typeface="Arial" panose="020B0604020202020204"/>
+                <a:ea typeface="宋体" panose="02010600030101010101" pitchFamily="2" charset="-122"/>
+              </a:defRPr>
+            </a:lvl3pPr>
+            <a:lvl4pPr marL="1600200" indent="-228600" eaLnBrk="0" hangingPunct="0">
+              <a:defRPr>
+                <a:solidFill>
+                  <a:schemeClr val="tx1"/>
+                </a:solidFill>
+                <a:latin typeface="Arial" panose="020B0604020202020204"/>
+                <a:ea typeface="宋体" panose="02010600030101010101" pitchFamily="2" charset="-122"/>
+              </a:defRPr>
+            </a:lvl4pPr>
+            <a:lvl5pPr marL="2057400" indent="-228600" eaLnBrk="0" hangingPunct="0">
+              <a:defRPr>
+                <a:solidFill>
+                  <a:schemeClr val="tx1"/>
+                </a:solidFill>
+                <a:latin typeface="Arial" panose="020B0604020202020204"/>
+                <a:ea typeface="宋体" panose="02010600030101010101" pitchFamily="2" charset="-122"/>
+              </a:defRPr>
+            </a:lvl5pPr>
+            <a:lvl6pPr marL="2514600" indent="-228600" eaLnBrk="0" fontAlgn="base" hangingPunct="0">
+              <a:spcBef>
+                <a:spcPct val="0"/>
+              </a:spcBef>
+              <a:spcAft>
+                <a:spcPct val="0"/>
+              </a:spcAft>
+              <a:defRPr>
+                <a:solidFill>
+                  <a:schemeClr val="tx1"/>
+                </a:solidFill>
+                <a:latin typeface="Arial" panose="020B0604020202020204"/>
+                <a:ea typeface="宋体" panose="02010600030101010101" pitchFamily="2" charset="-122"/>
+              </a:defRPr>
+            </a:lvl6pPr>
+            <a:lvl7pPr marL="2971800" indent="-228600" eaLnBrk="0" fontAlgn="base" hangingPunct="0">
+              <a:spcBef>
+                <a:spcPct val="0"/>
+              </a:spcBef>
+              <a:spcAft>
+                <a:spcPct val="0"/>
+              </a:spcAft>
+              <a:defRPr>
+                <a:solidFill>
+                  <a:schemeClr val="tx1"/>
+                </a:solidFill>
+                <a:latin typeface="Arial" panose="020B0604020202020204"/>
+                <a:ea typeface="宋体" panose="02010600030101010101" pitchFamily="2" charset="-122"/>
+              </a:defRPr>
+            </a:lvl7pPr>
+            <a:lvl8pPr marL="3429000" indent="-228600" eaLnBrk="0" fontAlgn="base" hangingPunct="0">
+              <a:spcBef>
+                <a:spcPct val="0"/>
+              </a:spcBef>
+              <a:spcAft>
+                <a:spcPct val="0"/>
+              </a:spcAft>
+              <a:defRPr>
+                <a:solidFill>
+                  <a:schemeClr val="tx1"/>
+                </a:solidFill>
+                <a:latin typeface="Arial" panose="020B0604020202020204"/>
+                <a:ea typeface="宋体" panose="02010600030101010101" pitchFamily="2" charset="-122"/>
+              </a:defRPr>
+            </a:lvl8pPr>
+            <a:lvl9pPr marL="3886200" indent="-228600" eaLnBrk="0" fontAlgn="base" hangingPunct="0">
+              <a:spcBef>
+                <a:spcPct val="0"/>
+              </a:spcBef>
+              <a:spcAft>
+                <a:spcPct val="0"/>
+              </a:spcAft>
+              <a:defRPr>
+                <a:solidFill>
+                  <a:schemeClr val="tx1"/>
+                </a:solidFill>
+                <a:latin typeface="Arial" panose="020B0604020202020204"/>
+                <a:ea typeface="宋体" panose="02010600030101010101" pitchFamily="2" charset="-122"/>
+              </a:defRPr>
+            </a:lvl9pPr>
+          </a:lstStyle>
+          <a:p>
+            <a:pPr>
+              <a:defRPr/>
+            </a:pPr>
+            <a:r>
+              <a:rPr lang="zh-CN" altLang="en-US" sz="3600" b="1" kern="0">
+                <a:latin typeface="微软雅黑" panose="020B0503020204020204" pitchFamily="34" charset="-122"/>
+                <a:ea typeface="微软雅黑" panose="020B0503020204020204" pitchFamily="34" charset="-122"/>
+              </a:rPr>
+              <a:t>数据库模型</a:t>
+            </a:r>
+            <a:r>
+              <a:rPr lang="en-US" altLang="zh-CN" sz="3600" b="1" kern="0">
+                <a:latin typeface="微软雅黑" panose="020B0503020204020204" pitchFamily="34" charset="-122"/>
+                <a:ea typeface="微软雅黑" panose="020B0503020204020204" pitchFamily="34" charset="-122"/>
+              </a:rPr>
+              <a:t>/</a:t>
+            </a:r>
+            <a:endParaRPr lang="en-US" altLang="ko-KR" sz="2400" kern="0">
+              <a:solidFill>
+                <a:schemeClr val="tx1">
+                  <a:lumMod val="50000"/>
+                  <a:lumOff val="50000"/>
+                </a:schemeClr>
+              </a:solidFill>
+              <a:latin typeface="微软雅黑" panose="020B0503020204020204" pitchFamily="34" charset="-122"/>
+              <a:ea typeface="微软雅黑" panose="020B0503020204020204" pitchFamily="34" charset="-122"/>
+            </a:endParaRPr>
+          </a:p>
+        </p:txBody>
+      </p:sp>
       <p:pic>
         <p:nvPicPr>
           <p:cNvPr id="2" name="图片 1"/>
@@ -15153,7 +15499,159 @@
           <p:nvPr/>
         </p:nvPicPr>
         <p:blipFill>
-          <a:blip r:embed="rId1">
+          <a:blip r:embed="rId3">
+            <a:extLst>
+              <a:ext uri="{28A0092B-C50C-407E-A947-70E740481C1C}">
+                <a14:useLocalDpi xmlns:a14="http://schemas.microsoft.com/office/drawing/2010/main" val="0"/>
+              </a:ext>
+            </a:extLst>
+          </a:blip>
+          <a:stretch>
+            <a:fillRect/>
+          </a:stretch>
+        </p:blipFill>
+        <p:spPr>
+          <a:xfrm>
+            <a:off x="718458" y="1346618"/>
+            <a:ext cx="10502536" cy="4603720"/>
+          </a:xfrm>
+          <a:prstGeom prst="rect">
+            <a:avLst/>
+          </a:prstGeom>
+        </p:spPr>
+      </p:pic>
+    </p:spTree>
+    <p:extLst>
+      <p:ext uri="{BB962C8B-B14F-4D97-AF65-F5344CB8AC3E}">
+        <p14:creationId xmlns:p14="http://schemas.microsoft.com/office/powerpoint/2010/main" val="7890504"/>
+      </p:ext>
+    </p:extLst>
+  </p:cSld>
+  <p:clrMapOvr>
+    <a:masterClrMapping/>
+  </p:clrMapOvr>
+  <p:transition spd="med" advClick="0" advTm="0">
+    <p:pull/>
+  </p:transition>
+  <p:timing>
+    <p:tnLst>
+      <p:par>
+        <p:cTn id="1" dur="indefinite" restart="never" nodeType="tmRoot">
+          <p:childTnLst>
+            <p:seq concurrent="1" nextAc="seek">
+              <p:cTn id="2" dur="indefinite" nodeType="mainSeq">
+                <p:childTnLst>
+                  <p:par>
+                    <p:cTn id="3" fill="hold">
+                      <p:stCondLst>
+                        <p:cond delay="indefinite"/>
+                        <p:cond evt="onBegin" delay="0">
+                          <p:tn val="2"/>
+                        </p:cond>
+                      </p:stCondLst>
+                      <p:childTnLst>
+                        <p:par>
+                          <p:cTn id="4" fill="hold">
+                            <p:stCondLst>
+                              <p:cond delay="0"/>
+                            </p:stCondLst>
+                            <p:childTnLst>
+                              <p:par>
+                                <p:cTn id="5" presetID="22" presetClass="entr" presetSubtype="8" fill="hold" grpId="0" nodeType="afterEffect">
+                                  <p:stCondLst>
+                                    <p:cond delay="0"/>
+                                  </p:stCondLst>
+                                  <p:childTnLst>
+                                    <p:set>
+                                      <p:cBhvr>
+                                        <p:cTn id="6" dur="1" fill="hold">
+                                          <p:stCondLst>
+                                            <p:cond delay="0"/>
+                                          </p:stCondLst>
+                                        </p:cTn>
+                                        <p:tgtEl>
+                                          <p:spTgt spid="3"/>
+                                        </p:tgtEl>
+                                        <p:attrNameLst>
+                                          <p:attrName>style.visibility</p:attrName>
+                                        </p:attrNameLst>
+                                      </p:cBhvr>
+                                      <p:to>
+                                        <p:strVal val="visible"/>
+                                      </p:to>
+                                    </p:set>
+                                    <p:animEffect transition="in" filter="wipe(left)">
+                                      <p:cBhvr>
+                                        <p:cTn id="7" dur="1000"/>
+                                        <p:tgtEl>
+                                          <p:spTgt spid="3"/>
+                                        </p:tgtEl>
+                                      </p:cBhvr>
+                                    </p:animEffect>
+                                  </p:childTnLst>
+                                </p:cTn>
+                              </p:par>
+                            </p:childTnLst>
+                          </p:cTn>
+                        </p:par>
+                      </p:childTnLst>
+                    </p:cTn>
+                  </p:par>
+                </p:childTnLst>
+              </p:cTn>
+              <p:prevCondLst>
+                <p:cond evt="onPrev" delay="0">
+                  <p:tgtEl>
+                    <p:sldTgt/>
+                  </p:tgtEl>
+                </p:cond>
+              </p:prevCondLst>
+              <p:nextCondLst>
+                <p:cond evt="onNext" delay="0">
+                  <p:tgtEl>
+                    <p:sldTgt/>
+                  </p:tgtEl>
+                </p:cond>
+              </p:nextCondLst>
+            </p:seq>
+          </p:childTnLst>
+        </p:cTn>
+      </p:par>
+    </p:tnLst>
+    <p:bldLst>
+      <p:bldP spid="3" grpId="0"/>
+    </p:bldLst>
+  </p:timing>
+</p:sld>
+</file>
+
+<file path=ppt/slides/slide14.xml><?xml version="1.0" encoding="utf-8"?>
+<p:sld xmlns:a="http://schemas.openxmlformats.org/drawingml/2006/main" xmlns:r="http://schemas.openxmlformats.org/officeDocument/2006/relationships" xmlns:p="http://schemas.openxmlformats.org/presentationml/2006/main">
+  <p:cSld>
+    <p:spTree>
+      <p:nvGrpSpPr>
+        <p:cNvPr id="1" name=""/>
+        <p:cNvGrpSpPr/>
+        <p:nvPr/>
+      </p:nvGrpSpPr>
+      <p:grpSpPr>
+        <a:xfrm>
+          <a:off x="0" y="0"/>
+          <a:ext cx="0" cy="0"/>
+          <a:chOff x="0" y="0"/>
+          <a:chExt cx="0" cy="0"/>
+        </a:xfrm>
+      </p:grpSpPr>
+      <p:pic>
+        <p:nvPicPr>
+          <p:cNvPr id="2" name="图片 1"/>
+          <p:cNvPicPr>
+            <a:picLocks noChangeAspect="1"/>
+          </p:cNvPicPr>
+          <p:nvPr/>
+        </p:nvPicPr>
+        <p:blipFill>
+          <a:blip r:embed="rId3">
             <a:extLst>
               <a:ext uri="{28A0092B-C50C-407E-A947-70E740481C1C}">
                 <a14:useLocalDpi xmlns:a14="http://schemas.microsoft.com/office/drawing/2010/main" val="0"/>
@@ -15232,7 +15730,7 @@
           <p:nvPr/>
         </p:nvPicPr>
         <p:blipFill>
-          <a:blip r:embed="rId2"/>
+          <a:blip r:embed="rId4"/>
           <a:srcRect l="100" t="-1533" r="74513"/>
           <a:stretch>
             <a:fillRect/>
@@ -15253,13 +15751,13 @@
   <p:clrMapOvr>
     <a:masterClrMapping/>
   </p:clrMapOvr>
-  <mc:AlternateContent xmlns:mc="http://schemas.openxmlformats.org/markup-compatibility/2006">
-    <mc:Choice xmlns:p14="http://schemas.microsoft.com/office/powerpoint/2010/main" Requires="p14">
+  <mc:AlternateContent xmlns:mc="http://schemas.openxmlformats.org/markup-compatibility/2006" xmlns:p14="http://schemas.microsoft.com/office/powerpoint/2010/main">
+    <mc:Choice Requires="p14">
       <p:transition spd="slow" p14:dur="4000" advClick="0" advTm="0">
         <p14:vortex dir="r"/>
       </p:transition>
     </mc:Choice>
-    <mc:Fallback>
+    <mc:Fallback xmlns="">
       <p:transition spd="slow" advClick="0" advTm="0">
         <p:fade/>
       </p:transition>
@@ -15395,7 +15893,7 @@
 </p:sld>
 </file>
 
-<file path=ppt/slides/slide14.xml><?xml version="1.0" encoding="utf-8"?>
+<file path=ppt/slides/slide15.xml><?xml version="1.0" encoding="utf-8"?>
 <p:sld xmlns:a="http://schemas.openxmlformats.org/drawingml/2006/main" xmlns:r="http://schemas.openxmlformats.org/officeDocument/2006/relationships" xmlns:p="http://schemas.openxmlformats.org/presentationml/2006/main">
   <p:cSld>
     <p:spTree>
@@ -15766,6 +16264,7 @@
         </p:style>
         <p:txBody>
           <a:bodyPr rtlCol="0" anchor="ctr"/>
+          <a:lstStyle/>
           <a:p>
             <a:pPr algn="ctr"/>
             <a:endParaRPr lang="zh-CN" altLang="en-US" sz="2000">
@@ -15798,7 +16297,7 @@
             <p:cNvSpPr/>
             <p:nvPr>
               <p:custDataLst>
-                <p:tags r:id="rId3"/>
+                <p:tags r:id="rId9"/>
               </p:custDataLst>
             </p:nvPr>
           </p:nvSpPr>
@@ -15815,6 +16314,7 @@
             <a:bodyPr lIns="0" tIns="0" rIns="0" bIns="0" anchor="t" anchorCtr="0">
               <a:noAutofit/>
             </a:bodyPr>
+            <a:lstStyle/>
             <a:p>
               <a:pPr algn="ctr">
                 <a:lnSpc>
@@ -15863,17 +16363,6 @@
                 </a:rPr>
                 <a:t>界面</a:t>
               </a:r>
-              <a:endParaRPr lang="zh-CN" altLang="en-US" sz="2000" smtClean="0">
-                <a:solidFill>
-                  <a:sysClr val="windowText" lastClr="000000">
-                    <a:lumMod val="75000"/>
-                    <a:lumOff val="25000"/>
-                  </a:sysClr>
-                </a:solidFill>
-                <a:latin typeface="+mn-ea"/>
-                <a:cs typeface="+mn-ea"/>
-                <a:sym typeface="Arial" panose="020B0604020202020204" pitchFamily="34" charset="0"/>
-              </a:endParaRPr>
             </a:p>
           </p:txBody>
         </p:sp>
@@ -15883,7 +16372,7 @@
             <p:cNvSpPr/>
             <p:nvPr>
               <p:custDataLst>
-                <p:tags r:id="rId4"/>
+                <p:tags r:id="rId10"/>
               </p:custDataLst>
             </p:nvPr>
           </p:nvSpPr>
@@ -16128,6 +16617,7 @@
             <a:bodyPr lIns="0" tIns="0" rIns="0" bIns="0" rtlCol="0" anchor="ctr">
               <a:normAutofit/>
             </a:bodyPr>
+            <a:lstStyle/>
             <a:p>
               <a:pPr algn="ctr"/>
               <a:r>
@@ -16144,17 +16634,6 @@
                 </a:rPr>
                 <a:t>one</a:t>
               </a:r>
-              <a:endParaRPr lang="en-US" altLang="zh-CN" sz="2000" smtClean="0">
-                <a:solidFill>
-                  <a:srgbClr val="0F6FC6">
-                    <a:lumMod val="75000"/>
-                  </a:srgbClr>
-                </a:solidFill>
-                <a:latin typeface="Calibri Light" panose="020F0302020204030204" charset="0"/>
-                <a:ea typeface="+mn-ea"/>
-                <a:cs typeface="+mn-ea"/>
-                <a:sym typeface="Arial" panose="020B0604020202020204" pitchFamily="34" charset="0"/>
-              </a:endParaRPr>
             </a:p>
           </p:txBody>
         </p:sp>
@@ -16165,7 +16644,7 @@
           <p:cNvGrpSpPr/>
           <p:nvPr>
             <p:custDataLst>
-              <p:tags r:id="rId5"/>
+              <p:tags r:id="rId3"/>
             </p:custDataLst>
           </p:nvPr>
         </p:nvGrpSpPr>
@@ -16183,7 +16662,7 @@
             <p:cNvSpPr/>
             <p:nvPr>
               <p:custDataLst>
-                <p:tags r:id="rId6"/>
+                <p:tags r:id="rId7"/>
               </p:custDataLst>
             </p:nvPr>
           </p:nvSpPr>
@@ -16428,6 +16907,7 @@
             <a:bodyPr lIns="0" tIns="0" rIns="0" bIns="0" rtlCol="0" anchor="ctr">
               <a:normAutofit/>
             </a:bodyPr>
+            <a:lstStyle/>
             <a:p>
               <a:pPr algn="ctr"/>
               <a:r>
@@ -16444,17 +16924,6 @@
                 </a:rPr>
                 <a:t>two</a:t>
               </a:r>
-              <a:endParaRPr lang="en-US" altLang="zh-CN" sz="2000" smtClean="0">
-                <a:solidFill>
-                  <a:srgbClr val="0F6FC6">
-                    <a:lumMod val="75000"/>
-                  </a:srgbClr>
-                </a:solidFill>
-                <a:latin typeface="Calibri Light" panose="020F0302020204030204" charset="0"/>
-                <a:ea typeface="+mn-ea"/>
-                <a:cs typeface="+mn-ea"/>
-                <a:sym typeface="Arial" panose="020B0604020202020204" pitchFamily="34" charset="0"/>
-              </a:endParaRPr>
             </a:p>
           </p:txBody>
         </p:sp>
@@ -16464,7 +16933,7 @@
             <p:cNvSpPr/>
             <p:nvPr>
               <p:custDataLst>
-                <p:tags r:id="rId7"/>
+                <p:tags r:id="rId8"/>
               </p:custDataLst>
             </p:nvPr>
           </p:nvSpPr>
@@ -16481,6 +16950,7 @@
             <a:bodyPr lIns="0" tIns="0" rIns="0" bIns="0" anchor="t" anchorCtr="0">
               <a:noAutofit/>
             </a:bodyPr>
+            <a:lstStyle/>
             <a:p>
               <a:pPr algn="ctr">
                 <a:lnSpc>
@@ -16488,7 +16958,7 @@
                 </a:lnSpc>
               </a:pPr>
               <a:r>
-                <a:rPr lang="zh-CN" altLang="da-DK" sz="2000" smtClean="0">
+                <a:rPr lang="zh-CN" altLang="da-DK" sz="2000" dirty="0" smtClean="0">
                   <a:solidFill>
                     <a:sysClr val="windowText" lastClr="000000">
                       <a:lumMod val="75000"/>
@@ -16499,15 +16969,6 @@
                 </a:rPr>
                 <a:t>分析建立数据库</a:t>
               </a:r>
-              <a:endParaRPr lang="zh-CN" altLang="da-DK" sz="2000" smtClean="0">
-                <a:solidFill>
-                  <a:sysClr val="windowText" lastClr="000000">
-                    <a:lumMod val="75000"/>
-                    <a:lumOff val="25000"/>
-                  </a:sysClr>
-                </a:solidFill>
-                <a:sym typeface="Arial" panose="020B0604020202020204" pitchFamily="34" charset="0"/>
-              </a:endParaRPr>
             </a:p>
           </p:txBody>
         </p:sp>
@@ -16518,7 +16979,7 @@
           <p:cNvGrpSpPr/>
           <p:nvPr>
             <p:custDataLst>
-              <p:tags r:id="rId8"/>
+              <p:tags r:id="rId4"/>
             </p:custDataLst>
           </p:nvPr>
         </p:nvGrpSpPr>
@@ -16536,7 +16997,7 @@
             <p:cNvSpPr/>
             <p:nvPr>
               <p:custDataLst>
-                <p:tags r:id="rId9"/>
+                <p:tags r:id="rId5"/>
               </p:custDataLst>
             </p:nvPr>
           </p:nvSpPr>
@@ -16781,6 +17242,7 @@
             <a:bodyPr lIns="0" tIns="0" rIns="0" bIns="0" rtlCol="0" anchor="ctr">
               <a:normAutofit/>
             </a:bodyPr>
+            <a:lstStyle/>
             <a:p>
               <a:pPr algn="ctr"/>
               <a:r>
@@ -16797,17 +17259,6 @@
                 </a:rPr>
                 <a:t>three</a:t>
               </a:r>
-              <a:endParaRPr lang="en-US" altLang="zh-CN" sz="2000" smtClean="0">
-                <a:solidFill>
-                  <a:srgbClr val="0F6FC6">
-                    <a:lumMod val="75000"/>
-                  </a:srgbClr>
-                </a:solidFill>
-                <a:latin typeface="Calibri Light" panose="020F0302020204030204" charset="0"/>
-                <a:ea typeface="+mn-ea"/>
-                <a:cs typeface="+mn-ea"/>
-                <a:sym typeface="Arial" panose="020B0604020202020204" pitchFamily="34" charset="0"/>
-              </a:endParaRPr>
             </a:p>
           </p:txBody>
         </p:sp>
@@ -16817,7 +17268,7 @@
             <p:cNvSpPr/>
             <p:nvPr>
               <p:custDataLst>
-                <p:tags r:id="rId10"/>
+                <p:tags r:id="rId6"/>
               </p:custDataLst>
             </p:nvPr>
           </p:nvSpPr>
@@ -16834,6 +17285,7 @@
             <a:bodyPr lIns="0" tIns="0" rIns="0" bIns="0" anchor="t" anchorCtr="0">
               <a:noAutofit/>
             </a:bodyPr>
+            <a:lstStyle/>
             <a:p>
               <a:pPr algn="ctr">
                 <a:lnSpc>
@@ -16852,15 +17304,6 @@
                 </a:rPr>
                 <a:t>编写程序并连接数据库</a:t>
               </a:r>
-              <a:endParaRPr lang="zh-CN" altLang="da-DK" sz="2000" smtClean="0">
-                <a:solidFill>
-                  <a:sysClr val="windowText" lastClr="000000">
-                    <a:lumMod val="75000"/>
-                    <a:lumOff val="25000"/>
-                  </a:sysClr>
-                </a:solidFill>
-                <a:sym typeface="Arial" panose="020B0604020202020204" pitchFamily="34" charset="0"/>
-              </a:endParaRPr>
             </a:p>
           </p:txBody>
         </p:sp>
@@ -17000,7 +17443,7 @@
 </p:sld>
 </file>
 
-<file path=ppt/slides/slide15.xml><?xml version="1.0" encoding="utf-8"?>
+<file path=ppt/slides/slide16.xml><?xml version="1.0" encoding="utf-8"?>
 <p:sld xmlns:a="http://schemas.openxmlformats.org/drawingml/2006/main" xmlns:r="http://schemas.openxmlformats.org/officeDocument/2006/relationships" xmlns:p="http://schemas.openxmlformats.org/presentationml/2006/main">
   <p:cSld>
     <p:spTree>
@@ -17026,7 +17469,7 @@
           <p:nvPr/>
         </p:nvPicPr>
         <p:blipFill>
-          <a:blip r:embed="rId1">
+          <a:blip r:embed="rId3">
             <a:extLst>
               <a:ext uri="{28A0092B-C50C-407E-A947-70E740481C1C}">
                 <a14:useLocalDpi xmlns:a14="http://schemas.microsoft.com/office/drawing/2010/main" val="0"/>
@@ -17105,7 +17548,7 @@
           <p:nvPr/>
         </p:nvPicPr>
         <p:blipFill>
-          <a:blip r:embed="rId2"/>
+          <a:blip r:embed="rId4"/>
           <a:srcRect l="100" t="-1533" r="74513"/>
           <a:stretch>
             <a:fillRect/>
@@ -17126,13 +17569,13 @@
   <p:clrMapOvr>
     <a:masterClrMapping/>
   </p:clrMapOvr>
-  <mc:AlternateContent xmlns:mc="http://schemas.openxmlformats.org/markup-compatibility/2006">
-    <mc:Choice xmlns:p14="http://schemas.microsoft.com/office/powerpoint/2010/main" Requires="p14">
+  <mc:AlternateContent xmlns:mc="http://schemas.openxmlformats.org/markup-compatibility/2006" xmlns:p14="http://schemas.microsoft.com/office/powerpoint/2010/main">
+    <mc:Choice Requires="p14">
       <p:transition spd="slow" p14:dur="4000" advClick="0" advTm="0">
         <p14:vortex dir="r"/>
       </p:transition>
     </mc:Choice>
-    <mc:Fallback>
+    <mc:Fallback xmlns="">
       <p:transition spd="slow" advClick="0" advTm="0">
         <p:fade/>
       </p:transition>
@@ -17268,7 +17711,7 @@
 </p:sld>
 </file>
 
-<file path=ppt/slides/slide16.xml><?xml version="1.0" encoding="utf-8"?>
+<file path=ppt/slides/slide17.xml><?xml version="1.0" encoding="utf-8"?>
 <p:sld xmlns:a="http://schemas.openxmlformats.org/drawingml/2006/main" xmlns:r="http://schemas.openxmlformats.org/officeDocument/2006/relationships" xmlns:p="http://schemas.openxmlformats.org/presentationml/2006/main">
   <p:cSld>
     <p:spTree>
@@ -17549,7 +17992,7 @@
           <a:p>
             <a:pPr algn="ctr"/>
             <a:r>
-              <a:rPr lang="zh-CN" sz="2800" b="1">
+              <a:rPr lang="zh-CN" sz="2800" b="1" dirty="0">
                 <a:solidFill>
                   <a:schemeClr val="tx1"/>
                 </a:solidFill>
@@ -17558,7 +18001,7 @@
               </a:rPr>
               <a:t>开发工具</a:t>
             </a:r>
-            <a:endParaRPr lang="zh-CN" sz="2800" b="1" baseline="30000">
+            <a:endParaRPr lang="zh-CN" sz="2800" b="1" baseline="30000" dirty="0">
               <a:solidFill>
                 <a:schemeClr val="tx1"/>
               </a:solidFill>
@@ -17923,13 +18366,6 @@
               </a:rPr>
               <a:t>数据库</a:t>
             </a:r>
-            <a:endParaRPr lang="zh-CN" altLang="es-SV" sz="2800" b="1">
-              <a:solidFill>
-                <a:schemeClr val="tx1"/>
-              </a:solidFill>
-              <a:latin typeface="+mn-ea"/>
-              <a:cs typeface="Open Sans Extrabold" panose="020B0906030804020204" pitchFamily="34" charset="0"/>
-            </a:endParaRPr>
           </a:p>
         </p:txBody>
       </p:sp>
@@ -17993,14 +18429,6 @@
               </a:rPr>
               <a:t>技术支持</a:t>
             </a:r>
-            <a:endParaRPr lang="zh-CN" b="1" spc="600">
-              <a:solidFill>
-                <a:schemeClr val="tx1"/>
-              </a:solidFill>
-              <a:latin typeface="Open Sans Condensed" panose="020B0604020202020204" charset="0"/>
-              <a:ea typeface="宋体" panose="02010600030101010101" pitchFamily="2" charset="-122"/>
-              <a:cs typeface="Open Sans Condensed" panose="020B0604020202020204" charset="0"/>
-            </a:endParaRPr>
           </a:p>
         </p:txBody>
       </p:sp>
@@ -18208,8 +18636,8 @@
         </p:nvSpPr>
         <p:spPr>
           <a:xfrm>
-            <a:off x="648335" y="4116705"/>
-            <a:ext cx="2364105" cy="645160"/>
+            <a:off x="1246889" y="4576327"/>
+            <a:ext cx="2364105" cy="369332"/>
           </a:xfrm>
           <a:prstGeom prst="rect">
             <a:avLst/>
@@ -18220,12 +18648,13 @@
           <a:bodyPr wrap="square" rtlCol="0">
             <a:spAutoFit/>
           </a:bodyPr>
+          <a:lstStyle/>
           <a:p>
             <a:r>
-              <a:rPr lang="en-US" altLang="zh-CN"/>
-              <a:t>MyEclipse+Dreamweaver+Tomcat</a:t>
+              <a:rPr lang="en-US" altLang="zh-CN" dirty="0" err="1" smtClean="0"/>
+              <a:t>MyEclipse+Dreamweaver</a:t>
             </a:r>
-            <a:endParaRPr lang="en-US" altLang="zh-CN"/>
+            <a:endParaRPr lang="en-US" altLang="zh-CN" dirty="0"/>
           </a:p>
         </p:txBody>
       </p:sp>
@@ -18237,7 +18666,7 @@
         </p:nvSpPr>
         <p:spPr>
           <a:xfrm>
-            <a:off x="2185670" y="5520690"/>
+            <a:off x="3893658" y="5870545"/>
             <a:ext cx="2364105" cy="368300"/>
           </a:xfrm>
           <a:prstGeom prst="rect">
@@ -18249,12 +18678,12 @@
           <a:bodyPr wrap="square" rtlCol="0">
             <a:spAutoFit/>
           </a:bodyPr>
+          <a:lstStyle/>
           <a:p>
             <a:r>
-              <a:rPr lang="en-US" altLang="zh-CN"/>
+              <a:rPr lang="en-US" altLang="zh-CN" dirty="0"/>
               <a:t>Windows+JDK1.8</a:t>
             </a:r>
-            <a:endParaRPr lang="en-US" altLang="zh-CN"/>
           </a:p>
         </p:txBody>
       </p:sp>
@@ -18278,12 +18707,12 @@
           <a:bodyPr wrap="square" rtlCol="0">
             <a:spAutoFit/>
           </a:bodyPr>
+          <a:lstStyle/>
           <a:p>
             <a:r>
-              <a:rPr lang="en-US" altLang="zh-CN"/>
+              <a:rPr lang="en-US" altLang="zh-CN" dirty="0"/>
               <a:t>JRE</a:t>
             </a:r>
-            <a:endParaRPr lang="en-US" altLang="zh-CN"/>
           </a:p>
         </p:txBody>
       </p:sp>
@@ -18307,12 +18736,12 @@
           <a:bodyPr wrap="square" rtlCol="0">
             <a:spAutoFit/>
           </a:bodyPr>
+          <a:lstStyle/>
           <a:p>
             <a:r>
-              <a:rPr lang="en-US" altLang="zh-CN"/>
+              <a:rPr lang="en-US" altLang="zh-CN" dirty="0"/>
               <a:t>SQL SERVER2008</a:t>
             </a:r>
-            <a:endParaRPr lang="en-US" altLang="zh-CN"/>
           </a:p>
         </p:txBody>
       </p:sp>
@@ -18321,13 +18750,13 @@
   <p:clrMapOvr>
     <a:masterClrMapping/>
   </p:clrMapOvr>
-  <mc:AlternateContent xmlns:mc="http://schemas.openxmlformats.org/markup-compatibility/2006">
-    <mc:Choice xmlns:p14="http://schemas.microsoft.com/office/powerpoint/2010/main" Requires="p14">
+  <mc:AlternateContent xmlns:mc="http://schemas.openxmlformats.org/markup-compatibility/2006" xmlns:p14="http://schemas.microsoft.com/office/powerpoint/2010/main">
+    <mc:Choice Requires="p14">
       <p:transition spd="slow" p14:dur="1250" advClick="0" advTm="0">
         <p14:switch dir="r"/>
       </p:transition>
     </mc:Choice>
-    <mc:Fallback>
+    <mc:Fallback xmlns="">
       <p:transition spd="slow" advClick="0" advTm="0">
         <p:fade/>
       </p:transition>
@@ -18888,6 +19317,186 @@
                       </p:childTnLst>
                     </p:cTn>
                   </p:par>
+                  <p:par>
+                    <p:cTn id="51" fill="hold">
+                      <p:stCondLst>
+                        <p:cond delay="indefinite"/>
+                      </p:stCondLst>
+                      <p:childTnLst>
+                        <p:par>
+                          <p:cTn id="52" fill="hold">
+                            <p:stCondLst>
+                              <p:cond delay="0"/>
+                            </p:stCondLst>
+                            <p:childTnLst>
+                              <p:par>
+                                <p:cTn id="53" presetID="1" presetClass="entr" presetSubtype="0" fill="hold" grpId="0" nodeType="clickEffect">
+                                  <p:stCondLst>
+                                    <p:cond delay="0"/>
+                                  </p:stCondLst>
+                                  <p:childTnLst>
+                                    <p:set>
+                                      <p:cBhvr>
+                                        <p:cTn id="54" dur="1" fill="hold">
+                                          <p:stCondLst>
+                                            <p:cond delay="0"/>
+                                          </p:stCondLst>
+                                        </p:cTn>
+                                        <p:tgtEl>
+                                          <p:spTgt spid="2"/>
+                                        </p:tgtEl>
+                                        <p:attrNameLst>
+                                          <p:attrName>style.visibility</p:attrName>
+                                        </p:attrNameLst>
+                                      </p:cBhvr>
+                                      <p:to>
+                                        <p:strVal val="visible"/>
+                                      </p:to>
+                                    </p:set>
+                                  </p:childTnLst>
+                                </p:cTn>
+                              </p:par>
+                            </p:childTnLst>
+                          </p:cTn>
+                        </p:par>
+                      </p:childTnLst>
+                    </p:cTn>
+                  </p:par>
+                  <p:par>
+                    <p:cTn id="55" fill="hold">
+                      <p:stCondLst>
+                        <p:cond delay="indefinite"/>
+                      </p:stCondLst>
+                      <p:childTnLst>
+                        <p:par>
+                          <p:cTn id="56" fill="hold">
+                            <p:stCondLst>
+                              <p:cond delay="0"/>
+                            </p:stCondLst>
+                            <p:childTnLst>
+                              <p:par>
+                                <p:cTn id="57" presetID="1" presetClass="entr" presetSubtype="0" fill="hold" grpId="0" nodeType="clickEffect">
+                                  <p:stCondLst>
+                                    <p:cond delay="0"/>
+                                  </p:stCondLst>
+                                  <p:childTnLst>
+                                    <p:set>
+                                      <p:cBhvr>
+                                        <p:cTn id="58" dur="1" fill="hold">
+                                          <p:stCondLst>
+                                            <p:cond delay="0"/>
+                                          </p:stCondLst>
+                                        </p:cTn>
+                                        <p:tgtEl>
+                                          <p:spTgt spid="4"/>
+                                        </p:tgtEl>
+                                        <p:attrNameLst>
+                                          <p:attrName>style.visibility</p:attrName>
+                                        </p:attrNameLst>
+                                      </p:cBhvr>
+                                      <p:to>
+                                        <p:strVal val="visible"/>
+                                      </p:to>
+                                    </p:set>
+                                  </p:childTnLst>
+                                </p:cTn>
+                              </p:par>
+                            </p:childTnLst>
+                          </p:cTn>
+                        </p:par>
+                      </p:childTnLst>
+                    </p:cTn>
+                  </p:par>
+                  <p:par>
+                    <p:cTn id="59" fill="hold">
+                      <p:stCondLst>
+                        <p:cond delay="indefinite"/>
+                      </p:stCondLst>
+                      <p:childTnLst>
+                        <p:par>
+                          <p:cTn id="60" fill="hold">
+                            <p:stCondLst>
+                              <p:cond delay="0"/>
+                            </p:stCondLst>
+                            <p:childTnLst>
+                              <p:par>
+                                <p:cTn id="61" presetID="1" presetClass="entr" presetSubtype="0" fill="hold" grpId="0" nodeType="clickEffect">
+                                  <p:stCondLst>
+                                    <p:cond delay="0"/>
+                                  </p:stCondLst>
+                                  <p:childTnLst>
+                                    <p:set>
+                                      <p:cBhvr>
+                                        <p:cTn id="62" dur="1" fill="hold">
+                                          <p:stCondLst>
+                                            <p:cond delay="0"/>
+                                          </p:stCondLst>
+                                        </p:cTn>
+                                        <p:tgtEl>
+                                          <p:spTgt spid="5"/>
+                                        </p:tgtEl>
+                                        <p:attrNameLst>
+                                          <p:attrName>style.visibility</p:attrName>
+                                        </p:attrNameLst>
+                                      </p:cBhvr>
+                                      <p:to>
+                                        <p:strVal val="visible"/>
+                                      </p:to>
+                                    </p:set>
+                                  </p:childTnLst>
+                                </p:cTn>
+                              </p:par>
+                            </p:childTnLst>
+                          </p:cTn>
+                        </p:par>
+                      </p:childTnLst>
+                    </p:cTn>
+                  </p:par>
+                  <p:par>
+                    <p:cTn id="63" fill="hold">
+                      <p:stCondLst>
+                        <p:cond delay="indefinite"/>
+                      </p:stCondLst>
+                      <p:childTnLst>
+                        <p:par>
+                          <p:cTn id="64" fill="hold">
+                            <p:stCondLst>
+                              <p:cond delay="0"/>
+                            </p:stCondLst>
+                            <p:childTnLst>
+                              <p:par>
+                                <p:cTn id="65" presetID="1" presetClass="entr" presetSubtype="0" fill="hold" grpId="0" nodeType="clickEffect">
+                                  <p:stCondLst>
+                                    <p:cond delay="0"/>
+                                  </p:stCondLst>
+                                  <p:childTnLst>
+                                    <p:set>
+                                      <p:cBhvr>
+                                        <p:cTn id="66" dur="1" fill="hold">
+                                          <p:stCondLst>
+                                            <p:cond delay="0"/>
+                                          </p:stCondLst>
+                                        </p:cTn>
+                                        <p:tgtEl>
+                                          <p:spTgt spid="6"/>
+                                        </p:tgtEl>
+                                        <p:attrNameLst>
+                                          <p:attrName>style.visibility</p:attrName>
+                                        </p:attrNameLst>
+                                      </p:cBhvr>
+                                      <p:to>
+                                        <p:strVal val="visible"/>
+                                      </p:to>
+                                    </p:set>
+                                  </p:childTnLst>
+                                </p:cTn>
+                              </p:par>
+                            </p:childTnLst>
+                          </p:cTn>
+                        </p:par>
+                      </p:childTnLst>
+                    </p:cTn>
+                  </p:par>
                 </p:childTnLst>
               </p:cTn>
               <p:prevCondLst>
@@ -18924,12 +19533,16 @@
       <p:bldP spid="43" grpId="0" animBg="1"/>
       <p:bldP spid="44" grpId="0" animBg="1"/>
       <p:bldP spid="45" grpId="0" animBg="1"/>
+      <p:bldP spid="2" grpId="0"/>
+      <p:bldP spid="4" grpId="0"/>
+      <p:bldP spid="5" grpId="0"/>
+      <p:bldP spid="6" grpId="0"/>
     </p:bldLst>
   </p:timing>
 </p:sld>
 </file>
 
-<file path=ppt/slides/slide17.xml><?xml version="1.0" encoding="utf-8"?>
+<file path=ppt/slides/slide18.xml><?xml version="1.0" encoding="utf-8"?>
 <p:sld xmlns:a="http://schemas.openxmlformats.org/drawingml/2006/main" xmlns:r="http://schemas.openxmlformats.org/officeDocument/2006/relationships" xmlns:p="http://schemas.openxmlformats.org/presentationml/2006/main">
   <p:cSld>
     <p:spTree>
@@ -18955,7 +19568,7 @@
           <p:nvPr/>
         </p:nvPicPr>
         <p:blipFill>
-          <a:blip r:embed="rId1">
+          <a:blip r:embed="rId3">
             <a:clrChange>
               <a:clrFrom>
                 <a:srgbClr val="E1E1ED">
@@ -19047,7 +19660,7 @@
           <p:nvPr/>
         </p:nvPicPr>
         <p:blipFill>
-          <a:blip r:embed="rId2"/>
+          <a:blip r:embed="rId4"/>
           <a:srcRect l="100" t="-1533" r="74513"/>
           <a:stretch>
             <a:fillRect/>
@@ -19068,13 +19681,13 @@
   <p:clrMapOvr>
     <a:masterClrMapping/>
   </p:clrMapOvr>
-  <mc:AlternateContent xmlns:mc="http://schemas.openxmlformats.org/markup-compatibility/2006">
-    <mc:Choice xmlns:p14="http://schemas.microsoft.com/office/powerpoint/2010/main" Requires="p14">
+  <mc:AlternateContent xmlns:mc="http://schemas.openxmlformats.org/markup-compatibility/2006" xmlns:p14="http://schemas.microsoft.com/office/powerpoint/2010/main">
+    <mc:Choice Requires="p14">
       <p:transition spd="slow" p14:dur="4000" advClick="0" advTm="0">
         <p14:vortex dir="r"/>
       </p:transition>
     </mc:Choice>
-    <mc:Fallback>
+    <mc:Fallback xmlns="">
       <p:transition spd="slow" advClick="0" advTm="0">
         <p:fade/>
       </p:transition>
@@ -19210,7 +19823,7 @@
 </p:sld>
 </file>
 
-<file path=ppt/slides/slide18.xml><?xml version="1.0" encoding="utf-8"?>
+<file path=ppt/slides/slide19.xml><?xml version="1.0" encoding="utf-8"?>
 <p:sld xmlns:a="http://schemas.openxmlformats.org/drawingml/2006/main" xmlns:r="http://schemas.openxmlformats.org/officeDocument/2006/relationships" xmlns:p="http://schemas.openxmlformats.org/presentationml/2006/main">
   <p:cSld>
     <p:spTree>
@@ -19399,7 +20012,7 @@
           <p:nvPr/>
         </p:nvPicPr>
         <p:blipFill>
-          <a:blip r:embed="rId1"/>
+          <a:blip r:embed="rId3"/>
           <a:srcRect r="35" b="19289"/>
           <a:stretch>
             <a:fillRect/>
@@ -19409,310 +20022,6 @@
           <a:xfrm>
             <a:off x="534035" y="1172210"/>
             <a:ext cx="11150600" cy="4371340"/>
-          </a:xfrm>
-          <a:prstGeom prst="rect">
-            <a:avLst/>
-          </a:prstGeom>
-        </p:spPr>
-      </p:pic>
-    </p:spTree>
-  </p:cSld>
-  <p:clrMapOvr>
-    <a:masterClrMapping/>
-  </p:clrMapOvr>
-  <p:transition spd="med" advClick="0" advTm="0">
-    <p:pull/>
-  </p:transition>
-  <p:timing>
-    <p:tnLst>
-      <p:par>
-        <p:cTn id="1" dur="indefinite" restart="never" nodeType="tmRoot">
-          <p:childTnLst>
-            <p:seq concurrent="1" nextAc="seek">
-              <p:cTn id="2" dur="indefinite" nodeType="mainSeq">
-                <p:childTnLst>
-                  <p:par>
-                    <p:cTn id="3" fill="hold">
-                      <p:stCondLst>
-                        <p:cond delay="indefinite"/>
-                        <p:cond evt="onBegin" delay="0">
-                          <p:tn val="2"/>
-                        </p:cond>
-                      </p:stCondLst>
-                      <p:childTnLst>
-                        <p:par>
-                          <p:cTn id="4" fill="hold">
-                            <p:stCondLst>
-                              <p:cond delay="0"/>
-                            </p:stCondLst>
-                            <p:childTnLst>
-                              <p:par>
-                                <p:cTn id="5" presetID="22" presetClass="entr" presetSubtype="8" fill="hold" grpId="0" nodeType="afterEffect">
-                                  <p:stCondLst>
-                                    <p:cond delay="0"/>
-                                  </p:stCondLst>
-                                  <p:childTnLst>
-                                    <p:set>
-                                      <p:cBhvr>
-                                        <p:cTn id="6" dur="1" fill="hold">
-                                          <p:stCondLst>
-                                            <p:cond delay="0"/>
-                                          </p:stCondLst>
-                                        </p:cTn>
-                                        <p:tgtEl>
-                                          <p:spTgt spid="3"/>
-                                        </p:tgtEl>
-                                        <p:attrNameLst>
-                                          <p:attrName>style.visibility</p:attrName>
-                                        </p:attrNameLst>
-                                      </p:cBhvr>
-                                      <p:to>
-                                        <p:strVal val="visible"/>
-                                      </p:to>
-                                    </p:set>
-                                    <p:animEffect transition="in" filter="wipe(left)">
-                                      <p:cBhvr>
-                                        <p:cTn id="7" dur="1000"/>
-                                        <p:tgtEl>
-                                          <p:spTgt spid="3"/>
-                                        </p:tgtEl>
-                                      </p:cBhvr>
-                                    </p:animEffect>
-                                  </p:childTnLst>
-                                </p:cTn>
-                              </p:par>
-                            </p:childTnLst>
-                          </p:cTn>
-                        </p:par>
-                      </p:childTnLst>
-                    </p:cTn>
-                  </p:par>
-                </p:childTnLst>
-              </p:cTn>
-              <p:prevCondLst>
-                <p:cond evt="onPrev" delay="0">
-                  <p:tgtEl>
-                    <p:sldTgt/>
-                  </p:tgtEl>
-                </p:cond>
-              </p:prevCondLst>
-              <p:nextCondLst>
-                <p:cond evt="onNext" delay="0">
-                  <p:tgtEl>
-                    <p:sldTgt/>
-                  </p:tgtEl>
-                </p:cond>
-              </p:nextCondLst>
-            </p:seq>
-          </p:childTnLst>
-        </p:cTn>
-      </p:par>
-    </p:tnLst>
-    <p:bldLst>
-      <p:bldP spid="3" grpId="0"/>
-    </p:bldLst>
-  </p:timing>
-</p:sld>
-</file>
-
-<file path=ppt/slides/slide19.xml><?xml version="1.0" encoding="utf-8"?>
-<p:sld xmlns:a="http://schemas.openxmlformats.org/drawingml/2006/main" xmlns:r="http://schemas.openxmlformats.org/officeDocument/2006/relationships" xmlns:p="http://schemas.openxmlformats.org/presentationml/2006/main">
-  <p:cSld>
-    <p:spTree>
-      <p:nvGrpSpPr>
-        <p:cNvPr id="1" name=""/>
-        <p:cNvGrpSpPr/>
-        <p:nvPr/>
-      </p:nvGrpSpPr>
-      <p:grpSpPr>
-        <a:xfrm>
-          <a:off x="0" y="0"/>
-          <a:ext cx="0" cy="0"/>
-          <a:chOff x="0" y="0"/>
-          <a:chExt cx="0" cy="0"/>
-        </a:xfrm>
-      </p:grpSpPr>
-      <p:sp>
-        <p:nvSpPr>
-          <p:cNvPr id="3" name="TextBox 59"/>
-          <p:cNvSpPr txBox="1">
-            <a:spLocks noChangeArrowheads="1"/>
-          </p:cNvSpPr>
-          <p:nvPr/>
-        </p:nvSpPr>
-        <p:spPr bwMode="auto">
-          <a:xfrm flipH="1">
-            <a:off x="1343480" y="442201"/>
-            <a:ext cx="8777256" cy="645160"/>
-          </a:xfrm>
-          <a:prstGeom prst="rect">
-            <a:avLst/>
-          </a:prstGeom>
-          <a:noFill/>
-          <a:ln>
-            <a:noFill/>
-          </a:ln>
-        </p:spPr>
-        <p:txBody>
-          <a:bodyPr wrap="square">
-            <a:spAutoFit/>
-          </a:bodyPr>
-          <a:lstStyle>
-            <a:lvl1pPr eaLnBrk="0" hangingPunct="0">
-              <a:defRPr>
-                <a:solidFill>
-                  <a:schemeClr val="tx1"/>
-                </a:solidFill>
-                <a:latin typeface="Arial" panose="020B0604020202020204"/>
-                <a:ea typeface="宋体" panose="02010600030101010101" pitchFamily="2" charset="-122"/>
-              </a:defRPr>
-            </a:lvl1pPr>
-            <a:lvl2pPr marL="742950" indent="-285750" eaLnBrk="0" hangingPunct="0">
-              <a:defRPr>
-                <a:solidFill>
-                  <a:schemeClr val="tx1"/>
-                </a:solidFill>
-                <a:latin typeface="Arial" panose="020B0604020202020204"/>
-                <a:ea typeface="宋体" panose="02010600030101010101" pitchFamily="2" charset="-122"/>
-              </a:defRPr>
-            </a:lvl2pPr>
-            <a:lvl3pPr marL="1143000" indent="-228600" eaLnBrk="0" hangingPunct="0">
-              <a:defRPr>
-                <a:solidFill>
-                  <a:schemeClr val="tx1"/>
-                </a:solidFill>
-                <a:latin typeface="Arial" panose="020B0604020202020204"/>
-                <a:ea typeface="宋体" panose="02010600030101010101" pitchFamily="2" charset="-122"/>
-              </a:defRPr>
-            </a:lvl3pPr>
-            <a:lvl4pPr marL="1600200" indent="-228600" eaLnBrk="0" hangingPunct="0">
-              <a:defRPr>
-                <a:solidFill>
-                  <a:schemeClr val="tx1"/>
-                </a:solidFill>
-                <a:latin typeface="Arial" panose="020B0604020202020204"/>
-                <a:ea typeface="宋体" panose="02010600030101010101" pitchFamily="2" charset="-122"/>
-              </a:defRPr>
-            </a:lvl4pPr>
-            <a:lvl5pPr marL="2057400" indent="-228600" eaLnBrk="0" hangingPunct="0">
-              <a:defRPr>
-                <a:solidFill>
-                  <a:schemeClr val="tx1"/>
-                </a:solidFill>
-                <a:latin typeface="Arial" panose="020B0604020202020204"/>
-                <a:ea typeface="宋体" panose="02010600030101010101" pitchFamily="2" charset="-122"/>
-              </a:defRPr>
-            </a:lvl5pPr>
-            <a:lvl6pPr marL="2514600" indent="-228600" eaLnBrk="0" fontAlgn="base" hangingPunct="0">
-              <a:spcBef>
-                <a:spcPct val="0"/>
-              </a:spcBef>
-              <a:spcAft>
-                <a:spcPct val="0"/>
-              </a:spcAft>
-              <a:defRPr>
-                <a:solidFill>
-                  <a:schemeClr val="tx1"/>
-                </a:solidFill>
-                <a:latin typeface="Arial" panose="020B0604020202020204"/>
-                <a:ea typeface="宋体" panose="02010600030101010101" pitchFamily="2" charset="-122"/>
-              </a:defRPr>
-            </a:lvl6pPr>
-            <a:lvl7pPr marL="2971800" indent="-228600" eaLnBrk="0" fontAlgn="base" hangingPunct="0">
-              <a:spcBef>
-                <a:spcPct val="0"/>
-              </a:spcBef>
-              <a:spcAft>
-                <a:spcPct val="0"/>
-              </a:spcAft>
-              <a:defRPr>
-                <a:solidFill>
-                  <a:schemeClr val="tx1"/>
-                </a:solidFill>
-                <a:latin typeface="Arial" panose="020B0604020202020204"/>
-                <a:ea typeface="宋体" panose="02010600030101010101" pitchFamily="2" charset="-122"/>
-              </a:defRPr>
-            </a:lvl7pPr>
-            <a:lvl8pPr marL="3429000" indent="-228600" eaLnBrk="0" fontAlgn="base" hangingPunct="0">
-              <a:spcBef>
-                <a:spcPct val="0"/>
-              </a:spcBef>
-              <a:spcAft>
-                <a:spcPct val="0"/>
-              </a:spcAft>
-              <a:defRPr>
-                <a:solidFill>
-                  <a:schemeClr val="tx1"/>
-                </a:solidFill>
-                <a:latin typeface="Arial" panose="020B0604020202020204"/>
-                <a:ea typeface="宋体" panose="02010600030101010101" pitchFamily="2" charset="-122"/>
-              </a:defRPr>
-            </a:lvl8pPr>
-            <a:lvl9pPr marL="3886200" indent="-228600" eaLnBrk="0" fontAlgn="base" hangingPunct="0">
-              <a:spcBef>
-                <a:spcPct val="0"/>
-              </a:spcBef>
-              <a:spcAft>
-                <a:spcPct val="0"/>
-              </a:spcAft>
-              <a:defRPr>
-                <a:solidFill>
-                  <a:schemeClr val="tx1"/>
-                </a:solidFill>
-                <a:latin typeface="Arial" panose="020B0604020202020204"/>
-                <a:ea typeface="宋体" panose="02010600030101010101" pitchFamily="2" charset="-122"/>
-              </a:defRPr>
-            </a:lvl9pPr>
-          </a:lstStyle>
-          <a:p>
-            <a:pPr>
-              <a:defRPr/>
-            </a:pPr>
-            <a:r>
-              <a:rPr lang="zh-CN" altLang="en-US" sz="3600" b="1" kern="0">
-                <a:latin typeface="微软雅黑" panose="020B0503020204020204" pitchFamily="34" charset="-122"/>
-                <a:ea typeface="微软雅黑" panose="020B0503020204020204" pitchFamily="34" charset="-122"/>
-              </a:rPr>
-              <a:t>用户管理界面</a:t>
-            </a:r>
-            <a:r>
-              <a:rPr lang="en-US" altLang="zh-CN" sz="3600" b="1" kern="0">
-                <a:latin typeface="微软雅黑" panose="020B0503020204020204" pitchFamily="34" charset="-122"/>
-                <a:ea typeface="微软雅黑" panose="020B0503020204020204" pitchFamily="34" charset="-122"/>
-              </a:rPr>
-              <a:t>/ </a:t>
-            </a:r>
-            <a:endParaRPr lang="en-US" altLang="ko-KR" sz="2400" kern="0">
-              <a:solidFill>
-                <a:schemeClr val="tx1">
-                  <a:lumMod val="50000"/>
-                  <a:lumOff val="50000"/>
-                </a:schemeClr>
-              </a:solidFill>
-              <a:latin typeface="微软雅黑" panose="020B0503020204020204" pitchFamily="34" charset="-122"/>
-              <a:ea typeface="微软雅黑" panose="020B0503020204020204" pitchFamily="34" charset="-122"/>
-            </a:endParaRPr>
-          </a:p>
-        </p:txBody>
-      </p:sp>
-      <p:pic>
-        <p:nvPicPr>
-          <p:cNvPr id="27" name="图片 27" descr="4G1CO]6J}_Z`39RULEU)}1C"/>
-          <p:cNvPicPr>
-            <a:picLocks noChangeAspect="1"/>
-          </p:cNvPicPr>
-          <p:nvPr/>
-        </p:nvPicPr>
-        <p:blipFill>
-          <a:blip r:embed="rId1"/>
-          <a:stretch>
-            <a:fillRect/>
-          </a:stretch>
-        </p:blipFill>
-        <p:spPr>
-          <a:xfrm>
-            <a:off x="480695" y="1190625"/>
-            <a:ext cx="11158220" cy="4284980"/>
           </a:xfrm>
           <a:prstGeom prst="rect">
             <a:avLst/>
@@ -19970,10 +20279,6 @@
               </a:rPr>
               <a:t>为数据库，以Tomcat作为应用服务器开发的。目的是适应当今社会快节奏地生活，为人们提供更多便利。</a:t>
             </a:r>
-            <a:endParaRPr lang="zh-CN" altLang="en-US" spc="300">
-              <a:latin typeface="微软雅黑" panose="020B0503020204020204" pitchFamily="34" charset="-122"/>
-              <a:ea typeface="微软雅黑" panose="020B0503020204020204" pitchFamily="34" charset="-122"/>
-            </a:endParaRPr>
           </a:p>
           <a:p>
             <a:pPr algn="l">
@@ -20006,10 +20311,6 @@
               </a:rPr>
               <a:t>     </a:t>
             </a:r>
-            <a:endParaRPr lang="zh-CN" altLang="en-US" sz="1600" spc="300">
-              <a:latin typeface="微软雅黑" panose="020B0503020204020204" pitchFamily="34" charset="-122"/>
-              <a:ea typeface="微软雅黑" panose="020B0503020204020204" pitchFamily="34" charset="-122"/>
-            </a:endParaRPr>
           </a:p>
         </p:txBody>
       </p:sp>
@@ -20215,13 +20516,6 @@
                 </a:rPr>
                 <a:t>读书好，多读书，读好书。</a:t>
               </a:r>
-              <a:endParaRPr lang="zh-CN" altLang="en-US" sz="5000">
-                <a:solidFill>
-                  <a:schemeClr val="bg1"/>
-                </a:solidFill>
-                <a:latin typeface="陈继世-硬笔行书" panose="02010609030101010101" pitchFamily="49" charset="-122"/>
-                <a:ea typeface="陈继世-硬笔行书" panose="02010609030101010101" pitchFamily="49" charset="-122"/>
-              </a:endParaRPr>
             </a:p>
           </p:txBody>
         </p:sp>
@@ -20256,13 +20550,6 @@
                 </a:rPr>
                 <a:t>Good reading, read more books, read good books</a:t>
               </a:r>
-              <a:endParaRPr lang="zh-CN" altLang="en-US" sz="2200">
-                <a:solidFill>
-                  <a:schemeClr val="bg1"/>
-                </a:solidFill>
-                <a:latin typeface="陈继世-硬笔行书" panose="02010609030101010101" pitchFamily="49" charset="-122"/>
-                <a:ea typeface="陈继世-硬笔行书" panose="02010609030101010101" pitchFamily="49" charset="-122"/>
-              </a:endParaRPr>
             </a:p>
           </p:txBody>
         </p:sp>
@@ -20276,7 +20563,7 @@
           <p:nvPr/>
         </p:nvPicPr>
         <p:blipFill>
-          <a:blip r:embed="rId1"/>
+          <a:blip r:embed="rId3"/>
           <a:srcRect l="100" t="-1533" r="74513"/>
           <a:stretch>
             <a:fillRect/>
@@ -20816,7 +21103,7 @@
                 <a:latin typeface="微软雅黑" panose="020B0503020204020204" pitchFamily="34" charset="-122"/>
                 <a:ea typeface="微软雅黑" panose="020B0503020204020204" pitchFamily="34" charset="-122"/>
               </a:rPr>
-              <a:t>部门管理界面</a:t>
+              <a:t>用户管理界面</a:t>
             </a:r>
             <a:r>
               <a:rPr lang="en-US" altLang="zh-CN" sz="3600" b="1" kern="0">
@@ -20840,22 +21127,22 @@
       </p:sp>
       <p:pic>
         <p:nvPicPr>
-          <p:cNvPr id="28" name="图片 28" descr="C$%0YFVN5F98@7S(K1H3BSR"/>
+          <p:cNvPr id="27" name="图片 27" descr="4G1CO]6J}_Z`39RULEU)}1C"/>
           <p:cNvPicPr>
             <a:picLocks noChangeAspect="1"/>
           </p:cNvPicPr>
           <p:nvPr/>
         </p:nvPicPr>
         <p:blipFill>
-          <a:blip r:embed="rId1"/>
+          <a:blip r:embed="rId3"/>
           <a:stretch>
             <a:fillRect/>
           </a:stretch>
         </p:blipFill>
         <p:spPr>
           <a:xfrm>
-            <a:off x="520065" y="1235710"/>
-            <a:ext cx="11132820" cy="4296410"/>
+            <a:off x="480695" y="1190625"/>
+            <a:ext cx="11158220" cy="4284980"/>
           </a:xfrm>
           <a:prstGeom prst="rect">
             <a:avLst/>
@@ -21120,7 +21407,7 @@
                 <a:latin typeface="微软雅黑" panose="020B0503020204020204" pitchFamily="34" charset="-122"/>
                 <a:ea typeface="微软雅黑" panose="020B0503020204020204" pitchFamily="34" charset="-122"/>
               </a:rPr>
-              <a:t>员工管理界面</a:t>
+              <a:t>部门管理界面</a:t>
             </a:r>
             <a:r>
               <a:rPr lang="en-US" altLang="zh-CN" sz="3600" b="1" kern="0">
@@ -21144,22 +21431,22 @@
       </p:sp>
       <p:pic>
         <p:nvPicPr>
-          <p:cNvPr id="29" name="图片 29" descr="77`$%E~N1U$Q4QJ0(XU%SH7"/>
+          <p:cNvPr id="28" name="图片 28" descr="C$%0YFVN5F98@7S(K1H3BSR"/>
           <p:cNvPicPr>
             <a:picLocks noChangeAspect="1"/>
           </p:cNvPicPr>
           <p:nvPr/>
         </p:nvPicPr>
         <p:blipFill>
-          <a:blip r:embed="rId1"/>
+          <a:blip r:embed="rId3"/>
           <a:stretch>
             <a:fillRect/>
           </a:stretch>
         </p:blipFill>
         <p:spPr>
           <a:xfrm>
-            <a:off x="588010" y="1225550"/>
-            <a:ext cx="11026140" cy="4126865"/>
+            <a:off x="520065" y="1235710"/>
+            <a:ext cx="11132820" cy="4296410"/>
           </a:xfrm>
           <a:prstGeom prst="rect">
             <a:avLst/>
@@ -21424,7 +21711,7 @@
                 <a:latin typeface="微软雅黑" panose="020B0503020204020204" pitchFamily="34" charset="-122"/>
                 <a:ea typeface="微软雅黑" panose="020B0503020204020204" pitchFamily="34" charset="-122"/>
               </a:rPr>
-              <a:t>资产类别管理界面</a:t>
+              <a:t>员工管理界面</a:t>
             </a:r>
             <a:r>
               <a:rPr lang="en-US" altLang="zh-CN" sz="3600" b="1" kern="0">
@@ -21448,22 +21735,22 @@
       </p:sp>
       <p:pic>
         <p:nvPicPr>
-          <p:cNvPr id="30" name="图片 30" descr="TRU$AU)T034XXIJYMFP}FXU"/>
+          <p:cNvPr id="29" name="图片 29" descr="77`$%E~N1U$Q4QJ0(XU%SH7"/>
           <p:cNvPicPr>
             <a:picLocks noChangeAspect="1"/>
           </p:cNvPicPr>
           <p:nvPr/>
         </p:nvPicPr>
         <p:blipFill>
-          <a:blip r:embed="rId1"/>
+          <a:blip r:embed="rId3"/>
           <a:stretch>
             <a:fillRect/>
           </a:stretch>
         </p:blipFill>
         <p:spPr>
           <a:xfrm>
-            <a:off x="520700" y="1218565"/>
-            <a:ext cx="11166475" cy="4171315"/>
+            <a:off x="588010" y="1225550"/>
+            <a:ext cx="11026140" cy="4126865"/>
           </a:xfrm>
           <a:prstGeom prst="rect">
             <a:avLst/>
@@ -21728,7 +22015,7 @@
                 <a:latin typeface="微软雅黑" panose="020B0503020204020204" pitchFamily="34" charset="-122"/>
                 <a:ea typeface="微软雅黑" panose="020B0503020204020204" pitchFamily="34" charset="-122"/>
               </a:rPr>
-              <a:t>资产信息管理界面</a:t>
+              <a:t>资产类别管理界面</a:t>
             </a:r>
             <a:r>
               <a:rPr lang="en-US" altLang="zh-CN" sz="3600" b="1" kern="0">
@@ -21752,22 +22039,22 @@
       </p:sp>
       <p:pic>
         <p:nvPicPr>
-          <p:cNvPr id="31" name="图片 31" descr="4FJGMFJ1CI5E9I`8VU])HBX"/>
+          <p:cNvPr id="30" name="图片 30" descr="TRU$AU)T034XXIJYMFP}FXU"/>
           <p:cNvPicPr>
             <a:picLocks noChangeAspect="1"/>
           </p:cNvPicPr>
           <p:nvPr/>
         </p:nvPicPr>
         <p:blipFill>
-          <a:blip r:embed="rId1"/>
+          <a:blip r:embed="rId3"/>
           <a:stretch>
             <a:fillRect/>
           </a:stretch>
         </p:blipFill>
         <p:spPr>
           <a:xfrm>
-            <a:off x="548005" y="1333500"/>
-            <a:ext cx="11057255" cy="4230370"/>
+            <a:off x="520700" y="1218565"/>
+            <a:ext cx="11166475" cy="4171315"/>
           </a:xfrm>
           <a:prstGeom prst="rect">
             <a:avLst/>
@@ -22032,7 +22319,7 @@
                 <a:latin typeface="微软雅黑" panose="020B0503020204020204" pitchFamily="34" charset="-122"/>
                 <a:ea typeface="微软雅黑" panose="020B0503020204020204" pitchFamily="34" charset="-122"/>
               </a:rPr>
-              <a:t>资产维修管理界面</a:t>
+              <a:t>资产信息管理界面</a:t>
             </a:r>
             <a:r>
               <a:rPr lang="en-US" altLang="zh-CN" sz="3600" b="1" kern="0">
@@ -22056,22 +22343,22 @@
       </p:sp>
       <p:pic>
         <p:nvPicPr>
-          <p:cNvPr id="33" name="图片 33" descr="EATI{Q`Q%ZP_VMWC9OKHI6Y"/>
+          <p:cNvPr id="31" name="图片 31" descr="4FJGMFJ1CI5E9I`8VU])HBX"/>
           <p:cNvPicPr>
             <a:picLocks noChangeAspect="1"/>
           </p:cNvPicPr>
           <p:nvPr/>
         </p:nvPicPr>
         <p:blipFill>
-          <a:blip r:embed="rId1"/>
+          <a:blip r:embed="rId3"/>
           <a:stretch>
             <a:fillRect/>
           </a:stretch>
         </p:blipFill>
         <p:spPr>
           <a:xfrm>
-            <a:off x="610870" y="1260475"/>
-            <a:ext cx="10959465" cy="4126865"/>
+            <a:off x="548005" y="1333500"/>
+            <a:ext cx="11057255" cy="4230370"/>
           </a:xfrm>
           <a:prstGeom prst="rect">
             <a:avLst/>
@@ -22336,7 +22623,7 @@
                 <a:latin typeface="微软雅黑" panose="020B0503020204020204" pitchFamily="34" charset="-122"/>
                 <a:ea typeface="微软雅黑" panose="020B0503020204020204" pitchFamily="34" charset="-122"/>
               </a:rPr>
-              <a:t>资产报废管理界面</a:t>
+              <a:t>资产维修管理界面</a:t>
             </a:r>
             <a:r>
               <a:rPr lang="en-US" altLang="zh-CN" sz="3600" b="1" kern="0">
@@ -22367,15 +22654,15 @@
           <p:nvPr/>
         </p:nvPicPr>
         <p:blipFill>
-          <a:blip r:embed="rId1"/>
+          <a:blip r:embed="rId3"/>
           <a:stretch>
             <a:fillRect/>
           </a:stretch>
         </p:blipFill>
         <p:spPr>
           <a:xfrm>
-            <a:off x="550545" y="1220470"/>
-            <a:ext cx="11121390" cy="4187825"/>
+            <a:off x="610870" y="1260475"/>
+            <a:ext cx="10959465" cy="4126865"/>
           </a:xfrm>
           <a:prstGeom prst="rect">
             <a:avLst/>
@@ -22501,6 +22788,310 @@
       </p:grpSpPr>
       <p:sp>
         <p:nvSpPr>
+          <p:cNvPr id="3" name="TextBox 59"/>
+          <p:cNvSpPr txBox="1">
+            <a:spLocks noChangeArrowheads="1"/>
+          </p:cNvSpPr>
+          <p:nvPr/>
+        </p:nvSpPr>
+        <p:spPr bwMode="auto">
+          <a:xfrm flipH="1">
+            <a:off x="1343480" y="442201"/>
+            <a:ext cx="8777256" cy="645160"/>
+          </a:xfrm>
+          <a:prstGeom prst="rect">
+            <a:avLst/>
+          </a:prstGeom>
+          <a:noFill/>
+          <a:ln>
+            <a:noFill/>
+          </a:ln>
+        </p:spPr>
+        <p:txBody>
+          <a:bodyPr wrap="square">
+            <a:spAutoFit/>
+          </a:bodyPr>
+          <a:lstStyle>
+            <a:lvl1pPr eaLnBrk="0" hangingPunct="0">
+              <a:defRPr>
+                <a:solidFill>
+                  <a:schemeClr val="tx1"/>
+                </a:solidFill>
+                <a:latin typeface="Arial" panose="020B0604020202020204"/>
+                <a:ea typeface="宋体" panose="02010600030101010101" pitchFamily="2" charset="-122"/>
+              </a:defRPr>
+            </a:lvl1pPr>
+            <a:lvl2pPr marL="742950" indent="-285750" eaLnBrk="0" hangingPunct="0">
+              <a:defRPr>
+                <a:solidFill>
+                  <a:schemeClr val="tx1"/>
+                </a:solidFill>
+                <a:latin typeface="Arial" panose="020B0604020202020204"/>
+                <a:ea typeface="宋体" panose="02010600030101010101" pitchFamily="2" charset="-122"/>
+              </a:defRPr>
+            </a:lvl2pPr>
+            <a:lvl3pPr marL="1143000" indent="-228600" eaLnBrk="0" hangingPunct="0">
+              <a:defRPr>
+                <a:solidFill>
+                  <a:schemeClr val="tx1"/>
+                </a:solidFill>
+                <a:latin typeface="Arial" panose="020B0604020202020204"/>
+                <a:ea typeface="宋体" panose="02010600030101010101" pitchFamily="2" charset="-122"/>
+              </a:defRPr>
+            </a:lvl3pPr>
+            <a:lvl4pPr marL="1600200" indent="-228600" eaLnBrk="0" hangingPunct="0">
+              <a:defRPr>
+                <a:solidFill>
+                  <a:schemeClr val="tx1"/>
+                </a:solidFill>
+                <a:latin typeface="Arial" panose="020B0604020202020204"/>
+                <a:ea typeface="宋体" panose="02010600030101010101" pitchFamily="2" charset="-122"/>
+              </a:defRPr>
+            </a:lvl4pPr>
+            <a:lvl5pPr marL="2057400" indent="-228600" eaLnBrk="0" hangingPunct="0">
+              <a:defRPr>
+                <a:solidFill>
+                  <a:schemeClr val="tx1"/>
+                </a:solidFill>
+                <a:latin typeface="Arial" panose="020B0604020202020204"/>
+                <a:ea typeface="宋体" panose="02010600030101010101" pitchFamily="2" charset="-122"/>
+              </a:defRPr>
+            </a:lvl5pPr>
+            <a:lvl6pPr marL="2514600" indent="-228600" eaLnBrk="0" fontAlgn="base" hangingPunct="0">
+              <a:spcBef>
+                <a:spcPct val="0"/>
+              </a:spcBef>
+              <a:spcAft>
+                <a:spcPct val="0"/>
+              </a:spcAft>
+              <a:defRPr>
+                <a:solidFill>
+                  <a:schemeClr val="tx1"/>
+                </a:solidFill>
+                <a:latin typeface="Arial" panose="020B0604020202020204"/>
+                <a:ea typeface="宋体" panose="02010600030101010101" pitchFamily="2" charset="-122"/>
+              </a:defRPr>
+            </a:lvl6pPr>
+            <a:lvl7pPr marL="2971800" indent="-228600" eaLnBrk="0" fontAlgn="base" hangingPunct="0">
+              <a:spcBef>
+                <a:spcPct val="0"/>
+              </a:spcBef>
+              <a:spcAft>
+                <a:spcPct val="0"/>
+              </a:spcAft>
+              <a:defRPr>
+                <a:solidFill>
+                  <a:schemeClr val="tx1"/>
+                </a:solidFill>
+                <a:latin typeface="Arial" panose="020B0604020202020204"/>
+                <a:ea typeface="宋体" panose="02010600030101010101" pitchFamily="2" charset="-122"/>
+              </a:defRPr>
+            </a:lvl7pPr>
+            <a:lvl8pPr marL="3429000" indent="-228600" eaLnBrk="0" fontAlgn="base" hangingPunct="0">
+              <a:spcBef>
+                <a:spcPct val="0"/>
+              </a:spcBef>
+              <a:spcAft>
+                <a:spcPct val="0"/>
+              </a:spcAft>
+              <a:defRPr>
+                <a:solidFill>
+                  <a:schemeClr val="tx1"/>
+                </a:solidFill>
+                <a:latin typeface="Arial" panose="020B0604020202020204"/>
+                <a:ea typeface="宋体" panose="02010600030101010101" pitchFamily="2" charset="-122"/>
+              </a:defRPr>
+            </a:lvl8pPr>
+            <a:lvl9pPr marL="3886200" indent="-228600" eaLnBrk="0" fontAlgn="base" hangingPunct="0">
+              <a:spcBef>
+                <a:spcPct val="0"/>
+              </a:spcBef>
+              <a:spcAft>
+                <a:spcPct val="0"/>
+              </a:spcAft>
+              <a:defRPr>
+                <a:solidFill>
+                  <a:schemeClr val="tx1"/>
+                </a:solidFill>
+                <a:latin typeface="Arial" panose="020B0604020202020204"/>
+                <a:ea typeface="宋体" panose="02010600030101010101" pitchFamily="2" charset="-122"/>
+              </a:defRPr>
+            </a:lvl9pPr>
+          </a:lstStyle>
+          <a:p>
+            <a:pPr>
+              <a:defRPr/>
+            </a:pPr>
+            <a:r>
+              <a:rPr lang="zh-CN" altLang="en-US" sz="3600" b="1" kern="0">
+                <a:latin typeface="微软雅黑" panose="020B0503020204020204" pitchFamily="34" charset="-122"/>
+                <a:ea typeface="微软雅黑" panose="020B0503020204020204" pitchFamily="34" charset="-122"/>
+              </a:rPr>
+              <a:t>资产报废管理界面</a:t>
+            </a:r>
+            <a:r>
+              <a:rPr lang="en-US" altLang="zh-CN" sz="3600" b="1" kern="0">
+                <a:latin typeface="微软雅黑" panose="020B0503020204020204" pitchFamily="34" charset="-122"/>
+                <a:ea typeface="微软雅黑" panose="020B0503020204020204" pitchFamily="34" charset="-122"/>
+              </a:rPr>
+              <a:t>/ </a:t>
+            </a:r>
+            <a:endParaRPr lang="en-US" altLang="ko-KR" sz="2400" kern="0">
+              <a:solidFill>
+                <a:schemeClr val="tx1">
+                  <a:lumMod val="50000"/>
+                  <a:lumOff val="50000"/>
+                </a:schemeClr>
+              </a:solidFill>
+              <a:latin typeface="微软雅黑" panose="020B0503020204020204" pitchFamily="34" charset="-122"/>
+              <a:ea typeface="微软雅黑" panose="020B0503020204020204" pitchFamily="34" charset="-122"/>
+            </a:endParaRPr>
+          </a:p>
+        </p:txBody>
+      </p:sp>
+      <p:pic>
+        <p:nvPicPr>
+          <p:cNvPr id="33" name="图片 33" descr="EATI{Q`Q%ZP_VMWC9OKHI6Y"/>
+          <p:cNvPicPr>
+            <a:picLocks noChangeAspect="1"/>
+          </p:cNvPicPr>
+          <p:nvPr/>
+        </p:nvPicPr>
+        <p:blipFill>
+          <a:blip r:embed="rId3"/>
+          <a:stretch>
+            <a:fillRect/>
+          </a:stretch>
+        </p:blipFill>
+        <p:spPr>
+          <a:xfrm>
+            <a:off x="550545" y="1220470"/>
+            <a:ext cx="11121390" cy="4187825"/>
+          </a:xfrm>
+          <a:prstGeom prst="rect">
+            <a:avLst/>
+          </a:prstGeom>
+        </p:spPr>
+      </p:pic>
+    </p:spTree>
+  </p:cSld>
+  <p:clrMapOvr>
+    <a:masterClrMapping/>
+  </p:clrMapOvr>
+  <p:transition spd="med" advClick="0" advTm="0">
+    <p:pull/>
+  </p:transition>
+  <p:timing>
+    <p:tnLst>
+      <p:par>
+        <p:cTn id="1" dur="indefinite" restart="never" nodeType="tmRoot">
+          <p:childTnLst>
+            <p:seq concurrent="1" nextAc="seek">
+              <p:cTn id="2" dur="indefinite" nodeType="mainSeq">
+                <p:childTnLst>
+                  <p:par>
+                    <p:cTn id="3" fill="hold">
+                      <p:stCondLst>
+                        <p:cond delay="indefinite"/>
+                        <p:cond evt="onBegin" delay="0">
+                          <p:tn val="2"/>
+                        </p:cond>
+                      </p:stCondLst>
+                      <p:childTnLst>
+                        <p:par>
+                          <p:cTn id="4" fill="hold">
+                            <p:stCondLst>
+                              <p:cond delay="0"/>
+                            </p:stCondLst>
+                            <p:childTnLst>
+                              <p:par>
+                                <p:cTn id="5" presetID="22" presetClass="entr" presetSubtype="8" fill="hold" grpId="0" nodeType="afterEffect">
+                                  <p:stCondLst>
+                                    <p:cond delay="0"/>
+                                  </p:stCondLst>
+                                  <p:childTnLst>
+                                    <p:set>
+                                      <p:cBhvr>
+                                        <p:cTn id="6" dur="1" fill="hold">
+                                          <p:stCondLst>
+                                            <p:cond delay="0"/>
+                                          </p:stCondLst>
+                                        </p:cTn>
+                                        <p:tgtEl>
+                                          <p:spTgt spid="3"/>
+                                        </p:tgtEl>
+                                        <p:attrNameLst>
+                                          <p:attrName>style.visibility</p:attrName>
+                                        </p:attrNameLst>
+                                      </p:cBhvr>
+                                      <p:to>
+                                        <p:strVal val="visible"/>
+                                      </p:to>
+                                    </p:set>
+                                    <p:animEffect transition="in" filter="wipe(left)">
+                                      <p:cBhvr>
+                                        <p:cTn id="7" dur="1000"/>
+                                        <p:tgtEl>
+                                          <p:spTgt spid="3"/>
+                                        </p:tgtEl>
+                                      </p:cBhvr>
+                                    </p:animEffect>
+                                  </p:childTnLst>
+                                </p:cTn>
+                              </p:par>
+                            </p:childTnLst>
+                          </p:cTn>
+                        </p:par>
+                      </p:childTnLst>
+                    </p:cTn>
+                  </p:par>
+                </p:childTnLst>
+              </p:cTn>
+              <p:prevCondLst>
+                <p:cond evt="onPrev" delay="0">
+                  <p:tgtEl>
+                    <p:sldTgt/>
+                  </p:tgtEl>
+                </p:cond>
+              </p:prevCondLst>
+              <p:nextCondLst>
+                <p:cond evt="onNext" delay="0">
+                  <p:tgtEl>
+                    <p:sldTgt/>
+                  </p:tgtEl>
+                </p:cond>
+              </p:nextCondLst>
+            </p:seq>
+          </p:childTnLst>
+        </p:cTn>
+      </p:par>
+    </p:tnLst>
+    <p:bldLst>
+      <p:bldP spid="3" grpId="0"/>
+    </p:bldLst>
+  </p:timing>
+</p:sld>
+</file>
+
+<file path=ppt/slides/slide27.xml><?xml version="1.0" encoding="utf-8"?>
+<p:sld xmlns:a="http://schemas.openxmlformats.org/drawingml/2006/main" xmlns:r="http://schemas.openxmlformats.org/officeDocument/2006/relationships" xmlns:p="http://schemas.openxmlformats.org/presentationml/2006/main">
+  <p:cSld>
+    <p:spTree>
+      <p:nvGrpSpPr>
+        <p:cNvPr id="1" name=""/>
+        <p:cNvGrpSpPr/>
+        <p:nvPr/>
+      </p:nvGrpSpPr>
+      <p:grpSpPr>
+        <a:xfrm>
+          <a:off x="0" y="0"/>
+          <a:ext cx="0" cy="0"/>
+          <a:chOff x="0" y="0"/>
+          <a:chExt cx="0" cy="0"/>
+        </a:xfrm>
+      </p:grpSpPr>
+      <p:sp>
+        <p:nvSpPr>
           <p:cNvPr id="17" name="矩形 16"/>
           <p:cNvSpPr/>
           <p:nvPr/>
@@ -22580,13 +23171,6 @@
               </a:rPr>
               <a:t>谢谢观看</a:t>
             </a:r>
-            <a:endParaRPr lang="zh-CN" altLang="en-US" sz="5500" b="1" spc="800">
-              <a:solidFill>
-                <a:srgbClr val="1589BD"/>
-              </a:solidFill>
-              <a:latin typeface="微软雅黑" panose="020B0503020204020204" pitchFamily="34" charset="-122"/>
-              <a:ea typeface="微软雅黑" panose="020B0503020204020204" pitchFamily="34" charset="-122"/>
-            </a:endParaRPr>
           </a:p>
         </p:txBody>
       </p:sp>
@@ -22599,7 +23183,7 @@
           <p:nvPr/>
         </p:nvPicPr>
         <p:blipFill>
-          <a:blip r:embed="rId1"/>
+          <a:blip r:embed="rId3"/>
           <a:srcRect l="100" t="-1533" r="74513"/>
           <a:stretch>
             <a:fillRect/>
@@ -22620,13 +23204,13 @@
   <p:clrMapOvr>
     <a:masterClrMapping/>
   </p:clrMapOvr>
-  <mc:AlternateContent xmlns:mc="http://schemas.openxmlformats.org/markup-compatibility/2006">
-    <mc:Choice xmlns:p14="http://schemas.microsoft.com/office/powerpoint/2010/main" Requires="p14">
+  <mc:AlternateContent xmlns:mc="http://schemas.openxmlformats.org/markup-compatibility/2006" xmlns:p14="http://schemas.microsoft.com/office/powerpoint/2010/main">
+    <mc:Choice Requires="p14">
       <p:transition spd="slow" p14:dur="3000" advClick="0" advTm="0">
         <p14:shred/>
       </p:transition>
     </mc:Choice>
-    <mc:Fallback>
+    <mc:Fallback xmlns="">
       <p:transition spd="slow" advClick="0" advTm="0">
         <p:fade/>
       </p:transition>
@@ -23065,7 +23649,6 @@
               <a:rPr lang="zh-CN" altLang="en-US"/>
               <a:t>延时符</a:t>
             </a:r>
-            <a:endParaRPr lang="zh-CN" altLang="en-US"/>
           </a:p>
         </p:txBody>
       </p:sp>
@@ -23219,9 +23802,6 @@
               </a:rPr>
               <a:t>06</a:t>
             </a:r>
-            <a:endParaRPr lang="en-US" sz="3200">
-              <a:latin typeface="Impact" panose="020B0806030902050204" pitchFamily="34" charset="0"/>
-            </a:endParaRPr>
           </a:p>
         </p:txBody>
       </p:sp>
@@ -23273,9 +23853,6 @@
               </a:rPr>
               <a:t>05</a:t>
             </a:r>
-            <a:endParaRPr lang="en-US" sz="3200">
-              <a:latin typeface="Impact" panose="020B0806030902050204" pitchFamily="34" charset="0"/>
-            </a:endParaRPr>
           </a:p>
         </p:txBody>
       </p:sp>
@@ -23327,9 +23904,6 @@
               </a:rPr>
               <a:t>0 4</a:t>
             </a:r>
-            <a:endParaRPr lang="en-US" sz="3200">
-              <a:latin typeface="Impact" panose="020B0806030902050204" pitchFamily="34" charset="0"/>
-            </a:endParaRPr>
           </a:p>
         </p:txBody>
       </p:sp>
@@ -23381,9 +23955,6 @@
               </a:rPr>
               <a:t>02</a:t>
             </a:r>
-            <a:endParaRPr lang="en-US" sz="3200">
-              <a:latin typeface="Impact" panose="020B0806030902050204" pitchFamily="34" charset="0"/>
-            </a:endParaRPr>
           </a:p>
         </p:txBody>
       </p:sp>
@@ -23435,9 +24006,6 @@
               </a:rPr>
               <a:t>03</a:t>
             </a:r>
-            <a:endParaRPr lang="en-US" sz="3200">
-              <a:latin typeface="Impact" panose="020B0806030902050204" pitchFamily="34" charset="0"/>
-            </a:endParaRPr>
           </a:p>
         </p:txBody>
       </p:sp>
@@ -23806,13 +24374,6 @@
               </a:rPr>
               <a:t>系统的实现步骤</a:t>
             </a:r>
-            <a:endParaRPr lang="zh-CN" altLang="en-US" sz="2500" b="1" spc="300">
-              <a:solidFill>
-                <a:schemeClr val="tx1"/>
-              </a:solidFill>
-              <a:latin typeface="+mj-ea"/>
-              <a:ea typeface="+mj-ea"/>
-            </a:endParaRPr>
           </a:p>
         </p:txBody>
       </p:sp>
@@ -23908,16 +24469,6 @@
               </a:rPr>
               <a:t>开发流程 </a:t>
             </a:r>
-            <a:endParaRPr lang="zh-CN" altLang="en-US" sz="2500" b="1" spc="300">
-              <a:solidFill>
-                <a:schemeClr val="tx1">
-                  <a:lumMod val="85000"/>
-                  <a:lumOff val="15000"/>
-                </a:schemeClr>
-              </a:solidFill>
-              <a:latin typeface="+mj-ea"/>
-              <a:ea typeface="+mj-ea"/>
-            </a:endParaRPr>
           </a:p>
           <a:p>
             <a:endParaRPr lang="en-US" sz="1000" spc="300">
@@ -23966,16 +24517,6 @@
               </a:rPr>
               <a:t>技术支持 </a:t>
             </a:r>
-            <a:endParaRPr lang="zh-CN" altLang="en-US" sz="2500" b="1" spc="300">
-              <a:solidFill>
-                <a:schemeClr val="tx1">
-                  <a:lumMod val="85000"/>
-                  <a:lumOff val="15000"/>
-                </a:schemeClr>
-              </a:solidFill>
-              <a:latin typeface="+mj-ea"/>
-              <a:ea typeface="+mj-ea"/>
-            </a:endParaRPr>
           </a:p>
           <a:p>
             <a:endParaRPr lang="en-US" sz="1000" spc="300">
@@ -24104,7 +24645,7 @@
           <p:nvPr/>
         </p:nvPicPr>
         <p:blipFill>
-          <a:blip r:embed="rId1"/>
+          <a:blip r:embed="rId3"/>
           <a:srcRect l="100" t="-1533" r="74513"/>
           <a:stretch>
             <a:fillRect/>
@@ -24125,13 +24666,13 @@
   <p:clrMapOvr>
     <a:masterClrMapping/>
   </p:clrMapOvr>
-  <mc:AlternateContent xmlns:mc="http://schemas.openxmlformats.org/markup-compatibility/2006">
-    <mc:Choice xmlns:p14="http://schemas.microsoft.com/office/powerpoint/2010/main" Requires="p14">
+  <mc:AlternateContent xmlns:mc="http://schemas.openxmlformats.org/markup-compatibility/2006" xmlns:p14="http://schemas.microsoft.com/office/powerpoint/2010/main">
+    <mc:Choice Requires="p14">
       <p:transition spd="slow" p14:dur="1250" advClick="0" advTm="0">
         <p14:switch dir="r"/>
       </p:transition>
     </mc:Choice>
-    <mc:Fallback>
+    <mc:Fallback xmlns="">
       <p:transition spd="slow" advClick="0" advTm="0">
         <p:fade/>
       </p:transition>
@@ -26261,13 +26802,13 @@
     <p:bldLst>
       <p:bldP spid="3" grpId="0"/>
       <p:bldP spid="20" grpId="0"/>
-      <p:bldP spid="21" grpId="0" animBg="1" build="p"/>
-      <p:bldP spid="22" grpId="0" animBg="1" build="p"/>
-      <p:bldP spid="23" grpId="0" animBg="1" build="p"/>
-      <p:bldP spid="24" grpId="0" animBg="1" build="p"/>
-      <p:bldP spid="25" grpId="0" animBg="1" build="p"/>
-      <p:bldP spid="26" grpId="0" animBg="1" build="p"/>
-      <p:bldP spid="27" grpId="0" animBg="1" build="p"/>
+      <p:bldP spid="21" grpId="0" build="p" animBg="1"/>
+      <p:bldP spid="22" grpId="0" build="p" animBg="1"/>
+      <p:bldP spid="23" grpId="0" build="p" animBg="1"/>
+      <p:bldP spid="24" grpId="0" build="p" animBg="1"/>
+      <p:bldP spid="25" grpId="0" build="p" animBg="1"/>
+      <p:bldP spid="26" grpId="0" build="p" animBg="1"/>
+      <p:bldP spid="27" grpId="0" build="p" animBg="1"/>
       <p:bldP spid="39" grpId="0"/>
       <p:bldP spid="42" grpId="0"/>
       <p:bldP spid="45" grpId="0"/>
@@ -26305,7 +26846,7 @@
           <p:nvPr/>
         </p:nvPicPr>
         <p:blipFill>
-          <a:blip r:embed="rId1">
+          <a:blip r:embed="rId3">
             <a:extLst>
               <a:ext uri="{28A0092B-C50C-407E-A947-70E740481C1C}">
                 <a14:useLocalDpi xmlns:a14="http://schemas.microsoft.com/office/drawing/2010/main" val="0"/>
@@ -26380,7 +26921,7 @@
           <p:nvPr/>
         </p:nvPicPr>
         <p:blipFill>
-          <a:blip r:embed="rId2"/>
+          <a:blip r:embed="rId4"/>
           <a:srcRect l="100" t="-1533" r="74513"/>
           <a:stretch>
             <a:fillRect/>
@@ -26401,13 +26942,13 @@
   <p:clrMapOvr>
     <a:masterClrMapping/>
   </p:clrMapOvr>
-  <mc:AlternateContent xmlns:mc="http://schemas.openxmlformats.org/markup-compatibility/2006">
-    <mc:Choice xmlns:p14="http://schemas.microsoft.com/office/powerpoint/2010/main" Requires="p14">
+  <mc:AlternateContent xmlns:mc="http://schemas.openxmlformats.org/markup-compatibility/2006" xmlns:p14="http://schemas.microsoft.com/office/powerpoint/2010/main">
+    <mc:Choice Requires="p14">
       <p:transition spd="slow" p14:dur="4000" advClick="0" advTm="0">
         <p14:vortex dir="r"/>
       </p:transition>
     </mc:Choice>
-    <mc:Fallback>
+    <mc:Fallback xmlns="">
       <p:transition spd="slow" advClick="0" advTm="0">
         <p:fade/>
       </p:transition>
@@ -26756,6 +27297,7 @@
           <a:bodyPr wrap="square" rtlCol="0">
             <a:spAutoFit/>
           </a:bodyPr>
+          <a:lstStyle/>
           <a:p>
             <a:pPr indent="457200" fontAlgn="auto">
               <a:lnSpc>
@@ -26766,7 +27308,6 @@
               <a:rPr lang="zh-CN" altLang="en-US"/>
               <a:t>项目来自企业实际某油田公司存在如下问题：</a:t>
             </a:r>
-            <a:endParaRPr lang="zh-CN" altLang="en-US"/>
           </a:p>
           <a:p>
             <a:pPr indent="457200" fontAlgn="auto">
@@ -26778,7 +27319,6 @@
               <a:rPr lang="zh-CN" altLang="en-US"/>
               <a:t>一是固定资产具有数量大、种类多、价值高、使用周期长、使用地点分散等特点，管理难度大。二是很多单位目前仍然依赖手工记账的管理方式，由于管理单据众多、盘点工作繁重，需占用大量的人力物力，而且固定资产的历史操作和资产统计工作异常困难，导致资产流失和资产重复购置，使单位成本大幅增加。三是存在账、卡、物不相符合，难于满足现代管理的需要，由于缺乏有效的资产实物的日常管理手段，即使单位花大力气进行了资产清查，没多久，账实不符的情况又会重新出现，因此，必须有一套有效的管理手段对实物进行管理。四是固定资产缺乏中间跟踪管理，没有固定资产的历史记录，如安装、移动、调拨、报废、维修等。</a:t>
             </a:r>
-            <a:endParaRPr lang="zh-CN" altLang="en-US"/>
           </a:p>
         </p:txBody>
       </p:sp>
@@ -26787,13 +27327,13 @@
   <p:clrMapOvr>
     <a:masterClrMapping/>
   </p:clrMapOvr>
-  <mc:AlternateContent xmlns:mc="http://schemas.openxmlformats.org/markup-compatibility/2006">
-    <mc:Choice xmlns:p14="http://schemas.microsoft.com/office/powerpoint/2010/main" Requires="p14">
+  <mc:AlternateContent xmlns:mc="http://schemas.openxmlformats.org/markup-compatibility/2006" xmlns:p14="http://schemas.microsoft.com/office/powerpoint/2010/main">
+    <mc:Choice Requires="p14">
       <p:transition spd="slow" p14:dur="3400" advClick="0" advTm="0">
         <p14:reveal/>
       </p:transition>
     </mc:Choice>
-    <mc:Fallback>
+    <mc:Fallback xmlns="">
       <p:transition spd="slow" advClick="0" advTm="0">
         <p:fade/>
       </p:transition>
@@ -26917,7 +27457,7 @@
           <p:nvPr/>
         </p:nvPicPr>
         <p:blipFill>
-          <a:blip r:embed="rId1">
+          <a:blip r:embed="rId3">
             <a:extLst>
               <a:ext uri="{28A0092B-C50C-407E-A947-70E740481C1C}">
                 <a14:useLocalDpi xmlns:a14="http://schemas.microsoft.com/office/drawing/2010/main" val="0"/>
@@ -26990,7 +27530,7 @@
           <p:nvPr/>
         </p:nvPicPr>
         <p:blipFill>
-          <a:blip r:embed="rId2"/>
+          <a:blip r:embed="rId4"/>
           <a:srcRect l="100" t="-1533" r="74513"/>
           <a:stretch>
             <a:fillRect/>
@@ -27011,13 +27551,13 @@
   <p:clrMapOvr>
     <a:masterClrMapping/>
   </p:clrMapOvr>
-  <mc:AlternateContent xmlns:mc="http://schemas.openxmlformats.org/markup-compatibility/2006">
-    <mc:Choice xmlns:p14="http://schemas.microsoft.com/office/powerpoint/2010/main" Requires="p14">
+  <mc:AlternateContent xmlns:mc="http://schemas.openxmlformats.org/markup-compatibility/2006" xmlns:p14="http://schemas.microsoft.com/office/powerpoint/2010/main">
+    <mc:Choice Requires="p14">
       <p:transition spd="slow" p14:dur="4000" advClick="0" advTm="0">
         <p14:vortex dir="r"/>
       </p:transition>
     </mc:Choice>
-    <mc:Fallback>
+    <mc:Fallback xmlns="">
       <p:transition spd="slow" advClick="0" advTm="0">
         <p:fade/>
       </p:transition>
@@ -27329,13 +27869,6 @@
               </a:rPr>
               <a:t>/</a:t>
             </a:r>
-            <a:endParaRPr lang="en-US" altLang="zh-CN" sz="3600" b="1" kern="0">
-              <a:solidFill>
-                <a:schemeClr val="tx1"/>
-              </a:solidFill>
-              <a:latin typeface="微软雅黑" panose="020B0503020204020204" pitchFamily="34" charset="-122"/>
-              <a:ea typeface="微软雅黑" panose="020B0503020204020204" pitchFamily="34" charset="-122"/>
-            </a:endParaRPr>
           </a:p>
         </p:txBody>
       </p:sp>
@@ -28362,17 +28895,6 @@
               </a:rPr>
               <a:t>相关资料收集</a:t>
             </a:r>
-            <a:endParaRPr lang="zh-CN" altLang="bg-BG" sz="2000" spc="600">
-              <a:solidFill>
-                <a:schemeClr val="tx1">
-                  <a:lumMod val="85000"/>
-                  <a:lumOff val="15000"/>
-                </a:schemeClr>
-              </a:solidFill>
-              <a:latin typeface="+mj-ea"/>
-              <a:ea typeface="+mj-ea"/>
-              <a:cs typeface="Open Sans Light" panose="020B0306030504020204" pitchFamily="34" charset="0"/>
-            </a:endParaRPr>
           </a:p>
         </p:txBody>
       </p:sp>
@@ -28534,17 +29056,6 @@
               </a:rPr>
               <a:t>解决问题并实现最终功能</a:t>
             </a:r>
-            <a:endParaRPr lang="zh-CN" altLang="bg-BG" sz="2000" spc="600">
-              <a:solidFill>
-                <a:schemeClr val="tx1">
-                  <a:lumMod val="85000"/>
-                  <a:lumOff val="15000"/>
-                </a:schemeClr>
-              </a:solidFill>
-              <a:latin typeface="+mj-ea"/>
-              <a:ea typeface="+mj-ea"/>
-              <a:cs typeface="Open Sans Light" panose="020B0306030504020204" pitchFamily="34" charset="0"/>
-            </a:endParaRPr>
           </a:p>
         </p:txBody>
       </p:sp>
@@ -28706,17 +29217,6 @@
               </a:rPr>
               <a:t>相关功能整合</a:t>
             </a:r>
-            <a:endParaRPr lang="zh-CN" sz="2000" spc="600">
-              <a:solidFill>
-                <a:schemeClr val="tx1">
-                  <a:lumMod val="85000"/>
-                  <a:lumOff val="15000"/>
-                </a:schemeClr>
-              </a:solidFill>
-              <a:latin typeface="+mj-ea"/>
-              <a:ea typeface="+mj-ea"/>
-              <a:cs typeface="Open Sans Light" panose="020B0306030504020204" pitchFamily="34" charset="0"/>
-            </a:endParaRPr>
           </a:p>
         </p:txBody>
       </p:sp>
@@ -28878,17 +29378,6 @@
               </a:rPr>
               <a:t>系统测试</a:t>
             </a:r>
-            <a:endParaRPr lang="zh-CN" altLang="bg-BG" sz="2000" spc="600">
-              <a:solidFill>
-                <a:schemeClr val="tx1">
-                  <a:lumMod val="85000"/>
-                  <a:lumOff val="15000"/>
-                </a:schemeClr>
-              </a:solidFill>
-              <a:latin typeface="+mj-ea"/>
-              <a:ea typeface="+mj-ea"/>
-              <a:cs typeface="Open Sans Light" panose="020B0306030504020204" pitchFamily="34" charset="0"/>
-            </a:endParaRPr>
           </a:p>
         </p:txBody>
       </p:sp>
@@ -30392,7 +30881,7 @@
           <p:nvPr/>
         </p:nvPicPr>
         <p:blipFill>
-          <a:blip r:embed="rId1">
+          <a:blip r:embed="rId3">
             <a:extLst>
               <a:ext uri="{28A0092B-C50C-407E-A947-70E740481C1C}">
                 <a14:useLocalDpi xmlns:a14="http://schemas.microsoft.com/office/drawing/2010/main" val="0"/>
@@ -30471,7 +30960,7 @@
           <p:nvPr/>
         </p:nvPicPr>
         <p:blipFill>
-          <a:blip r:embed="rId2"/>
+          <a:blip r:embed="rId4"/>
           <a:srcRect l="100" t="-1533" r="74513"/>
           <a:stretch>
             <a:fillRect/>
@@ -30492,13 +30981,13 @@
   <p:clrMapOvr>
     <a:masterClrMapping/>
   </p:clrMapOvr>
-  <mc:AlternateContent xmlns:mc="http://schemas.openxmlformats.org/markup-compatibility/2006">
-    <mc:Choice xmlns:p14="http://schemas.microsoft.com/office/powerpoint/2010/main" Requires="p14">
+  <mc:AlternateContent xmlns:mc="http://schemas.openxmlformats.org/markup-compatibility/2006" xmlns:p14="http://schemas.microsoft.com/office/powerpoint/2010/main">
+    <mc:Choice Requires="p14">
       <p:transition spd="slow" p14:dur="4000" advClick="0" advTm="0">
         <p14:vortex dir="r"/>
       </p:transition>
     </mc:Choice>
-    <mc:Fallback>
+    <mc:Fallback xmlns="">
       <p:transition spd="slow" advClick="0" advTm="0">
         <p:fade/>
       </p:transition>
@@ -30826,7 +31315,7 @@
         </p:xfrm>
         <a:graphic>
           <a:graphicData uri="http://schemas.openxmlformats.org/drawingml/2006/diagram">
-            <dgm:relIds xmlns:dgm="http://schemas.openxmlformats.org/drawingml/2006/diagram" xmlns:r="http://schemas.openxmlformats.org/officeDocument/2006/relationships" r:dm="rId1" r:lo="rId2" r:qs="rId3" r:cs="rId4"/>
+            <dgm:relIds xmlns:dgm="http://schemas.openxmlformats.org/drawingml/2006/diagram" xmlns:r="http://schemas.openxmlformats.org/officeDocument/2006/relationships" r:dm="rId3" r:lo="rId4" r:qs="rId5" r:cs="rId6"/>
           </a:graphicData>
         </a:graphic>
       </p:graphicFrame>
@@ -30835,13 +31324,13 @@
   <p:clrMapOvr>
     <a:masterClrMapping/>
   </p:clrMapOvr>
-  <mc:AlternateContent xmlns:mc="http://schemas.openxmlformats.org/markup-compatibility/2006">
-    <mc:Choice xmlns:p14="http://schemas.microsoft.com/office/powerpoint/2010/main" Requires="p14">
+  <mc:AlternateContent xmlns:mc="http://schemas.openxmlformats.org/markup-compatibility/2006" xmlns:p14="http://schemas.microsoft.com/office/powerpoint/2010/main">
+    <mc:Choice Requires="p14">
       <p:transition spd="slow" p14:dur="1250" advClick="0" advTm="0">
         <p14:switch dir="r"/>
       </p:transition>
     </mc:Choice>
-    <mc:Fallback>
+    <mc:Fallback xmlns="">
       <p:transition spd="slow" advClick="0" advTm="0">
         <p:fade/>
       </p:transition>
@@ -30940,47 +31429,7 @@
 </file>
 
 <file path=ppt/tags/tag1.xml><?xml version="1.0" encoding="utf-8"?>
-<p:tagLst xmlns:p="http://schemas.openxmlformats.org/presentationml/2006/main">
-  <p:tag name="KSO_WM_TAG_VERSION" val="1.0"/>
-  <p:tag name="KSO_WM_BEAUTIFY_FLAG" val="#wm#"/>
-  <p:tag name="KSO_WM_TEMPLATE_CATEGORY" val="diagram"/>
-  <p:tag name="KSO_WM_TEMPLATE_INDEX" val="160270"/>
-  <p:tag name="KSO_WM_UNIT_TYPE" val="m_i"/>
-  <p:tag name="KSO_WM_UNIT_INDEX" val="1_1"/>
-  <p:tag name="KSO_WM_UNIT_ID" val="diagram160270_3*m_i*1_1"/>
-  <p:tag name="KSO_WM_UNIT_CLEAR" val="1"/>
-  <p:tag name="KSO_WM_UNIT_LAYERLEVEL" val="1_1"/>
-  <p:tag name="KSO_WM_DIAGRAM_GROUP_CODE" val="m1-1"/>
-  <p:tag name="KSO_WM_UNIT_FILL_FORE_SCHEMECOLOR_INDEX" val="5"/>
-  <p:tag name="KSO_WM_UNIT_FILL_TYPE" val="1"/>
-  <p:tag name="KSO_WM_UNIT_TEXT_FILL_FORE_SCHEMECOLOR_INDEX" val="2"/>
-  <p:tag name="KSO_WM_UNIT_TEXT_FILL_TYPE" val="1"/>
-</p:tagLst>
-</file>
-
-<file path=ppt/tags/tag10.xml><?xml version="1.0" encoding="utf-8"?>
-<p:tagLst xmlns:p="http://schemas.openxmlformats.org/presentationml/2006/main">
-  <p:tag name="KSO_WM_TAG_VERSION" val="1.0"/>
-  <p:tag name="KSO_WM_BEAUTIFY_FLAG" val="#wm#"/>
-  <p:tag name="KSO_WM_TEMPLATE_CATEGORY" val="diagram"/>
-  <p:tag name="KSO_WM_TEMPLATE_INDEX" val="160270"/>
-  <p:tag name="KSO_WM_UNIT_TYPE" val="m_h_f"/>
-  <p:tag name="KSO_WM_UNIT_INDEX" val="1_3_1"/>
-  <p:tag name="KSO_WM_UNIT_ID" val="diagram160270_3*m_h_f*1_3_1"/>
-  <p:tag name="KSO_WM_UNIT_CLEAR" val="1"/>
-  <p:tag name="KSO_WM_UNIT_LAYERLEVEL" val="1_1_1"/>
-  <p:tag name="KSO_WM_UNIT_VALUE" val="25"/>
-  <p:tag name="KSO_WM_UNIT_HIGHLIGHT" val="0"/>
-  <p:tag name="KSO_WM_UNIT_COMPATIBLE" val="0"/>
-  <p:tag name="KSO_WM_DIAGRAM_GROUP_CODE" val="m1-1"/>
-  <p:tag name="KSO_WM_UNIT_PRESET_TEXT" val="Lorem ipsum dolor sit amet consectetur adipisicing"/>
-  <p:tag name="KSO_WM_UNIT_TEXT_FILL_FORE_SCHEMECOLOR_INDEX" val="13"/>
-  <p:tag name="KSO_WM_UNIT_TEXT_FILL_TYPE" val="1"/>
-</p:tagLst>
-</file>
-
-<file path=ppt/tags/tag11.xml><?xml version="1.0" encoding="utf-8"?>
-<p:tagLst xmlns:p="http://schemas.openxmlformats.org/presentationml/2006/main">
+<p:tagLst xmlns:a="http://schemas.openxmlformats.org/drawingml/2006/main" xmlns:r="http://schemas.openxmlformats.org/officeDocument/2006/relationships" xmlns:p="http://schemas.openxmlformats.org/presentationml/2006/main">
   <p:tag name="AS_NET" val="2.0.50727.5485"/>
   <p:tag name="AS_OS" val="Microsoft Windows NT 6.1.7601 Service Pack 1"/>
   <p:tag name="AS_RELEASE_DATE" val="2018.04.09"/>
@@ -30990,20 +31439,8 @@
 </p:tagLst>
 </file>
 
-<file path=ppt/tags/tag2.xml><?xml version="1.0" encoding="utf-8"?>
-<p:tagLst xmlns:p="http://schemas.openxmlformats.org/presentationml/2006/main">
-  <p:tag name="KSO_WM_TAG_VERSION" val="1.0"/>
-  <p:tag name="KSO_WM_BEAUTIFY_FLAG" val="#wm#"/>
-  <p:tag name="KSO_WM_UNIT_TYPE" val="i"/>
-  <p:tag name="KSO_WM_UNIT_ID" val="diagram160270_3*i*2"/>
-  <p:tag name="KSO_WM_TEMPLATE_CATEGORY" val="diagram"/>
-  <p:tag name="KSO_WM_TEMPLATE_INDEX" val="160270"/>
-  <p:tag name="KSO_WM_UNIT_INDEX" val="2"/>
-</p:tagLst>
-</file>
-
-<file path=ppt/tags/tag3.xml><?xml version="1.0" encoding="utf-8"?>
-<p:tagLst xmlns:p="http://schemas.openxmlformats.org/presentationml/2006/main">
+<file path=ppt/tags/tag10.xml><?xml version="1.0" encoding="utf-8"?>
+<p:tagLst xmlns:a="http://schemas.openxmlformats.org/drawingml/2006/main" xmlns:r="http://schemas.openxmlformats.org/officeDocument/2006/relationships" xmlns:p="http://schemas.openxmlformats.org/presentationml/2006/main">
   <p:tag name="KSO_WM_TAG_VERSION" val="1.0"/>
   <p:tag name="KSO_WM_BEAUTIFY_FLAG" val="#wm#"/>
   <p:tag name="KSO_WM_TEMPLATE_CATEGORY" val="diagram"/>
@@ -31023,8 +31460,8 @@
 </p:tagLst>
 </file>
 
-<file path=ppt/tags/tag4.xml><?xml version="1.0" encoding="utf-8"?>
-<p:tagLst xmlns:p="http://schemas.openxmlformats.org/presentationml/2006/main">
+<file path=ppt/tags/tag11.xml><?xml version="1.0" encoding="utf-8"?>
+<p:tagLst xmlns:a="http://schemas.openxmlformats.org/drawingml/2006/main" xmlns:r="http://schemas.openxmlformats.org/officeDocument/2006/relationships" xmlns:p="http://schemas.openxmlformats.org/presentationml/2006/main">
   <p:tag name="KSO_WM_TAG_VERSION" val="1.0"/>
   <p:tag name="KSO_WM_BEAUTIFY_FLAG" val="#wm#"/>
   <p:tag name="KSO_WM_TEMPLATE_CATEGORY" val="diagram"/>
@@ -31046,8 +31483,39 @@
 </p:tagLst>
 </file>
 
-<file path=ppt/tags/tag5.xml><?xml version="1.0" encoding="utf-8"?>
-<p:tagLst xmlns:p="http://schemas.openxmlformats.org/presentationml/2006/main">
+<file path=ppt/tags/tag2.xml><?xml version="1.0" encoding="utf-8"?>
+<p:tagLst xmlns:a="http://schemas.openxmlformats.org/drawingml/2006/main" xmlns:r="http://schemas.openxmlformats.org/officeDocument/2006/relationships" xmlns:p="http://schemas.openxmlformats.org/presentationml/2006/main">
+  <p:tag name="KSO_WM_TAG_VERSION" val="1.0"/>
+  <p:tag name="KSO_WM_BEAUTIFY_FLAG" val="#wm#"/>
+  <p:tag name="KSO_WM_TEMPLATE_CATEGORY" val="diagram"/>
+  <p:tag name="KSO_WM_TEMPLATE_INDEX" val="160270"/>
+  <p:tag name="KSO_WM_UNIT_TYPE" val="m_i"/>
+  <p:tag name="KSO_WM_UNIT_INDEX" val="1_1"/>
+  <p:tag name="KSO_WM_UNIT_ID" val="diagram160270_3*m_i*1_1"/>
+  <p:tag name="KSO_WM_UNIT_CLEAR" val="1"/>
+  <p:tag name="KSO_WM_UNIT_LAYERLEVEL" val="1_1"/>
+  <p:tag name="KSO_WM_DIAGRAM_GROUP_CODE" val="m1-1"/>
+  <p:tag name="KSO_WM_UNIT_FILL_FORE_SCHEMECOLOR_INDEX" val="5"/>
+  <p:tag name="KSO_WM_UNIT_FILL_TYPE" val="1"/>
+  <p:tag name="KSO_WM_UNIT_TEXT_FILL_FORE_SCHEMECOLOR_INDEX" val="2"/>
+  <p:tag name="KSO_WM_UNIT_TEXT_FILL_TYPE" val="1"/>
+</p:tagLst>
+</file>
+
+<file path=ppt/tags/tag3.xml><?xml version="1.0" encoding="utf-8"?>
+<p:tagLst xmlns:a="http://schemas.openxmlformats.org/drawingml/2006/main" xmlns:r="http://schemas.openxmlformats.org/officeDocument/2006/relationships" xmlns:p="http://schemas.openxmlformats.org/presentationml/2006/main">
+  <p:tag name="KSO_WM_TAG_VERSION" val="1.0"/>
+  <p:tag name="KSO_WM_BEAUTIFY_FLAG" val="#wm#"/>
+  <p:tag name="KSO_WM_UNIT_TYPE" val="i"/>
+  <p:tag name="KSO_WM_UNIT_ID" val="diagram160270_3*i*2"/>
+  <p:tag name="KSO_WM_TEMPLATE_CATEGORY" val="diagram"/>
+  <p:tag name="KSO_WM_TEMPLATE_INDEX" val="160270"/>
+  <p:tag name="KSO_WM_UNIT_INDEX" val="2"/>
+</p:tagLst>
+</file>
+
+<file path=ppt/tags/tag4.xml><?xml version="1.0" encoding="utf-8"?>
+<p:tagLst xmlns:a="http://schemas.openxmlformats.org/drawingml/2006/main" xmlns:r="http://schemas.openxmlformats.org/officeDocument/2006/relationships" xmlns:p="http://schemas.openxmlformats.org/presentationml/2006/main">
   <p:tag name="KSO_WM_TAG_VERSION" val="1.0"/>
   <p:tag name="KSO_WM_BEAUTIFY_FLAG" val="#wm#"/>
   <p:tag name="KSO_WM_UNIT_TYPE" val="i"/>
@@ -31058,8 +31526,64 @@
 </p:tagLst>
 </file>
 
+<file path=ppt/tags/tag5.xml><?xml version="1.0" encoding="utf-8"?>
+<p:tagLst xmlns:a="http://schemas.openxmlformats.org/drawingml/2006/main" xmlns:r="http://schemas.openxmlformats.org/officeDocument/2006/relationships" xmlns:p="http://schemas.openxmlformats.org/presentationml/2006/main">
+  <p:tag name="KSO_WM_TAG_VERSION" val="1.0"/>
+  <p:tag name="KSO_WM_BEAUTIFY_FLAG" val="#wm#"/>
+  <p:tag name="KSO_WM_UNIT_TYPE" val="i"/>
+  <p:tag name="KSO_WM_UNIT_ID" val="diagram160270_3*i*12"/>
+  <p:tag name="KSO_WM_TEMPLATE_CATEGORY" val="diagram"/>
+  <p:tag name="KSO_WM_TEMPLATE_INDEX" val="160270"/>
+  <p:tag name="KSO_WM_UNIT_INDEX" val="12"/>
+</p:tagLst>
+</file>
+
 <file path=ppt/tags/tag6.xml><?xml version="1.0" encoding="utf-8"?>
-<p:tagLst xmlns:p="http://schemas.openxmlformats.org/presentationml/2006/main">
+<p:tagLst xmlns:a="http://schemas.openxmlformats.org/drawingml/2006/main" xmlns:r="http://schemas.openxmlformats.org/officeDocument/2006/relationships" xmlns:p="http://schemas.openxmlformats.org/presentationml/2006/main">
+  <p:tag name="KSO_WM_TAG_VERSION" val="1.0"/>
+  <p:tag name="KSO_WM_BEAUTIFY_FLAG" val="#wm#"/>
+  <p:tag name="KSO_WM_TEMPLATE_CATEGORY" val="diagram"/>
+  <p:tag name="KSO_WM_TEMPLATE_INDEX" val="160270"/>
+  <p:tag name="KSO_WM_UNIT_TYPE" val="m_h_a"/>
+  <p:tag name="KSO_WM_UNIT_INDEX" val="1_3_1"/>
+  <p:tag name="KSO_WM_UNIT_ID" val="diagram160270_3*m_h_a*1_3_1"/>
+  <p:tag name="KSO_WM_UNIT_CLEAR" val="1"/>
+  <p:tag name="KSO_WM_UNIT_LAYERLEVEL" val="1_1_1"/>
+  <p:tag name="KSO_WM_UNIT_VALUE" val="12"/>
+  <p:tag name="KSO_WM_UNIT_HIGHLIGHT" val="0"/>
+  <p:tag name="KSO_WM_UNIT_COMPATIBLE" val="0"/>
+  <p:tag name="KSO_WM_DIAGRAM_GROUP_CODE" val="m1-1"/>
+  <p:tag name="KSO_WM_UNIT_PRESET_TEXT" val="Lorem"/>
+  <p:tag name="KSO_WM_UNIT_LINE_FORE_SCHEMECOLOR_INDEX" val="5"/>
+  <p:tag name="KSO_WM_UNIT_LINE_FILL_TYPE" val="2"/>
+  <p:tag name="KSO_WM_UNIT_TEXT_FILL_FORE_SCHEMECOLOR_INDEX" val="5"/>
+  <p:tag name="KSO_WM_UNIT_TEXT_FILL_TYPE" val="1"/>
+</p:tagLst>
+</file>
+
+<file path=ppt/tags/tag7.xml><?xml version="1.0" encoding="utf-8"?>
+<p:tagLst xmlns:a="http://schemas.openxmlformats.org/drawingml/2006/main" xmlns:r="http://schemas.openxmlformats.org/officeDocument/2006/relationships" xmlns:p="http://schemas.openxmlformats.org/presentationml/2006/main">
+  <p:tag name="KSO_WM_TAG_VERSION" val="1.0"/>
+  <p:tag name="KSO_WM_BEAUTIFY_FLAG" val="#wm#"/>
+  <p:tag name="KSO_WM_TEMPLATE_CATEGORY" val="diagram"/>
+  <p:tag name="KSO_WM_TEMPLATE_INDEX" val="160270"/>
+  <p:tag name="KSO_WM_UNIT_TYPE" val="m_h_f"/>
+  <p:tag name="KSO_WM_UNIT_INDEX" val="1_3_1"/>
+  <p:tag name="KSO_WM_UNIT_ID" val="diagram160270_3*m_h_f*1_3_1"/>
+  <p:tag name="KSO_WM_UNIT_CLEAR" val="1"/>
+  <p:tag name="KSO_WM_UNIT_LAYERLEVEL" val="1_1_1"/>
+  <p:tag name="KSO_WM_UNIT_VALUE" val="25"/>
+  <p:tag name="KSO_WM_UNIT_HIGHLIGHT" val="0"/>
+  <p:tag name="KSO_WM_UNIT_COMPATIBLE" val="0"/>
+  <p:tag name="KSO_WM_DIAGRAM_GROUP_CODE" val="m1-1"/>
+  <p:tag name="KSO_WM_UNIT_PRESET_TEXT" val="Lorem ipsum dolor sit amet consectetur adipisicing"/>
+  <p:tag name="KSO_WM_UNIT_TEXT_FILL_FORE_SCHEMECOLOR_INDEX" val="13"/>
+  <p:tag name="KSO_WM_UNIT_TEXT_FILL_TYPE" val="1"/>
+</p:tagLst>
+</file>
+
+<file path=ppt/tags/tag8.xml><?xml version="1.0" encoding="utf-8"?>
+<p:tagLst xmlns:a="http://schemas.openxmlformats.org/drawingml/2006/main" xmlns:r="http://schemas.openxmlformats.org/officeDocument/2006/relationships" xmlns:p="http://schemas.openxmlformats.org/presentationml/2006/main">
   <p:tag name="KSO_WM_TAG_VERSION" val="1.0"/>
   <p:tag name="KSO_WM_BEAUTIFY_FLAG" val="#wm#"/>
   <p:tag name="KSO_WM_TEMPLATE_CATEGORY" val="diagram"/>
@@ -31081,8 +31605,8 @@
 </p:tagLst>
 </file>
 
-<file path=ppt/tags/tag7.xml><?xml version="1.0" encoding="utf-8"?>
-<p:tagLst xmlns:p="http://schemas.openxmlformats.org/presentationml/2006/main">
+<file path=ppt/tags/tag9.xml><?xml version="1.0" encoding="utf-8"?>
+<p:tagLst xmlns:a="http://schemas.openxmlformats.org/drawingml/2006/main" xmlns:r="http://schemas.openxmlformats.org/officeDocument/2006/relationships" xmlns:p="http://schemas.openxmlformats.org/presentationml/2006/main">
   <p:tag name="KSO_WM_TAG_VERSION" val="1.0"/>
   <p:tag name="KSO_WM_BEAUTIFY_FLAG" val="#wm#"/>
   <p:tag name="KSO_WM_TEMPLATE_CATEGORY" val="diagram"/>
@@ -31098,41 +31622,6 @@
   <p:tag name="KSO_WM_DIAGRAM_GROUP_CODE" val="m1-1"/>
   <p:tag name="KSO_WM_UNIT_PRESET_TEXT" val="Lorem ipsum dolor sit amet consectetur adipisicing"/>
   <p:tag name="KSO_WM_UNIT_TEXT_FILL_FORE_SCHEMECOLOR_INDEX" val="13"/>
-  <p:tag name="KSO_WM_UNIT_TEXT_FILL_TYPE" val="1"/>
-</p:tagLst>
-</file>
-
-<file path=ppt/tags/tag8.xml><?xml version="1.0" encoding="utf-8"?>
-<p:tagLst xmlns:p="http://schemas.openxmlformats.org/presentationml/2006/main">
-  <p:tag name="KSO_WM_TAG_VERSION" val="1.0"/>
-  <p:tag name="KSO_WM_BEAUTIFY_FLAG" val="#wm#"/>
-  <p:tag name="KSO_WM_UNIT_TYPE" val="i"/>
-  <p:tag name="KSO_WM_UNIT_ID" val="diagram160270_3*i*12"/>
-  <p:tag name="KSO_WM_TEMPLATE_CATEGORY" val="diagram"/>
-  <p:tag name="KSO_WM_TEMPLATE_INDEX" val="160270"/>
-  <p:tag name="KSO_WM_UNIT_INDEX" val="12"/>
-</p:tagLst>
-</file>
-
-<file path=ppt/tags/tag9.xml><?xml version="1.0" encoding="utf-8"?>
-<p:tagLst xmlns:p="http://schemas.openxmlformats.org/presentationml/2006/main">
-  <p:tag name="KSO_WM_TAG_VERSION" val="1.0"/>
-  <p:tag name="KSO_WM_BEAUTIFY_FLAG" val="#wm#"/>
-  <p:tag name="KSO_WM_TEMPLATE_CATEGORY" val="diagram"/>
-  <p:tag name="KSO_WM_TEMPLATE_INDEX" val="160270"/>
-  <p:tag name="KSO_WM_UNIT_TYPE" val="m_h_a"/>
-  <p:tag name="KSO_WM_UNIT_INDEX" val="1_3_1"/>
-  <p:tag name="KSO_WM_UNIT_ID" val="diagram160270_3*m_h_a*1_3_1"/>
-  <p:tag name="KSO_WM_UNIT_CLEAR" val="1"/>
-  <p:tag name="KSO_WM_UNIT_LAYERLEVEL" val="1_1_1"/>
-  <p:tag name="KSO_WM_UNIT_VALUE" val="12"/>
-  <p:tag name="KSO_WM_UNIT_HIGHLIGHT" val="0"/>
-  <p:tag name="KSO_WM_UNIT_COMPATIBLE" val="0"/>
-  <p:tag name="KSO_WM_DIAGRAM_GROUP_CODE" val="m1-1"/>
-  <p:tag name="KSO_WM_UNIT_PRESET_TEXT" val="Lorem"/>
-  <p:tag name="KSO_WM_UNIT_LINE_FORE_SCHEMECOLOR_INDEX" val="5"/>
-  <p:tag name="KSO_WM_UNIT_LINE_FILL_TYPE" val="2"/>
-  <p:tag name="KSO_WM_UNIT_TEXT_FILL_FORE_SCHEMECOLOR_INDEX" val="5"/>
   <p:tag name="KSO_WM_UNIT_TEXT_FILL_TYPE" val="1"/>
 </p:tagLst>
 </file>
@@ -31328,6 +31817,8 @@
       </a:bgFillStyleLst>
     </a:fmtScheme>
   </a:themeElements>
+  <a:objectDefaults/>
+  <a:extraClrSchemeLst/>
   <a:extLst>
     <a:ext uri="{05A4C25C-085E-4340-85A3-A5531E510DB2}">
       <thm15:themeFamily xmlns:thm15="http://schemas.microsoft.com/office/thememl/2012/main" name="Office Theme" id="{62F939B6-93AF-4DB8-9C6B-D6C7DFDC589F}" vid="{4A3C46E8-61CC-4603-A589-7422A47A8E4A}"/>
@@ -31587,6 +32078,8 @@
       </a:bgFillStyleLst>
     </a:fmtScheme>
   </a:themeElements>
+  <a:objectDefaults/>
+  <a:extraClrSchemeLst/>
   <a:extLst>
     <a:ext uri="{05A4C25C-085E-4340-85A3-A5531E510DB2}">
       <thm15:themeFamily xmlns:thm15="http://schemas.microsoft.com/office/thememl/2012/main" name="Office Theme" id="{62F939B6-93AF-4DB8-9C6B-D6C7DFDC589F}" vid="{4A3C46E8-61CC-4603-A589-7422A47A8E4A}"/>

--- a/固定资产管理系统-17.pptx
+++ b/固定资产管理系统-17.pptx
@@ -5,7 +5,7 @@
     <p:sldMasterId id="2147483648" r:id="rId1"/>
   </p:sldMasterIdLst>
   <p:notesMasterIdLst>
-    <p:notesMasterId r:id="rId29"/>
+    <p:notesMasterId r:id="rId30"/>
   </p:notesMasterIdLst>
   <p:sldIdLst>
     <p:sldId id="287" r:id="rId2"/>
@@ -26,20 +26,21 @@
     <p:sldId id="278" r:id="rId17"/>
     <p:sldId id="271" r:id="rId18"/>
     <p:sldId id="282" r:id="rId19"/>
-    <p:sldId id="284" r:id="rId20"/>
-    <p:sldId id="319" r:id="rId21"/>
-    <p:sldId id="326" r:id="rId22"/>
-    <p:sldId id="327" r:id="rId23"/>
-    <p:sldId id="328" r:id="rId24"/>
-    <p:sldId id="320" r:id="rId25"/>
-    <p:sldId id="321" r:id="rId26"/>
-    <p:sldId id="322" r:id="rId27"/>
-    <p:sldId id="286" r:id="rId28"/>
+    <p:sldId id="330" r:id="rId20"/>
+    <p:sldId id="284" r:id="rId21"/>
+    <p:sldId id="319" r:id="rId22"/>
+    <p:sldId id="326" r:id="rId23"/>
+    <p:sldId id="327" r:id="rId24"/>
+    <p:sldId id="328" r:id="rId25"/>
+    <p:sldId id="320" r:id="rId26"/>
+    <p:sldId id="321" r:id="rId27"/>
+    <p:sldId id="322" r:id="rId28"/>
+    <p:sldId id="286" r:id="rId29"/>
   </p:sldIdLst>
   <p:sldSz cx="12192000" cy="6858000"/>
   <p:notesSz cx="6858000" cy="9144000"/>
   <p:custDataLst>
-    <p:tags r:id="rId30"/>
+    <p:tags r:id="rId31"/>
   </p:custDataLst>
   <p:defaultTextStyle>
     <a:defPPr>
@@ -2064,8 +2065,8 @@
     <dgm:cxn modelId="{0471A385-0EF8-4996-A941-D5F3BC418262}" type="presOf" srcId="{4116C939-0673-4613-8FA7-CB6FE7258301}" destId="{F3596884-C09F-4C70-900E-D61864BED5F1}" srcOrd="0" destOrd="0" presId="urn:microsoft.com/office/officeart/2005/8/layout/radial6#1"/>
     <dgm:cxn modelId="{D0EA81BA-114B-4A4A-B373-73A846C2E71B}" type="presOf" srcId="{468FA009-1E87-4539-85FA-5C28B78DD6E9}" destId="{F539A410-44AA-4A02-9F1B-997DD2B71E87}" srcOrd="0" destOrd="0" presId="urn:microsoft.com/office/officeart/2005/8/layout/radial6#1"/>
     <dgm:cxn modelId="{813ED879-051E-4356-BFAB-289F016CD5CF}" type="presOf" srcId="{75EA9321-EAFA-4AF6-8313-8107E8EB3526}" destId="{15715456-3418-4DF0-AF3A-DA59307B110D}" srcOrd="0" destOrd="0" presId="urn:microsoft.com/office/officeart/2005/8/layout/radial6#1"/>
+    <dgm:cxn modelId="{A236FDBF-1D02-456D-A0FB-6D8F2A3F7110}" type="presOf" srcId="{925984A4-8E6F-4D28-B868-DBAB08F4BD28}" destId="{EBDCA107-8C73-4044-AC95-50DA28B759A8}" srcOrd="0" destOrd="0" presId="urn:microsoft.com/office/officeart/2005/8/layout/radial6#1"/>
     <dgm:cxn modelId="{7C789FA6-C0C7-44D1-B523-F3E7A298B7AA}" srcId="{8E2A460B-45D3-4E20-A31D-4AFE676F0DDA}" destId="{E17F1310-B4AD-4B57-8D9B-BF776721EA77}" srcOrd="2" destOrd="0" parTransId="{6BAC1755-6217-4715-99C2-D1422148265D}" sibTransId="{925984A4-8E6F-4D28-B868-DBAB08F4BD28}"/>
-    <dgm:cxn modelId="{A236FDBF-1D02-456D-A0FB-6D8F2A3F7110}" type="presOf" srcId="{925984A4-8E6F-4D28-B868-DBAB08F4BD28}" destId="{EBDCA107-8C73-4044-AC95-50DA28B759A8}" srcOrd="0" destOrd="0" presId="urn:microsoft.com/office/officeart/2005/8/layout/radial6#1"/>
     <dgm:cxn modelId="{645D658E-9A29-4C90-8814-666328A957B9}" type="presOf" srcId="{E17F1310-B4AD-4B57-8D9B-BF776721EA77}" destId="{0DA4B7DF-BD6B-46E8-940A-69050C019BB3}" srcOrd="0" destOrd="0" presId="urn:microsoft.com/office/officeart/2005/8/layout/radial6#1"/>
     <dgm:cxn modelId="{E67FCB85-DEB7-47E7-85B3-C9C900525D98}" type="presOf" srcId="{8E2A460B-45D3-4E20-A31D-4AFE676F0DDA}" destId="{BADECBB5-37EA-4668-8A2F-BD2C2902F22A}" srcOrd="0" destOrd="0" presId="urn:microsoft.com/office/officeart/2005/8/layout/radial6#1"/>
     <dgm:cxn modelId="{8B9328F7-1C7B-425C-B638-1B5189F45B85}" srcId="{8E2A460B-45D3-4E20-A31D-4AFE676F0DDA}" destId="{ECE2948F-862B-4CC3-B6BC-3E6415C7F5DD}" srcOrd="0" destOrd="0" parTransId="{055F34F9-26B5-46B6-B947-B5718EF53A09}" sibTransId="{4116C939-0673-4613-8FA7-CB6FE7258301}"/>
@@ -2131,6 +2132,13 @@
     <dgm:pt modelId="{42B40A37-3B74-4139-88E7-27DB8ADAFB3B}" type="parTrans" cxnId="{2ECBAE10-AFC9-4238-861F-0696F3060770}">
       <dgm:prSet/>
       <dgm:spPr/>
+      <dgm:t>
+        <a:bodyPr/>
+        <a:lstStyle/>
+        <a:p>
+          <a:endParaRPr lang="zh-CN" altLang="en-US"/>
+        </a:p>
+      </dgm:t>
     </dgm:pt>
     <dgm:pt modelId="{E862CC6F-EE5F-4708-AD0C-4AFC083AC1E9}" type="sibTrans" cxnId="{2ECBAE10-AFC9-4238-861F-0696F3060770}">
       <dgm:prSet/>
@@ -2172,6 +2180,13 @@
     <dgm:pt modelId="{22507475-337D-4D08-A27D-19453A1EC4B8}" type="parTrans" cxnId="{7935DB67-FBEF-4E0A-BA97-5AF6AA965540}">
       <dgm:prSet/>
       <dgm:spPr/>
+      <dgm:t>
+        <a:bodyPr/>
+        <a:lstStyle/>
+        <a:p>
+          <a:endParaRPr lang="zh-CN" altLang="en-US"/>
+        </a:p>
+      </dgm:t>
     </dgm:pt>
     <dgm:pt modelId="{3E1956DE-23F8-4761-8F76-7ABD5A8AE770}" type="sibTrans" cxnId="{7935DB67-FBEF-4E0A-BA97-5AF6AA965540}">
       <dgm:prSet/>
@@ -2212,6 +2227,13 @@
     <dgm:pt modelId="{B2C4969C-7F63-4CB2-9C9A-A6F67CF17685}" type="parTrans" cxnId="{8ECB57DA-C0C3-4EC1-9A17-640CA09DD8FD}">
       <dgm:prSet/>
       <dgm:spPr/>
+      <dgm:t>
+        <a:bodyPr/>
+        <a:lstStyle/>
+        <a:p>
+          <a:endParaRPr lang="zh-CN" altLang="en-US"/>
+        </a:p>
+      </dgm:t>
     </dgm:pt>
     <dgm:pt modelId="{D9B5BE56-AD46-4CF8-8D6E-63CE26896AAC}" type="sibTrans" cxnId="{8ECB57DA-C0C3-4EC1-9A17-640CA09DD8FD}">
       <dgm:prSet/>
@@ -2252,10 +2274,24 @@
     <dgm:pt modelId="{2FECD98F-D2D6-42E8-8F28-173AAD4C4E16}" type="parTrans" cxnId="{3A41724F-94DA-449E-A248-62579B2EB5BB}">
       <dgm:prSet/>
       <dgm:spPr/>
+      <dgm:t>
+        <a:bodyPr/>
+        <a:lstStyle/>
+        <a:p>
+          <a:endParaRPr lang="zh-CN" altLang="en-US"/>
+        </a:p>
+      </dgm:t>
     </dgm:pt>
     <dgm:pt modelId="{E8C23347-9FF8-43CE-BEA6-3FD7F81B91AB}" type="sibTrans" cxnId="{3A41724F-94DA-449E-A248-62579B2EB5BB}">
       <dgm:prSet/>
       <dgm:spPr/>
+      <dgm:t>
+        <a:bodyPr/>
+        <a:lstStyle/>
+        <a:p>
+          <a:endParaRPr lang="zh-CN" altLang="en-US"/>
+        </a:p>
+      </dgm:t>
     </dgm:pt>
     <dgm:pt modelId="{23E08954-DEFC-4A8C-B951-725E72315086}" type="pres">
       <dgm:prSet presAssocID="{F3AA1B95-8096-483E-937F-B7117F22143A}" presName="Name0" presStyleCnt="0">
@@ -2358,10 +2394,24 @@
     <dgm:pt modelId="{DAF3E0E3-FEA9-467D-929E-79D893617052}" type="pres">
       <dgm:prSet presAssocID="{D9B5BE56-AD46-4CF8-8D6E-63CE26896AAC}" presName="sibTrans" presStyleLbl="sibTrans2D1" presStyleIdx="2" presStyleCnt="3"/>
       <dgm:spPr/>
+      <dgm:t>
+        <a:bodyPr/>
+        <a:lstStyle/>
+        <a:p>
+          <a:endParaRPr lang="zh-CN" altLang="en-US"/>
+        </a:p>
+      </dgm:t>
     </dgm:pt>
     <dgm:pt modelId="{B6C458F6-68C4-48E7-BDAC-DB2B1A9D3DA3}" type="pres">
       <dgm:prSet presAssocID="{D9B5BE56-AD46-4CF8-8D6E-63CE26896AAC}" presName="connectorText" presStyleLbl="sibTrans2D1" presStyleIdx="2" presStyleCnt="3"/>
       <dgm:spPr/>
+      <dgm:t>
+        <a:bodyPr/>
+        <a:lstStyle/>
+        <a:p>
+          <a:endParaRPr lang="zh-CN" altLang="en-US"/>
+        </a:p>
+      </dgm:t>
     </dgm:pt>
     <dgm:pt modelId="{F9BB2716-146A-402B-8885-C780E1C30A32}" type="pres">
       <dgm:prSet presAssocID="{0B9BB09B-3BCF-4BCC-97D5-ED83B7D6DEE3}" presName="node" presStyleLbl="node1" presStyleIdx="3" presStyleCnt="4">
@@ -2382,9 +2432,9 @@
   <dgm:cxnLst>
     <dgm:cxn modelId="{72FC587F-5871-49DA-B956-0D73FC9B108C}" type="presOf" srcId="{F3AA1B95-8096-483E-937F-B7117F22143A}" destId="{23E08954-DEFC-4A8C-B951-725E72315086}" srcOrd="0" destOrd="0" presId="urn:microsoft.com/office/officeart/2005/8/layout/process1"/>
     <dgm:cxn modelId="{1CCB1772-185F-468B-9F9C-F5BCBC6BD82B}" type="presOf" srcId="{16C98B6D-CC9A-459C-A148-3249240D3586}" destId="{507274D1-9FFA-4CA1-8C30-ADC25E352D22}" srcOrd="0" destOrd="0" presId="urn:microsoft.com/office/officeart/2005/8/layout/process1"/>
-    <dgm:cxn modelId="{E8E8DC06-9AC3-414E-8BC9-4205504E4C64}" type="presOf" srcId="{EDABB1AF-A433-4877-8BF8-9FA85F924A2C}" destId="{0C6A0E2D-4913-46C1-A93F-3832E34B4A9D}" srcOrd="0" destOrd="0" presId="urn:microsoft.com/office/officeart/2005/8/layout/process1"/>
     <dgm:cxn modelId="{436540E7-8499-4901-8DF0-01E1932014D2}" type="presOf" srcId="{D9B5BE56-AD46-4CF8-8D6E-63CE26896AAC}" destId="{B6C458F6-68C4-48E7-BDAC-DB2B1A9D3DA3}" srcOrd="1" destOrd="0" presId="urn:microsoft.com/office/officeart/2005/8/layout/process1"/>
     <dgm:cxn modelId="{5B97A92E-1976-4C61-A773-BDC97B4E4E31}" type="presOf" srcId="{3E1956DE-23F8-4761-8F76-7ABD5A8AE770}" destId="{18462591-2085-43A2-8617-BA9721C35F9F}" srcOrd="0" destOrd="0" presId="urn:microsoft.com/office/officeart/2005/8/layout/process1"/>
+    <dgm:cxn modelId="{E8E8DC06-9AC3-414E-8BC9-4205504E4C64}" type="presOf" srcId="{EDABB1AF-A433-4877-8BF8-9FA85F924A2C}" destId="{0C6A0E2D-4913-46C1-A93F-3832E34B4A9D}" srcOrd="0" destOrd="0" presId="urn:microsoft.com/office/officeart/2005/8/layout/process1"/>
     <dgm:cxn modelId="{8ECB57DA-C0C3-4EC1-9A17-640CA09DD8FD}" srcId="{F3AA1B95-8096-483E-937F-B7117F22143A}" destId="{16C98B6D-CC9A-459C-A148-3249240D3586}" srcOrd="2" destOrd="0" parTransId="{B2C4969C-7F63-4CB2-9C9A-A6F67CF17685}" sibTransId="{D9B5BE56-AD46-4CF8-8D6E-63CE26896AAC}"/>
     <dgm:cxn modelId="{D4C81004-1D5A-45FB-8416-514263743570}" type="presOf" srcId="{D9B5BE56-AD46-4CF8-8D6E-63CE26896AAC}" destId="{DAF3E0E3-FEA9-467D-929E-79D893617052}" srcOrd="0" destOrd="0" presId="urn:microsoft.com/office/officeart/2005/8/layout/process1"/>
     <dgm:cxn modelId="{2ECBAE10-AFC9-4238-861F-0696F3060770}" srcId="{F3AA1B95-8096-483E-937F-B7117F22143A}" destId="{B9356EF3-F2BD-44EF-8989-A8C6F68A9C26}" srcOrd="0" destOrd="0" parTransId="{42B40A37-3B74-4139-88E7-27DB8ADAFB3B}" sibTransId="{E862CC6F-EE5F-4708-AD0C-4AFC083AC1E9}"/>
@@ -7360,6 +7410,11 @@
         </p:txBody>
       </p:sp>
     </p:spTree>
+    <p:extLst>
+      <p:ext uri="{BB962C8B-B14F-4D97-AF65-F5344CB8AC3E}">
+        <p14:creationId xmlns:p14="http://schemas.microsoft.com/office/powerpoint/2010/main" val="2795395961"/>
+      </p:ext>
+    </p:extLst>
   </p:cSld>
   <p:clrMapOvr>
     <a:masterClrMapping/>
@@ -8062,9 +8117,88 @@
           <a:bodyPr/>
           <a:lstStyle/>
           <a:p>
+            <a:fld id="{94DAF4D2-3731-4C35-AB49-5D7F97B51AE8}" type="slidenum">
+              <a:rPr lang="zh-CN" altLang="en-US" smtClean="0"/>
+              <a:t>27</a:t>
+            </a:fld>
+            <a:endParaRPr lang="zh-CN" altLang="en-US"/>
+          </a:p>
+        </p:txBody>
+      </p:sp>
+    </p:spTree>
+  </p:cSld>
+  <p:clrMapOvr>
+    <a:masterClrMapping/>
+  </p:clrMapOvr>
+</p:notes>
+</file>
+
+<file path=ppt/notesSlides/notesSlide28.xml><?xml version="1.0" encoding="utf-8"?>
+<p:notes xmlns:a="http://schemas.openxmlformats.org/drawingml/2006/main" xmlns:r="http://schemas.openxmlformats.org/officeDocument/2006/relationships" xmlns:p="http://schemas.openxmlformats.org/presentationml/2006/main">
+  <p:cSld>
+    <p:spTree>
+      <p:nvGrpSpPr>
+        <p:cNvPr id="1" name=""/>
+        <p:cNvGrpSpPr/>
+        <p:nvPr/>
+      </p:nvGrpSpPr>
+      <p:grpSpPr>
+        <a:xfrm>
+          <a:off x="0" y="0"/>
+          <a:ext cx="0" cy="0"/>
+          <a:chOff x="0" y="0"/>
+          <a:chExt cx="0" cy="0"/>
+        </a:xfrm>
+      </p:grpSpPr>
+      <p:sp>
+        <p:nvSpPr>
+          <p:cNvPr id="2" name="幻灯片图像占位符 1"/>
+          <p:cNvSpPr>
+            <a:spLocks noGrp="1" noRot="1" noChangeAspect="1"/>
+          </p:cNvSpPr>
+          <p:nvPr>
+            <p:ph type="sldImg"/>
+          </p:nvPr>
+        </p:nvSpPr>
+        <p:spPr/>
+      </p:sp>
+      <p:sp>
+        <p:nvSpPr>
+          <p:cNvPr id="3" name="备注占位符 2"/>
+          <p:cNvSpPr>
+            <a:spLocks noGrp="1"/>
+          </p:cNvSpPr>
+          <p:nvPr>
+            <p:ph type="body" idx="1"/>
+          </p:nvPr>
+        </p:nvSpPr>
+        <p:spPr/>
+        <p:txBody>
+          <a:bodyPr/>
+          <a:lstStyle/>
+          <a:p>
+            <a:endParaRPr lang="zh-CN" altLang="en-US"/>
+          </a:p>
+        </p:txBody>
+      </p:sp>
+      <p:sp>
+        <p:nvSpPr>
+          <p:cNvPr id="4" name="灯片编号占位符 3"/>
+          <p:cNvSpPr>
+            <a:spLocks noGrp="1"/>
+          </p:cNvSpPr>
+          <p:nvPr>
+            <p:ph type="sldNum" sz="quarter" idx="10"/>
+          </p:nvPr>
+        </p:nvSpPr>
+        <p:spPr/>
+        <p:txBody>
+          <a:bodyPr/>
+          <a:lstStyle/>
+          <a:p>
             <a:fld id="{62D865C4-FDC5-4F3E-9881-D0F59562197A}" type="slidenum">
               <a:rPr lang="zh-CN" altLang="en-US" smtClean="0"/>
-              <a:t>27</a:t>
+              <a:t>28</a:t>
             </a:fld>
             <a:endParaRPr lang="zh-CN" altLang="en-US"/>
           </a:p>
@@ -13145,7 +13279,7 @@
           <a:p>
             <a:pPr algn="ctr"/>
             <a:r>
-              <a:rPr lang="zh-CN" altLang="en-US">
+              <a:rPr lang="zh-CN" altLang="en-US" dirty="0">
                 <a:solidFill>
                   <a:schemeClr val="tx1"/>
                 </a:solidFill>
@@ -13198,7 +13332,7 @@
           <a:p>
             <a:pPr algn="ctr"/>
             <a:r>
-              <a:rPr lang="zh-CN" altLang="en-US">
+              <a:rPr lang="zh-CN" altLang="en-US" dirty="0">
                 <a:solidFill>
                   <a:schemeClr val="tx1"/>
                 </a:solidFill>
@@ -13304,7 +13438,7 @@
           <a:p>
             <a:pPr algn="ctr"/>
             <a:r>
-              <a:rPr lang="zh-CN" altLang="en-US">
+              <a:rPr lang="zh-CN" altLang="en-US" dirty="0">
                 <a:solidFill>
                   <a:schemeClr val="tx1"/>
                 </a:solidFill>
@@ -16322,7 +16456,7 @@
                 </a:lnSpc>
               </a:pPr>
               <a:r>
-                <a:rPr lang="zh-CN" altLang="da-DK" sz="2000" smtClean="0">
+                <a:rPr lang="zh-CN" altLang="da-DK" sz="2000" dirty="0" smtClean="0">
                   <a:solidFill>
                     <a:sysClr val="windowText" lastClr="000000">
                       <a:lumMod val="75000"/>
@@ -16336,7 +16470,7 @@
                 <a:t>通过</a:t>
               </a:r>
               <a:r>
-                <a:rPr lang="en-US" altLang="zh-CN" sz="2000" smtClean="0">
+                <a:rPr lang="en-US" altLang="zh-CN" sz="2000" dirty="0" smtClean="0">
                   <a:solidFill>
                     <a:sysClr val="windowText" lastClr="000000">
                       <a:lumMod val="75000"/>
@@ -16350,7 +16484,7 @@
                 <a:t>Dreamweaver</a:t>
               </a:r>
               <a:r>
-                <a:rPr lang="zh-CN" altLang="en-US" sz="2000" smtClean="0">
+                <a:rPr lang="zh-CN" altLang="en-US" sz="2000" dirty="0" smtClean="0">
                   <a:solidFill>
                     <a:sysClr val="windowText" lastClr="000000">
                       <a:lumMod val="75000"/>
@@ -16361,8 +16495,19 @@
                   <a:cs typeface="+mn-ea"/>
                   <a:sym typeface="Arial" panose="020B0604020202020204" pitchFamily="34" charset="0"/>
                 </a:rPr>
-                <a:t>界面</a:t>
+                <a:t>设计界面</a:t>
               </a:r>
+              <a:endParaRPr lang="zh-CN" altLang="en-US" sz="2000" dirty="0" smtClean="0">
+                <a:solidFill>
+                  <a:sysClr val="windowText" lastClr="000000">
+                    <a:lumMod val="75000"/>
+                    <a:lumOff val="25000"/>
+                  </a:sysClr>
+                </a:solidFill>
+                <a:latin typeface="+mn-ea"/>
+                <a:cs typeface="+mn-ea"/>
+                <a:sym typeface="Arial" panose="020B0604020202020204" pitchFamily="34" charset="0"/>
+              </a:endParaRPr>
             </a:p>
           </p:txBody>
         </p:sp>
@@ -17293,7 +17438,7 @@
                 </a:lnSpc>
               </a:pPr>
               <a:r>
-                <a:rPr lang="zh-CN" altLang="da-DK" sz="2000" smtClean="0">
+                <a:rPr lang="zh-CN" altLang="da-DK" sz="2000" dirty="0" smtClean="0">
                   <a:solidFill>
                     <a:sysClr val="windowText" lastClr="000000">
                       <a:lumMod val="75000"/>
@@ -19977,20 +20122,20 @@
               <a:defRPr/>
             </a:pPr>
             <a:r>
-              <a:rPr lang="zh-CN" altLang="en-US" sz="3600" b="1" kern="0">
+              <a:rPr lang="zh-CN" altLang="en-US" sz="3600" b="1" kern="0" dirty="0" smtClean="0">
                 <a:latin typeface="微软雅黑" panose="020B0503020204020204" pitchFamily="34" charset="-122"/>
                 <a:ea typeface="微软雅黑" panose="020B0503020204020204" pitchFamily="34" charset="-122"/>
               </a:rPr>
-              <a:t>登录界面</a:t>
+              <a:t>系统的运行</a:t>
             </a:r>
             <a:r>
-              <a:rPr lang="en-US" altLang="zh-CN" sz="3600" b="1" kern="0">
+              <a:rPr lang="en-US" altLang="zh-CN" sz="3600" b="1" kern="0" dirty="0" smtClean="0">
                 <a:latin typeface="微软雅黑" panose="020B0503020204020204" pitchFamily="34" charset="-122"/>
                 <a:ea typeface="微软雅黑" panose="020B0503020204020204" pitchFamily="34" charset="-122"/>
               </a:rPr>
               <a:t>/ </a:t>
             </a:r>
-            <a:endParaRPr lang="en-US" altLang="ko-KR" sz="2400" kern="0">
+            <a:endParaRPr lang="en-US" altLang="ko-KR" sz="2400" kern="0" dirty="0">
               <a:solidFill>
                 <a:schemeClr val="tx1">
                   <a:lumMod val="50000"/>
@@ -20003,32 +20148,179 @@
           </a:p>
         </p:txBody>
       </p:sp>
-      <p:pic>
-        <p:nvPicPr>
-          <p:cNvPr id="19" name="图片 19" descr="4TEBI56R_%05]449U[5EWFR"/>
-          <p:cNvPicPr>
-            <a:picLocks noChangeAspect="1"/>
-          </p:cNvPicPr>
+      <p:sp>
+        <p:nvSpPr>
+          <p:cNvPr id="2" name="矩形 1"/>
+          <p:cNvSpPr/>
           <p:nvPr/>
-        </p:nvPicPr>
-        <p:blipFill>
-          <a:blip r:embed="rId3"/>
-          <a:srcRect r="35" b="19289"/>
-          <a:stretch>
-            <a:fillRect/>
-          </a:stretch>
-        </p:blipFill>
+        </p:nvSpPr>
         <p:spPr>
           <a:xfrm>
-            <a:off x="534035" y="1172210"/>
-            <a:ext cx="11150600" cy="4371340"/>
+            <a:off x="1343480" y="2084254"/>
+            <a:ext cx="8408126" cy="1938992"/>
           </a:xfrm>
           <a:prstGeom prst="rect">
             <a:avLst/>
           </a:prstGeom>
         </p:spPr>
-      </p:pic>
+        <p:txBody>
+          <a:bodyPr wrap="square">
+            <a:spAutoFit/>
+          </a:bodyPr>
+          <a:lstStyle/>
+          <a:p>
+            <a:r>
+              <a:rPr lang="en-US" altLang="zh-CN" sz="2400" b="1" kern="100" dirty="0" smtClean="0">
+                <a:latin typeface="+mn-ea"/>
+                <a:cs typeface="宋体" panose="02010600030101010101" pitchFamily="2" charset="-122"/>
+              </a:rPr>
+              <a:t>     </a:t>
+            </a:r>
+            <a:r>
+              <a:rPr lang="zh-CN" altLang="zh-CN" sz="2400" b="1" kern="100" dirty="0" smtClean="0">
+                <a:latin typeface="+mn-ea"/>
+                <a:cs typeface="宋体" panose="02010600030101010101" pitchFamily="2" charset="-122"/>
+              </a:rPr>
+              <a:t>启动</a:t>
+            </a:r>
+            <a:r>
+              <a:rPr lang="en-US" altLang="zh-CN" sz="2400" b="1" kern="100" dirty="0" smtClean="0">
+                <a:latin typeface="+mn-ea"/>
+                <a:cs typeface="宋体" panose="02010600030101010101" pitchFamily="2" charset="-122"/>
+              </a:rPr>
+              <a:t>Tomcat</a:t>
+            </a:r>
+            <a:r>
+              <a:rPr lang="zh-CN" altLang="zh-CN" sz="2400" b="1" kern="100" dirty="0" smtClean="0">
+                <a:latin typeface="+mn-ea"/>
+                <a:cs typeface="宋体" panose="02010600030101010101" pitchFamily="2" charset="-122"/>
+              </a:rPr>
+              <a:t>应用服务器后，打开</a:t>
+            </a:r>
+            <a:r>
+              <a:rPr lang="en-US" altLang="zh-CN" sz="2400" b="1" kern="100" dirty="0" smtClean="0">
+                <a:latin typeface="+mn-ea"/>
+                <a:cs typeface="宋体" panose="02010600030101010101" pitchFamily="2" charset="-122"/>
+              </a:rPr>
+              <a:t>Internet Explorer</a:t>
+            </a:r>
+            <a:r>
+              <a:rPr lang="zh-CN" altLang="zh-CN" sz="2400" b="1" kern="100" dirty="0" smtClean="0">
+                <a:latin typeface="+mn-ea"/>
+                <a:cs typeface="宋体" panose="02010600030101010101" pitchFamily="2" charset="-122"/>
+              </a:rPr>
+              <a:t>，在</a:t>
+            </a:r>
+            <a:r>
+              <a:rPr lang="en-US" altLang="zh-CN" sz="2400" b="1" kern="100" dirty="0" smtClean="0">
+                <a:latin typeface="+mn-ea"/>
+                <a:cs typeface="宋体" panose="02010600030101010101" pitchFamily="2" charset="-122"/>
+              </a:rPr>
+              <a:t>URL</a:t>
+            </a:r>
+            <a:r>
+              <a:rPr lang="zh-CN" altLang="zh-CN" sz="2400" b="1" kern="100" dirty="0" smtClean="0">
+                <a:latin typeface="+mn-ea"/>
+                <a:cs typeface="宋体" panose="02010600030101010101" pitchFamily="2" charset="-122"/>
+              </a:rPr>
+              <a:t>地址中输入</a:t>
+            </a:r>
+            <a:r>
+              <a:rPr lang="en-US" altLang="zh-CN" sz="2400" b="1" kern="100" dirty="0" smtClean="0">
+                <a:latin typeface="+mn-ea"/>
+                <a:cs typeface="宋体" panose="02010600030101010101" pitchFamily="2" charset="-122"/>
+              </a:rPr>
+              <a:t>http://localhost:8080/index.jsp,</a:t>
+            </a:r>
+            <a:r>
+              <a:rPr lang="zh-CN" altLang="zh-CN" sz="2400" b="1" kern="100" dirty="0" smtClean="0">
+                <a:latin typeface="+mn-ea"/>
+                <a:cs typeface="宋体" panose="02010600030101010101" pitchFamily="2" charset="-122"/>
+              </a:rPr>
+              <a:t>即可运行所写的</a:t>
+            </a:r>
+            <a:r>
+              <a:rPr lang="en-US" altLang="zh-CN" sz="2400" b="1" kern="100" dirty="0" smtClean="0">
+                <a:latin typeface="+mn-ea"/>
+                <a:cs typeface="宋体" panose="02010600030101010101" pitchFamily="2" charset="-122"/>
+              </a:rPr>
+              <a:t>JSP</a:t>
+            </a:r>
+            <a:r>
+              <a:rPr lang="zh-CN" altLang="zh-CN" sz="2400" b="1" kern="100" dirty="0" smtClean="0">
+                <a:latin typeface="+mn-ea"/>
+                <a:cs typeface="宋体" panose="02010600030101010101" pitchFamily="2" charset="-122"/>
+              </a:rPr>
+              <a:t>页。也可在</a:t>
+            </a:r>
+            <a:r>
+              <a:rPr lang="en-US" altLang="zh-CN" sz="2400" b="1" kern="100" dirty="0" err="1" smtClean="0">
+                <a:latin typeface="+mn-ea"/>
+                <a:cs typeface="宋体" panose="02010600030101010101" pitchFamily="2" charset="-122"/>
+              </a:rPr>
+              <a:t>MyEclipse</a:t>
+            </a:r>
+            <a:r>
+              <a:rPr lang="zh-CN" altLang="zh-CN" sz="2400" b="1" kern="100" dirty="0" smtClean="0">
+                <a:latin typeface="+mn-ea"/>
+                <a:cs typeface="宋体" panose="02010600030101010101" pitchFamily="2" charset="-122"/>
+              </a:rPr>
+              <a:t>环境下将工程属性中的</a:t>
+            </a:r>
+            <a:r>
+              <a:rPr lang="en-US" altLang="zh-CN" sz="2400" b="1" kern="100" dirty="0" smtClean="0">
+                <a:latin typeface="+mn-ea"/>
+                <a:cs typeface="宋体" panose="02010600030101010101" pitchFamily="2" charset="-122"/>
+              </a:rPr>
+              <a:t>Server</a:t>
+            </a:r>
+            <a:r>
+              <a:rPr lang="zh-CN" altLang="zh-CN" sz="2400" b="1" kern="100" dirty="0" smtClean="0">
+                <a:latin typeface="+mn-ea"/>
+                <a:cs typeface="宋体" panose="02010600030101010101" pitchFamily="2" charset="-122"/>
+              </a:rPr>
+              <a:t>改为</a:t>
+            </a:r>
+            <a:r>
+              <a:rPr lang="en-US" altLang="zh-CN" sz="2400" b="1" kern="100" dirty="0" smtClean="0">
+                <a:latin typeface="+mn-ea"/>
+                <a:cs typeface="宋体" panose="02010600030101010101" pitchFamily="2" charset="-122"/>
+              </a:rPr>
+              <a:t>Tomcat,</a:t>
+            </a:r>
+            <a:r>
+              <a:rPr lang="zh-CN" altLang="zh-CN" sz="2400" b="1" kern="100" dirty="0" smtClean="0">
+                <a:latin typeface="+mn-ea"/>
+                <a:cs typeface="宋体" panose="02010600030101010101" pitchFamily="2" charset="-122"/>
+              </a:rPr>
+              <a:t>按照上面的部署过程部署后，直接运行</a:t>
+            </a:r>
+            <a:r>
+              <a:rPr lang="en-US" altLang="zh-CN" sz="2400" b="1" kern="100" dirty="0" smtClean="0">
+                <a:latin typeface="+mn-ea"/>
+                <a:cs typeface="宋体" panose="02010600030101010101" pitchFamily="2" charset="-122"/>
+              </a:rPr>
+              <a:t>JSP</a:t>
+            </a:r>
+            <a:r>
+              <a:rPr lang="zh-CN" altLang="zh-CN" sz="2400" b="1" kern="100" dirty="0" smtClean="0">
+                <a:latin typeface="+mn-ea"/>
+                <a:cs typeface="宋体" panose="02010600030101010101" pitchFamily="2" charset="-122"/>
+              </a:rPr>
+              <a:t>页面即可。</a:t>
+            </a:r>
+            <a:endParaRPr lang="zh-CN" altLang="en-US" sz="2400" b="1" dirty="0">
+              <a:latin typeface="+mn-ea"/>
+            </a:endParaRPr>
+          </a:p>
+        </p:txBody>
+      </p:sp>
     </p:spTree>
+    <p:extLst>
+      <p:ext uri="{BB962C8B-B14F-4D97-AF65-F5344CB8AC3E}">
+        <p14:creationId xmlns:p14="http://schemas.microsoft.com/office/powerpoint/2010/main" val="2731708892"/>
+      </p:ext>
+    </p:extLst>
   </p:cSld>
   <p:clrMapOvr>
     <a:masterClrMapping/>
@@ -21103,6 +21395,311 @@
                 <a:latin typeface="微软雅黑" panose="020B0503020204020204" pitchFamily="34" charset="-122"/>
                 <a:ea typeface="微软雅黑" panose="020B0503020204020204" pitchFamily="34" charset="-122"/>
               </a:rPr>
+              <a:t>登录界面</a:t>
+            </a:r>
+            <a:r>
+              <a:rPr lang="en-US" altLang="zh-CN" sz="3600" b="1" kern="0">
+                <a:latin typeface="微软雅黑" panose="020B0503020204020204" pitchFamily="34" charset="-122"/>
+                <a:ea typeface="微软雅黑" panose="020B0503020204020204" pitchFamily="34" charset="-122"/>
+              </a:rPr>
+              <a:t>/ </a:t>
+            </a:r>
+            <a:endParaRPr lang="en-US" altLang="ko-KR" sz="2400" kern="0">
+              <a:solidFill>
+                <a:schemeClr val="tx1">
+                  <a:lumMod val="50000"/>
+                  <a:lumOff val="50000"/>
+                </a:schemeClr>
+              </a:solidFill>
+              <a:latin typeface="微软雅黑" panose="020B0503020204020204" pitchFamily="34" charset="-122"/>
+              <a:ea typeface="微软雅黑" panose="020B0503020204020204" pitchFamily="34" charset="-122"/>
+            </a:endParaRPr>
+          </a:p>
+        </p:txBody>
+      </p:sp>
+      <p:pic>
+        <p:nvPicPr>
+          <p:cNvPr id="19" name="图片 19" descr="4TEBI56R_%05]449U[5EWFR"/>
+          <p:cNvPicPr>
+            <a:picLocks noChangeAspect="1"/>
+          </p:cNvPicPr>
+          <p:nvPr/>
+        </p:nvPicPr>
+        <p:blipFill>
+          <a:blip r:embed="rId3"/>
+          <a:srcRect r="35" b="19289"/>
+          <a:stretch>
+            <a:fillRect/>
+          </a:stretch>
+        </p:blipFill>
+        <p:spPr>
+          <a:xfrm>
+            <a:off x="534035" y="1172210"/>
+            <a:ext cx="11150600" cy="4371340"/>
+          </a:xfrm>
+          <a:prstGeom prst="rect">
+            <a:avLst/>
+          </a:prstGeom>
+        </p:spPr>
+      </p:pic>
+    </p:spTree>
+  </p:cSld>
+  <p:clrMapOvr>
+    <a:masterClrMapping/>
+  </p:clrMapOvr>
+  <p:transition spd="med" advClick="0" advTm="0">
+    <p:pull/>
+  </p:transition>
+  <p:timing>
+    <p:tnLst>
+      <p:par>
+        <p:cTn id="1" dur="indefinite" restart="never" nodeType="tmRoot">
+          <p:childTnLst>
+            <p:seq concurrent="1" nextAc="seek">
+              <p:cTn id="2" dur="indefinite" nodeType="mainSeq">
+                <p:childTnLst>
+                  <p:par>
+                    <p:cTn id="3" fill="hold">
+                      <p:stCondLst>
+                        <p:cond delay="indefinite"/>
+                        <p:cond evt="onBegin" delay="0">
+                          <p:tn val="2"/>
+                        </p:cond>
+                      </p:stCondLst>
+                      <p:childTnLst>
+                        <p:par>
+                          <p:cTn id="4" fill="hold">
+                            <p:stCondLst>
+                              <p:cond delay="0"/>
+                            </p:stCondLst>
+                            <p:childTnLst>
+                              <p:par>
+                                <p:cTn id="5" presetID="22" presetClass="entr" presetSubtype="8" fill="hold" grpId="0" nodeType="afterEffect">
+                                  <p:stCondLst>
+                                    <p:cond delay="0"/>
+                                  </p:stCondLst>
+                                  <p:childTnLst>
+                                    <p:set>
+                                      <p:cBhvr>
+                                        <p:cTn id="6" dur="1" fill="hold">
+                                          <p:stCondLst>
+                                            <p:cond delay="0"/>
+                                          </p:stCondLst>
+                                        </p:cTn>
+                                        <p:tgtEl>
+                                          <p:spTgt spid="3"/>
+                                        </p:tgtEl>
+                                        <p:attrNameLst>
+                                          <p:attrName>style.visibility</p:attrName>
+                                        </p:attrNameLst>
+                                      </p:cBhvr>
+                                      <p:to>
+                                        <p:strVal val="visible"/>
+                                      </p:to>
+                                    </p:set>
+                                    <p:animEffect transition="in" filter="wipe(left)">
+                                      <p:cBhvr>
+                                        <p:cTn id="7" dur="1000"/>
+                                        <p:tgtEl>
+                                          <p:spTgt spid="3"/>
+                                        </p:tgtEl>
+                                      </p:cBhvr>
+                                    </p:animEffect>
+                                  </p:childTnLst>
+                                </p:cTn>
+                              </p:par>
+                            </p:childTnLst>
+                          </p:cTn>
+                        </p:par>
+                      </p:childTnLst>
+                    </p:cTn>
+                  </p:par>
+                </p:childTnLst>
+              </p:cTn>
+              <p:prevCondLst>
+                <p:cond evt="onPrev" delay="0">
+                  <p:tgtEl>
+                    <p:sldTgt/>
+                  </p:tgtEl>
+                </p:cond>
+              </p:prevCondLst>
+              <p:nextCondLst>
+                <p:cond evt="onNext" delay="0">
+                  <p:tgtEl>
+                    <p:sldTgt/>
+                  </p:tgtEl>
+                </p:cond>
+              </p:nextCondLst>
+            </p:seq>
+          </p:childTnLst>
+        </p:cTn>
+      </p:par>
+    </p:tnLst>
+    <p:bldLst>
+      <p:bldP spid="3" grpId="0"/>
+    </p:bldLst>
+  </p:timing>
+</p:sld>
+</file>
+
+<file path=ppt/slides/slide21.xml><?xml version="1.0" encoding="utf-8"?>
+<p:sld xmlns:a="http://schemas.openxmlformats.org/drawingml/2006/main" xmlns:r="http://schemas.openxmlformats.org/officeDocument/2006/relationships" xmlns:p="http://schemas.openxmlformats.org/presentationml/2006/main">
+  <p:cSld>
+    <p:spTree>
+      <p:nvGrpSpPr>
+        <p:cNvPr id="1" name=""/>
+        <p:cNvGrpSpPr/>
+        <p:nvPr/>
+      </p:nvGrpSpPr>
+      <p:grpSpPr>
+        <a:xfrm>
+          <a:off x="0" y="0"/>
+          <a:ext cx="0" cy="0"/>
+          <a:chOff x="0" y="0"/>
+          <a:chExt cx="0" cy="0"/>
+        </a:xfrm>
+      </p:grpSpPr>
+      <p:sp>
+        <p:nvSpPr>
+          <p:cNvPr id="3" name="TextBox 59"/>
+          <p:cNvSpPr txBox="1">
+            <a:spLocks noChangeArrowheads="1"/>
+          </p:cNvSpPr>
+          <p:nvPr/>
+        </p:nvSpPr>
+        <p:spPr bwMode="auto">
+          <a:xfrm flipH="1">
+            <a:off x="1343480" y="442201"/>
+            <a:ext cx="8777256" cy="645160"/>
+          </a:xfrm>
+          <a:prstGeom prst="rect">
+            <a:avLst/>
+          </a:prstGeom>
+          <a:noFill/>
+          <a:ln>
+            <a:noFill/>
+          </a:ln>
+        </p:spPr>
+        <p:txBody>
+          <a:bodyPr wrap="square">
+            <a:spAutoFit/>
+          </a:bodyPr>
+          <a:lstStyle>
+            <a:lvl1pPr eaLnBrk="0" hangingPunct="0">
+              <a:defRPr>
+                <a:solidFill>
+                  <a:schemeClr val="tx1"/>
+                </a:solidFill>
+                <a:latin typeface="Arial" panose="020B0604020202020204"/>
+                <a:ea typeface="宋体" panose="02010600030101010101" pitchFamily="2" charset="-122"/>
+              </a:defRPr>
+            </a:lvl1pPr>
+            <a:lvl2pPr marL="742950" indent="-285750" eaLnBrk="0" hangingPunct="0">
+              <a:defRPr>
+                <a:solidFill>
+                  <a:schemeClr val="tx1"/>
+                </a:solidFill>
+                <a:latin typeface="Arial" panose="020B0604020202020204"/>
+                <a:ea typeface="宋体" panose="02010600030101010101" pitchFamily="2" charset="-122"/>
+              </a:defRPr>
+            </a:lvl2pPr>
+            <a:lvl3pPr marL="1143000" indent="-228600" eaLnBrk="0" hangingPunct="0">
+              <a:defRPr>
+                <a:solidFill>
+                  <a:schemeClr val="tx1"/>
+                </a:solidFill>
+                <a:latin typeface="Arial" panose="020B0604020202020204"/>
+                <a:ea typeface="宋体" panose="02010600030101010101" pitchFamily="2" charset="-122"/>
+              </a:defRPr>
+            </a:lvl3pPr>
+            <a:lvl4pPr marL="1600200" indent="-228600" eaLnBrk="0" hangingPunct="0">
+              <a:defRPr>
+                <a:solidFill>
+                  <a:schemeClr val="tx1"/>
+                </a:solidFill>
+                <a:latin typeface="Arial" panose="020B0604020202020204"/>
+                <a:ea typeface="宋体" panose="02010600030101010101" pitchFamily="2" charset="-122"/>
+              </a:defRPr>
+            </a:lvl4pPr>
+            <a:lvl5pPr marL="2057400" indent="-228600" eaLnBrk="0" hangingPunct="0">
+              <a:defRPr>
+                <a:solidFill>
+                  <a:schemeClr val="tx1"/>
+                </a:solidFill>
+                <a:latin typeface="Arial" panose="020B0604020202020204"/>
+                <a:ea typeface="宋体" panose="02010600030101010101" pitchFamily="2" charset="-122"/>
+              </a:defRPr>
+            </a:lvl5pPr>
+            <a:lvl6pPr marL="2514600" indent="-228600" eaLnBrk="0" fontAlgn="base" hangingPunct="0">
+              <a:spcBef>
+                <a:spcPct val="0"/>
+              </a:spcBef>
+              <a:spcAft>
+                <a:spcPct val="0"/>
+              </a:spcAft>
+              <a:defRPr>
+                <a:solidFill>
+                  <a:schemeClr val="tx1"/>
+                </a:solidFill>
+                <a:latin typeface="Arial" panose="020B0604020202020204"/>
+                <a:ea typeface="宋体" panose="02010600030101010101" pitchFamily="2" charset="-122"/>
+              </a:defRPr>
+            </a:lvl6pPr>
+            <a:lvl7pPr marL="2971800" indent="-228600" eaLnBrk="0" fontAlgn="base" hangingPunct="0">
+              <a:spcBef>
+                <a:spcPct val="0"/>
+              </a:spcBef>
+              <a:spcAft>
+                <a:spcPct val="0"/>
+              </a:spcAft>
+              <a:defRPr>
+                <a:solidFill>
+                  <a:schemeClr val="tx1"/>
+                </a:solidFill>
+                <a:latin typeface="Arial" panose="020B0604020202020204"/>
+                <a:ea typeface="宋体" panose="02010600030101010101" pitchFamily="2" charset="-122"/>
+              </a:defRPr>
+            </a:lvl7pPr>
+            <a:lvl8pPr marL="3429000" indent="-228600" eaLnBrk="0" fontAlgn="base" hangingPunct="0">
+              <a:spcBef>
+                <a:spcPct val="0"/>
+              </a:spcBef>
+              <a:spcAft>
+                <a:spcPct val="0"/>
+              </a:spcAft>
+              <a:defRPr>
+                <a:solidFill>
+                  <a:schemeClr val="tx1"/>
+                </a:solidFill>
+                <a:latin typeface="Arial" panose="020B0604020202020204"/>
+                <a:ea typeface="宋体" panose="02010600030101010101" pitchFamily="2" charset="-122"/>
+              </a:defRPr>
+            </a:lvl8pPr>
+            <a:lvl9pPr marL="3886200" indent="-228600" eaLnBrk="0" fontAlgn="base" hangingPunct="0">
+              <a:spcBef>
+                <a:spcPct val="0"/>
+              </a:spcBef>
+              <a:spcAft>
+                <a:spcPct val="0"/>
+              </a:spcAft>
+              <a:defRPr>
+                <a:solidFill>
+                  <a:schemeClr val="tx1"/>
+                </a:solidFill>
+                <a:latin typeface="Arial" panose="020B0604020202020204"/>
+                <a:ea typeface="宋体" panose="02010600030101010101" pitchFamily="2" charset="-122"/>
+              </a:defRPr>
+            </a:lvl9pPr>
+          </a:lstStyle>
+          <a:p>
+            <a:pPr>
+              <a:defRPr/>
+            </a:pPr>
+            <a:r>
+              <a:rPr lang="zh-CN" altLang="en-US" sz="3600" b="1" kern="0">
+                <a:latin typeface="微软雅黑" panose="020B0503020204020204" pitchFamily="34" charset="-122"/>
+                <a:ea typeface="微软雅黑" panose="020B0503020204020204" pitchFamily="34" charset="-122"/>
+              </a:rPr>
               <a:t>用户管理界面</a:t>
             </a:r>
             <a:r>
@@ -21249,7 +21846,7 @@
 </p:sld>
 </file>
 
-<file path=ppt/slides/slide21.xml><?xml version="1.0" encoding="utf-8"?>
+<file path=ppt/slides/slide22.xml><?xml version="1.0" encoding="utf-8"?>
 <p:sld xmlns:a="http://schemas.openxmlformats.org/drawingml/2006/main" xmlns:r="http://schemas.openxmlformats.org/officeDocument/2006/relationships" xmlns:p="http://schemas.openxmlformats.org/presentationml/2006/main">
   <p:cSld>
     <p:spTree>
@@ -21553,7 +22150,7 @@
 </p:sld>
 </file>
 
-<file path=ppt/slides/slide22.xml><?xml version="1.0" encoding="utf-8"?>
+<file path=ppt/slides/slide23.xml><?xml version="1.0" encoding="utf-8"?>
 <p:sld xmlns:a="http://schemas.openxmlformats.org/drawingml/2006/main" xmlns:r="http://schemas.openxmlformats.org/officeDocument/2006/relationships" xmlns:p="http://schemas.openxmlformats.org/presentationml/2006/main">
   <p:cSld>
     <p:spTree>
@@ -21857,7 +22454,7 @@
 </p:sld>
 </file>
 
-<file path=ppt/slides/slide23.xml><?xml version="1.0" encoding="utf-8"?>
+<file path=ppt/slides/slide24.xml><?xml version="1.0" encoding="utf-8"?>
 <p:sld xmlns:a="http://schemas.openxmlformats.org/drawingml/2006/main" xmlns:r="http://schemas.openxmlformats.org/officeDocument/2006/relationships" xmlns:p="http://schemas.openxmlformats.org/presentationml/2006/main">
   <p:cSld>
     <p:spTree>
@@ -22161,7 +22758,7 @@
 </p:sld>
 </file>
 
-<file path=ppt/slides/slide24.xml><?xml version="1.0" encoding="utf-8"?>
+<file path=ppt/slides/slide25.xml><?xml version="1.0" encoding="utf-8"?>
 <p:sld xmlns:a="http://schemas.openxmlformats.org/drawingml/2006/main" xmlns:r="http://schemas.openxmlformats.org/officeDocument/2006/relationships" xmlns:p="http://schemas.openxmlformats.org/presentationml/2006/main">
   <p:cSld>
     <p:spTree>
@@ -22465,7 +23062,7 @@
 </p:sld>
 </file>
 
-<file path=ppt/slides/slide25.xml><?xml version="1.0" encoding="utf-8"?>
+<file path=ppt/slides/slide26.xml><?xml version="1.0" encoding="utf-8"?>
 <p:sld xmlns:a="http://schemas.openxmlformats.org/drawingml/2006/main" xmlns:r="http://schemas.openxmlformats.org/officeDocument/2006/relationships" xmlns:p="http://schemas.openxmlformats.org/presentationml/2006/main">
   <p:cSld>
     <p:spTree>
@@ -22769,7 +23366,7 @@
 </p:sld>
 </file>
 
-<file path=ppt/slides/slide26.xml><?xml version="1.0" encoding="utf-8"?>
+<file path=ppt/slides/slide27.xml><?xml version="1.0" encoding="utf-8"?>
 <p:sld xmlns:a="http://schemas.openxmlformats.org/drawingml/2006/main" xmlns:r="http://schemas.openxmlformats.org/officeDocument/2006/relationships" xmlns:p="http://schemas.openxmlformats.org/presentationml/2006/main">
   <p:cSld>
     <p:spTree>
@@ -23073,7 +23670,7 @@
 </p:sld>
 </file>
 
-<file path=ppt/slides/slide27.xml><?xml version="1.0" encoding="utf-8"?>
+<file path=ppt/slides/slide28.xml><?xml version="1.0" encoding="utf-8"?>
 <p:sld xmlns:a="http://schemas.openxmlformats.org/drawingml/2006/main" xmlns:r="http://schemas.openxmlformats.org/officeDocument/2006/relationships" xmlns:p="http://schemas.openxmlformats.org/presentationml/2006/main">
   <p:cSld>
     <p:spTree>

--- a/固定资产管理系统-17.pptx
+++ b/固定资产管理系统-17.pptx
@@ -1832,7 +1832,7 @@
             </a:spcAft>
           </a:pPr>
           <a:r>
-            <a:rPr lang="zh-CN" altLang="en-US"/>
+            <a:rPr lang="zh-CN" altLang="en-US" dirty="0"/>
             <a:t>资产报废管理功能</a:t>
           </a:r>
         </a:p>
@@ -1879,7 +1879,7 @@
             </a:spcAft>
           </a:pPr>
           <a:r>
-            <a:rPr lang="zh-CN" altLang="en-US"/>
+            <a:rPr lang="zh-CN" altLang="en-US" dirty="0"/>
             <a:t>资产维修管理功能</a:t>
           </a:r>
         </a:p>
@@ -2956,7 +2956,7 @@
             </a:spcAft>
           </a:pPr>
           <a:r>
-            <a:rPr lang="zh-CN" altLang="en-US" sz="1700" kern="1200"/>
+            <a:rPr lang="zh-CN" altLang="en-US" sz="1700" kern="1200" dirty="0"/>
             <a:t>资产报废管理功能</a:t>
           </a:r>
         </a:p>
@@ -3033,7 +3033,7 @@
             </a:spcAft>
           </a:pPr>
           <a:r>
-            <a:rPr lang="zh-CN" altLang="en-US" sz="1700" kern="1200"/>
+            <a:rPr lang="zh-CN" altLang="en-US" sz="1700" kern="1200" dirty="0"/>
             <a:t>资产维修管理功能</a:t>
           </a:r>
         </a:p>
@@ -11984,83 +11984,6 @@
           </a:p>
         </p:txBody>
       </p:sp>
-      <p:grpSp>
-        <p:nvGrpSpPr>
-          <p:cNvPr id="11" name="组合 10"/>
-          <p:cNvGrpSpPr/>
-          <p:nvPr/>
-        </p:nvGrpSpPr>
-        <p:grpSpPr>
-          <a:xfrm>
-            <a:off x="670511" y="4885168"/>
-            <a:ext cx="7199729" cy="928333"/>
-            <a:chOff x="2761703" y="5178991"/>
-            <a:chExt cx="8524077" cy="1099094"/>
-          </a:xfrm>
-        </p:grpSpPr>
-        <p:sp>
-          <p:nvSpPr>
-            <p:cNvPr id="12" name="矩形 11"/>
-            <p:cNvSpPr/>
-            <p:nvPr/>
-          </p:nvSpPr>
-          <p:spPr>
-            <a:xfrm>
-              <a:off x="2761703" y="5178991"/>
-              <a:ext cx="8524077" cy="801658"/>
-            </a:xfrm>
-            <a:prstGeom prst="rect">
-              <a:avLst/>
-            </a:prstGeom>
-          </p:spPr>
-          <p:txBody>
-            <a:bodyPr wrap="square">
-              <a:spAutoFit/>
-            </a:bodyPr>
-            <a:lstStyle/>
-            <a:p>
-              <a:r>
-                <a:rPr lang="zh-CN" altLang="en-US" sz="3800">
-                  <a:latin typeface="陈继世-硬笔行书" panose="02010609030101010101" pitchFamily="49" charset="-122"/>
-                  <a:ea typeface="陈继世-硬笔行书" panose="02010609030101010101" pitchFamily="49" charset="-122"/>
-                </a:rPr>
-                <a:t>读书好，多读书，读好书</a:t>
-              </a:r>
-            </a:p>
-          </p:txBody>
-        </p:sp>
-        <p:sp>
-          <p:nvSpPr>
-            <p:cNvPr id="13" name="矩形 12"/>
-            <p:cNvSpPr/>
-            <p:nvPr/>
-          </p:nvSpPr>
-          <p:spPr>
-            <a:xfrm>
-              <a:off x="2847622" y="5877256"/>
-              <a:ext cx="5805952" cy="400829"/>
-            </a:xfrm>
-            <a:prstGeom prst="rect">
-              <a:avLst/>
-            </a:prstGeom>
-          </p:spPr>
-          <p:txBody>
-            <a:bodyPr wrap="none">
-              <a:spAutoFit/>
-            </a:bodyPr>
-            <a:lstStyle/>
-            <a:p>
-              <a:r>
-                <a:rPr lang="zh-CN" altLang="en-US" sz="1600">
-                  <a:latin typeface="陈继世-硬笔行书" panose="02010609030101010101" pitchFamily="49" charset="-122"/>
-                  <a:ea typeface="陈继世-硬笔行书" panose="02010609030101010101" pitchFamily="49" charset="-122"/>
-                </a:rPr>
-                <a:t>Good reading, read more books, read good books</a:t>
-              </a:r>
-            </a:p>
-          </p:txBody>
-        </p:sp>
-      </p:grpSp>
       <p:pic>
         <p:nvPicPr>
           <p:cNvPr id="18" name="图片 17"/>
@@ -12920,88 +12843,6 @@
                                         </p:tgtEl>
                                       </p:cBhvr>
                                     </p:animEffect>
-                                  </p:childTnLst>
-                                </p:cTn>
-                              </p:par>
-                            </p:childTnLst>
-                          </p:cTn>
-                        </p:par>
-                        <p:par>
-                          <p:cTn id="28" fill="hold">
-                            <p:stCondLst>
-                              <p:cond delay="6250"/>
-                            </p:stCondLst>
-                            <p:childTnLst>
-                              <p:par>
-                                <p:cTn id="29" presetID="2" presetClass="entr" presetSubtype="8" fill="hold" nodeType="afterEffect">
-                                  <p:stCondLst>
-                                    <p:cond delay="0"/>
-                                  </p:stCondLst>
-                                  <p:childTnLst>
-                                    <p:set>
-                                      <p:cBhvr>
-                                        <p:cTn id="30" dur="1" fill="hold">
-                                          <p:stCondLst>
-                                            <p:cond delay="0"/>
-                                          </p:stCondLst>
-                                        </p:cTn>
-                                        <p:tgtEl>
-                                          <p:spTgt spid="11"/>
-                                        </p:tgtEl>
-                                        <p:attrNameLst>
-                                          <p:attrName>style.visibility</p:attrName>
-                                        </p:attrNameLst>
-                                      </p:cBhvr>
-                                      <p:to>
-                                        <p:strVal val="visible"/>
-                                      </p:to>
-                                    </p:set>
-                                    <p:anim calcmode="lin" valueType="num">
-                                      <p:cBhvr additive="base">
-                                        <p:cTn id="31" dur="1000" fill="hold"/>
-                                        <p:tgtEl>
-                                          <p:spTgt spid="11"/>
-                                        </p:tgtEl>
-                                        <p:attrNameLst>
-                                          <p:attrName>ppt_x</p:attrName>
-                                        </p:attrNameLst>
-                                      </p:cBhvr>
-                                      <p:tavLst>
-                                        <p:tav tm="0">
-                                          <p:val>
-                                            <p:strVal val="0-#ppt_w/2"/>
-                                          </p:val>
-                                        </p:tav>
-                                        <p:tav tm="100000">
-                                          <p:val>
-                                            <p:strVal val="#ppt_x"/>
-                                          </p:val>
-                                        </p:tav>
-                                      </p:tavLst>
-                                    </p:anim>
-                                    <p:anim calcmode="lin" valueType="num">
-                                      <p:cBhvr additive="base">
-                                        <p:cTn id="32" dur="1000" fill="hold"/>
-                                        <p:tgtEl>
-                                          <p:spTgt spid="11"/>
-                                        </p:tgtEl>
-                                        <p:attrNameLst>
-                                          <p:attrName>ppt_y</p:attrName>
-                                        </p:attrNameLst>
-                                      </p:cBhvr>
-                                      <p:tavLst>
-                                        <p:tav tm="0">
-                                          <p:val>
-                                            <p:strVal val="#ppt_y"/>
-                                          </p:val>
-                                        </p:tav>
-                                        <p:tav tm="100000">
-                                          <p:val>
-                                            <p:strVal val="#ppt_y"/>
-                                          </p:val>
-                                        </p:tav>
-                                      </p:tavLst>
-                                    </p:anim>
                                   </p:childTnLst>
                                 </p:cTn>
                               </p:par>
@@ -16497,17 +16338,6 @@
                 </a:rPr>
                 <a:t>设计界面</a:t>
               </a:r>
-              <a:endParaRPr lang="zh-CN" altLang="en-US" sz="2000" dirty="0" smtClean="0">
-                <a:solidFill>
-                  <a:sysClr val="windowText" lastClr="000000">
-                    <a:lumMod val="75000"/>
-                    <a:lumOff val="25000"/>
-                  </a:sysClr>
-                </a:solidFill>
-                <a:latin typeface="+mn-ea"/>
-                <a:cs typeface="+mn-ea"/>
-                <a:sym typeface="Arial" panose="020B0604020202020204" pitchFamily="34" charset="0"/>
-              </a:endParaRPr>
             </a:p>
           </p:txBody>
         </p:sp>
@@ -20762,90 +20592,6 @@
           </a:p>
         </p:txBody>
       </p:sp>
-      <p:grpSp>
-        <p:nvGrpSpPr>
-          <p:cNvPr id="9" name="组合 8"/>
-          <p:cNvGrpSpPr/>
-          <p:nvPr/>
-        </p:nvGrpSpPr>
-        <p:grpSpPr>
-          <a:xfrm>
-            <a:off x="1833962" y="5539075"/>
-            <a:ext cx="8524077" cy="1140523"/>
-            <a:chOff x="1833962" y="5240043"/>
-            <a:chExt cx="8524077" cy="1140523"/>
-          </a:xfrm>
-        </p:grpSpPr>
-        <p:sp>
-          <p:nvSpPr>
-            <p:cNvPr id="10" name="矩形 9"/>
-            <p:cNvSpPr/>
-            <p:nvPr/>
-          </p:nvSpPr>
-          <p:spPr>
-            <a:xfrm>
-              <a:off x="1833962" y="5240043"/>
-              <a:ext cx="8524077" cy="861774"/>
-            </a:xfrm>
-            <a:prstGeom prst="rect">
-              <a:avLst/>
-            </a:prstGeom>
-          </p:spPr>
-          <p:txBody>
-            <a:bodyPr wrap="square">
-              <a:spAutoFit/>
-            </a:bodyPr>
-            <a:lstStyle/>
-            <a:p>
-              <a:pPr algn="ctr"/>
-              <a:r>
-                <a:rPr lang="zh-CN" altLang="en-US" sz="5000">
-                  <a:solidFill>
-                    <a:schemeClr val="bg1"/>
-                  </a:solidFill>
-                  <a:latin typeface="陈继世-硬笔行书" panose="02010609030101010101" pitchFamily="49" charset="-122"/>
-                  <a:ea typeface="陈继世-硬笔行书" panose="02010609030101010101" pitchFamily="49" charset="-122"/>
-                </a:rPr>
-                <a:t>读书好，多读书，读好书。</a:t>
-              </a:r>
-            </a:p>
-          </p:txBody>
-        </p:sp>
-        <p:sp>
-          <p:nvSpPr>
-            <p:cNvPr id="11" name="矩形 10"/>
-            <p:cNvSpPr/>
-            <p:nvPr/>
-          </p:nvSpPr>
-          <p:spPr>
-            <a:xfrm>
-              <a:off x="2614046" y="5949679"/>
-              <a:ext cx="6673622" cy="430887"/>
-            </a:xfrm>
-            <a:prstGeom prst="rect">
-              <a:avLst/>
-            </a:prstGeom>
-          </p:spPr>
-          <p:txBody>
-            <a:bodyPr wrap="none">
-              <a:spAutoFit/>
-            </a:bodyPr>
-            <a:lstStyle/>
-            <a:p>
-              <a:r>
-                <a:rPr lang="zh-CN" altLang="en-US" sz="2200">
-                  <a:solidFill>
-                    <a:schemeClr val="bg1"/>
-                  </a:solidFill>
-                  <a:latin typeface="陈继世-硬笔行书" panose="02010609030101010101" pitchFamily="49" charset="-122"/>
-                  <a:ea typeface="陈继世-硬笔行书" panose="02010609030101010101" pitchFamily="49" charset="-122"/>
-                </a:rPr>
-                <a:t>Good reading, read more books, read good books</a:t>
-              </a:r>
-            </a:p>
-          </p:txBody>
-        </p:sp>
-      </p:grpSp>
       <p:pic>
         <p:nvPicPr>
           <p:cNvPr id="5" name="图片 4" descr="74a344a8cd4ef619f8e755239338a2a9"/>
@@ -21116,88 +20862,6 @@
                                         </p:tgtEl>
                                       </p:cBhvr>
                                     </p:animEffect>
-                                  </p:childTnLst>
-                                </p:cTn>
-                              </p:par>
-                            </p:childTnLst>
-                          </p:cTn>
-                        </p:par>
-                        <p:par>
-                          <p:cTn id="21" fill="hold">
-                            <p:stCondLst>
-                              <p:cond delay="4500"/>
-                            </p:stCondLst>
-                            <p:childTnLst>
-                              <p:par>
-                                <p:cTn id="22" presetID="2" presetClass="entr" presetSubtype="8" fill="hold" nodeType="afterEffect">
-                                  <p:stCondLst>
-                                    <p:cond delay="0"/>
-                                  </p:stCondLst>
-                                  <p:childTnLst>
-                                    <p:set>
-                                      <p:cBhvr>
-                                        <p:cTn id="23" dur="1" fill="hold">
-                                          <p:stCondLst>
-                                            <p:cond delay="0"/>
-                                          </p:stCondLst>
-                                        </p:cTn>
-                                        <p:tgtEl>
-                                          <p:spTgt spid="9"/>
-                                        </p:tgtEl>
-                                        <p:attrNameLst>
-                                          <p:attrName>style.visibility</p:attrName>
-                                        </p:attrNameLst>
-                                      </p:cBhvr>
-                                      <p:to>
-                                        <p:strVal val="visible"/>
-                                      </p:to>
-                                    </p:set>
-                                    <p:anim calcmode="lin" valueType="num">
-                                      <p:cBhvr additive="base">
-                                        <p:cTn id="24" dur="1500" fill="hold"/>
-                                        <p:tgtEl>
-                                          <p:spTgt spid="9"/>
-                                        </p:tgtEl>
-                                        <p:attrNameLst>
-                                          <p:attrName>ppt_x</p:attrName>
-                                        </p:attrNameLst>
-                                      </p:cBhvr>
-                                      <p:tavLst>
-                                        <p:tav tm="0">
-                                          <p:val>
-                                            <p:strVal val="0-#ppt_w/2"/>
-                                          </p:val>
-                                        </p:tav>
-                                        <p:tav tm="100000">
-                                          <p:val>
-                                            <p:strVal val="#ppt_x"/>
-                                          </p:val>
-                                        </p:tav>
-                                      </p:tavLst>
-                                    </p:anim>
-                                    <p:anim calcmode="lin" valueType="num">
-                                      <p:cBhvr additive="base">
-                                        <p:cTn id="25" dur="1500" fill="hold"/>
-                                        <p:tgtEl>
-                                          <p:spTgt spid="9"/>
-                                        </p:tgtEl>
-                                        <p:attrNameLst>
-                                          <p:attrName>ppt_y</p:attrName>
-                                        </p:attrNameLst>
-                                      </p:cBhvr>
-                                      <p:tavLst>
-                                        <p:tav tm="0">
-                                          <p:val>
-                                            <p:strVal val="#ppt_y"/>
-                                          </p:val>
-                                        </p:tav>
-                                        <p:tav tm="100000">
-                                          <p:val>
-                                            <p:strVal val="#ppt_y"/>
-                                          </p:val>
-                                        </p:tav>
-                                      </p:tavLst>
-                                    </p:anim>
                                   </p:childTnLst>
                                 </p:cTn>
                               </p:par>
@@ -27902,7 +27566,7 @@
               </a:lnSpc>
             </a:pPr>
             <a:r>
-              <a:rPr lang="zh-CN" altLang="en-US"/>
+              <a:rPr lang="zh-CN" altLang="en-US" dirty="0"/>
               <a:t>项目来自企业实际某油田公司存在如下问题：</a:t>
             </a:r>
           </a:p>
@@ -27913,7 +27577,7 @@
               </a:lnSpc>
             </a:pPr>
             <a:r>
-              <a:rPr lang="zh-CN" altLang="en-US"/>
+              <a:rPr lang="zh-CN" altLang="en-US" dirty="0"/>
               <a:t>一是固定资产具有数量大、种类多、价值高、使用周期长、使用地点分散等特点，管理难度大。二是很多单位目前仍然依赖手工记账的管理方式，由于管理单据众多、盘点工作繁重，需占用大量的人力物力，而且固定资产的历史操作和资产统计工作异常困难，导致资产流失和资产重复购置，使单位成本大幅增加。三是存在账、卡、物不相符合，难于满足现代管理的需要，由于缺乏有效的资产实物的日常管理手段，即使单位花大力气进行了资产清查，没多久，账实不符的情况又会重新出现，因此，必须有一套有效的管理手段对实物进行管理。四是固定资产缺乏中间跟踪管理，没有固定资产的历史记录，如安装、移动、调拨、报废、维修等。</a:t>
             </a:r>
           </a:p>
